--- a/doc/Java EE - Security.pptx
+++ b/doc/Java EE - Security.pptx
@@ -3872,7 +3872,7 @@
       </p:grpSpPr>
       <p:sp>
         <p:nvSpPr>
-          <p:cNvPr id="2" name="Folienbildplatzhalter 1"/>
+          <p:cNvPr id="2" name="Slide Image Placeholder 1"/>
           <p:cNvSpPr>
             <a:spLocks noGrp="1" noRot="1" noChangeAspect="1"/>
           </p:cNvSpPr>
@@ -3884,7 +3884,7 @@
       </p:sp>
       <p:sp>
         <p:nvSpPr>
-          <p:cNvPr id="3" name="Notizenplatzhalter 2"/>
+          <p:cNvPr id="3" name="Notes Placeholder 2"/>
           <p:cNvSpPr>
             <a:spLocks noGrp="1"/>
           </p:cNvSpPr>
@@ -3903,7 +3903,7 @@
       </p:sp>
       <p:sp>
         <p:nvSpPr>
-          <p:cNvPr id="4" name="Foliennummernplatzhalter 3"/>
+          <p:cNvPr id="4" name="Slide Number Placeholder 3"/>
           <p:cNvSpPr>
             <a:spLocks noGrp="1"/>
           </p:cNvSpPr>
@@ -3918,7 +3918,7 @@
           <a:p>
             <a:fld id="{560D6F24-109C-42D3-BF90-9BF72925201E}" type="slidenum">
               <a:rPr lang="de-AT" smtClean="0"/>
-              <a:t>8</a:t>
+              <a:t>7</a:t>
             </a:fld>
             <a:endParaRPr lang="de-AT"/>
           </a:p>
@@ -3927,7 +3927,7 @@
     </p:spTree>
     <p:extLst>
       <p:ext uri="{BB962C8B-B14F-4D97-AF65-F5344CB8AC3E}">
-        <p14:creationId xmlns:p14="http://schemas.microsoft.com/office/powerpoint/2010/main" val="2775822030"/>
+        <p14:creationId xmlns:p14="http://schemas.microsoft.com/office/powerpoint/2010/main" val="1148679377"/>
       </p:ext>
     </p:extLst>
   </p:cSld>
@@ -3981,6 +3981,90 @@
           <a:bodyPr/>
           <a:lstStyle/>
           <a:p>
+            <a:endParaRPr lang="de-AT"/>
+          </a:p>
+        </p:txBody>
+      </p:sp>
+      <p:sp>
+        <p:nvSpPr>
+          <p:cNvPr id="4" name="Foliennummernplatzhalter 3"/>
+          <p:cNvSpPr>
+            <a:spLocks noGrp="1"/>
+          </p:cNvSpPr>
+          <p:nvPr>
+            <p:ph type="sldNum" sz="quarter" idx="10"/>
+          </p:nvPr>
+        </p:nvSpPr>
+        <p:spPr/>
+        <p:txBody>
+          <a:bodyPr/>
+          <a:lstStyle/>
+          <a:p>
+            <a:fld id="{560D6F24-109C-42D3-BF90-9BF72925201E}" type="slidenum">
+              <a:rPr lang="de-AT" smtClean="0"/>
+              <a:t>8</a:t>
+            </a:fld>
+            <a:endParaRPr lang="de-AT"/>
+          </a:p>
+        </p:txBody>
+      </p:sp>
+    </p:spTree>
+    <p:extLst>
+      <p:ext uri="{BB962C8B-B14F-4D97-AF65-F5344CB8AC3E}">
+        <p14:creationId xmlns:p14="http://schemas.microsoft.com/office/powerpoint/2010/main" val="2775822030"/>
+      </p:ext>
+    </p:extLst>
+  </p:cSld>
+  <p:clrMapOvr>
+    <a:masterClrMapping/>
+  </p:clrMapOvr>
+</p:notes>
+</file>
+
+<file path=ppt/notesSlides/notesSlide4.xml><?xml version="1.0" encoding="utf-8"?>
+<p:notes xmlns:a="http://schemas.openxmlformats.org/drawingml/2006/main" xmlns:r="http://schemas.openxmlformats.org/officeDocument/2006/relationships" xmlns:p="http://schemas.openxmlformats.org/presentationml/2006/main">
+  <p:cSld>
+    <p:spTree>
+      <p:nvGrpSpPr>
+        <p:cNvPr id="1" name=""/>
+        <p:cNvGrpSpPr/>
+        <p:nvPr/>
+      </p:nvGrpSpPr>
+      <p:grpSpPr>
+        <a:xfrm>
+          <a:off x="0" y="0"/>
+          <a:ext cx="0" cy="0"/>
+          <a:chOff x="0" y="0"/>
+          <a:chExt cx="0" cy="0"/>
+        </a:xfrm>
+      </p:grpSpPr>
+      <p:sp>
+        <p:nvSpPr>
+          <p:cNvPr id="2" name="Folienbildplatzhalter 1"/>
+          <p:cNvSpPr>
+            <a:spLocks noGrp="1" noRot="1" noChangeAspect="1"/>
+          </p:cNvSpPr>
+          <p:nvPr>
+            <p:ph type="sldImg"/>
+          </p:nvPr>
+        </p:nvSpPr>
+        <p:spPr/>
+      </p:sp>
+      <p:sp>
+        <p:nvSpPr>
+          <p:cNvPr id="3" name="Notizenplatzhalter 2"/>
+          <p:cNvSpPr>
+            <a:spLocks noGrp="1"/>
+          </p:cNvSpPr>
+          <p:nvPr>
+            <p:ph type="body" idx="1"/>
+          </p:nvPr>
+        </p:nvSpPr>
+        <p:spPr/>
+        <p:txBody>
+          <a:bodyPr/>
+          <a:lstStyle/>
+          <a:p>
             <a:endParaRPr lang="de-AT" dirty="0"/>
           </a:p>
         </p:txBody>
@@ -4021,7 +4105,7 @@
 </p:notes>
 </file>
 
-<file path=ppt/notesSlides/notesSlide4.xml><?xml version="1.0" encoding="utf-8"?>
+<file path=ppt/notesSlides/notesSlide5.xml><?xml version="1.0" encoding="utf-8"?>
 <p:notes xmlns:a="http://schemas.openxmlformats.org/drawingml/2006/main" xmlns:r="http://schemas.openxmlformats.org/officeDocument/2006/relationships" xmlns:p="http://schemas.openxmlformats.org/presentationml/2006/main">
   <p:cSld>
     <p:spTree>
@@ -4177,7 +4261,7 @@
           <a:lstStyle>
             <a:lvl1pPr marL="0" indent="0" algn="l">
               <a:buNone/>
-              <a:defRPr>
+              <a:defRPr sz="2000">
                 <a:solidFill>
                   <a:schemeClr val="tx1">
                     <a:lumMod val="65000"/>
@@ -4269,7 +4353,7 @@
           </a:lstStyle>
           <a:p>
             <a:r>
-              <a:rPr lang="de-DE" smtClean="0"/>
+              <a:rPr lang="de-DE" dirty="0" smtClean="0"/>
               <a:t>Formatvorlage des Untertitelmasters durch Klicken bearbeiten</a:t>
             </a:r>
             <a:endParaRPr lang="en-US" dirty="0"/>
@@ -4289,9 +4373,13 @@
         <p:spPr/>
         <p:txBody>
           <a:bodyPr/>
-          <a:lstStyle/>
-          <a:p>
-            <a:fld id="{89ECCA96-976D-4AD0-B7B2-CAED4F37740A}" type="datetime1">
+          <a:lstStyle>
+            <a:lvl1pPr>
+              <a:defRPr sz="1400"/>
+            </a:lvl1pPr>
+          </a:lstStyle>
+          <a:p>
+            <a:fld id="{4A1663B2-2152-4241-B2EA-C657A943C735}" type="datetime1">
               <a:rPr lang="de-AT" smtClean="0"/>
               <a:t>12.02.2015</a:t>
             </a:fld>
@@ -4312,11 +4400,15 @@
         <p:spPr/>
         <p:txBody>
           <a:bodyPr/>
-          <a:lstStyle/>
+          <a:lstStyle>
+            <a:lvl1pPr>
+              <a:defRPr sz="1600"/>
+            </a:lvl1pPr>
+          </a:lstStyle>
           <a:p>
             <a:r>
               <a:rPr lang="en-US" smtClean="0"/>
-              <a:t>Ari Ayvazyan, Java EE Security</a:t>
+              <a:t>Ari Ayvazyan, Adrian Bergler, Java EE Security</a:t>
             </a:r>
             <a:endParaRPr lang="en-US" dirty="0"/>
           </a:p>
@@ -4442,6 +4534,13 @@
   <p:clrMapOvr>
     <a:masterClrMapping/>
   </p:clrMapOvr>
+  <p:timing>
+    <p:tnLst>
+      <p:par>
+        <p:cTn id="1" dur="indefinite" restart="never" nodeType="tmRoot"/>
+      </p:par>
+    </p:tnLst>
+  </p:timing>
 </p:sldLayout>
 </file>
 
@@ -4633,7 +4732,7 @@
           <a:bodyPr/>
           <a:lstStyle/>
           <a:p>
-            <a:fld id="{B33314B4-8D8B-492F-ACD2-0F563AFB1F1E}" type="datetime1">
+            <a:fld id="{3A26C07E-7F8F-4901-8A51-10011C91E4C0}" type="datetime1">
               <a:rPr lang="de-AT" smtClean="0"/>
               <a:t>12.02.2015</a:t>
             </a:fld>
@@ -4658,7 +4757,7 @@
           <a:p>
             <a:r>
               <a:rPr lang="en-US" smtClean="0"/>
-              <a:t>Ari Ayvazyan, Java EE Security</a:t>
+              <a:t>Ari Ayvazyan, Adrian Bergler, Java EE Security</a:t>
             </a:r>
             <a:endParaRPr lang="en-US" dirty="0"/>
           </a:p>
@@ -5038,7 +5137,7 @@
           <a:bodyPr/>
           <a:lstStyle/>
           <a:p>
-            <a:fld id="{1002F9F1-55DB-4729-8633-EF709E3C02F6}" type="datetime1">
+            <a:fld id="{C296C4D0-4565-4561-8F3D-8D6A934E173C}" type="datetime1">
               <a:rPr lang="de-AT" smtClean="0"/>
               <a:t>12.02.2015</a:t>
             </a:fld>
@@ -5063,7 +5162,7 @@
           <a:p>
             <a:r>
               <a:rPr lang="en-US" smtClean="0"/>
-              <a:t>Ari Ayvazyan, Java EE Security</a:t>
+              <a:t>Ari Ayvazyan, Adrian Bergler, Java EE Security</a:t>
             </a:r>
             <a:endParaRPr lang="en-US" dirty="0"/>
           </a:p>
@@ -5378,7 +5477,7 @@
           <a:bodyPr/>
           <a:lstStyle/>
           <a:p>
-            <a:fld id="{FDD4625D-C81A-48E7-A888-D03696ED361F}" type="datetime1">
+            <a:fld id="{E41735A7-8696-4752-9B20-B58131B90F5E}" type="datetime1">
               <a:rPr lang="de-AT" smtClean="0"/>
               <a:t>12.02.2015</a:t>
             </a:fld>
@@ -5403,7 +5502,7 @@
           <a:p>
             <a:r>
               <a:rPr lang="en-US" smtClean="0"/>
-              <a:t>Ari Ayvazyan, Java EE Security</a:t>
+              <a:t>Ari Ayvazyan, Adrian Bergler, Java EE Security</a:t>
             </a:r>
             <a:endParaRPr lang="en-US" dirty="0"/>
           </a:p>
@@ -5702,7 +5801,7 @@
           <a:bodyPr/>
           <a:lstStyle/>
           <a:p>
-            <a:fld id="{FC24E258-603F-472F-A2DD-A7DD2A59ACC2}" type="datetime1">
+            <a:fld id="{70271998-6315-4047-8AF9-82E7AACD8662}" type="datetime1">
               <a:rPr lang="de-AT" smtClean="0"/>
               <a:t>12.02.2015</a:t>
             </a:fld>
@@ -5727,7 +5826,7 @@
           <a:p>
             <a:r>
               <a:rPr lang="en-US" smtClean="0"/>
-              <a:t>Ari Ayvazyan, Java EE Security</a:t>
+              <a:t>Ari Ayvazyan, Adrian Bergler, Java EE Security</a:t>
             </a:r>
             <a:endParaRPr lang="en-US" dirty="0"/>
           </a:p>
@@ -5929,7 +6028,6 @@
   <p:clrMapOvr>
     <a:masterClrMapping/>
   </p:clrMapOvr>
-  <p:hf hdr="0"/>
 </p:sldLayout>
 </file>
 
@@ -6103,7 +6201,7 @@
           <a:bodyPr/>
           <a:lstStyle/>
           <a:p>
-            <a:fld id="{FC24E258-603F-472F-A2DD-A7DD2A59ACC2}" type="datetime1">
+            <a:fld id="{3C396A3A-92F4-4D26-842C-B5A4E8959FC0}" type="datetime1">
               <a:rPr lang="de-AT" smtClean="0"/>
               <a:t>12.02.2015</a:t>
             </a:fld>
@@ -6128,7 +6226,7 @@
           <a:p>
             <a:r>
               <a:rPr lang="en-US" smtClean="0"/>
-              <a:t>Ari Ayvazyan, Java EE Security</a:t>
+              <a:t>Ari Ayvazyan, Adrian Bergler, Java EE Security</a:t>
             </a:r>
             <a:endParaRPr lang="en-US" dirty="0"/>
           </a:p>
@@ -6254,7 +6352,6 @@
   <p:clrMapOvr>
     <a:masterClrMapping/>
   </p:clrMapOvr>
-  <p:hf hdr="0"/>
 </p:sldLayout>
 </file>
 
@@ -6365,7 +6462,7 @@
           <a:bodyPr/>
           <a:lstStyle/>
           <a:p>
-            <a:fld id="{52B6F2EA-05F3-4838-AE64-A77AE9CED91A}" type="datetime1">
+            <a:fld id="{CDEC0E03-E234-4A2B-9A6F-C5D5F8046EDA}" type="datetime1">
               <a:rPr lang="de-AT" smtClean="0"/>
               <a:t>12.02.2015</a:t>
             </a:fld>
@@ -6390,7 +6487,7 @@
           <a:p>
             <a:r>
               <a:rPr lang="en-US" smtClean="0"/>
-              <a:t>Ari Ayvazyan, Java EE Security</a:t>
+              <a:t>Ari Ayvazyan, Adrian Bergler, Java EE Security</a:t>
             </a:r>
             <a:endParaRPr lang="en-US" dirty="0"/>
           </a:p>
@@ -6631,7 +6728,7 @@
           <a:bodyPr/>
           <a:lstStyle/>
           <a:p>
-            <a:fld id="{849DABFB-2E81-4557-A8C2-20DDFDF0AC23}" type="datetime1">
+            <a:fld id="{395797C4-1F1A-49EB-96F7-FC44DB3C6BD0}" type="datetime1">
               <a:rPr lang="de-AT" smtClean="0"/>
               <a:t>12.02.2015</a:t>
             </a:fld>
@@ -6656,7 +6753,7 @@
           <a:p>
             <a:r>
               <a:rPr lang="en-US" smtClean="0"/>
-              <a:t>Ari Ayvazyan, Java EE Security</a:t>
+              <a:t>Ari Ayvazyan, Adrian Bergler, Java EE Security</a:t>
             </a:r>
             <a:endParaRPr lang="en-US" dirty="0"/>
           </a:p>
@@ -6842,62 +6939,84 @@
           </a:xfrm>
         </p:spPr>
         <p:txBody>
+          <a:bodyPr>
+            <a:normAutofit/>
+          </a:bodyPr>
+          <a:lstStyle>
+            <a:lvl1pPr>
+              <a:defRPr sz="2400"/>
+            </a:lvl1pPr>
+            <a:lvl2pPr>
+              <a:defRPr sz="2000"/>
+            </a:lvl2pPr>
+            <a:lvl3pPr>
+              <a:defRPr sz="1800"/>
+            </a:lvl3pPr>
+            <a:lvl4pPr>
+              <a:defRPr sz="1600"/>
+            </a:lvl4pPr>
+            <a:lvl5pPr>
+              <a:defRPr sz="1600"/>
+            </a:lvl5pPr>
+          </a:lstStyle>
+          <a:p>
+            <a:pPr lvl="0"/>
+            <a:r>
+              <a:rPr lang="de-DE" dirty="0" smtClean="0"/>
+              <a:t>Textmasterformat bearbeiten</a:t>
+            </a:r>
+          </a:p>
+          <a:p>
+            <a:pPr lvl="1"/>
+            <a:r>
+              <a:rPr lang="de-DE" dirty="0" smtClean="0"/>
+              <a:t>Zweite Ebene</a:t>
+            </a:r>
+          </a:p>
+          <a:p>
+            <a:pPr lvl="2"/>
+            <a:r>
+              <a:rPr lang="de-DE" dirty="0" smtClean="0"/>
+              <a:t>Dritte Ebene</a:t>
+            </a:r>
+          </a:p>
+          <a:p>
+            <a:pPr lvl="3"/>
+            <a:r>
+              <a:rPr lang="de-DE" dirty="0" smtClean="0"/>
+              <a:t>Vierte Ebene</a:t>
+            </a:r>
+          </a:p>
+          <a:p>
+            <a:pPr lvl="4"/>
+            <a:r>
+              <a:rPr lang="de-DE" dirty="0" smtClean="0"/>
+              <a:t>Fünfte Ebene</a:t>
+            </a:r>
+            <a:endParaRPr lang="en-US" dirty="0"/>
+          </a:p>
+        </p:txBody>
+      </p:sp>
+      <p:sp>
+        <p:nvSpPr>
+          <p:cNvPr id="4" name="Date Placeholder 3"/>
+          <p:cNvSpPr>
+            <a:spLocks noGrp="1"/>
+          </p:cNvSpPr>
+          <p:nvPr>
+            <p:ph type="dt" sz="half" idx="10"/>
+          </p:nvPr>
+        </p:nvSpPr>
+        <p:spPr/>
+        <p:txBody>
           <a:bodyPr/>
-          <a:lstStyle/>
-          <a:p>
-            <a:pPr lvl="0"/>
-            <a:r>
-              <a:rPr lang="de-DE" smtClean="0"/>
-              <a:t>Textmasterformat bearbeiten</a:t>
-            </a:r>
-          </a:p>
-          <a:p>
-            <a:pPr lvl="1"/>
-            <a:r>
-              <a:rPr lang="de-DE" smtClean="0"/>
-              <a:t>Zweite Ebene</a:t>
-            </a:r>
-          </a:p>
-          <a:p>
-            <a:pPr lvl="2"/>
-            <a:r>
-              <a:rPr lang="de-DE" smtClean="0"/>
-              <a:t>Dritte Ebene</a:t>
-            </a:r>
-          </a:p>
-          <a:p>
-            <a:pPr lvl="3"/>
-            <a:r>
-              <a:rPr lang="de-DE" smtClean="0"/>
-              <a:t>Vierte Ebene</a:t>
-            </a:r>
-          </a:p>
-          <a:p>
-            <a:pPr lvl="4"/>
-            <a:r>
-              <a:rPr lang="de-DE" smtClean="0"/>
-              <a:t>Fünfte Ebene</a:t>
-            </a:r>
-            <a:endParaRPr lang="en-US" dirty="0"/>
-          </a:p>
-        </p:txBody>
-      </p:sp>
-      <p:sp>
-        <p:nvSpPr>
-          <p:cNvPr id="4" name="Date Placeholder 3"/>
-          <p:cNvSpPr>
-            <a:spLocks noGrp="1"/>
-          </p:cNvSpPr>
-          <p:nvPr>
-            <p:ph type="dt" sz="half" idx="10"/>
-          </p:nvPr>
-        </p:nvSpPr>
-        <p:spPr/>
-        <p:txBody>
-          <a:bodyPr/>
-          <a:lstStyle/>
-          <a:p>
-            <a:fld id="{689D4E58-61F4-4D7E-BAEA-3D6442D590DF}" type="datetime1">
+          <a:lstStyle>
+            <a:lvl1pPr>
+              <a:defRPr sz="1400"/>
+            </a:lvl1pPr>
+          </a:lstStyle>
+          <a:p>
+            <a:fld id="{10403D0F-9BDF-4066-974A-D0959D480D21}" type="datetime1">
               <a:rPr lang="de-AT" smtClean="0"/>
               <a:t>12.02.2015</a:t>
             </a:fld>
@@ -6918,11 +7037,15 @@
         <p:spPr/>
         <p:txBody>
           <a:bodyPr/>
-          <a:lstStyle/>
+          <a:lstStyle>
+            <a:lvl1pPr>
+              <a:defRPr sz="1400"/>
+            </a:lvl1pPr>
+          </a:lstStyle>
           <a:p>
             <a:r>
               <a:rPr lang="en-US" smtClean="0"/>
-              <a:t>Ari Ayvazyan, Java EE Security</a:t>
+              <a:t>Ari Ayvazyan, Adrian Bergler, Java EE Security</a:t>
             </a:r>
             <a:endParaRPr lang="en-US" dirty="0"/>
           </a:p>
@@ -7043,6 +7166,13 @@
   <p:clrMapOvr>
     <a:masterClrMapping/>
   </p:clrMapOvr>
+  <p:timing>
+    <p:tnLst>
+      <p:par>
+        <p:cTn id="1" dur="indefinite" restart="never" nodeType="tmRoot"/>
+      </p:par>
+    </p:tnLst>
+  </p:timing>
 </p:sldLayout>
 </file>
 
@@ -7228,9 +7358,13 @@
         <p:spPr/>
         <p:txBody>
           <a:bodyPr/>
-          <a:lstStyle/>
-          <a:p>
-            <a:fld id="{3D228048-2C57-4E21-8AE0-4C6AE4CF4CAF}" type="datetime1">
+          <a:lstStyle>
+            <a:lvl1pPr>
+              <a:defRPr sz="1400"/>
+            </a:lvl1pPr>
+          </a:lstStyle>
+          <a:p>
+            <a:fld id="{90F67B44-076E-49FD-8F26-4D417AEA4C75}" type="datetime1">
               <a:rPr lang="de-AT" smtClean="0"/>
               <a:t>12.02.2015</a:t>
             </a:fld>
@@ -7251,11 +7385,15 @@
         <p:spPr/>
         <p:txBody>
           <a:bodyPr/>
-          <a:lstStyle/>
+          <a:lstStyle>
+            <a:lvl1pPr>
+              <a:defRPr sz="1400"/>
+            </a:lvl1pPr>
+          </a:lstStyle>
           <a:p>
             <a:r>
               <a:rPr lang="en-US" smtClean="0"/>
-              <a:t>Ari Ayvazyan, Java EE Security</a:t>
+              <a:t>Ari Ayvazyan, Adrian Bergler, Java EE Security</a:t>
             </a:r>
             <a:endParaRPr lang="en-US" dirty="0"/>
           </a:p>
@@ -7381,6 +7519,13 @@
   <p:clrMapOvr>
     <a:masterClrMapping/>
   </p:clrMapOvr>
+  <p:timing>
+    <p:tnLst>
+      <p:par>
+        <p:cTn id="1" dur="indefinite" restart="never" nodeType="tmRoot"/>
+      </p:par>
+    </p:tnLst>
+  </p:timing>
 </p:sldLayout>
 </file>
 
@@ -7555,9 +7700,13 @@
         <p:spPr/>
         <p:txBody>
           <a:bodyPr/>
-          <a:lstStyle/>
-          <a:p>
-            <a:fld id="{FD2DDE88-40EC-46D0-9CC6-A29C779C44A9}" type="datetime1">
+          <a:lstStyle>
+            <a:lvl1pPr>
+              <a:defRPr sz="1400"/>
+            </a:lvl1pPr>
+          </a:lstStyle>
+          <a:p>
+            <a:fld id="{DEC2414D-07E7-4FA4-A448-06B96823E462}" type="datetime1">
               <a:rPr lang="de-AT" smtClean="0"/>
               <a:t>12.02.2015</a:t>
             </a:fld>
@@ -7578,11 +7727,15 @@
         <p:spPr/>
         <p:txBody>
           <a:bodyPr/>
-          <a:lstStyle/>
+          <a:lstStyle>
+            <a:lvl1pPr>
+              <a:defRPr sz="1400"/>
+            </a:lvl1pPr>
+          </a:lstStyle>
           <a:p>
             <a:r>
               <a:rPr lang="en-US" smtClean="0"/>
-              <a:t>Ari Ayvazyan, Java EE Security</a:t>
+              <a:t>Ari Ayvazyan, Adrian Bergler, Java EE Security</a:t>
             </a:r>
             <a:endParaRPr lang="en-US" dirty="0"/>
           </a:p>
@@ -7708,6 +7861,13 @@
   <p:clrMapOvr>
     <a:masterClrMapping/>
   </p:clrMapOvr>
+  <p:timing>
+    <p:tnLst>
+      <p:par>
+        <p:cTn id="1" dur="indefinite" restart="never" nodeType="tmRoot"/>
+      </p:par>
+    </p:tnLst>
+  </p:timing>
 </p:sldLayout>
 </file>
 
@@ -8016,9 +8176,13 @@
         <p:spPr/>
         <p:txBody>
           <a:bodyPr/>
-          <a:lstStyle/>
-          <a:p>
-            <a:fld id="{A053961B-87BE-4525-A3B7-B3AD49D2B239}" type="datetime1">
+          <a:lstStyle>
+            <a:lvl1pPr>
+              <a:defRPr sz="1400"/>
+            </a:lvl1pPr>
+          </a:lstStyle>
+          <a:p>
+            <a:fld id="{674B4DB1-75FC-4736-B6F1-F7E01E222F76}" type="datetime1">
               <a:rPr lang="de-AT" smtClean="0"/>
               <a:t>12.02.2015</a:t>
             </a:fld>
@@ -8039,11 +8203,23 @@
         <p:spPr/>
         <p:txBody>
           <a:bodyPr/>
-          <a:lstStyle/>
-          <a:p>
-            <a:r>
-              <a:rPr lang="en-US" smtClean="0"/>
-              <a:t>Ari Ayvazyan, Java EE Security</a:t>
+          <a:lstStyle>
+            <a:lvl1pPr>
+              <a:defRPr sz="1400"/>
+            </a:lvl1pPr>
+          </a:lstStyle>
+          <a:p>
+            <a:r>
+              <a:rPr lang="en-US" dirty="0" smtClean="0"/>
+              <a:t>Ari </a:t>
+            </a:r>
+            <a:r>
+              <a:rPr lang="en-US" dirty="0" err="1" smtClean="0"/>
+              <a:t>Ayvazyan</a:t>
+            </a:r>
+            <a:r>
+              <a:rPr lang="en-US" dirty="0" smtClean="0"/>
+              <a:t>, Adrian Bergler, Java EE Security</a:t>
             </a:r>
             <a:endParaRPr lang="en-US" dirty="0"/>
           </a:p>
@@ -8169,6 +8345,13 @@
   <p:clrMapOvr>
     <a:masterClrMapping/>
   </p:clrMapOvr>
+  <p:timing>
+    <p:tnLst>
+      <p:par>
+        <p:cTn id="1" dur="indefinite" restart="never" nodeType="tmRoot"/>
+      </p:par>
+    </p:tnLst>
+  </p:timing>
 </p:sldLayout>
 </file>
 
@@ -8225,9 +8408,13 @@
         <p:spPr/>
         <p:txBody>
           <a:bodyPr/>
-          <a:lstStyle/>
-          <a:p>
-            <a:fld id="{2CBACCD1-00C0-4492-80B2-7786747B3378}" type="datetime1">
+          <a:lstStyle>
+            <a:lvl1pPr>
+              <a:defRPr sz="1400"/>
+            </a:lvl1pPr>
+          </a:lstStyle>
+          <a:p>
+            <a:fld id="{71195BFD-BF80-4769-B534-08F85C1A0F49}" type="datetime1">
               <a:rPr lang="de-AT" smtClean="0"/>
               <a:t>12.02.2015</a:t>
             </a:fld>
@@ -8248,11 +8435,15 @@
         <p:spPr/>
         <p:txBody>
           <a:bodyPr/>
-          <a:lstStyle/>
+          <a:lstStyle>
+            <a:lvl1pPr>
+              <a:defRPr sz="1400"/>
+            </a:lvl1pPr>
+          </a:lstStyle>
           <a:p>
             <a:r>
               <a:rPr lang="en-US" smtClean="0"/>
-              <a:t>Ari Ayvazyan, Java EE Security</a:t>
+              <a:t>Ari Ayvazyan, Adrian Bergler, Java EE Security</a:t>
             </a:r>
             <a:endParaRPr lang="en-US" dirty="0"/>
           </a:p>
@@ -8373,6 +8564,13 @@
   <p:clrMapOvr>
     <a:masterClrMapping/>
   </p:clrMapOvr>
+  <p:timing>
+    <p:tnLst>
+      <p:par>
+        <p:cTn id="1" dur="indefinite" restart="never" nodeType="tmRoot"/>
+      </p:par>
+    </p:tnLst>
+  </p:timing>
 </p:sldLayout>
 </file>
 
@@ -8408,7 +8606,7 @@
           <a:bodyPr/>
           <a:lstStyle/>
           <a:p>
-            <a:fld id="{23D532F0-3EDF-4B26-86C6-F82D08F4EC85}" type="datetime1">
+            <a:fld id="{E1DC0D4E-9322-4433-8E20-34F9C01A815C}" type="datetime1">
               <a:rPr lang="de-AT" smtClean="0"/>
               <a:t>12.02.2015</a:t>
             </a:fld>
@@ -8429,11 +8627,15 @@
         <p:spPr/>
         <p:txBody>
           <a:bodyPr/>
-          <a:lstStyle/>
+          <a:lstStyle>
+            <a:lvl1pPr>
+              <a:defRPr sz="1400"/>
+            </a:lvl1pPr>
+          </a:lstStyle>
           <a:p>
             <a:r>
               <a:rPr lang="en-US" smtClean="0"/>
-              <a:t>Ari Ayvazyan, Java EE Security</a:t>
+              <a:t>Ari Ayvazyan, Adrian Bergler, Java EE Security</a:t>
             </a:r>
             <a:endParaRPr lang="en-US" dirty="0"/>
           </a:p>
@@ -8554,6 +8756,13 @@
   <p:clrMapOvr>
     <a:masterClrMapping/>
   </p:clrMapOvr>
+  <p:timing>
+    <p:tnLst>
+      <p:par>
+        <p:cTn id="1" dur="indefinite" restart="never" nodeType="tmRoot"/>
+      </p:par>
+    </p:tnLst>
+  </p:timing>
 </p:sldLayout>
 </file>
 
@@ -8745,7 +8954,7 @@
           <a:bodyPr/>
           <a:lstStyle/>
           <a:p>
-            <a:fld id="{B057B06B-99C1-43E8-85C1-31169086A54E}" type="datetime1">
+            <a:fld id="{625EF07A-8737-4CA2-9BBD-217DA6B2FB41}" type="datetime1">
               <a:rPr lang="de-AT" smtClean="0"/>
               <a:t>12.02.2015</a:t>
             </a:fld>
@@ -8770,7 +8979,7 @@
           <a:p>
             <a:r>
               <a:rPr lang="en-US" smtClean="0"/>
-              <a:t>Ari Ayvazyan, Java EE Security</a:t>
+              <a:t>Ari Ayvazyan, Adrian Bergler, Java EE Security</a:t>
             </a:r>
             <a:endParaRPr lang="en-US" dirty="0"/>
           </a:p>
@@ -9094,7 +9303,7 @@
           <a:bodyPr/>
           <a:lstStyle/>
           <a:p>
-            <a:fld id="{F4534AA5-059F-41B7-9938-ADD2F31F7DE8}" type="datetime1">
+            <a:fld id="{E1770B3E-5FDB-42F6-824B-73ACC5200058}" type="datetime1">
               <a:rPr lang="de-AT" smtClean="0"/>
               <a:t>12.02.2015</a:t>
             </a:fld>
@@ -9119,7 +9328,7 @@
           <a:p>
             <a:r>
               <a:rPr lang="en-US" smtClean="0"/>
-              <a:t>Ari Ayvazyan, Java EE Security</a:t>
+              <a:t>Ari Ayvazyan, Adrian Bergler, Java EE Security</a:t>
             </a:r>
             <a:endParaRPr lang="en-US" dirty="0"/>
           </a:p>
@@ -11215,7 +11424,7 @@
             </a:lvl1pPr>
           </a:lstStyle>
           <a:p>
-            <a:fld id="{FC24E258-603F-472F-A2DD-A7DD2A59ACC2}" type="datetime1">
+            <a:fld id="{5F4F6DE1-0D21-4883-93E4-6B0941365665}" type="datetime1">
               <a:rPr lang="de-AT" smtClean="0"/>
               <a:t>12.02.2015</a:t>
             </a:fld>
@@ -11246,7 +11455,7 @@
           <a:bodyPr vert="horz" lIns="91440" tIns="45720" rIns="91440" bIns="45720" rtlCol="0" anchor="ctr"/>
           <a:lstStyle>
             <a:lvl1pPr algn="l">
-              <a:defRPr sz="900">
+              <a:defRPr sz="1050">
                 <a:solidFill>
                   <a:schemeClr val="tx1">
                     <a:tint val="75000"/>
@@ -11258,7 +11467,7 @@
           <a:p>
             <a:r>
               <a:rPr lang="en-US" smtClean="0"/>
-              <a:t>Ari Ayvazyan, Java EE Security</a:t>
+              <a:t>Ari Ayvazyan, Adrian Bergler, Java EE Security</a:t>
             </a:r>
             <a:endParaRPr lang="en-US" dirty="0"/>
           </a:p>
@@ -11329,6 +11538,13 @@
     <p:sldLayoutId id="2147483686" r:id="rId15"/>
     <p:sldLayoutId id="2147483687" r:id="rId16"/>
   </p:sldLayoutIdLst>
+  <p:timing>
+    <p:tnLst>
+      <p:par>
+        <p:cTn id="1" dur="indefinite" restart="never" nodeType="tmRoot"/>
+      </p:par>
+    </p:tnLst>
+  </p:timing>
   <p:hf hdr="0"/>
   <p:txStyles>
     <p:titleStyle>
@@ -11785,7 +12001,15 @@
           <a:p>
             <a:r>
               <a:rPr lang="en-US" noProof="0" dirty="0" smtClean="0"/>
-              <a:t>Ari Michael Ayvazyan</a:t>
+              <a:t>Ari M. </a:t>
+            </a:r>
+            <a:r>
+              <a:rPr lang="en-US" noProof="0" dirty="0" err="1" smtClean="0"/>
+              <a:t>Ayvazyan</a:t>
+            </a:r>
+            <a:r>
+              <a:rPr lang="en-US" dirty="0" smtClean="0"/>
+              <a:t>, Adrian W. Bergler</a:t>
             </a:r>
             <a:endParaRPr lang="en-US" noProof="0" dirty="0"/>
           </a:p>
@@ -11811,7 +12035,7 @@
           <a:bodyPr/>
           <a:lstStyle/>
           <a:p>
-            <a:fld id="{D5DFA26D-2FB9-4077-8F29-8E2820CC765C}" type="datetime1">
+            <a:fld id="{7C6EEE63-011F-407C-8150-357F64FCF13F}" type="datetime1">
               <a:rPr lang="de-AT" sz="2400" smtClean="0"/>
               <a:t>12.02.2015</a:t>
             </a:fld>
@@ -11835,8 +12059,8 @@
           <a:lstStyle/>
           <a:p>
             <a:r>
-              <a:rPr lang="en-US" dirty="0" smtClean="0"/>
-              <a:t>Ari Ayvazyan, Java EE Security</a:t>
+              <a:rPr lang="en-US" smtClean="0"/>
+              <a:t>Ari Ayvazyan, Adrian Bergler, Java EE Security</a:t>
             </a:r>
             <a:endParaRPr lang="en-US" dirty="0"/>
           </a:p>
@@ -11938,7 +12162,7 @@
         <p:spPr/>
         <p:txBody>
           <a:bodyPr>
-            <a:normAutofit/>
+            <a:normAutofit fontScale="92500" lnSpcReduction="10000"/>
           </a:bodyPr>
           <a:lstStyle/>
           <a:p>
@@ -12017,7 +12241,7 @@
           <a:bodyPr/>
           <a:lstStyle/>
           <a:p>
-            <a:fld id="{689D4E58-61F4-4D7E-BAEA-3D6442D590DF}" type="datetime1">
+            <a:fld id="{4A91D300-0263-4546-9E1B-4FBB24987E84}" type="datetime1">
               <a:rPr lang="de-AT" smtClean="0"/>
               <a:t>12.02.2015</a:t>
             </a:fld>
@@ -12041,8 +12265,8 @@
           <a:lstStyle/>
           <a:p>
             <a:r>
-              <a:rPr lang="en-US" dirty="0" smtClean="0"/>
-              <a:t>Ari Ayvazyan, Java EE Security</a:t>
+              <a:rPr lang="en-US" smtClean="0"/>
+              <a:t>Ari Ayvazyan, Adrian Bergler, Java EE Security</a:t>
             </a:r>
             <a:endParaRPr lang="en-US" dirty="0"/>
           </a:p>
@@ -12193,7 +12417,7 @@
           <a:bodyPr/>
           <a:lstStyle/>
           <a:p>
-            <a:fld id="{689D4E58-61F4-4D7E-BAEA-3D6442D590DF}" type="datetime1">
+            <a:fld id="{F80268E5-4EB8-43AB-871E-B268C39F6684}" type="datetime1">
               <a:rPr lang="de-AT" smtClean="0"/>
               <a:t>12.02.2015</a:t>
             </a:fld>
@@ -12217,8 +12441,8 @@
           <a:lstStyle/>
           <a:p>
             <a:r>
-              <a:rPr lang="en-US" dirty="0" smtClean="0"/>
-              <a:t>Ari Ayvazyan, Java EE Security</a:t>
+              <a:rPr lang="en-US" smtClean="0"/>
+              <a:t>Ari Ayvazyan, Adrian Bergler, Java EE Security</a:t>
             </a:r>
             <a:endParaRPr lang="en-US" dirty="0"/>
           </a:p>
@@ -12372,7 +12596,7 @@
           <a:bodyPr/>
           <a:lstStyle/>
           <a:p>
-            <a:fld id="{689D4E58-61F4-4D7E-BAEA-3D6442D590DF}" type="datetime1">
+            <a:fld id="{13E9B43B-4503-4062-9B5D-FB31BFAFE538}" type="datetime1">
               <a:rPr lang="de-AT" smtClean="0"/>
               <a:t>12.02.2015</a:t>
             </a:fld>
@@ -12397,7 +12621,7 @@
           <a:p>
             <a:r>
               <a:rPr lang="en-US" smtClean="0"/>
-              <a:t>Ari Ayvazyan, Java EE Security</a:t>
+              <a:t>Ari Ayvazyan, Adrian Bergler, Java EE Security</a:t>
             </a:r>
             <a:endParaRPr lang="en-US" dirty="0"/>
           </a:p>
@@ -12579,7 +12803,7 @@
           <a:bodyPr/>
           <a:lstStyle/>
           <a:p>
-            <a:fld id="{689D4E58-61F4-4D7E-BAEA-3D6442D590DF}" type="datetime1">
+            <a:fld id="{3E712E1E-3397-4287-BDE5-9421B50999BE}" type="datetime1">
               <a:rPr lang="de-AT" smtClean="0"/>
               <a:t>12.02.2015</a:t>
             </a:fld>
@@ -12604,7 +12828,7 @@
           <a:p>
             <a:r>
               <a:rPr lang="en-US" smtClean="0"/>
-              <a:t>Ari Ayvazyan, Java EE Security</a:t>
+              <a:t>Ari Ayvazyan, Adrian Bergler, Java EE Security</a:t>
             </a:r>
             <a:endParaRPr lang="en-US" dirty="0"/>
           </a:p>
@@ -12814,7 +13038,7 @@
           <a:bodyPr/>
           <a:lstStyle/>
           <a:p>
-            <a:fld id="{689D4E58-61F4-4D7E-BAEA-3D6442D590DF}" type="datetime1">
+            <a:fld id="{C771CF87-C68C-4384-93E9-D69F92989361}" type="datetime1">
               <a:rPr lang="de-AT" smtClean="0"/>
               <a:t>12.02.2015</a:t>
             </a:fld>
@@ -12839,7 +13063,7 @@
           <a:p>
             <a:r>
               <a:rPr lang="en-US" smtClean="0"/>
-              <a:t>Ari Ayvazyan, Java EE Security</a:t>
+              <a:t>Ari Ayvazyan, Adrian Bergler, Java EE Security</a:t>
             </a:r>
             <a:endParaRPr lang="en-US" dirty="0"/>
           </a:p>
@@ -12940,7 +13164,9 @@
         </p:nvSpPr>
         <p:spPr/>
         <p:txBody>
-          <a:bodyPr/>
+          <a:bodyPr>
+            <a:normAutofit fontScale="92500" lnSpcReduction="10000"/>
+          </a:bodyPr>
           <a:lstStyle/>
           <a:p>
             <a:r>
@@ -13031,7 +13257,7 @@
           <a:bodyPr/>
           <a:lstStyle/>
           <a:p>
-            <a:fld id="{689D4E58-61F4-4D7E-BAEA-3D6442D590DF}" type="datetime1">
+            <a:fld id="{D864EEA2-7E20-4DE6-8072-5B7BC1217A2D}" type="datetime1">
               <a:rPr lang="de-AT" smtClean="0"/>
               <a:t>12.02.2015</a:t>
             </a:fld>
@@ -13056,7 +13282,7 @@
           <a:p>
             <a:r>
               <a:rPr lang="en-US" smtClean="0"/>
-              <a:t>Ari Ayvazyan, Java EE Security</a:t>
+              <a:t>Ari Ayvazyan, Adrian Bergler, Java EE Security</a:t>
             </a:r>
             <a:endParaRPr lang="en-US" dirty="0"/>
           </a:p>
@@ -13201,7 +13427,7 @@
           <a:bodyPr/>
           <a:lstStyle/>
           <a:p>
-            <a:fld id="{689D4E58-61F4-4D7E-BAEA-3D6442D590DF}" type="datetime1">
+            <a:fld id="{0D18EB54-2694-4D37-9947-776AEAA831AE}" type="datetime1">
               <a:rPr lang="de-AT" smtClean="0"/>
               <a:t>12.02.2015</a:t>
             </a:fld>
@@ -13226,7 +13452,7 @@
           <a:p>
             <a:r>
               <a:rPr lang="en-US" smtClean="0"/>
-              <a:t>Ari Ayvazyan, Java EE Security</a:t>
+              <a:t>Ari Ayvazyan, Adrian Bergler, Java EE Security</a:t>
             </a:r>
             <a:endParaRPr lang="en-US" dirty="0"/>
           </a:p>
@@ -13657,7 +13883,7 @@
           <a:bodyPr/>
           <a:lstStyle/>
           <a:p>
-            <a:fld id="{689D4E58-61F4-4D7E-BAEA-3D6442D590DF}" type="datetime1">
+            <a:fld id="{8013CF64-DE0C-440F-BB08-2E633AEBDAE0}" type="datetime1">
               <a:rPr lang="de-AT" smtClean="0"/>
               <a:t>12.02.2015</a:t>
             </a:fld>
@@ -13682,7 +13908,7 @@
           <a:p>
             <a:r>
               <a:rPr lang="en-US" smtClean="0"/>
-              <a:t>Ari Ayvazyan, Java EE Security</a:t>
+              <a:t>Ari Ayvazyan, Adrian Bergler, Java EE Security</a:t>
             </a:r>
             <a:endParaRPr lang="en-US" dirty="0"/>
           </a:p>
@@ -14155,7 +14381,7 @@
           <a:bodyPr/>
           <a:lstStyle/>
           <a:p>
-            <a:fld id="{689D4E58-61F4-4D7E-BAEA-3D6442D590DF}" type="datetime1">
+            <a:fld id="{65CAD967-9D5C-4FE7-B558-253609022E15}" type="datetime1">
               <a:rPr lang="de-AT" smtClean="0"/>
               <a:t>12.02.2015</a:t>
             </a:fld>
@@ -14180,7 +14406,7 @@
           <a:p>
             <a:r>
               <a:rPr lang="en-US" smtClean="0"/>
-              <a:t>Ari Ayvazyan, Java EE Security</a:t>
+              <a:t>Ari Ayvazyan, Adrian Bergler, Java EE Security</a:t>
             </a:r>
             <a:endParaRPr lang="en-US" dirty="0"/>
           </a:p>
@@ -14378,7 +14604,7 @@
           <a:bodyPr/>
           <a:lstStyle/>
           <a:p>
-            <a:fld id="{689D4E58-61F4-4D7E-BAEA-3D6442D590DF}" type="datetime1">
+            <a:fld id="{4A970268-AA4D-4BC5-A34A-E9BE3AB96B6A}" type="datetime1">
               <a:rPr lang="de-AT" smtClean="0"/>
               <a:t>12.02.2015</a:t>
             </a:fld>
@@ -14403,7 +14629,7 @@
           <a:p>
             <a:r>
               <a:rPr lang="en-US" smtClean="0"/>
-              <a:t>Ari Ayvazyan, Java EE Security</a:t>
+              <a:t>Ari Ayvazyan, Adrian Bergler, Java EE Security</a:t>
             </a:r>
             <a:endParaRPr lang="en-US" dirty="0"/>
           </a:p>
@@ -14505,7 +14731,7 @@
         <p:spPr/>
         <p:txBody>
           <a:bodyPr>
-            <a:normAutofit lnSpcReduction="10000"/>
+            <a:normAutofit fontScale="85000" lnSpcReduction="20000"/>
           </a:bodyPr>
           <a:lstStyle/>
           <a:p>
@@ -14517,11 +14743,7 @@
           <a:p>
             <a:r>
               <a:rPr lang="en-US" b="1" dirty="0" smtClean="0"/>
-              <a:t>Introduction </a:t>
-            </a:r>
-            <a:r>
-              <a:rPr lang="en-US" b="1" dirty="0" smtClean="0"/>
-              <a:t>to Security Architecture</a:t>
+              <a:t>Introduction to Security Architecture</a:t>
             </a:r>
           </a:p>
           <a:p>
@@ -14545,11 +14767,7 @@
           <a:p>
             <a:r>
               <a:rPr lang="en-US" b="1" dirty="0" smtClean="0"/>
-              <a:t>Live </a:t>
-            </a:r>
-            <a:r>
-              <a:rPr lang="en-US" b="1" dirty="0" smtClean="0"/>
-              <a:t>example</a:t>
+              <a:t>Live example</a:t>
             </a:r>
           </a:p>
           <a:p>
@@ -14572,21 +14790,13 @@
           <a:p>
             <a:r>
               <a:rPr lang="en-US" dirty="0" smtClean="0"/>
-              <a:t>Output </a:t>
-            </a:r>
-            <a:r>
-              <a:rPr lang="en-US" dirty="0" smtClean="0"/>
-              <a:t>escaping</a:t>
+              <a:t>Output escaping</a:t>
             </a:r>
           </a:p>
           <a:p>
             <a:r>
               <a:rPr lang="en-US" b="1" dirty="0" smtClean="0"/>
-              <a:t>Summary </a:t>
-            </a:r>
-            <a:r>
-              <a:rPr lang="en-US" b="1" dirty="0" smtClean="0"/>
-              <a:t>&amp; Questions</a:t>
+              <a:t>Summary &amp; Questions</a:t>
             </a:r>
             <a:endParaRPr lang="en-US" b="1" dirty="0"/>
           </a:p>
@@ -14607,7 +14817,7 @@
           <a:bodyPr/>
           <a:lstStyle/>
           <a:p>
-            <a:fld id="{689D4E58-61F4-4D7E-BAEA-3D6442D590DF}" type="datetime1">
+            <a:fld id="{9A7C745B-5193-4371-B385-61CE6E1B5541}" type="datetime1">
               <a:rPr lang="de-AT" smtClean="0"/>
               <a:t>12.02.2015</a:t>
             </a:fld>
@@ -14632,7 +14842,7 @@
           <a:p>
             <a:r>
               <a:rPr lang="en-US" smtClean="0"/>
-              <a:t>Ari Ayvazyan, Java EE Security</a:t>
+              <a:t>Ari Ayvazyan, Adrian Bergler, Java EE Security</a:t>
             </a:r>
             <a:endParaRPr lang="en-US" dirty="0"/>
           </a:p>
@@ -14755,7 +14965,7 @@
           <a:bodyPr/>
           <a:lstStyle/>
           <a:p>
-            <a:fld id="{689D4E58-61F4-4D7E-BAEA-3D6442D590DF}" type="datetime1">
+            <a:fld id="{B513651D-7A83-4608-A243-C4C141292260}" type="datetime1">
               <a:rPr lang="de-AT" smtClean="0"/>
               <a:t>12.02.2015</a:t>
             </a:fld>
@@ -14780,7 +14990,7 @@
           <a:p>
             <a:r>
               <a:rPr lang="en-US" smtClean="0"/>
-              <a:t>Ari Ayvazyan, Java EE Security</a:t>
+              <a:t>Ari Ayvazyan, Adrian Bergler, Java EE Security</a:t>
             </a:r>
             <a:endParaRPr lang="en-US" dirty="0"/>
           </a:p>
@@ -14903,7 +15113,7 @@
           <a:bodyPr/>
           <a:lstStyle/>
           <a:p>
-            <a:fld id="{689D4E58-61F4-4D7E-BAEA-3D6442D590DF}" type="datetime1">
+            <a:fld id="{5E747D12-5EA7-4906-81DF-D3F9CA3728BA}" type="datetime1">
               <a:rPr lang="de-AT" smtClean="0"/>
               <a:t>12.02.2015</a:t>
             </a:fld>
@@ -14928,7 +15138,7 @@
           <a:p>
             <a:r>
               <a:rPr lang="en-US" smtClean="0"/>
-              <a:t>Ari Ayvazyan, Java EE Security</a:t>
+              <a:t>Ari Ayvazyan, Adrian Bergler, Java EE Security</a:t>
             </a:r>
             <a:endParaRPr lang="en-US" dirty="0"/>
           </a:p>
@@ -15043,7 +15253,9 @@
         </p:nvSpPr>
         <p:spPr/>
         <p:txBody>
-          <a:bodyPr/>
+          <a:bodyPr>
+            <a:normAutofit lnSpcReduction="10000"/>
+          </a:bodyPr>
           <a:lstStyle/>
           <a:p>
             <a:r>
@@ -15155,7 +15367,7 @@
           <a:bodyPr/>
           <a:lstStyle/>
           <a:p>
-            <a:fld id="{689D4E58-61F4-4D7E-BAEA-3D6442D590DF}" type="datetime1">
+            <a:fld id="{3F4C572F-BCA4-4487-8EBD-15EE8D7320C7}" type="datetime1">
               <a:rPr lang="de-AT" smtClean="0"/>
               <a:t>12.02.2015</a:t>
             </a:fld>
@@ -15180,7 +15392,7 @@
           <a:p>
             <a:r>
               <a:rPr lang="en-US" smtClean="0"/>
-              <a:t>Ari Ayvazyan, Java EE Security</a:t>
+              <a:t>Ari Ayvazyan, Adrian Bergler, Java EE Security</a:t>
             </a:r>
             <a:endParaRPr lang="en-US" dirty="0"/>
           </a:p>
@@ -15350,7 +15562,7 @@
           <a:bodyPr/>
           <a:lstStyle/>
           <a:p>
-            <a:fld id="{689D4E58-61F4-4D7E-BAEA-3D6442D590DF}" type="datetime1">
+            <a:fld id="{73F9A2D8-44B8-467F-9223-0D7436D41992}" type="datetime1">
               <a:rPr lang="de-AT" smtClean="0"/>
               <a:t>12.02.2015</a:t>
             </a:fld>
@@ -15375,7 +15587,7 @@
           <a:p>
             <a:r>
               <a:rPr lang="en-US" smtClean="0"/>
-              <a:t>Ari Ayvazyan, Java EE Security</a:t>
+              <a:t>Ari Ayvazyan, Adrian Bergler, Java EE Security</a:t>
             </a:r>
             <a:endParaRPr lang="en-US" dirty="0"/>
           </a:p>
@@ -15521,7 +15733,7 @@
           <a:bodyPr/>
           <a:lstStyle/>
           <a:p>
-            <a:fld id="{689D4E58-61F4-4D7E-BAEA-3D6442D590DF}" type="datetime1">
+            <a:fld id="{340EB59D-EF96-4D6A-A29A-A1ED56883F40}" type="datetime1">
               <a:rPr lang="de-AT" smtClean="0"/>
               <a:t>12.02.2015</a:t>
             </a:fld>
@@ -15546,7 +15758,7 @@
           <a:p>
             <a:r>
               <a:rPr lang="en-US" smtClean="0"/>
-              <a:t>Ari Ayvazyan, Java EE Security</a:t>
+              <a:t>Ari Ayvazyan, Adrian Bergler, Java EE Security</a:t>
             </a:r>
             <a:endParaRPr lang="en-US" dirty="0"/>
           </a:p>
@@ -16121,7 +16333,7 @@
           <a:bodyPr/>
           <a:lstStyle/>
           <a:p>
-            <a:fld id="{689D4E58-61F4-4D7E-BAEA-3D6442D590DF}" type="datetime1">
+            <a:fld id="{680BB08F-6D3B-4E3E-8B05-C729AFCB21AF}" type="datetime1">
               <a:rPr lang="de-AT" smtClean="0"/>
               <a:t>12.02.2015</a:t>
             </a:fld>
@@ -16146,7 +16358,7 @@
           <a:p>
             <a:r>
               <a:rPr lang="en-US" smtClean="0"/>
-              <a:t>Ari Ayvazyan, Java EE Security</a:t>
+              <a:t>Ari Ayvazyan, Adrian Bergler, Java EE Security</a:t>
             </a:r>
             <a:endParaRPr lang="en-US" dirty="0"/>
           </a:p>
@@ -16281,7 +16493,7 @@
           <a:bodyPr/>
           <a:lstStyle/>
           <a:p>
-            <a:fld id="{689D4E58-61F4-4D7E-BAEA-3D6442D590DF}" type="datetime1">
+            <a:fld id="{F119BB51-554B-42A7-A5CE-65CE19D217E2}" type="datetime1">
               <a:rPr lang="de-AT" smtClean="0"/>
               <a:t>12.02.2015</a:t>
             </a:fld>
@@ -16306,7 +16518,7 @@
           <a:p>
             <a:r>
               <a:rPr lang="en-US" smtClean="0"/>
-              <a:t>Ari Ayvazyan, Java EE Security</a:t>
+              <a:t>Ari Ayvazyan, Adrian Bergler, Java EE Security</a:t>
             </a:r>
             <a:endParaRPr lang="en-US" dirty="0"/>
           </a:p>
@@ -16463,7 +16675,7 @@
           <a:bodyPr/>
           <a:lstStyle/>
           <a:p>
-            <a:fld id="{689D4E58-61F4-4D7E-BAEA-3D6442D590DF}" type="datetime1">
+            <a:fld id="{228CEE28-1F13-4A8A-B42E-2AB51677B37B}" type="datetime1">
               <a:rPr lang="de-AT" smtClean="0"/>
               <a:t>12.02.2015</a:t>
             </a:fld>
@@ -16488,7 +16700,7 @@
           <a:p>
             <a:r>
               <a:rPr lang="en-US" smtClean="0"/>
-              <a:t>Ari Ayvazyan, Java EE Security</a:t>
+              <a:t>Ari Ayvazyan, Adrian Bergler, Java EE Security</a:t>
             </a:r>
             <a:endParaRPr lang="en-US" dirty="0"/>
           </a:p>
@@ -16611,7 +16823,7 @@
           <a:bodyPr/>
           <a:lstStyle/>
           <a:p>
-            <a:fld id="{689D4E58-61F4-4D7E-BAEA-3D6442D590DF}" type="datetime1">
+            <a:fld id="{C80B77D9-CB24-478F-9164-59001334A58D}" type="datetime1">
               <a:rPr lang="de-AT" smtClean="0"/>
               <a:t>12.02.2015</a:t>
             </a:fld>
@@ -16636,7 +16848,7 @@
           <a:p>
             <a:r>
               <a:rPr lang="en-US" smtClean="0"/>
-              <a:t>Ari Ayvazyan, Java EE Security</a:t>
+              <a:t>Ari Ayvazyan, Adrian Bergler, Java EE Security</a:t>
             </a:r>
             <a:endParaRPr lang="en-US" dirty="0"/>
           </a:p>
@@ -16759,7 +16971,7 @@
           <a:bodyPr/>
           <a:lstStyle/>
           <a:p>
-            <a:fld id="{689D4E58-61F4-4D7E-BAEA-3D6442D590DF}" type="datetime1">
+            <a:fld id="{4CE20CBD-2482-405E-AA83-083B684F37AA}" type="datetime1">
               <a:rPr lang="de-AT" smtClean="0"/>
               <a:t>12.02.2015</a:t>
             </a:fld>
@@ -16784,7 +16996,7 @@
           <a:p>
             <a:r>
               <a:rPr lang="en-US" smtClean="0"/>
-              <a:t>Ari Ayvazyan, Java EE Security</a:t>
+              <a:t>Ari Ayvazyan, Adrian Bergler, Java EE Security</a:t>
             </a:r>
             <a:endParaRPr lang="en-US" dirty="0"/>
           </a:p>
@@ -16907,7 +17119,7 @@
           <a:bodyPr/>
           <a:lstStyle/>
           <a:p>
-            <a:fld id="{689D4E58-61F4-4D7E-BAEA-3D6442D590DF}" type="datetime1">
+            <a:fld id="{975DD7B9-8C02-4C19-A665-5B005BE48CDF}" type="datetime1">
               <a:rPr lang="de-AT" smtClean="0"/>
               <a:t>12.02.2015</a:t>
             </a:fld>
@@ -16932,7 +17144,7 @@
           <a:p>
             <a:r>
               <a:rPr lang="en-US" smtClean="0"/>
-              <a:t>Ari Ayvazyan, Java EE Security</a:t>
+              <a:t>Ari Ayvazyan, Adrian Bergler, Java EE Security</a:t>
             </a:r>
             <a:endParaRPr lang="en-US" dirty="0"/>
           </a:p>
@@ -17055,7 +17267,7 @@
           <a:bodyPr/>
           <a:lstStyle/>
           <a:p>
-            <a:fld id="{689D4E58-61F4-4D7E-BAEA-3D6442D590DF}" type="datetime1">
+            <a:fld id="{4EE4FE41-E31C-4061-BE17-A2D9A341638B}" type="datetime1">
               <a:rPr lang="de-AT" smtClean="0"/>
               <a:t>12.02.2015</a:t>
             </a:fld>
@@ -17080,7 +17292,7 @@
           <a:p>
             <a:r>
               <a:rPr lang="en-US" smtClean="0"/>
-              <a:t>Ari Ayvazyan, Java EE Security</a:t>
+              <a:t>Ari Ayvazyan, Adrian Bergler, Java EE Security</a:t>
             </a:r>
             <a:endParaRPr lang="en-US" dirty="0"/>
           </a:p>
@@ -17209,7 +17421,7 @@
           <a:bodyPr/>
           <a:lstStyle/>
           <a:p>
-            <a:fld id="{9ABAFD5B-E9F4-4019-879E-975BA10EFD85}" type="datetime1">
+            <a:fld id="{F684900C-1BC1-4B8C-83BF-0133510994B2}" type="datetime1">
               <a:rPr lang="de-AT" smtClean="0"/>
               <a:t>12.02.2015</a:t>
             </a:fld>
@@ -17234,7 +17446,7 @@
           <a:p>
             <a:r>
               <a:rPr lang="en-US" smtClean="0"/>
-              <a:t>Ari Ayvazyan, Java EE Security</a:t>
+              <a:t>Ari Ayvazyan, Adrian Bergler, Java EE Security</a:t>
             </a:r>
             <a:endParaRPr lang="en-US" dirty="0"/>
           </a:p>
@@ -17439,7 +17651,7 @@
           <a:bodyPr/>
           <a:lstStyle/>
           <a:p>
-            <a:fld id="{689D4E58-61F4-4D7E-BAEA-3D6442D590DF}" type="datetime1">
+            <a:fld id="{876F5003-B5C3-462A-92A3-05F7AF44974A}" type="datetime1">
               <a:rPr lang="de-AT" smtClean="0"/>
               <a:t>12.02.2015</a:t>
             </a:fld>
@@ -17464,7 +17676,7 @@
           <a:p>
             <a:r>
               <a:rPr lang="en-US" smtClean="0"/>
-              <a:t>Ari Ayvazyan, Java EE Security</a:t>
+              <a:t>Ari Ayvazyan, Adrian Bergler, Java EE Security</a:t>
             </a:r>
             <a:endParaRPr lang="en-US" dirty="0"/>
           </a:p>

--- a/doc/Java EE - Security.pptx
+++ b/doc/Java EE - Security.pptx
@@ -3501,7 +3501,7 @@
           <a:p>
             <a:fld id="{E29632D4-2CEB-40B4-964B-124002D63243}" type="datetimeFigureOut">
               <a:rPr lang="de-AT" smtClean="0"/>
-              <a:t>12.02.2015</a:t>
+              <a:t>13.02.2015</a:t>
             </a:fld>
             <a:endParaRPr lang="de-AT"/>
           </a:p>
@@ -4381,7 +4381,7 @@
           <a:p>
             <a:fld id="{4A1663B2-2152-4241-B2EA-C657A943C735}" type="datetime1">
               <a:rPr lang="de-AT" smtClean="0"/>
-              <a:t>12.02.2015</a:t>
+              <a:t>13.02.2015</a:t>
             </a:fld>
             <a:endParaRPr lang="en-US" dirty="0"/>
           </a:p>
@@ -4407,7 +4407,7 @@
           </a:lstStyle>
           <a:p>
             <a:r>
-              <a:rPr lang="en-US" smtClean="0"/>
+              <a:rPr lang="en-US" dirty="0" smtClean="0"/>
               <a:t>Ari Ayvazyan, Adrian Bergler, Java EE Security</a:t>
             </a:r>
             <a:endParaRPr lang="en-US" dirty="0"/>
@@ -4734,7 +4734,7 @@
           <a:p>
             <a:fld id="{3A26C07E-7F8F-4901-8A51-10011C91E4C0}" type="datetime1">
               <a:rPr lang="de-AT" smtClean="0"/>
-              <a:t>12.02.2015</a:t>
+              <a:t>13.02.2015</a:t>
             </a:fld>
             <a:endParaRPr lang="en-US" dirty="0"/>
           </a:p>
@@ -4756,7 +4756,7 @@
           <a:lstStyle/>
           <a:p>
             <a:r>
-              <a:rPr lang="en-US" smtClean="0"/>
+              <a:rPr lang="en-US" dirty="0" smtClean="0"/>
               <a:t>Ari Ayvazyan, Adrian Bergler, Java EE Security</a:t>
             </a:r>
             <a:endParaRPr lang="en-US" dirty="0"/>
@@ -5139,7 +5139,7 @@
           <a:p>
             <a:fld id="{C296C4D0-4565-4561-8F3D-8D6A934E173C}" type="datetime1">
               <a:rPr lang="de-AT" smtClean="0"/>
-              <a:t>12.02.2015</a:t>
+              <a:t>13.02.2015</a:t>
             </a:fld>
             <a:endParaRPr lang="en-US" dirty="0"/>
           </a:p>
@@ -5161,7 +5161,7 @@
           <a:lstStyle/>
           <a:p>
             <a:r>
-              <a:rPr lang="en-US" smtClean="0"/>
+              <a:rPr lang="en-US" dirty="0" smtClean="0"/>
               <a:t>Ari Ayvazyan, Adrian Bergler, Java EE Security</a:t>
             </a:r>
             <a:endParaRPr lang="en-US" dirty="0"/>
@@ -5479,7 +5479,7 @@
           <a:p>
             <a:fld id="{E41735A7-8696-4752-9B20-B58131B90F5E}" type="datetime1">
               <a:rPr lang="de-AT" smtClean="0"/>
-              <a:t>12.02.2015</a:t>
+              <a:t>13.02.2015</a:t>
             </a:fld>
             <a:endParaRPr lang="en-US" dirty="0"/>
           </a:p>
@@ -5501,7 +5501,7 @@
           <a:lstStyle/>
           <a:p>
             <a:r>
-              <a:rPr lang="en-US" smtClean="0"/>
+              <a:rPr lang="en-US" dirty="0" smtClean="0"/>
               <a:t>Ari Ayvazyan, Adrian Bergler, Java EE Security</a:t>
             </a:r>
             <a:endParaRPr lang="en-US" dirty="0"/>
@@ -5803,7 +5803,7 @@
           <a:p>
             <a:fld id="{70271998-6315-4047-8AF9-82E7AACD8662}" type="datetime1">
               <a:rPr lang="de-AT" smtClean="0"/>
-              <a:t>12.02.2015</a:t>
+              <a:t>13.02.2015</a:t>
             </a:fld>
             <a:endParaRPr lang="en-US" dirty="0"/>
           </a:p>
@@ -5825,7 +5825,7 @@
           <a:lstStyle/>
           <a:p>
             <a:r>
-              <a:rPr lang="en-US" smtClean="0"/>
+              <a:rPr lang="en-US" dirty="0" smtClean="0"/>
               <a:t>Ari Ayvazyan, Adrian Bergler, Java EE Security</a:t>
             </a:r>
             <a:endParaRPr lang="en-US" dirty="0"/>
@@ -6203,7 +6203,7 @@
           <a:p>
             <a:fld id="{3C396A3A-92F4-4D26-842C-B5A4E8959FC0}" type="datetime1">
               <a:rPr lang="de-AT" smtClean="0"/>
-              <a:t>12.02.2015</a:t>
+              <a:t>13.02.2015</a:t>
             </a:fld>
             <a:endParaRPr lang="en-US" dirty="0"/>
           </a:p>
@@ -6225,7 +6225,7 @@
           <a:lstStyle/>
           <a:p>
             <a:r>
-              <a:rPr lang="en-US" smtClean="0"/>
+              <a:rPr lang="en-US" dirty="0" smtClean="0"/>
               <a:t>Ari Ayvazyan, Adrian Bergler, Java EE Security</a:t>
             </a:r>
             <a:endParaRPr lang="en-US" dirty="0"/>
@@ -6464,7 +6464,7 @@
           <a:p>
             <a:fld id="{CDEC0E03-E234-4A2B-9A6F-C5D5F8046EDA}" type="datetime1">
               <a:rPr lang="de-AT" smtClean="0"/>
-              <a:t>12.02.2015</a:t>
+              <a:t>13.02.2015</a:t>
             </a:fld>
             <a:endParaRPr lang="en-US" dirty="0"/>
           </a:p>
@@ -6486,7 +6486,7 @@
           <a:lstStyle/>
           <a:p>
             <a:r>
-              <a:rPr lang="en-US" smtClean="0"/>
+              <a:rPr lang="en-US" dirty="0" smtClean="0"/>
               <a:t>Ari Ayvazyan, Adrian Bergler, Java EE Security</a:t>
             </a:r>
             <a:endParaRPr lang="en-US" dirty="0"/>
@@ -6730,7 +6730,7 @@
           <a:p>
             <a:fld id="{395797C4-1F1A-49EB-96F7-FC44DB3C6BD0}" type="datetime1">
               <a:rPr lang="de-AT" smtClean="0"/>
-              <a:t>12.02.2015</a:t>
+              <a:t>13.02.2015</a:t>
             </a:fld>
             <a:endParaRPr lang="en-US" dirty="0"/>
           </a:p>
@@ -6752,7 +6752,7 @@
           <a:lstStyle/>
           <a:p>
             <a:r>
-              <a:rPr lang="en-US" smtClean="0"/>
+              <a:rPr lang="en-US" dirty="0" smtClean="0"/>
               <a:t>Ari Ayvazyan, Adrian Bergler, Java EE Security</a:t>
             </a:r>
             <a:endParaRPr lang="en-US" dirty="0"/>
@@ -7018,7 +7018,7 @@
           <a:p>
             <a:fld id="{10403D0F-9BDF-4066-974A-D0959D480D21}" type="datetime1">
               <a:rPr lang="de-AT" smtClean="0"/>
-              <a:t>12.02.2015</a:t>
+              <a:t>13.02.2015</a:t>
             </a:fld>
             <a:endParaRPr lang="en-US" dirty="0"/>
           </a:p>
@@ -7044,7 +7044,7 @@
           </a:lstStyle>
           <a:p>
             <a:r>
-              <a:rPr lang="en-US" smtClean="0"/>
+              <a:rPr lang="en-US" dirty="0" smtClean="0"/>
               <a:t>Ari Ayvazyan, Adrian Bergler, Java EE Security</a:t>
             </a:r>
             <a:endParaRPr lang="en-US" dirty="0"/>
@@ -7366,7 +7366,7 @@
           <a:p>
             <a:fld id="{90F67B44-076E-49FD-8F26-4D417AEA4C75}" type="datetime1">
               <a:rPr lang="de-AT" smtClean="0"/>
-              <a:t>12.02.2015</a:t>
+              <a:t>13.02.2015</a:t>
             </a:fld>
             <a:endParaRPr lang="en-US" dirty="0"/>
           </a:p>
@@ -7392,7 +7392,7 @@
           </a:lstStyle>
           <a:p>
             <a:r>
-              <a:rPr lang="en-US" smtClean="0"/>
+              <a:rPr lang="en-US" dirty="0" smtClean="0"/>
               <a:t>Ari Ayvazyan, Adrian Bergler, Java EE Security</a:t>
             </a:r>
             <a:endParaRPr lang="en-US" dirty="0"/>
@@ -7708,7 +7708,7 @@
           <a:p>
             <a:fld id="{DEC2414D-07E7-4FA4-A448-06B96823E462}" type="datetime1">
               <a:rPr lang="de-AT" smtClean="0"/>
-              <a:t>12.02.2015</a:t>
+              <a:t>13.02.2015</a:t>
             </a:fld>
             <a:endParaRPr lang="en-US" dirty="0"/>
           </a:p>
@@ -7734,7 +7734,7 @@
           </a:lstStyle>
           <a:p>
             <a:r>
-              <a:rPr lang="en-US" smtClean="0"/>
+              <a:rPr lang="en-US" dirty="0" smtClean="0"/>
               <a:t>Ari Ayvazyan, Adrian Bergler, Java EE Security</a:t>
             </a:r>
             <a:endParaRPr lang="en-US" dirty="0"/>
@@ -8184,7 +8184,7 @@
           <a:p>
             <a:fld id="{674B4DB1-75FC-4736-B6F1-F7E01E222F76}" type="datetime1">
               <a:rPr lang="de-AT" smtClean="0"/>
-              <a:t>12.02.2015</a:t>
+              <a:t>13.02.2015</a:t>
             </a:fld>
             <a:endParaRPr lang="en-US" dirty="0"/>
           </a:p>
@@ -8211,15 +8211,7 @@
           <a:p>
             <a:r>
               <a:rPr lang="en-US" dirty="0" smtClean="0"/>
-              <a:t>Ari </a:t>
-            </a:r>
-            <a:r>
-              <a:rPr lang="en-US" dirty="0" err="1" smtClean="0"/>
-              <a:t>Ayvazyan</a:t>
-            </a:r>
-            <a:r>
-              <a:rPr lang="en-US" dirty="0" smtClean="0"/>
-              <a:t>, Adrian Bergler, Java EE Security</a:t>
+              <a:t>Ari Ayvazyan, Adrian Bergler, Java EE Security</a:t>
             </a:r>
             <a:endParaRPr lang="en-US" dirty="0"/>
           </a:p>
@@ -8416,7 +8408,7 @@
           <a:p>
             <a:fld id="{71195BFD-BF80-4769-B534-08F85C1A0F49}" type="datetime1">
               <a:rPr lang="de-AT" smtClean="0"/>
-              <a:t>12.02.2015</a:t>
+              <a:t>13.02.2015</a:t>
             </a:fld>
             <a:endParaRPr lang="en-US" dirty="0"/>
           </a:p>
@@ -8442,7 +8434,7 @@
           </a:lstStyle>
           <a:p>
             <a:r>
-              <a:rPr lang="en-US" smtClean="0"/>
+              <a:rPr lang="en-US" dirty="0" smtClean="0"/>
               <a:t>Ari Ayvazyan, Adrian Bergler, Java EE Security</a:t>
             </a:r>
             <a:endParaRPr lang="en-US" dirty="0"/>
@@ -8608,7 +8600,7 @@
           <a:p>
             <a:fld id="{E1DC0D4E-9322-4433-8E20-34F9C01A815C}" type="datetime1">
               <a:rPr lang="de-AT" smtClean="0"/>
-              <a:t>12.02.2015</a:t>
+              <a:t>13.02.2015</a:t>
             </a:fld>
             <a:endParaRPr lang="en-US" dirty="0"/>
           </a:p>
@@ -8634,7 +8626,7 @@
           </a:lstStyle>
           <a:p>
             <a:r>
-              <a:rPr lang="en-US" smtClean="0"/>
+              <a:rPr lang="en-US" dirty="0" smtClean="0"/>
               <a:t>Ari Ayvazyan, Adrian Bergler, Java EE Security</a:t>
             </a:r>
             <a:endParaRPr lang="en-US" dirty="0"/>
@@ -8956,7 +8948,7 @@
           <a:p>
             <a:fld id="{625EF07A-8737-4CA2-9BBD-217DA6B2FB41}" type="datetime1">
               <a:rPr lang="de-AT" smtClean="0"/>
-              <a:t>12.02.2015</a:t>
+              <a:t>13.02.2015</a:t>
             </a:fld>
             <a:endParaRPr lang="en-US" dirty="0"/>
           </a:p>
@@ -8978,7 +8970,7 @@
           <a:lstStyle/>
           <a:p>
             <a:r>
-              <a:rPr lang="en-US" smtClean="0"/>
+              <a:rPr lang="en-US" dirty="0" smtClean="0"/>
               <a:t>Ari Ayvazyan, Adrian Bergler, Java EE Security</a:t>
             </a:r>
             <a:endParaRPr lang="en-US" dirty="0"/>
@@ -9305,7 +9297,7 @@
           <a:p>
             <a:fld id="{E1770B3E-5FDB-42F6-824B-73ACC5200058}" type="datetime1">
               <a:rPr lang="de-AT" smtClean="0"/>
-              <a:t>12.02.2015</a:t>
+              <a:t>13.02.2015</a:t>
             </a:fld>
             <a:endParaRPr lang="en-US" dirty="0"/>
           </a:p>
@@ -9327,7 +9319,7 @@
           <a:lstStyle/>
           <a:p>
             <a:r>
-              <a:rPr lang="en-US" smtClean="0"/>
+              <a:rPr lang="en-US" dirty="0" smtClean="0"/>
               <a:t>Ari Ayvazyan, Adrian Bergler, Java EE Security</a:t>
             </a:r>
             <a:endParaRPr lang="en-US" dirty="0"/>
@@ -11426,7 +11418,7 @@
           <a:p>
             <a:fld id="{5F4F6DE1-0D21-4883-93E4-6B0941365665}" type="datetime1">
               <a:rPr lang="de-AT" smtClean="0"/>
-              <a:t>12.02.2015</a:t>
+              <a:t>13.02.2015</a:t>
             </a:fld>
             <a:endParaRPr lang="en-US" dirty="0"/>
           </a:p>
@@ -11466,7 +11458,7 @@
           </a:lstStyle>
           <a:p>
             <a:r>
-              <a:rPr lang="en-US" smtClean="0"/>
+              <a:rPr lang="en-US" dirty="0" smtClean="0"/>
               <a:t>Ari Ayvazyan, Adrian Bergler, Java EE Security</a:t>
             </a:r>
             <a:endParaRPr lang="en-US" dirty="0"/>
@@ -12001,11 +11993,7 @@
           <a:p>
             <a:r>
               <a:rPr lang="en-US" noProof="0" dirty="0" smtClean="0"/>
-              <a:t>Ari M. </a:t>
-            </a:r>
-            <a:r>
-              <a:rPr lang="en-US" noProof="0" dirty="0" err="1" smtClean="0"/>
-              <a:t>Ayvazyan</a:t>
+              <a:t>Ari M. Ayvazyan</a:t>
             </a:r>
             <a:r>
               <a:rPr lang="en-US" dirty="0" smtClean="0"/>
@@ -12037,7 +12025,7 @@
           <a:p>
             <a:fld id="{7C6EEE63-011F-407C-8150-357F64FCF13F}" type="datetime1">
               <a:rPr lang="de-AT" sz="2400" smtClean="0"/>
-              <a:t>12.02.2015</a:t>
+              <a:t>13.02.2015</a:t>
             </a:fld>
             <a:endParaRPr lang="en-US" dirty="0"/>
           </a:p>
@@ -12059,7 +12047,7 @@
           <a:lstStyle/>
           <a:p>
             <a:r>
-              <a:rPr lang="en-US" smtClean="0"/>
+              <a:rPr lang="en-US" dirty="0" smtClean="0"/>
               <a:t>Ari Ayvazyan, Adrian Bergler, Java EE Security</a:t>
             </a:r>
             <a:endParaRPr lang="en-US" dirty="0"/>
@@ -12243,7 +12231,7 @@
           <a:p>
             <a:fld id="{4A91D300-0263-4546-9E1B-4FBB24987E84}" type="datetime1">
               <a:rPr lang="de-AT" smtClean="0"/>
-              <a:t>12.02.2015</a:t>
+              <a:t>13.02.2015</a:t>
             </a:fld>
             <a:endParaRPr lang="en-US" dirty="0"/>
           </a:p>
@@ -12265,7 +12253,7 @@
           <a:lstStyle/>
           <a:p>
             <a:r>
-              <a:rPr lang="en-US" smtClean="0"/>
+              <a:rPr lang="en-US" dirty="0" smtClean="0"/>
               <a:t>Ari Ayvazyan, Adrian Bergler, Java EE Security</a:t>
             </a:r>
             <a:endParaRPr lang="en-US" dirty="0"/>
@@ -12419,7 +12407,7 @@
           <a:p>
             <a:fld id="{F80268E5-4EB8-43AB-871E-B268C39F6684}" type="datetime1">
               <a:rPr lang="de-AT" smtClean="0"/>
-              <a:t>12.02.2015</a:t>
+              <a:t>13.02.2015</a:t>
             </a:fld>
             <a:endParaRPr lang="en-US" dirty="0"/>
           </a:p>
@@ -12441,7 +12429,7 @@
           <a:lstStyle/>
           <a:p>
             <a:r>
-              <a:rPr lang="en-US" smtClean="0"/>
+              <a:rPr lang="en-US" dirty="0" smtClean="0"/>
               <a:t>Ari Ayvazyan, Adrian Bergler, Java EE Security</a:t>
             </a:r>
             <a:endParaRPr lang="en-US" dirty="0"/>
@@ -12598,7 +12586,7 @@
           <a:p>
             <a:fld id="{13E9B43B-4503-4062-9B5D-FB31BFAFE538}" type="datetime1">
               <a:rPr lang="de-AT" smtClean="0"/>
-              <a:t>12.02.2015</a:t>
+              <a:t>13.02.2015</a:t>
             </a:fld>
             <a:endParaRPr lang="en-US" dirty="0"/>
           </a:p>
@@ -12620,7 +12608,7 @@
           <a:lstStyle/>
           <a:p>
             <a:r>
-              <a:rPr lang="en-US" smtClean="0"/>
+              <a:rPr lang="en-US" dirty="0" smtClean="0"/>
               <a:t>Ari Ayvazyan, Adrian Bergler, Java EE Security</a:t>
             </a:r>
             <a:endParaRPr lang="en-US" dirty="0"/>
@@ -12805,7 +12793,7 @@
           <a:p>
             <a:fld id="{3E712E1E-3397-4287-BDE5-9421B50999BE}" type="datetime1">
               <a:rPr lang="de-AT" smtClean="0"/>
-              <a:t>12.02.2015</a:t>
+              <a:t>13.02.2015</a:t>
             </a:fld>
             <a:endParaRPr lang="en-US" dirty="0"/>
           </a:p>
@@ -12827,7 +12815,7 @@
           <a:lstStyle/>
           <a:p>
             <a:r>
-              <a:rPr lang="en-US" smtClean="0"/>
+              <a:rPr lang="en-US" dirty="0" smtClean="0"/>
               <a:t>Ari Ayvazyan, Adrian Bergler, Java EE Security</a:t>
             </a:r>
             <a:endParaRPr lang="en-US" dirty="0"/>
@@ -13040,7 +13028,7 @@
           <a:p>
             <a:fld id="{C771CF87-C68C-4384-93E9-D69F92989361}" type="datetime1">
               <a:rPr lang="de-AT" smtClean="0"/>
-              <a:t>12.02.2015</a:t>
+              <a:t>13.02.2015</a:t>
             </a:fld>
             <a:endParaRPr lang="en-US" dirty="0"/>
           </a:p>
@@ -13062,7 +13050,7 @@
           <a:lstStyle/>
           <a:p>
             <a:r>
-              <a:rPr lang="en-US" smtClean="0"/>
+              <a:rPr lang="en-US" dirty="0" smtClean="0"/>
               <a:t>Ari Ayvazyan, Adrian Bergler, Java EE Security</a:t>
             </a:r>
             <a:endParaRPr lang="en-US" dirty="0"/>
@@ -13259,7 +13247,7 @@
           <a:p>
             <a:fld id="{D864EEA2-7E20-4DE6-8072-5B7BC1217A2D}" type="datetime1">
               <a:rPr lang="de-AT" smtClean="0"/>
-              <a:t>12.02.2015</a:t>
+              <a:t>13.02.2015</a:t>
             </a:fld>
             <a:endParaRPr lang="en-US" dirty="0"/>
           </a:p>
@@ -13281,7 +13269,7 @@
           <a:lstStyle/>
           <a:p>
             <a:r>
-              <a:rPr lang="en-US" smtClean="0"/>
+              <a:rPr lang="en-US" dirty="0" smtClean="0"/>
               <a:t>Ari Ayvazyan, Adrian Bergler, Java EE Security</a:t>
             </a:r>
             <a:endParaRPr lang="en-US" dirty="0"/>
@@ -13429,7 +13417,7 @@
           <a:p>
             <a:fld id="{0D18EB54-2694-4D37-9947-776AEAA831AE}" type="datetime1">
               <a:rPr lang="de-AT" smtClean="0"/>
-              <a:t>12.02.2015</a:t>
+              <a:t>13.02.2015</a:t>
             </a:fld>
             <a:endParaRPr lang="en-US" dirty="0"/>
           </a:p>
@@ -13451,7 +13439,7 @@
           <a:lstStyle/>
           <a:p>
             <a:r>
-              <a:rPr lang="en-US" smtClean="0"/>
+              <a:rPr lang="en-US" dirty="0" smtClean="0"/>
               <a:t>Ari Ayvazyan, Adrian Bergler, Java EE Security</a:t>
             </a:r>
             <a:endParaRPr lang="en-US" dirty="0"/>
@@ -13885,7 +13873,7 @@
           <a:p>
             <a:fld id="{8013CF64-DE0C-440F-BB08-2E633AEBDAE0}" type="datetime1">
               <a:rPr lang="de-AT" smtClean="0"/>
-              <a:t>12.02.2015</a:t>
+              <a:t>13.02.2015</a:t>
             </a:fld>
             <a:endParaRPr lang="en-US" dirty="0"/>
           </a:p>
@@ -13907,7 +13895,7 @@
           <a:lstStyle/>
           <a:p>
             <a:r>
-              <a:rPr lang="en-US" smtClean="0"/>
+              <a:rPr lang="en-US" dirty="0" smtClean="0"/>
               <a:t>Ari Ayvazyan, Adrian Bergler, Java EE Security</a:t>
             </a:r>
             <a:endParaRPr lang="en-US" dirty="0"/>
@@ -14383,7 +14371,7 @@
           <a:p>
             <a:fld id="{65CAD967-9D5C-4FE7-B558-253609022E15}" type="datetime1">
               <a:rPr lang="de-AT" smtClean="0"/>
-              <a:t>12.02.2015</a:t>
+              <a:t>13.02.2015</a:t>
             </a:fld>
             <a:endParaRPr lang="en-US" dirty="0"/>
           </a:p>
@@ -14405,7 +14393,7 @@
           <a:lstStyle/>
           <a:p>
             <a:r>
-              <a:rPr lang="en-US" smtClean="0"/>
+              <a:rPr lang="en-US" dirty="0" smtClean="0"/>
               <a:t>Ari Ayvazyan, Adrian Bergler, Java EE Security</a:t>
             </a:r>
             <a:endParaRPr lang="en-US" dirty="0"/>
@@ -14606,7 +14594,7 @@
           <a:p>
             <a:fld id="{4A970268-AA4D-4BC5-A34A-E9BE3AB96B6A}" type="datetime1">
               <a:rPr lang="de-AT" smtClean="0"/>
-              <a:t>12.02.2015</a:t>
+              <a:t>13.02.2015</a:t>
             </a:fld>
             <a:endParaRPr lang="en-US" dirty="0"/>
           </a:p>
@@ -14628,7 +14616,7 @@
           <a:lstStyle/>
           <a:p>
             <a:r>
-              <a:rPr lang="en-US" smtClean="0"/>
+              <a:rPr lang="en-US" dirty="0" smtClean="0"/>
               <a:t>Ari Ayvazyan, Adrian Bergler, Java EE Security</a:t>
             </a:r>
             <a:endParaRPr lang="en-US" dirty="0"/>
@@ -14819,7 +14807,7 @@
           <a:p>
             <a:fld id="{9A7C745B-5193-4371-B385-61CE6E1B5541}" type="datetime1">
               <a:rPr lang="de-AT" smtClean="0"/>
-              <a:t>12.02.2015</a:t>
+              <a:t>13.02.2015</a:t>
             </a:fld>
             <a:endParaRPr lang="en-US" dirty="0"/>
           </a:p>
@@ -14841,7 +14829,7 @@
           <a:lstStyle/>
           <a:p>
             <a:r>
-              <a:rPr lang="en-US" smtClean="0"/>
+              <a:rPr lang="en-US" dirty="0" smtClean="0"/>
               <a:t>Ari Ayvazyan, Adrian Bergler, Java EE Security</a:t>
             </a:r>
             <a:endParaRPr lang="en-US" dirty="0"/>
@@ -14967,7 +14955,7 @@
           <a:p>
             <a:fld id="{B513651D-7A83-4608-A243-C4C141292260}" type="datetime1">
               <a:rPr lang="de-AT" smtClean="0"/>
-              <a:t>12.02.2015</a:t>
+              <a:t>13.02.2015</a:t>
             </a:fld>
             <a:endParaRPr lang="en-US" dirty="0"/>
           </a:p>
@@ -14989,7 +14977,7 @@
           <a:lstStyle/>
           <a:p>
             <a:r>
-              <a:rPr lang="en-US" smtClean="0"/>
+              <a:rPr lang="en-US" dirty="0" smtClean="0"/>
               <a:t>Ari Ayvazyan, Adrian Bergler, Java EE Security</a:t>
             </a:r>
             <a:endParaRPr lang="en-US" dirty="0"/>
@@ -15115,7 +15103,7 @@
           <a:p>
             <a:fld id="{5E747D12-5EA7-4906-81DF-D3F9CA3728BA}" type="datetime1">
               <a:rPr lang="de-AT" smtClean="0"/>
-              <a:t>12.02.2015</a:t>
+              <a:t>13.02.2015</a:t>
             </a:fld>
             <a:endParaRPr lang="en-US" dirty="0"/>
           </a:p>
@@ -15137,7 +15125,7 @@
           <a:lstStyle/>
           <a:p>
             <a:r>
-              <a:rPr lang="en-US" smtClean="0"/>
+              <a:rPr lang="en-US" dirty="0" smtClean="0"/>
               <a:t>Ari Ayvazyan, Adrian Bergler, Java EE Security</a:t>
             </a:r>
             <a:endParaRPr lang="en-US" dirty="0"/>
@@ -15260,13 +15248,8 @@
           <a:p>
             <a:r>
               <a:rPr lang="en-US" dirty="0" smtClean="0"/>
-              <a:t>Apache </a:t>
-            </a:r>
-            <a:r>
-              <a:rPr lang="en-US" dirty="0" err="1" smtClean="0"/>
-              <a:t>Shiro</a:t>
-            </a:r>
-            <a:endParaRPr lang="en-US" dirty="0" smtClean="0"/>
+              <a:t>Apache Shiro</a:t>
+            </a:r>
           </a:p>
           <a:p>
             <a:pPr lvl="1"/>
@@ -15369,7 +15352,7 @@
           <a:p>
             <a:fld id="{3F4C572F-BCA4-4487-8EBD-15EE8D7320C7}" type="datetime1">
               <a:rPr lang="de-AT" smtClean="0"/>
-              <a:t>12.02.2015</a:t>
+              <a:t>13.02.2015</a:t>
             </a:fld>
             <a:endParaRPr lang="en-US" dirty="0"/>
           </a:p>
@@ -15391,7 +15374,7 @@
           <a:lstStyle/>
           <a:p>
             <a:r>
-              <a:rPr lang="en-US" smtClean="0"/>
+              <a:rPr lang="en-US" dirty="0" smtClean="0"/>
               <a:t>Ari Ayvazyan, Adrian Bergler, Java EE Security</a:t>
             </a:r>
             <a:endParaRPr lang="en-US" dirty="0"/>
@@ -15564,7 +15547,7 @@
           <a:p>
             <a:fld id="{73F9A2D8-44B8-467F-9223-0D7436D41992}" type="datetime1">
               <a:rPr lang="de-AT" smtClean="0"/>
-              <a:t>12.02.2015</a:t>
+              <a:t>13.02.2015</a:t>
             </a:fld>
             <a:endParaRPr lang="en-US" dirty="0"/>
           </a:p>
@@ -15586,7 +15569,7 @@
           <a:lstStyle/>
           <a:p>
             <a:r>
-              <a:rPr lang="en-US" smtClean="0"/>
+              <a:rPr lang="en-US" dirty="0" smtClean="0"/>
               <a:t>Ari Ayvazyan, Adrian Bergler, Java EE Security</a:t>
             </a:r>
             <a:endParaRPr lang="en-US" dirty="0"/>
@@ -15735,7 +15718,7 @@
           <a:p>
             <a:fld id="{340EB59D-EF96-4D6A-A29A-A1ED56883F40}" type="datetime1">
               <a:rPr lang="de-AT" smtClean="0"/>
-              <a:t>12.02.2015</a:t>
+              <a:t>13.02.2015</a:t>
             </a:fld>
             <a:endParaRPr lang="en-US" dirty="0"/>
           </a:p>
@@ -15757,7 +15740,7 @@
           <a:lstStyle/>
           <a:p>
             <a:r>
-              <a:rPr lang="en-US" smtClean="0"/>
+              <a:rPr lang="en-US" dirty="0" smtClean="0"/>
               <a:t>Ari Ayvazyan, Adrian Bergler, Java EE Security</a:t>
             </a:r>
             <a:endParaRPr lang="en-US" dirty="0"/>
@@ -15843,7 +15826,7 @@
           <a:p>
             <a:pPr lvl="0"/>
             <a:r>
-              <a:rPr lang="en-US" sz="3600" i="0" kern="1200" noProof="0" dirty="0" err="1" smtClean="0">
+              <a:rPr lang="en-US" sz="3600" i="0" kern="1200" noProof="0" dirty="0" smtClean="0">
                 <a:solidFill>
                   <a:schemeClr val="tx1">
                     <a:lumMod val="85000"/>
@@ -15852,7 +15835,7 @@
                 </a:solidFill>
                 <a:effectLst/>
               </a:rPr>
-              <a:t>Quellen</a:t>
+              <a:t>Sources</a:t>
             </a:r>
             <a:endParaRPr lang="en-US" noProof="0" dirty="0"/>
           </a:p>
@@ -16335,7 +16318,7 @@
           <a:p>
             <a:fld id="{680BB08F-6D3B-4E3E-8B05-C729AFCB21AF}" type="datetime1">
               <a:rPr lang="de-AT" smtClean="0"/>
-              <a:t>12.02.2015</a:t>
+              <a:t>13.02.2015</a:t>
             </a:fld>
             <a:endParaRPr lang="en-US" dirty="0"/>
           </a:p>
@@ -16357,7 +16340,7 @@
           <a:lstStyle/>
           <a:p>
             <a:r>
-              <a:rPr lang="en-US" smtClean="0"/>
+              <a:rPr lang="en-US" dirty="0" smtClean="0"/>
               <a:t>Ari Ayvazyan, Adrian Bergler, Java EE Security</a:t>
             </a:r>
             <a:endParaRPr lang="en-US" dirty="0"/>
@@ -16495,7 +16478,7 @@
           <a:p>
             <a:fld id="{F119BB51-554B-42A7-A5CE-65CE19D217E2}" type="datetime1">
               <a:rPr lang="de-AT" smtClean="0"/>
-              <a:t>12.02.2015</a:t>
+              <a:t>13.02.2015</a:t>
             </a:fld>
             <a:endParaRPr lang="en-US" dirty="0"/>
           </a:p>
@@ -16517,7 +16500,7 @@
           <a:lstStyle/>
           <a:p>
             <a:r>
-              <a:rPr lang="en-US" smtClean="0"/>
+              <a:rPr lang="en-US" dirty="0" smtClean="0"/>
               <a:t>Ari Ayvazyan, Adrian Bergler, Java EE Security</a:t>
             </a:r>
             <a:endParaRPr lang="en-US" dirty="0"/>
@@ -16645,8 +16628,9 @@
             <a:pPr lvl="1"/>
             <a:r>
               <a:rPr lang="de-AT" dirty="0" smtClean="0"/>
-              <a:t>Authenticity</a:t>
-            </a:r>
+              <a:t>Availability</a:t>
+            </a:r>
+            <a:endParaRPr lang="de-AT" dirty="0" smtClean="0"/>
           </a:p>
           <a:p>
             <a:endParaRPr lang="de-AT" dirty="0"/>
@@ -16677,7 +16661,7 @@
           <a:p>
             <a:fld id="{228CEE28-1F13-4A8A-B42E-2AB51677B37B}" type="datetime1">
               <a:rPr lang="de-AT" smtClean="0"/>
-              <a:t>12.02.2015</a:t>
+              <a:t>13.02.2015</a:t>
             </a:fld>
             <a:endParaRPr lang="en-US" dirty="0"/>
           </a:p>
@@ -16699,7 +16683,7 @@
           <a:lstStyle/>
           <a:p>
             <a:r>
-              <a:rPr lang="en-US" smtClean="0"/>
+              <a:rPr lang="en-US" dirty="0" smtClean="0"/>
               <a:t>Ari Ayvazyan, Adrian Bergler, Java EE Security</a:t>
             </a:r>
             <a:endParaRPr lang="en-US" dirty="0"/>
@@ -16804,7 +16788,11 @@
           <a:bodyPr/>
           <a:lstStyle/>
           <a:p>
-            <a:endParaRPr lang="de-AT"/>
+            <a:r>
+              <a:rPr lang="de-AT" dirty="0" smtClean="0"/>
+              <a:t>Data can‘t be read by unauthorized</a:t>
+            </a:r>
+            <a:endParaRPr lang="de-AT" dirty="0"/>
           </a:p>
         </p:txBody>
       </p:sp>
@@ -16825,7 +16813,7 @@
           <a:p>
             <a:fld id="{C80B77D9-CB24-478F-9164-59001334A58D}" type="datetime1">
               <a:rPr lang="de-AT" smtClean="0"/>
-              <a:t>12.02.2015</a:t>
+              <a:t>13.02.2015</a:t>
             </a:fld>
             <a:endParaRPr lang="en-US" dirty="0"/>
           </a:p>
@@ -16847,7 +16835,7 @@
           <a:lstStyle/>
           <a:p>
             <a:r>
-              <a:rPr lang="en-US" smtClean="0"/>
+              <a:rPr lang="en-US" dirty="0" smtClean="0"/>
               <a:t>Ari Ayvazyan, Adrian Bergler, Java EE Security</a:t>
             </a:r>
             <a:endParaRPr lang="en-US" dirty="0"/>
@@ -16952,7 +16940,11 @@
           <a:bodyPr/>
           <a:lstStyle/>
           <a:p>
-            <a:endParaRPr lang="de-AT"/>
+            <a:r>
+              <a:rPr lang="de-AT" dirty="0" smtClean="0"/>
+              <a:t>State of system can‘t be modified by unauthorized</a:t>
+            </a:r>
+            <a:endParaRPr lang="de-AT" dirty="0"/>
           </a:p>
         </p:txBody>
       </p:sp>
@@ -16973,7 +16965,7 @@
           <a:p>
             <a:fld id="{4CE20CBD-2482-405E-AA83-083B684F37AA}" type="datetime1">
               <a:rPr lang="de-AT" smtClean="0"/>
-              <a:t>12.02.2015</a:t>
+              <a:t>13.02.2015</a:t>
             </a:fld>
             <a:endParaRPr lang="en-US" dirty="0"/>
           </a:p>
@@ -16995,7 +16987,7 @@
           <a:lstStyle/>
           <a:p>
             <a:r>
-              <a:rPr lang="en-US" smtClean="0"/>
+              <a:rPr lang="en-US" dirty="0" smtClean="0"/>
               <a:t>Ari Ayvazyan, Adrian Bergler, Java EE Security</a:t>
             </a:r>
             <a:endParaRPr lang="en-US" dirty="0"/>
@@ -17079,7 +17071,7 @@
           <a:p>
             <a:r>
               <a:rPr lang="de-AT" dirty="0" smtClean="0"/>
-              <a:t>Authenticity</a:t>
+              <a:t>Availability</a:t>
             </a:r>
             <a:endParaRPr lang="de-AT" dirty="0"/>
           </a:p>
@@ -17100,7 +17092,28 @@
           <a:bodyPr/>
           <a:lstStyle/>
           <a:p>
-            <a:endParaRPr lang="de-AT"/>
+            <a:r>
+              <a:rPr lang="de-AT" dirty="0" smtClean="0"/>
+              <a:t>How stable the system is</a:t>
+            </a:r>
+            <a:r>
+              <a:rPr lang="de-AT" dirty="0"/>
+              <a:t> </a:t>
+            </a:r>
+            <a:r>
+              <a:rPr lang="de-AT" dirty="0" smtClean="0"/>
+              <a:t>against errors and attacks</a:t>
+            </a:r>
+          </a:p>
+          <a:p>
+            <a:endParaRPr lang="de-AT" dirty="0"/>
+          </a:p>
+          <a:p>
+            <a:r>
+              <a:rPr lang="de-AT" dirty="0" smtClean="0"/>
+              <a:t>Being available in general</a:t>
+            </a:r>
+            <a:endParaRPr lang="de-AT" dirty="0" smtClean="0"/>
           </a:p>
         </p:txBody>
       </p:sp>
@@ -17121,7 +17134,7 @@
           <a:p>
             <a:fld id="{975DD7B9-8C02-4C19-A665-5B005BE48CDF}" type="datetime1">
               <a:rPr lang="de-AT" smtClean="0"/>
-              <a:t>12.02.2015</a:t>
+              <a:t>13.02.2015</a:t>
             </a:fld>
             <a:endParaRPr lang="en-US" dirty="0"/>
           </a:p>
@@ -17143,7 +17156,7 @@
           <a:lstStyle/>
           <a:p>
             <a:r>
-              <a:rPr lang="en-US" smtClean="0"/>
+              <a:rPr lang="en-US" dirty="0" smtClean="0"/>
               <a:t>Ari Ayvazyan, Adrian Bergler, Java EE Security</a:t>
             </a:r>
             <a:endParaRPr lang="en-US" dirty="0"/>
@@ -17248,7 +17261,44 @@
           <a:bodyPr/>
           <a:lstStyle/>
           <a:p>
-            <a:endParaRPr lang="de-AT"/>
+            <a:r>
+              <a:rPr lang="en-US" dirty="0" smtClean="0"/>
+              <a:t>Actions only </a:t>
+            </a:r>
+            <a:r>
+              <a:rPr lang="en-US" dirty="0"/>
+              <a:t>be executed by their defined identities (</a:t>
+            </a:r>
+            <a:r>
+              <a:rPr lang="en-US" dirty="0" err="1"/>
+              <a:t>eg</a:t>
+            </a:r>
+            <a:r>
+              <a:rPr lang="en-US" dirty="0"/>
+              <a:t>. user groups</a:t>
+            </a:r>
+            <a:r>
+              <a:rPr lang="en-US" dirty="0" smtClean="0"/>
+              <a:t>)</a:t>
+            </a:r>
+          </a:p>
+          <a:p>
+            <a:endParaRPr lang="en-US" dirty="0"/>
+          </a:p>
+          <a:p>
+            <a:r>
+              <a:rPr lang="en-US" dirty="0" smtClean="0"/>
+              <a:t>Also: Ability </a:t>
+            </a:r>
+            <a:r>
+              <a:rPr lang="en-US" dirty="0"/>
+              <a:t>to make users accountable for their </a:t>
+            </a:r>
+            <a:r>
+              <a:rPr lang="en-US" dirty="0" smtClean="0"/>
+              <a:t>actions</a:t>
+            </a:r>
+            <a:endParaRPr lang="de-AT" dirty="0"/>
           </a:p>
         </p:txBody>
       </p:sp>
@@ -17269,7 +17319,7 @@
           <a:p>
             <a:fld id="{4EE4FE41-E31C-4061-BE17-A2D9A341638B}" type="datetime1">
               <a:rPr lang="de-AT" smtClean="0"/>
-              <a:t>12.02.2015</a:t>
+              <a:t>13.02.2015</a:t>
             </a:fld>
             <a:endParaRPr lang="en-US" dirty="0"/>
           </a:p>
@@ -17291,7 +17341,7 @@
           <a:lstStyle/>
           <a:p>
             <a:r>
-              <a:rPr lang="en-US" smtClean="0"/>
+              <a:rPr lang="en-US" dirty="0" smtClean="0"/>
               <a:t>Ari Ayvazyan, Adrian Bergler, Java EE Security</a:t>
             </a:r>
             <a:endParaRPr lang="en-US" dirty="0"/>
@@ -17423,7 +17473,7 @@
           <a:p>
             <a:fld id="{F684900C-1BC1-4B8C-83BF-0133510994B2}" type="datetime1">
               <a:rPr lang="de-AT" smtClean="0"/>
-              <a:t>12.02.2015</a:t>
+              <a:t>13.02.2015</a:t>
             </a:fld>
             <a:endParaRPr lang="en-US" dirty="0"/>
           </a:p>
@@ -17445,7 +17495,7 @@
           <a:lstStyle/>
           <a:p>
             <a:r>
-              <a:rPr lang="en-US" smtClean="0"/>
+              <a:rPr lang="en-US" dirty="0" smtClean="0"/>
               <a:t>Ari Ayvazyan, Adrian Bergler, Java EE Security</a:t>
             </a:r>
             <a:endParaRPr lang="en-US" dirty="0"/>
@@ -17653,7 +17703,7 @@
           <a:p>
             <a:fld id="{876F5003-B5C3-462A-92A3-05F7AF44974A}" type="datetime1">
               <a:rPr lang="de-AT" smtClean="0"/>
-              <a:t>12.02.2015</a:t>
+              <a:t>13.02.2015</a:t>
             </a:fld>
             <a:endParaRPr lang="en-US" dirty="0"/>
           </a:p>
@@ -17675,7 +17725,7 @@
           <a:lstStyle/>
           <a:p>
             <a:r>
-              <a:rPr lang="en-US" smtClean="0"/>
+              <a:rPr lang="en-US" dirty="0" smtClean="0"/>
               <a:t>Ari Ayvazyan, Adrian Bergler, Java EE Security</a:t>
             </a:r>
             <a:endParaRPr lang="en-US" dirty="0"/>

--- a/doc/Java EE - Security.pptx
+++ b/doc/Java EE - Security.pptx
@@ -5,7 +5,7 @@
     <p:sldMasterId id="2147483671" r:id="rId1"/>
   </p:sldMasterIdLst>
   <p:notesMasterIdLst>
-    <p:notesMasterId r:id="rId28"/>
+    <p:notesMasterId r:id="rId31"/>
   </p:notesMasterIdLst>
   <p:sldIdLst>
     <p:sldId id="256" r:id="rId2"/>
@@ -17,23 +17,26 @@
     <p:sldId id="281" r:id="rId8"/>
     <p:sldId id="257" r:id="rId9"/>
     <p:sldId id="263" r:id="rId10"/>
-    <p:sldId id="259" r:id="rId11"/>
-    <p:sldId id="268" r:id="rId12"/>
-    <p:sldId id="270" r:id="rId13"/>
-    <p:sldId id="271" r:id="rId14"/>
-    <p:sldId id="261" r:id="rId15"/>
-    <p:sldId id="260" r:id="rId16"/>
-    <p:sldId id="275" r:id="rId17"/>
-    <p:sldId id="276" r:id="rId18"/>
-    <p:sldId id="273" r:id="rId19"/>
-    <p:sldId id="282" r:id="rId20"/>
-    <p:sldId id="283" r:id="rId21"/>
-    <p:sldId id="284" r:id="rId22"/>
-    <p:sldId id="265" r:id="rId23"/>
-    <p:sldId id="266" r:id="rId24"/>
-    <p:sldId id="267" r:id="rId25"/>
-    <p:sldId id="262" r:id="rId26"/>
-    <p:sldId id="272" r:id="rId27"/>
+    <p:sldId id="288" r:id="rId11"/>
+    <p:sldId id="259" r:id="rId12"/>
+    <p:sldId id="268" r:id="rId13"/>
+    <p:sldId id="270" r:id="rId14"/>
+    <p:sldId id="271" r:id="rId15"/>
+    <p:sldId id="261" r:id="rId16"/>
+    <p:sldId id="260" r:id="rId17"/>
+    <p:sldId id="275" r:id="rId18"/>
+    <p:sldId id="276" r:id="rId19"/>
+    <p:sldId id="273" r:id="rId20"/>
+    <p:sldId id="282" r:id="rId21"/>
+    <p:sldId id="283" r:id="rId22"/>
+    <p:sldId id="284" r:id="rId23"/>
+    <p:sldId id="265" r:id="rId24"/>
+    <p:sldId id="287" r:id="rId25"/>
+    <p:sldId id="286" r:id="rId26"/>
+    <p:sldId id="285" r:id="rId27"/>
+    <p:sldId id="266" r:id="rId28"/>
+    <p:sldId id="262" r:id="rId29"/>
+    <p:sldId id="272" r:id="rId30"/>
   </p:sldIdLst>
   <p:sldSz cx="12192000" cy="6858000"/>
   <p:notesSz cx="6858000" cy="9144000"/>
@@ -3660,7 +3663,7 @@
           <a:p>
             <a:fld id="{560D6F24-109C-42D3-BF90-9BF72925201E}" type="slidenum">
               <a:rPr lang="de-AT" smtClean="0"/>
-              <a:t>‹#›</a:t>
+              <a:t>‹Nr.›</a:t>
             </a:fld>
             <a:endParaRPr lang="de-AT"/>
           </a:p>
@@ -4086,91 +4089,7 @@
           <a:p>
             <a:fld id="{560D6F24-109C-42D3-BF90-9BF72925201E}" type="slidenum">
               <a:rPr lang="de-AT" smtClean="0"/>
-              <a:t>24</a:t>
-            </a:fld>
-            <a:endParaRPr lang="de-AT"/>
-          </a:p>
-        </p:txBody>
-      </p:sp>
-    </p:spTree>
-    <p:extLst>
-      <p:ext uri="{BB962C8B-B14F-4D97-AF65-F5344CB8AC3E}">
-        <p14:creationId xmlns:p14="http://schemas.microsoft.com/office/powerpoint/2010/main" val="4108727258"/>
-      </p:ext>
-    </p:extLst>
-  </p:cSld>
-  <p:clrMapOvr>
-    <a:masterClrMapping/>
-  </p:clrMapOvr>
-</p:notes>
-</file>
-
-<file path=ppt/notesSlides/notesSlide5.xml><?xml version="1.0" encoding="utf-8"?>
-<p:notes xmlns:a="http://schemas.openxmlformats.org/drawingml/2006/main" xmlns:r="http://schemas.openxmlformats.org/officeDocument/2006/relationships" xmlns:p="http://schemas.openxmlformats.org/presentationml/2006/main">
-  <p:cSld>
-    <p:spTree>
-      <p:nvGrpSpPr>
-        <p:cNvPr id="1" name=""/>
-        <p:cNvGrpSpPr/>
-        <p:nvPr/>
-      </p:nvGrpSpPr>
-      <p:grpSpPr>
-        <a:xfrm>
-          <a:off x="0" y="0"/>
-          <a:ext cx="0" cy="0"/>
-          <a:chOff x="0" y="0"/>
-          <a:chExt cx="0" cy="0"/>
-        </a:xfrm>
-      </p:grpSpPr>
-      <p:sp>
-        <p:nvSpPr>
-          <p:cNvPr id="2" name="Folienbildplatzhalter 1"/>
-          <p:cNvSpPr>
-            <a:spLocks noGrp="1" noRot="1" noChangeAspect="1"/>
-          </p:cNvSpPr>
-          <p:nvPr>
-            <p:ph type="sldImg"/>
-          </p:nvPr>
-        </p:nvSpPr>
-        <p:spPr/>
-      </p:sp>
-      <p:sp>
-        <p:nvSpPr>
-          <p:cNvPr id="3" name="Notizenplatzhalter 2"/>
-          <p:cNvSpPr>
-            <a:spLocks noGrp="1"/>
-          </p:cNvSpPr>
-          <p:nvPr>
-            <p:ph type="body" idx="1"/>
-          </p:nvPr>
-        </p:nvSpPr>
-        <p:spPr/>
-        <p:txBody>
-          <a:bodyPr/>
-          <a:lstStyle/>
-          <a:p>
-            <a:endParaRPr lang="de-AT" dirty="0"/>
-          </a:p>
-        </p:txBody>
-      </p:sp>
-      <p:sp>
-        <p:nvSpPr>
-          <p:cNvPr id="4" name="Foliennummernplatzhalter 3"/>
-          <p:cNvSpPr>
-            <a:spLocks noGrp="1"/>
-          </p:cNvSpPr>
-          <p:nvPr>
-            <p:ph type="sldNum" sz="quarter" idx="10"/>
-          </p:nvPr>
-        </p:nvSpPr>
-        <p:spPr/>
-        <p:txBody>
-          <a:bodyPr/>
-          <a:lstStyle/>
-          <a:p>
-            <a:fld id="{560D6F24-109C-42D3-BF90-9BF72925201E}" type="slidenum">
-              <a:rPr lang="de-AT" smtClean="0"/>
-              <a:t>25</a:t>
+              <a:t>28</a:t>
             </a:fld>
             <a:endParaRPr lang="de-AT"/>
           </a:p>
@@ -4518,7 +4437,7 @@
           <a:p>
             <a:fld id="{D57F1E4F-1CFF-5643-939E-02111984F565}" type="slidenum">
               <a:rPr lang="en-US" smtClean="0"/>
-              <a:t>‹#›</a:t>
+              <a:t>‹Nr.›</a:t>
             </a:fld>
             <a:endParaRPr lang="en-US" dirty="0"/>
           </a:p>
@@ -4867,7 +4786,7 @@
           <a:p>
             <a:fld id="{D57F1E4F-1CFF-5643-939E-02111984F565}" type="slidenum">
               <a:rPr lang="en-US" smtClean="0"/>
-              <a:t>‹#›</a:t>
+              <a:t>‹Nr.›</a:t>
             </a:fld>
             <a:endParaRPr lang="en-US" dirty="0"/>
           </a:p>
@@ -5272,7 +5191,7 @@
           <a:p>
             <a:fld id="{D57F1E4F-1CFF-5643-939E-02111984F565}" type="slidenum">
               <a:rPr lang="en-US" smtClean="0"/>
-              <a:t>‹#›</a:t>
+              <a:t>‹Nr.›</a:t>
             </a:fld>
             <a:endParaRPr lang="en-US" dirty="0"/>
           </a:p>
@@ -5612,7 +5531,7 @@
           <a:p>
             <a:fld id="{D57F1E4F-1CFF-5643-939E-02111984F565}" type="slidenum">
               <a:rPr lang="en-US" smtClean="0"/>
-              <a:t>‹#›</a:t>
+              <a:t>‹Nr.›</a:t>
             </a:fld>
             <a:endParaRPr lang="en-US" dirty="0"/>
           </a:p>
@@ -5936,7 +5855,7 @@
           <a:p>
             <a:fld id="{D57F1E4F-1CFF-5643-939E-02111984F565}" type="slidenum">
               <a:rPr lang="en-US" smtClean="0"/>
-              <a:t>‹#›</a:t>
+              <a:t>‹Nr.›</a:t>
             </a:fld>
             <a:endParaRPr lang="en-US" dirty="0"/>
           </a:p>
@@ -6336,7 +6255,7 @@
           <a:p>
             <a:fld id="{D57F1E4F-1CFF-5643-939E-02111984F565}" type="slidenum">
               <a:rPr lang="en-US" smtClean="0"/>
-              <a:t>‹#›</a:t>
+              <a:t>‹Nr.›</a:t>
             </a:fld>
             <a:endParaRPr lang="en-US" dirty="0"/>
           </a:p>
@@ -6592,7 +6511,7 @@
           <a:p>
             <a:fld id="{D57F1E4F-1CFF-5643-939E-02111984F565}" type="slidenum">
               <a:rPr lang="en-US" smtClean="0"/>
-              <a:t>‹#›</a:t>
+              <a:t>‹Nr.›</a:t>
             </a:fld>
             <a:endParaRPr lang="en-US" dirty="0"/>
           </a:p>
@@ -6858,7 +6777,7 @@
           <a:p>
             <a:fld id="{D57F1E4F-1CFF-5643-939E-02111984F565}" type="slidenum">
               <a:rPr lang="en-US" smtClean="0"/>
-              <a:t>‹#›</a:t>
+              <a:t>‹Nr.›</a:t>
             </a:fld>
             <a:endParaRPr lang="en-US" dirty="0"/>
           </a:p>
@@ -7150,7 +7069,7 @@
           <a:p>
             <a:fld id="{D57F1E4F-1CFF-5643-939E-02111984F565}" type="slidenum">
               <a:rPr lang="en-US" smtClean="0"/>
-              <a:t>‹#›</a:t>
+              <a:t>‹Nr.›</a:t>
             </a:fld>
             <a:endParaRPr lang="en-US" dirty="0"/>
           </a:p>
@@ -7503,7 +7422,7 @@
           <a:p>
             <a:fld id="{D57F1E4F-1CFF-5643-939E-02111984F565}" type="slidenum">
               <a:rPr lang="en-US" smtClean="0"/>
-              <a:t>‹#›</a:t>
+              <a:t>‹Nr.›</a:t>
             </a:fld>
             <a:endParaRPr lang="en-US" dirty="0"/>
           </a:p>
@@ -7845,7 +7764,7 @@
           <a:p>
             <a:fld id="{D57F1E4F-1CFF-5643-939E-02111984F565}" type="slidenum">
               <a:rPr lang="en-US" smtClean="0"/>
-              <a:t>‹#›</a:t>
+              <a:t>‹Nr.›</a:t>
             </a:fld>
             <a:endParaRPr lang="en-US" dirty="0"/>
           </a:p>
@@ -8321,7 +8240,7 @@
           <a:p>
             <a:fld id="{D57F1E4F-1CFF-5643-939E-02111984F565}" type="slidenum">
               <a:rPr lang="en-US" smtClean="0"/>
-              <a:t>‹#›</a:t>
+              <a:t>‹Nr.›</a:t>
             </a:fld>
             <a:endParaRPr lang="en-US" dirty="0"/>
           </a:p>
@@ -8540,7 +8459,7 @@
           <a:p>
             <a:fld id="{D57F1E4F-1CFF-5643-939E-02111984F565}" type="slidenum">
               <a:rPr lang="en-US" smtClean="0"/>
-              <a:t>‹#›</a:t>
+              <a:t>‹Nr.›</a:t>
             </a:fld>
             <a:endParaRPr lang="en-US" dirty="0"/>
           </a:p>
@@ -8732,7 +8651,7 @@
           <a:p>
             <a:fld id="{D57F1E4F-1CFF-5643-939E-02111984F565}" type="slidenum">
               <a:rPr lang="en-US" smtClean="0"/>
-              <a:t>‹#›</a:t>
+              <a:t>‹Nr.›</a:t>
             </a:fld>
             <a:endParaRPr lang="en-US" dirty="0"/>
           </a:p>
@@ -9076,7 +8995,7 @@
           <a:p>
             <a:fld id="{D57F1E4F-1CFF-5643-939E-02111984F565}" type="slidenum">
               <a:rPr lang="en-US" smtClean="0"/>
-              <a:t>‹#›</a:t>
+              <a:t>‹Nr.›</a:t>
             </a:fld>
             <a:endParaRPr lang="en-US" dirty="0"/>
           </a:p>
@@ -9430,7 +9349,7 @@
           <a:p>
             <a:fld id="{D57F1E4F-1CFF-5643-939E-02111984F565}" type="slidenum">
               <a:rPr lang="en-US" smtClean="0"/>
-              <a:t>‹#›</a:t>
+              <a:t>‹Nr.›</a:t>
             </a:fld>
             <a:endParaRPr lang="en-US" dirty="0"/>
           </a:p>
@@ -11498,7 +11417,7 @@
           <a:p>
             <a:fld id="{D57F1E4F-1CFF-5643-939E-02111984F565}" type="slidenum">
               <a:rPr lang="en-US" smtClean="0"/>
-              <a:t>‹#›</a:t>
+              <a:t>‹Nr.›</a:t>
             </a:fld>
             <a:endParaRPr lang="en-US" dirty="0"/>
           </a:p>
@@ -12048,7 +11967,7 @@
           <a:p>
             <a:r>
               <a:rPr lang="en-US" dirty="0" smtClean="0"/>
-              <a:t>Ari Ayvazyan, Adrian Bergler, Java EE Security</a:t>
+              <a:t> </a:t>
             </a:r>
             <a:endParaRPr lang="en-US" dirty="0"/>
           </a:p>
@@ -12129,11 +12048,41 @@
           <a:bodyPr/>
           <a:lstStyle/>
           <a:p>
-            <a:r>
-              <a:rPr lang="en-US" noProof="0" dirty="0" smtClean="0"/>
-              <a:t>Deployment Descriptors</a:t>
-            </a:r>
-            <a:endParaRPr lang="en-US" noProof="0" dirty="0"/>
+            <a:pPr marL="0" marR="0" indent="0" algn="l" defTabSz="457200" rtl="0" eaLnBrk="1" fontAlgn="auto" latinLnBrk="0" hangingPunct="1">
+              <a:lnSpc>
+                <a:spcPct val="100000"/>
+              </a:lnSpc>
+              <a:spcBef>
+                <a:spcPct val="0"/>
+              </a:spcBef>
+              <a:spcAft>
+                <a:spcPts val="0"/>
+              </a:spcAft>
+              <a:buClrTx/>
+              <a:buSzTx/>
+              <a:buFontTx/>
+              <a:buNone/>
+              <a:tabLst/>
+              <a:defRPr/>
+            </a:pPr>
+            <a:r>
+              <a:rPr lang="en-US" sz="3600" kern="1200" dirty="0" smtClean="0">
+                <a:solidFill>
+                  <a:schemeClr val="tx1">
+                    <a:lumMod val="85000"/>
+                    <a:lumOff val="15000"/>
+                  </a:schemeClr>
+                </a:solidFill>
+                <a:effectLst/>
+                <a:latin typeface="+mj-lt"/>
+                <a:ea typeface="+mj-ea"/>
+                <a:cs typeface="+mj-cs"/>
+              </a:rPr>
+              <a:t>Authentication &amp; Authorization</a:t>
+            </a:r>
+            <a:endParaRPr lang="de-AT" sz="3600" dirty="0" smtClean="0">
+              <a:effectLst/>
+            </a:endParaRPr>
           </a:p>
         </p:txBody>
       </p:sp>
@@ -12149,68 +12098,62 @@
         </p:nvSpPr>
         <p:spPr/>
         <p:txBody>
-          <a:bodyPr>
-            <a:normAutofit fontScale="92500" lnSpcReduction="10000"/>
-          </a:bodyPr>
-          <a:lstStyle/>
-          <a:p>
+          <a:bodyPr/>
+          <a:lstStyle/>
+          <a:p>
+            <a:r>
+              <a:rPr lang="en-US" b="1" dirty="0" smtClean="0"/>
+              <a:t>Authentication</a:t>
+            </a:r>
+          </a:p>
+          <a:p>
+            <a:pPr lvl="1"/>
+            <a:r>
+              <a:rPr lang="en-US" i="1" dirty="0"/>
+              <a:t>Who are you?</a:t>
+            </a:r>
+            <a:endParaRPr lang="en-US" i="1" dirty="0" smtClean="0"/>
+          </a:p>
+          <a:p>
+            <a:pPr lvl="1"/>
             <a:r>
               <a:rPr lang="en-US" dirty="0" smtClean="0"/>
-              <a:t>Describes how the Application should be Deployed.</a:t>
-            </a:r>
-          </a:p>
-          <a:p>
+              <a:t>Identification</a:t>
+            </a:r>
+            <a:endParaRPr lang="en-US" dirty="0"/>
+          </a:p>
+          <a:p>
+            <a:pPr lvl="1"/>
+            <a:endParaRPr lang="en-US" dirty="0" smtClean="0"/>
+          </a:p>
+          <a:p>
+            <a:r>
+              <a:rPr lang="en-US" b="1" dirty="0" smtClean="0"/>
+              <a:t>Authorization</a:t>
+            </a:r>
+          </a:p>
+          <a:p>
+            <a:pPr lvl="1"/>
+            <a:r>
+              <a:rPr lang="en-US" i="1" dirty="0" smtClean="0"/>
+              <a:t>What are you allowed to do?</a:t>
+            </a:r>
+          </a:p>
+          <a:p>
+            <a:pPr lvl="1"/>
             <a:r>
               <a:rPr lang="en-US" dirty="0" smtClean="0"/>
-              <a:t>Defines Security Constraints</a:t>
-            </a:r>
-          </a:p>
-          <a:p>
-            <a:pPr lvl="1"/>
+              <a:t>Assignment of Permissions to a </a:t>
+            </a:r>
+            <a:r>
+              <a:rPr lang="en-US" b="1" i="1" dirty="0" smtClean="0"/>
+              <a:t>Authenticated</a:t>
+            </a:r>
             <a:r>
               <a:rPr lang="en-US" dirty="0" smtClean="0"/>
-              <a:t>Protected Information</a:t>
-            </a:r>
-          </a:p>
-          <a:p>
-            <a:pPr lvl="1"/>
-            <a:r>
-              <a:rPr lang="en-US" dirty="0" smtClean="0"/>
-              <a:t>Probably SSL</a:t>
-            </a:r>
-          </a:p>
-          <a:p>
-            <a:pPr lvl="1"/>
-            <a:r>
-              <a:rPr lang="en-US" dirty="0" smtClean="0"/>
-              <a:t>Specify which user may access them</a:t>
-            </a:r>
-          </a:p>
-          <a:p>
-            <a:r>
-              <a:rPr lang="en-US" dirty="0" smtClean="0"/>
-              <a:t>XML-Files</a:t>
-            </a:r>
-          </a:p>
-          <a:p>
-            <a:r>
-              <a:rPr lang="en-US" dirty="0" smtClean="0"/>
-              <a:t>Usually located in /WEB-INF/</a:t>
-            </a:r>
-          </a:p>
-          <a:p>
-            <a:pPr lvl="1"/>
-            <a:r>
-              <a:rPr lang="en-US" dirty="0" smtClean="0"/>
-              <a:t>web.xml</a:t>
-            </a:r>
-          </a:p>
-          <a:p>
-            <a:pPr lvl="1"/>
-            <a:r>
-              <a:rPr lang="en-US" dirty="0" smtClean="0"/>
-              <a:t>Vendor-specific.xml (E.g. Glassfish: glassfish-web.xml)</a:t>
-            </a:r>
+              <a:t> User</a:t>
+            </a:r>
+            <a:endParaRPr lang="en-US" dirty="0"/>
           </a:p>
         </p:txBody>
       </p:sp>
@@ -12229,7 +12172,7 @@
           <a:bodyPr/>
           <a:lstStyle/>
           <a:p>
-            <a:fld id="{4A91D300-0263-4546-9E1B-4FBB24987E84}" type="datetime1">
+            <a:fld id="{876F5003-B5C3-462A-92A3-05F7AF44974A}" type="datetime1">
               <a:rPr lang="de-AT" smtClean="0"/>
               <a:t>13.02.2015</a:t>
             </a:fld>
@@ -12286,7 +12229,7 @@
     </p:spTree>
     <p:extLst>
       <p:ext uri="{BB962C8B-B14F-4D97-AF65-F5344CB8AC3E}">
-        <p14:creationId xmlns:p14="http://schemas.microsoft.com/office/powerpoint/2010/main" val="3298015676"/>
+        <p14:creationId xmlns:p14="http://schemas.microsoft.com/office/powerpoint/2010/main" val="2739382114"/>
       </p:ext>
     </p:extLst>
   </p:cSld>
@@ -12339,18 +12282,7 @@
               <a:rPr lang="en-US" noProof="0" dirty="0" smtClean="0"/>
               <a:t>Deployment Descriptors</a:t>
             </a:r>
-            <a:br>
-              <a:rPr lang="en-US" noProof="0" dirty="0" smtClean="0"/>
-            </a:br>
-            <a:r>
-              <a:rPr lang="en-US" b="1" noProof="0" dirty="0" smtClean="0"/>
-              <a:t>w</a:t>
-            </a:r>
-            <a:r>
-              <a:rPr lang="en-US" b="1" dirty="0" smtClean="0"/>
-              <a:t>eb.xml</a:t>
-            </a:r>
-            <a:endParaRPr lang="en-US" b="1" noProof="0" dirty="0"/>
+            <a:endParaRPr lang="en-US" noProof="0" dirty="0"/>
           </a:p>
         </p:txBody>
       </p:sp>
@@ -12367,25 +12299,66 @@
         <p:spPr/>
         <p:txBody>
           <a:bodyPr>
-            <a:normAutofit/>
+            <a:normAutofit fontScale="92500" lnSpcReduction="10000"/>
           </a:bodyPr>
           <a:lstStyle/>
           <a:p>
             <a:r>
               <a:rPr lang="en-US" dirty="0" smtClean="0"/>
-              <a:t>Protected Resources</a:t>
+              <a:t>Describes how the Application should be Deployed.</a:t>
             </a:r>
           </a:p>
           <a:p>
             <a:r>
               <a:rPr lang="en-US" dirty="0" smtClean="0"/>
-              <a:t>Security Roles</a:t>
-            </a:r>
-          </a:p>
-          <a:p>
+              <a:t>Defines Security Constraints</a:t>
+            </a:r>
+          </a:p>
+          <a:p>
+            <a:pPr lvl="1"/>
             <a:r>
               <a:rPr lang="en-US" dirty="0" smtClean="0"/>
-              <a:t>Authentication methods</a:t>
+              <a:t>Protected Information</a:t>
+            </a:r>
+          </a:p>
+          <a:p>
+            <a:pPr lvl="1"/>
+            <a:r>
+              <a:rPr lang="en-US" dirty="0" smtClean="0"/>
+              <a:t>Probably SSL</a:t>
+            </a:r>
+          </a:p>
+          <a:p>
+            <a:pPr lvl="1"/>
+            <a:r>
+              <a:rPr lang="en-US" dirty="0" smtClean="0"/>
+              <a:t>Specify which user may access them</a:t>
+            </a:r>
+          </a:p>
+          <a:p>
+            <a:r>
+              <a:rPr lang="en-US" dirty="0" smtClean="0"/>
+              <a:t>XML-Files</a:t>
+            </a:r>
+          </a:p>
+          <a:p>
+            <a:r>
+              <a:rPr lang="en-US" dirty="0" smtClean="0"/>
+              <a:t>Usually located in /WEB-INF/</a:t>
+            </a:r>
+          </a:p>
+          <a:p>
+            <a:pPr lvl="1"/>
+            <a:r>
+              <a:rPr lang="en-US" dirty="0" smtClean="0"/>
+              <a:t>web.xml</a:t>
+            </a:r>
+          </a:p>
+          <a:p>
+            <a:pPr lvl="1"/>
+            <a:r>
+              <a:rPr lang="en-US" dirty="0" smtClean="0"/>
+              <a:t>Vendor-specific.xml (E.g. Glassfish: glassfish-web.xml)</a:t>
             </a:r>
           </a:p>
         </p:txBody>
@@ -12405,7 +12378,7 @@
           <a:bodyPr/>
           <a:lstStyle/>
           <a:p>
-            <a:fld id="{F80268E5-4EB8-43AB-871E-B268C39F6684}" type="datetime1">
+            <a:fld id="{4A91D300-0263-4546-9E1B-4FBB24987E84}" type="datetime1">
               <a:rPr lang="de-AT" smtClean="0"/>
               <a:t>13.02.2015</a:t>
             </a:fld>
@@ -12462,7 +12435,7 @@
     </p:spTree>
     <p:extLst>
       <p:ext uri="{BB962C8B-B14F-4D97-AF65-F5344CB8AC3E}">
-        <p14:creationId xmlns:p14="http://schemas.microsoft.com/office/powerpoint/2010/main" val="1512171935"/>
+        <p14:creationId xmlns:p14="http://schemas.microsoft.com/office/powerpoint/2010/main" val="3298015676"/>
       </p:ext>
     </p:extLst>
   </p:cSld>
@@ -12512,60 +12485,57 @@
           <a:lstStyle/>
           <a:p>
             <a:r>
+              <a:rPr lang="en-US" noProof="0" dirty="0" smtClean="0"/>
+              <a:t>Deployment Descriptors</a:t>
+            </a:r>
+            <a:br>
+              <a:rPr lang="en-US" noProof="0" dirty="0" smtClean="0"/>
+            </a:br>
+            <a:r>
+              <a:rPr lang="en-US" b="1" noProof="0" dirty="0" smtClean="0"/>
+              <a:t>w</a:t>
+            </a:r>
+            <a:r>
+              <a:rPr lang="en-US" b="1" dirty="0" smtClean="0"/>
+              <a:t>eb.xml</a:t>
+            </a:r>
+            <a:endParaRPr lang="en-US" b="1" noProof="0" dirty="0"/>
+          </a:p>
+        </p:txBody>
+      </p:sp>
+      <p:sp>
+        <p:nvSpPr>
+          <p:cNvPr id="3" name="Inhaltsplatzhalter 2"/>
+          <p:cNvSpPr>
+            <a:spLocks noGrp="1"/>
+          </p:cNvSpPr>
+          <p:nvPr>
+            <p:ph idx="1"/>
+          </p:nvPr>
+        </p:nvSpPr>
+        <p:spPr/>
+        <p:txBody>
+          <a:bodyPr>
+            <a:normAutofit/>
+          </a:bodyPr>
+          <a:lstStyle/>
+          <a:p>
+            <a:r>
               <a:rPr lang="en-US" dirty="0" smtClean="0"/>
-              <a:t>Deployment Descriptors</a:t>
-            </a:r>
-            <a:r>
-              <a:rPr lang="en-US" b="1" dirty="0" smtClean="0"/>
-              <a:t/>
-            </a:r>
-            <a:br>
-              <a:rPr lang="en-US" b="1" dirty="0" smtClean="0"/>
-            </a:br>
-            <a:r>
-              <a:rPr lang="en-US" b="1" dirty="0" smtClean="0"/>
-              <a:t>(vendor-specific).xml</a:t>
-            </a:r>
-            <a:endParaRPr lang="de-AT" dirty="0"/>
-          </a:p>
-        </p:txBody>
-      </p:sp>
-      <p:sp>
-        <p:nvSpPr>
-          <p:cNvPr id="3" name="Inhaltsplatzhalter 2"/>
-          <p:cNvSpPr>
-            <a:spLocks noGrp="1"/>
-          </p:cNvSpPr>
-          <p:nvPr>
-            <p:ph idx="1"/>
-          </p:nvPr>
-        </p:nvSpPr>
-        <p:spPr/>
-        <p:txBody>
-          <a:bodyPr/>
-          <a:lstStyle/>
+              <a:t>Protected Resources</a:t>
+            </a:r>
+          </a:p>
           <a:p>
             <a:r>
               <a:rPr lang="en-US" dirty="0" smtClean="0"/>
-              <a:t>User – Role mapping</a:t>
+              <a:t>Security Roles</a:t>
             </a:r>
           </a:p>
           <a:p>
             <a:r>
               <a:rPr lang="en-US" dirty="0" smtClean="0"/>
-              <a:t>Group – Role mapping</a:t>
-            </a:r>
-            <a:endParaRPr lang="de-AT" dirty="0" smtClean="0"/>
-          </a:p>
-          <a:p>
-            <a:endParaRPr lang="en-US" dirty="0" smtClean="0"/>
-          </a:p>
-          <a:p>
-            <a:r>
-              <a:rPr lang="en-US" dirty="0" smtClean="0"/>
-              <a:t>Vendor specific settings</a:t>
-            </a:r>
-            <a:endParaRPr lang="en-US" dirty="0"/>
+              <a:t>Authentication methods</a:t>
+            </a:r>
           </a:p>
         </p:txBody>
       </p:sp>
@@ -12584,7 +12554,7 @@
           <a:bodyPr/>
           <a:lstStyle/>
           <a:p>
-            <a:fld id="{13E9B43B-4503-4062-9B5D-FB31BFAFE538}" type="datetime1">
+            <a:fld id="{F80268E5-4EB8-43AB-871E-B268C39F6684}" type="datetime1">
               <a:rPr lang="de-AT" smtClean="0"/>
               <a:t>13.02.2015</a:t>
             </a:fld>
@@ -12641,7 +12611,7 @@
     </p:spTree>
     <p:extLst>
       <p:ext uri="{BB962C8B-B14F-4D97-AF65-F5344CB8AC3E}">
-        <p14:creationId xmlns:p14="http://schemas.microsoft.com/office/powerpoint/2010/main" val="1582227091"/>
+        <p14:creationId xmlns:p14="http://schemas.microsoft.com/office/powerpoint/2010/main" val="1512171935"/>
       </p:ext>
     </p:extLst>
   </p:cSld>
@@ -12691,19 +12661,27 @@
           <a:lstStyle/>
           <a:p>
             <a:r>
-              <a:rPr lang="en-US" sz="3600" kern="1200" dirty="0" smtClean="0">
-                <a:solidFill>
-                  <a:schemeClr val="tx1">
-                    <a:lumMod val="85000"/>
-                    <a:lumOff val="15000"/>
-                  </a:schemeClr>
-                </a:solidFill>
-                <a:effectLst/>
-                <a:latin typeface="+mj-lt"/>
-                <a:ea typeface="+mj-ea"/>
-                <a:cs typeface="+mj-cs"/>
-              </a:rPr>
-              <a:t>Principals, Credential</a:t>
+              <a:rPr lang="en-US" dirty="0" smtClean="0"/>
+              <a:t>Deployment Descriptors</a:t>
+            </a:r>
+            <a:r>
+              <a:rPr lang="en-US" b="1" dirty="0" smtClean="0"/>
+              <a:t/>
+            </a:r>
+            <a:br>
+              <a:rPr lang="en-US" b="1" dirty="0" smtClean="0"/>
+            </a:br>
+            <a:r>
+              <a:rPr lang="en-US" b="1" dirty="0" smtClean="0"/>
+              <a:t>(</a:t>
+            </a:r>
+            <a:r>
+              <a:rPr lang="en-US" b="1" dirty="0" smtClean="0"/>
+              <a:t>vendor-specific</a:t>
+            </a:r>
+            <a:r>
+              <a:rPr lang="en-US" b="1" dirty="0" smtClean="0"/>
+              <a:t>).xml</a:t>
             </a:r>
             <a:endParaRPr lang="de-AT" dirty="0"/>
           </a:p>
@@ -12726,53 +12704,33 @@
           <a:p>
             <a:r>
               <a:rPr lang="en-US" dirty="0" smtClean="0"/>
-              <a:t>A </a:t>
+              <a:t>User – Role mapping</a:t>
+            </a:r>
+          </a:p>
+          <a:p>
+            <a:r>
+              <a:rPr lang="en-US" dirty="0" smtClean="0"/>
+              <a:t>Group – Role mapping</a:t>
+            </a:r>
+            <a:endParaRPr lang="de-AT" dirty="0" smtClean="0"/>
+          </a:p>
+          <a:p>
+            <a:endParaRPr lang="en-US" dirty="0" smtClean="0"/>
+          </a:p>
+          <a:p>
+            <a:r>
+              <a:rPr lang="en-US" dirty="0" smtClean="0"/>
+              <a:t>Vendor specific </a:t>
+            </a:r>
+            <a:r>
+              <a:rPr lang="en-US" dirty="0" smtClean="0"/>
+              <a:t>settings of a </a:t>
             </a:r>
             <a:r>
               <a:rPr lang="en-US" b="1" dirty="0" smtClean="0"/>
-              <a:t>Principal</a:t>
-            </a:r>
-            <a:r>
-              <a:rPr lang="en-US" dirty="0" smtClean="0"/>
-              <a:t> is a </a:t>
-            </a:r>
-            <a:r>
-              <a:rPr lang="en-US" b="1" dirty="0" smtClean="0"/>
-              <a:t>identity</a:t>
-            </a:r>
-            <a:r>
-              <a:rPr lang="en-US" dirty="0" smtClean="0"/>
-              <a:t> that can be authenticated.</a:t>
-            </a:r>
-          </a:p>
-          <a:p>
-            <a:pPr lvl="1"/>
-            <a:r>
-              <a:rPr lang="en-US" dirty="0"/>
-              <a:t>E.g. a Unique Username</a:t>
-            </a:r>
-          </a:p>
-          <a:p>
-            <a:r>
-              <a:rPr lang="en-US" dirty="0" smtClean="0"/>
-              <a:t>A </a:t>
-            </a:r>
-            <a:r>
-              <a:rPr lang="en-US" b="1" dirty="0" smtClean="0"/>
-              <a:t>Credential</a:t>
-            </a:r>
-            <a:r>
-              <a:rPr lang="en-US" dirty="0" smtClean="0"/>
-              <a:t> is defined as information that is used to authenticate a Principal.</a:t>
-            </a:r>
-          </a:p>
-          <a:p>
-            <a:pPr lvl="1"/>
-            <a:r>
-              <a:rPr lang="en-US" dirty="0" smtClean="0"/>
-              <a:t>E.g. a Password</a:t>
-            </a:r>
-            <a:endParaRPr lang="en-US" dirty="0"/>
+              <a:t>container</a:t>
+            </a:r>
+            <a:endParaRPr lang="en-US" b="1" dirty="0"/>
           </a:p>
         </p:txBody>
       </p:sp>
@@ -12791,7 +12749,7 @@
           <a:bodyPr/>
           <a:lstStyle/>
           <a:p>
-            <a:fld id="{3E712E1E-3397-4287-BDE5-9421B50999BE}" type="datetime1">
+            <a:fld id="{13E9B43B-4503-4062-9B5D-FB31BFAFE538}" type="datetime1">
               <a:rPr lang="de-AT" smtClean="0"/>
               <a:t>13.02.2015</a:t>
             </a:fld>
@@ -12848,7 +12806,7 @@
     </p:spTree>
     <p:extLst>
       <p:ext uri="{BB962C8B-B14F-4D97-AF65-F5344CB8AC3E}">
-        <p14:creationId xmlns:p14="http://schemas.microsoft.com/office/powerpoint/2010/main" val="401356391"/>
+        <p14:creationId xmlns:p14="http://schemas.microsoft.com/office/powerpoint/2010/main" val="1582227091"/>
       </p:ext>
     </p:extLst>
   </p:cSld>
@@ -12898,18 +12856,21 @@
           <a:lstStyle/>
           <a:p>
             <a:r>
-              <a:rPr lang="en-US" noProof="0" dirty="0" smtClean="0"/>
-              <a:t>Groups,</a:t>
-            </a:r>
-            <a:r>
-              <a:rPr lang="en-US" baseline="0" noProof="0" dirty="0" smtClean="0"/>
-              <a:t> </a:t>
-            </a:r>
-            <a:r>
-              <a:rPr lang="en-US" noProof="0" dirty="0" smtClean="0"/>
-              <a:t>Roles</a:t>
-            </a:r>
-            <a:endParaRPr lang="en-US" noProof="0" dirty="0"/>
+              <a:rPr lang="en-US" sz="3600" kern="1200" dirty="0" smtClean="0">
+                <a:solidFill>
+                  <a:schemeClr val="tx1">
+                    <a:lumMod val="85000"/>
+                    <a:lumOff val="15000"/>
+                  </a:schemeClr>
+                </a:solidFill>
+                <a:effectLst/>
+                <a:latin typeface="+mj-lt"/>
+                <a:ea typeface="+mj-ea"/>
+                <a:cs typeface="+mj-cs"/>
+              </a:rPr>
+              <a:t>Principals, Credential</a:t>
+            </a:r>
+            <a:endParaRPr lang="de-AT" dirty="0"/>
           </a:p>
         </p:txBody>
       </p:sp>
@@ -12925,89 +12886,58 @@
         </p:nvSpPr>
         <p:spPr/>
         <p:txBody>
-          <a:bodyPr>
-            <a:normAutofit/>
-          </a:bodyPr>
-          <a:lstStyle/>
-          <a:p>
-            <a:pPr lvl="0"/>
+          <a:bodyPr/>
+          <a:lstStyle/>
+          <a:p>
+            <a:r>
+              <a:rPr lang="en-US" dirty="0" smtClean="0"/>
+              <a:t>A </a:t>
+            </a:r>
             <a:r>
               <a:rPr lang="en-US" b="1" dirty="0" smtClean="0"/>
-              <a:t>Permissions</a:t>
+              <a:t>Principal</a:t>
             </a:r>
             <a:r>
               <a:rPr lang="en-US" dirty="0" smtClean="0"/>
-              <a:t> are granted to </a:t>
+              <a:t> is a </a:t>
             </a:r>
             <a:r>
               <a:rPr lang="en-US" b="1" dirty="0" smtClean="0"/>
-              <a:t>Roles</a:t>
+              <a:t>identity</a:t>
             </a:r>
             <a:r>
               <a:rPr lang="en-US" dirty="0" smtClean="0"/>
-              <a:t>.</a:t>
-            </a:r>
-          </a:p>
-          <a:p>
-            <a:pPr lvl="0"/>
-            <a:endParaRPr lang="en-US" dirty="0" smtClean="0"/>
-          </a:p>
-          <a:p>
-            <a:pPr lvl="0"/>
+              <a:t> that can be authenticated.</a:t>
+            </a:r>
+          </a:p>
+          <a:p>
+            <a:pPr lvl="1"/>
+            <a:r>
+              <a:rPr lang="en-US" dirty="0"/>
+              <a:t>E.g. a Unique Username</a:t>
+            </a:r>
+          </a:p>
+          <a:p>
+            <a:r>
+              <a:rPr lang="en-US" dirty="0" smtClean="0"/>
+              <a:t>A </a:t>
+            </a:r>
             <a:r>
               <a:rPr lang="en-US" b="1" dirty="0" smtClean="0"/>
-              <a:t>Groups</a:t>
+              <a:t>Credential</a:t>
             </a:r>
             <a:r>
               <a:rPr lang="en-US" dirty="0" smtClean="0"/>
-              <a:t> and </a:t>
-            </a:r>
-            <a:r>
-              <a:rPr lang="en-US" b="1" dirty="0"/>
-              <a:t>Principals</a:t>
-            </a:r>
-            <a:r>
-              <a:rPr lang="en-US" dirty="0"/>
-              <a:t> </a:t>
-            </a:r>
+              <a:t> is defined as information that is used to authenticate a Principal.</a:t>
+            </a:r>
+          </a:p>
+          <a:p>
+            <a:pPr lvl="1"/>
             <a:r>
               <a:rPr lang="en-US" dirty="0" smtClean="0"/>
-              <a:t>can be mapped to </a:t>
-            </a:r>
-            <a:r>
-              <a:rPr lang="en-US" b="1" dirty="0" smtClean="0"/>
-              <a:t>Roles</a:t>
-            </a:r>
-            <a:r>
-              <a:rPr lang="en-US" dirty="0" smtClean="0"/>
-              <a:t>.</a:t>
-            </a:r>
-          </a:p>
-          <a:p>
-            <a:pPr lvl="0"/>
-            <a:endParaRPr lang="en-US" dirty="0" smtClean="0"/>
-          </a:p>
-          <a:p>
-            <a:pPr lvl="0"/>
-            <a:r>
-              <a:rPr lang="en-US" b="1" dirty="0" smtClean="0"/>
-              <a:t>Roles</a:t>
-            </a:r>
-            <a:r>
-              <a:rPr lang="en-US" dirty="0" smtClean="0"/>
-              <a:t> are defined in web.xml</a:t>
-            </a:r>
-          </a:p>
-          <a:p>
-            <a:pPr lvl="0"/>
-            <a:r>
-              <a:rPr lang="en-US" b="1" dirty="0" smtClean="0"/>
-              <a:t>Groups</a:t>
-            </a:r>
-            <a:r>
-              <a:rPr lang="en-US" dirty="0" smtClean="0"/>
-              <a:t> are defined in vendor-specific.xml</a:t>
-            </a:r>
+              <a:t>E.g. a Password</a:t>
+            </a:r>
+            <a:endParaRPr lang="en-US" dirty="0"/>
           </a:p>
         </p:txBody>
       </p:sp>
@@ -13026,7 +12956,7 @@
           <a:bodyPr/>
           <a:lstStyle/>
           <a:p>
-            <a:fld id="{C771CF87-C68C-4384-93E9-D69F92989361}" type="datetime1">
+            <a:fld id="{3E712E1E-3397-4287-BDE5-9421B50999BE}" type="datetime1">
               <a:rPr lang="de-AT" smtClean="0"/>
               <a:t>13.02.2015</a:t>
             </a:fld>
@@ -13083,7 +13013,7 @@
     </p:spTree>
     <p:extLst>
       <p:ext uri="{BB962C8B-B14F-4D97-AF65-F5344CB8AC3E}">
-        <p14:creationId xmlns:p14="http://schemas.microsoft.com/office/powerpoint/2010/main" val="1822504869"/>
+        <p14:creationId xmlns:p14="http://schemas.microsoft.com/office/powerpoint/2010/main" val="401356391"/>
       </p:ext>
     </p:extLst>
   </p:cSld>
@@ -13134,7 +13064,15 @@
           <a:p>
             <a:r>
               <a:rPr lang="en-US" noProof="0" dirty="0" smtClean="0"/>
-              <a:t>Realm</a:t>
+              <a:t>Groups,</a:t>
+            </a:r>
+            <a:r>
+              <a:rPr lang="en-US" baseline="0" noProof="0" dirty="0" smtClean="0"/>
+              <a:t> </a:t>
+            </a:r>
+            <a:r>
+              <a:rPr lang="en-US" noProof="0" dirty="0" smtClean="0"/>
+              <a:t>Roles</a:t>
             </a:r>
             <a:endParaRPr lang="en-US" noProof="0" dirty="0"/>
           </a:p>
@@ -13153,79 +13091,87 @@
         <p:spPr/>
         <p:txBody>
           <a:bodyPr>
-            <a:normAutofit fontScale="92500" lnSpcReduction="10000"/>
+            <a:normAutofit/>
           </a:bodyPr>
           <a:lstStyle/>
           <a:p>
+            <a:pPr lvl="0"/>
+            <a:r>
+              <a:rPr lang="en-US" b="1" dirty="0" smtClean="0"/>
+              <a:t>Permissions</a:t>
+            </a:r>
             <a:r>
               <a:rPr lang="en-US" dirty="0" smtClean="0"/>
-              <a:t>Provides information about </a:t>
+              <a:t> are granted to </a:t>
             </a:r>
             <a:r>
               <a:rPr lang="en-US" b="1" dirty="0" smtClean="0"/>
-              <a:t>principals</a:t>
+              <a:t>Roles</a:t>
             </a:r>
             <a:r>
               <a:rPr lang="en-US" dirty="0" smtClean="0"/>
-              <a:t>, their </a:t>
-            </a:r>
+              <a:t>.</a:t>
+            </a:r>
+          </a:p>
+          <a:p>
+            <a:pPr lvl="0"/>
+            <a:endParaRPr lang="en-US" dirty="0" smtClean="0"/>
+          </a:p>
+          <a:p>
+            <a:pPr lvl="0"/>
             <a:r>
               <a:rPr lang="en-US" b="1" dirty="0" smtClean="0"/>
               <a:t>Groups</a:t>
             </a:r>
             <a:r>
               <a:rPr lang="en-US" dirty="0" smtClean="0"/>
-              <a:t> and their </a:t>
+              <a:t> and </a:t>
+            </a:r>
+            <a:r>
+              <a:rPr lang="en-US" b="1" dirty="0"/>
+              <a:t>Principals</a:t>
+            </a:r>
+            <a:r>
+              <a:rPr lang="en-US" dirty="0"/>
+              <a:t> </a:t>
+            </a:r>
+            <a:r>
+              <a:rPr lang="en-US" dirty="0" smtClean="0"/>
+              <a:t>can be mapped to </a:t>
             </a:r>
             <a:r>
               <a:rPr lang="en-US" b="1" dirty="0" smtClean="0"/>
-              <a:t>credentials</a:t>
-            </a:r>
+              <a:t>Roles</a:t>
+            </a:r>
+            <a:r>
+              <a:rPr lang="en-US" dirty="0" smtClean="0"/>
+              <a:t>.</a:t>
+            </a:r>
+          </a:p>
+          <a:p>
+            <a:pPr lvl="0"/>
             <a:endParaRPr lang="en-US" dirty="0" smtClean="0"/>
           </a:p>
           <a:p>
+            <a:pPr lvl="0"/>
+            <a:r>
+              <a:rPr lang="en-US" b="1" dirty="0" smtClean="0"/>
+              <a:t>Roles</a:t>
+            </a:r>
             <a:r>
               <a:rPr lang="en-US" dirty="0" smtClean="0"/>
-              <a:t>May be a Database, File structure, connection…</a:t>
-            </a:r>
-            <a:endParaRPr lang="en-US" dirty="0"/>
-          </a:p>
-          <a:p>
-            <a:pPr marL="0" indent="0">
-              <a:buNone/>
-            </a:pPr>
-            <a:endParaRPr lang="en-US" dirty="0"/>
-          </a:p>
-          <a:p>
-            <a:pPr marL="0" indent="0">
-              <a:buNone/>
-            </a:pPr>
-            <a:endParaRPr lang="en-US" dirty="0" smtClean="0"/>
-          </a:p>
-          <a:p>
-            <a:pPr marL="0" indent="0">
-              <a:buNone/>
-            </a:pPr>
-            <a:endParaRPr lang="en-US" dirty="0"/>
-          </a:p>
-          <a:p>
+              <a:t> are defined in web.xml</a:t>
+            </a:r>
+          </a:p>
+          <a:p>
+            <a:pPr lvl="0"/>
             <a:r>
               <a:rPr lang="en-US" b="1" dirty="0" smtClean="0"/>
-              <a:t>In other words</a:t>
-            </a:r>
-          </a:p>
-          <a:p>
-            <a:pPr lvl="1"/>
+              <a:t>Groups</a:t>
+            </a:r>
             <a:r>
               <a:rPr lang="en-US" dirty="0" smtClean="0"/>
-              <a:t>Contains User Information</a:t>
-            </a:r>
-          </a:p>
-          <a:p>
-            <a:pPr lvl="2"/>
-            <a:r>
-              <a:rPr lang="en-US" dirty="0" smtClean="0"/>
-              <a:t>E.g. Username, Password &amp; Permissions</a:t>
+              <a:t> are defined in vendor-specific.xml</a:t>
             </a:r>
           </a:p>
         </p:txBody>
@@ -13245,7 +13191,7 @@
           <a:bodyPr/>
           <a:lstStyle/>
           <a:p>
-            <a:fld id="{D864EEA2-7E20-4DE6-8072-5B7BC1217A2D}" type="datetime1">
+            <a:fld id="{C771CF87-C68C-4384-93E9-D69F92989361}" type="datetime1">
               <a:rPr lang="de-AT" smtClean="0"/>
               <a:t>13.02.2015</a:t>
             </a:fld>
@@ -13302,7 +13248,7 @@
     </p:spTree>
     <p:extLst>
       <p:ext uri="{BB962C8B-B14F-4D97-AF65-F5344CB8AC3E}">
-        <p14:creationId xmlns:p14="http://schemas.microsoft.com/office/powerpoint/2010/main" val="1226172923"/>
+        <p14:creationId xmlns:p14="http://schemas.microsoft.com/office/powerpoint/2010/main" val="1822504869"/>
       </p:ext>
     </p:extLst>
   </p:cSld>
@@ -13353,6 +13299,225 @@
           <a:p>
             <a:r>
               <a:rPr lang="en-US" noProof="0" dirty="0" smtClean="0"/>
+              <a:t>Realm</a:t>
+            </a:r>
+            <a:endParaRPr lang="en-US" noProof="0" dirty="0"/>
+          </a:p>
+        </p:txBody>
+      </p:sp>
+      <p:sp>
+        <p:nvSpPr>
+          <p:cNvPr id="3" name="Inhaltsplatzhalter 2"/>
+          <p:cNvSpPr>
+            <a:spLocks noGrp="1"/>
+          </p:cNvSpPr>
+          <p:nvPr>
+            <p:ph idx="1"/>
+          </p:nvPr>
+        </p:nvSpPr>
+        <p:spPr/>
+        <p:txBody>
+          <a:bodyPr>
+            <a:normAutofit fontScale="92500" lnSpcReduction="10000"/>
+          </a:bodyPr>
+          <a:lstStyle/>
+          <a:p>
+            <a:r>
+              <a:rPr lang="en-US" dirty="0" smtClean="0"/>
+              <a:t>Provides information about </a:t>
+            </a:r>
+            <a:r>
+              <a:rPr lang="en-US" b="1" dirty="0" smtClean="0"/>
+              <a:t>principals</a:t>
+            </a:r>
+            <a:r>
+              <a:rPr lang="en-US" dirty="0" smtClean="0"/>
+              <a:t>, their </a:t>
+            </a:r>
+            <a:r>
+              <a:rPr lang="en-US" b="1" dirty="0" smtClean="0"/>
+              <a:t>Groups</a:t>
+            </a:r>
+            <a:r>
+              <a:rPr lang="en-US" dirty="0" smtClean="0"/>
+              <a:t> and their </a:t>
+            </a:r>
+            <a:r>
+              <a:rPr lang="en-US" b="1" dirty="0" smtClean="0"/>
+              <a:t>credentials</a:t>
+            </a:r>
+            <a:endParaRPr lang="en-US" dirty="0" smtClean="0"/>
+          </a:p>
+          <a:p>
+            <a:r>
+              <a:rPr lang="en-US" dirty="0" smtClean="0"/>
+              <a:t>May be a Database, File structure, connection…</a:t>
+            </a:r>
+            <a:endParaRPr lang="en-US" dirty="0"/>
+          </a:p>
+          <a:p>
+            <a:pPr marL="0" indent="0">
+              <a:buNone/>
+            </a:pPr>
+            <a:endParaRPr lang="en-US" dirty="0"/>
+          </a:p>
+          <a:p>
+            <a:pPr marL="0" indent="0">
+              <a:buNone/>
+            </a:pPr>
+            <a:endParaRPr lang="en-US" dirty="0" smtClean="0"/>
+          </a:p>
+          <a:p>
+            <a:pPr marL="0" indent="0">
+              <a:buNone/>
+            </a:pPr>
+            <a:endParaRPr lang="en-US" dirty="0"/>
+          </a:p>
+          <a:p>
+            <a:r>
+              <a:rPr lang="en-US" b="1" dirty="0" smtClean="0"/>
+              <a:t>In other words</a:t>
+            </a:r>
+          </a:p>
+          <a:p>
+            <a:pPr lvl="1"/>
+            <a:r>
+              <a:rPr lang="en-US" dirty="0" smtClean="0"/>
+              <a:t>Contains User Information</a:t>
+            </a:r>
+          </a:p>
+          <a:p>
+            <a:pPr lvl="2"/>
+            <a:r>
+              <a:rPr lang="en-US" dirty="0" smtClean="0"/>
+              <a:t>E.g. Username, Password &amp; Permissions</a:t>
+            </a:r>
+          </a:p>
+        </p:txBody>
+      </p:sp>
+      <p:sp>
+        <p:nvSpPr>
+          <p:cNvPr id="4" name="Datumsplatzhalter 3"/>
+          <p:cNvSpPr>
+            <a:spLocks noGrp="1"/>
+          </p:cNvSpPr>
+          <p:nvPr>
+            <p:ph type="dt" sz="half" idx="10"/>
+          </p:nvPr>
+        </p:nvSpPr>
+        <p:spPr/>
+        <p:txBody>
+          <a:bodyPr/>
+          <a:lstStyle/>
+          <a:p>
+            <a:fld id="{D864EEA2-7E20-4DE6-8072-5B7BC1217A2D}" type="datetime1">
+              <a:rPr lang="de-AT" smtClean="0"/>
+              <a:t>13.02.2015</a:t>
+            </a:fld>
+            <a:endParaRPr lang="en-US" dirty="0"/>
+          </a:p>
+        </p:txBody>
+      </p:sp>
+      <p:sp>
+        <p:nvSpPr>
+          <p:cNvPr id="5" name="Fußzeilenplatzhalter 4"/>
+          <p:cNvSpPr>
+            <a:spLocks noGrp="1"/>
+          </p:cNvSpPr>
+          <p:nvPr>
+            <p:ph type="ftr" sz="quarter" idx="11"/>
+          </p:nvPr>
+        </p:nvSpPr>
+        <p:spPr/>
+        <p:txBody>
+          <a:bodyPr/>
+          <a:lstStyle/>
+          <a:p>
+            <a:r>
+              <a:rPr lang="en-US" dirty="0" smtClean="0"/>
+              <a:t>Ari Ayvazyan, Adrian Bergler, Java EE Security</a:t>
+            </a:r>
+            <a:endParaRPr lang="en-US" dirty="0"/>
+          </a:p>
+        </p:txBody>
+      </p:sp>
+      <p:sp>
+        <p:nvSpPr>
+          <p:cNvPr id="6" name="Foliennummernplatzhalter 5"/>
+          <p:cNvSpPr>
+            <a:spLocks noGrp="1"/>
+          </p:cNvSpPr>
+          <p:nvPr>
+            <p:ph type="sldNum" sz="quarter" idx="12"/>
+          </p:nvPr>
+        </p:nvSpPr>
+        <p:spPr/>
+        <p:txBody>
+          <a:bodyPr/>
+          <a:lstStyle/>
+          <a:p>
+            <a:fld id="{D57F1E4F-1CFF-5643-939E-02111984F565}" type="slidenum">
+              <a:rPr lang="en-US" smtClean="0"/>
+              <a:t>16</a:t>
+            </a:fld>
+            <a:endParaRPr lang="en-US" dirty="0"/>
+          </a:p>
+        </p:txBody>
+      </p:sp>
+    </p:spTree>
+    <p:extLst>
+      <p:ext uri="{BB962C8B-B14F-4D97-AF65-F5344CB8AC3E}">
+        <p14:creationId xmlns:p14="http://schemas.microsoft.com/office/powerpoint/2010/main" val="1226172923"/>
+      </p:ext>
+    </p:extLst>
+  </p:cSld>
+  <p:clrMapOvr>
+    <a:masterClrMapping/>
+  </p:clrMapOvr>
+  <p:timing>
+    <p:tnLst>
+      <p:par>
+        <p:cTn id="1" dur="indefinite" restart="never" nodeType="tmRoot"/>
+      </p:par>
+    </p:tnLst>
+  </p:timing>
+</p:sld>
+</file>
+
+<file path=ppt/slides/slide17.xml><?xml version="1.0" encoding="utf-8"?>
+<p:sld xmlns:a="http://schemas.openxmlformats.org/drawingml/2006/main" xmlns:r="http://schemas.openxmlformats.org/officeDocument/2006/relationships" xmlns:p="http://schemas.openxmlformats.org/presentationml/2006/main">
+  <p:cSld>
+    <p:spTree>
+      <p:nvGrpSpPr>
+        <p:cNvPr id="1" name=""/>
+        <p:cNvGrpSpPr/>
+        <p:nvPr/>
+      </p:nvGrpSpPr>
+      <p:grpSpPr>
+        <a:xfrm>
+          <a:off x="0" y="0"/>
+          <a:ext cx="0" cy="0"/>
+          <a:chOff x="0" y="0"/>
+          <a:chExt cx="0" cy="0"/>
+        </a:xfrm>
+      </p:grpSpPr>
+      <p:sp>
+        <p:nvSpPr>
+          <p:cNvPr id="2" name="Titel 1"/>
+          <p:cNvSpPr>
+            <a:spLocks noGrp="1"/>
+          </p:cNvSpPr>
+          <p:nvPr>
+            <p:ph type="title"/>
+          </p:nvPr>
+        </p:nvSpPr>
+        <p:spPr/>
+        <p:txBody>
+          <a:bodyPr/>
+          <a:lstStyle/>
+          <a:p>
+            <a:r>
+              <a:rPr lang="en-US" noProof="0" dirty="0" smtClean="0"/>
               <a:t>Live example </a:t>
             </a:r>
             <a:r>
@@ -13463,7 +13628,7 @@
           <a:p>
             <a:fld id="{D57F1E4F-1CFF-5643-939E-02111984F565}" type="slidenum">
               <a:rPr lang="en-US" smtClean="0"/>
-              <a:t>16</a:t>
+              <a:t>17</a:t>
             </a:fld>
             <a:endParaRPr lang="en-US" dirty="0"/>
           </a:p>
@@ -13816,7 +13981,7 @@
 </p:sld>
 </file>
 
-<file path=ppt/slides/slide17.xml><?xml version="1.0" encoding="utf-8"?>
+<file path=ppt/slides/slide18.xml><?xml version="1.0" encoding="utf-8"?>
 <p:sld xmlns:a="http://schemas.openxmlformats.org/drawingml/2006/main" xmlns:r="http://schemas.openxmlformats.org/officeDocument/2006/relationships" xmlns:p="http://schemas.openxmlformats.org/presentationml/2006/main">
   <p:cSld>
     <p:spTree>
@@ -13919,7 +14084,7 @@
           <a:p>
             <a:fld id="{D57F1E4F-1CFF-5643-939E-02111984F565}" type="slidenum">
               <a:rPr lang="en-US" smtClean="0"/>
-              <a:t>17</a:t>
+              <a:t>18</a:t>
             </a:fld>
             <a:endParaRPr lang="en-US" dirty="0"/>
           </a:p>
@@ -14301,223 +14466,6 @@
 </p:sld>
 </file>
 
-<file path=ppt/slides/slide18.xml><?xml version="1.0" encoding="utf-8"?>
-<p:sld xmlns:a="http://schemas.openxmlformats.org/drawingml/2006/main" xmlns:r="http://schemas.openxmlformats.org/officeDocument/2006/relationships" xmlns:p="http://schemas.openxmlformats.org/presentationml/2006/main">
-  <p:cSld>
-    <p:spTree>
-      <p:nvGrpSpPr>
-        <p:cNvPr id="1" name=""/>
-        <p:cNvGrpSpPr/>
-        <p:nvPr/>
-      </p:nvGrpSpPr>
-      <p:grpSpPr>
-        <a:xfrm>
-          <a:off x="0" y="0"/>
-          <a:ext cx="0" cy="0"/>
-          <a:chOff x="0" y="0"/>
-          <a:chExt cx="0" cy="0"/>
-        </a:xfrm>
-      </p:grpSpPr>
-      <p:sp>
-        <p:nvSpPr>
-          <p:cNvPr id="2" name="Titel 1"/>
-          <p:cNvSpPr>
-            <a:spLocks noGrp="1"/>
-          </p:cNvSpPr>
-          <p:nvPr>
-            <p:ph type="title"/>
-          </p:nvPr>
-        </p:nvSpPr>
-        <p:spPr/>
-        <p:txBody>
-          <a:bodyPr>
-            <a:normAutofit/>
-          </a:bodyPr>
-          <a:lstStyle/>
-          <a:p>
-            <a:pPr rtl="0" eaLnBrk="1" latinLnBrk="0" hangingPunct="1"/>
-            <a:r>
-              <a:rPr lang="en-US" sz="3600" kern="1200" dirty="0" smtClean="0">
-                <a:solidFill>
-                  <a:schemeClr val="tx1">
-                    <a:lumMod val="85000"/>
-                    <a:lumOff val="15000"/>
-                  </a:schemeClr>
-                </a:solidFill>
-                <a:effectLst/>
-              </a:rPr>
-              <a:t>Live example</a:t>
-            </a:r>
-            <a:endParaRPr lang="de-AT" sz="3600" dirty="0" smtClean="0">
-              <a:effectLst/>
-            </a:endParaRPr>
-          </a:p>
-        </p:txBody>
-      </p:sp>
-      <p:sp>
-        <p:nvSpPr>
-          <p:cNvPr id="4" name="Datumsplatzhalter 3"/>
-          <p:cNvSpPr>
-            <a:spLocks noGrp="1"/>
-          </p:cNvSpPr>
-          <p:nvPr>
-            <p:ph type="dt" sz="half" idx="10"/>
-          </p:nvPr>
-        </p:nvSpPr>
-        <p:spPr/>
-        <p:txBody>
-          <a:bodyPr/>
-          <a:lstStyle/>
-          <a:p>
-            <a:fld id="{65CAD967-9D5C-4FE7-B558-253609022E15}" type="datetime1">
-              <a:rPr lang="de-AT" smtClean="0"/>
-              <a:t>13.02.2015</a:t>
-            </a:fld>
-            <a:endParaRPr lang="en-US" dirty="0"/>
-          </a:p>
-        </p:txBody>
-      </p:sp>
-      <p:sp>
-        <p:nvSpPr>
-          <p:cNvPr id="5" name="Fußzeilenplatzhalter 4"/>
-          <p:cNvSpPr>
-            <a:spLocks noGrp="1"/>
-          </p:cNvSpPr>
-          <p:nvPr>
-            <p:ph type="ftr" sz="quarter" idx="11"/>
-          </p:nvPr>
-        </p:nvSpPr>
-        <p:spPr/>
-        <p:txBody>
-          <a:bodyPr/>
-          <a:lstStyle/>
-          <a:p>
-            <a:r>
-              <a:rPr lang="en-US" dirty="0" smtClean="0"/>
-              <a:t>Ari Ayvazyan, Adrian Bergler, Java EE Security</a:t>
-            </a:r>
-            <a:endParaRPr lang="en-US" dirty="0"/>
-          </a:p>
-        </p:txBody>
-      </p:sp>
-      <p:sp>
-        <p:nvSpPr>
-          <p:cNvPr id="6" name="Foliennummernplatzhalter 5"/>
-          <p:cNvSpPr>
-            <a:spLocks noGrp="1"/>
-          </p:cNvSpPr>
-          <p:nvPr>
-            <p:ph type="sldNum" sz="quarter" idx="12"/>
-          </p:nvPr>
-        </p:nvSpPr>
-        <p:spPr/>
-        <p:txBody>
-          <a:bodyPr/>
-          <a:lstStyle/>
-          <a:p>
-            <a:fld id="{D57F1E4F-1CFF-5643-939E-02111984F565}" type="slidenum">
-              <a:rPr lang="en-US" smtClean="0"/>
-              <a:t>18</a:t>
-            </a:fld>
-            <a:endParaRPr lang="en-US" dirty="0"/>
-          </a:p>
-        </p:txBody>
-      </p:sp>
-      <p:sp>
-        <p:nvSpPr>
-          <p:cNvPr id="10" name="Inhaltsplatzhalter 9"/>
-          <p:cNvSpPr>
-            <a:spLocks noGrp="1"/>
-          </p:cNvSpPr>
-          <p:nvPr>
-            <p:ph idx="1"/>
-          </p:nvPr>
-        </p:nvSpPr>
-        <p:spPr>
-          <a:xfrm>
-            <a:off x="741680" y="2133600"/>
-            <a:ext cx="10762932" cy="3777622"/>
-          </a:xfrm>
-        </p:spPr>
-        <p:txBody>
-          <a:bodyPr>
-            <a:normAutofit/>
-          </a:bodyPr>
-          <a:lstStyle/>
-          <a:p>
-            <a:pPr marL="0" indent="0">
-              <a:buNone/>
-            </a:pPr>
-            <a:r>
-              <a:rPr lang="de-AT" sz="2800" b="1" dirty="0" smtClean="0"/>
-              <a:t>https://github.com/</a:t>
-            </a:r>
-            <a:r>
-              <a:rPr lang="de-AT" sz="2800" b="1" dirty="0" smtClean="0">
-                <a:solidFill>
-                  <a:schemeClr val="accent1">
-                    <a:lumMod val="60000"/>
-                    <a:lumOff val="40000"/>
-                  </a:schemeClr>
-                </a:solidFill>
-              </a:rPr>
-              <a:t>aayvazyan-tgm</a:t>
-            </a:r>
-            <a:r>
-              <a:rPr lang="de-AT" sz="2800" b="1" dirty="0" smtClean="0">
-                <a:solidFill>
-                  <a:schemeClr val="tx1"/>
-                </a:solidFill>
-              </a:rPr>
-              <a:t>/</a:t>
-            </a:r>
-            <a:r>
-              <a:rPr lang="de-AT" sz="2800" b="1" dirty="0" smtClean="0">
-                <a:solidFill>
-                  <a:schemeClr val="accent1">
-                    <a:lumMod val="60000"/>
-                    <a:lumOff val="40000"/>
-                  </a:schemeClr>
-                </a:solidFill>
-              </a:rPr>
-              <a:t>JavaEESecurityExample</a:t>
-            </a:r>
-          </a:p>
-          <a:p>
-            <a:pPr marL="0" indent="0">
-              <a:buNone/>
-            </a:pPr>
-            <a:endParaRPr lang="de-AT" sz="2800" b="1" dirty="0">
-              <a:solidFill>
-                <a:schemeClr val="accent1">
-                  <a:lumMod val="60000"/>
-                  <a:lumOff val="40000"/>
-                </a:schemeClr>
-              </a:solidFill>
-            </a:endParaRPr>
-          </a:p>
-        </p:txBody>
-      </p:sp>
-    </p:spTree>
-    <p:extLst>
-      <p:ext uri="{BB962C8B-B14F-4D97-AF65-F5344CB8AC3E}">
-        <p14:creationId xmlns:p14="http://schemas.microsoft.com/office/powerpoint/2010/main" val="4283007290"/>
-      </p:ext>
-    </p:extLst>
-  </p:cSld>
-  <p:clrMapOvr>
-    <a:masterClrMapping/>
-  </p:clrMapOvr>
-  <p:timing>
-    <p:tnLst>
-      <p:par>
-        <p:cTn id="1" dur="indefinite" restart="never" nodeType="tmRoot"/>
-      </p:par>
-    </p:tnLst>
-  </p:timing>
-</p:sld>
-</file>
-
 <file path=ppt/slides/slide19.xml><?xml version="1.0" encoding="utf-8"?>
 <p:sld xmlns:a="http://schemas.openxmlformats.org/drawingml/2006/main" xmlns:r="http://schemas.openxmlformats.org/officeDocument/2006/relationships" xmlns:p="http://schemas.openxmlformats.org/presentationml/2006/main">
   <p:cSld>
@@ -14537,7 +14485,7 @@
       </p:grpSpPr>
       <p:sp>
         <p:nvSpPr>
-          <p:cNvPr id="2" name="Title 1"/>
+          <p:cNvPr id="2" name="Titel 1"/>
           <p:cNvSpPr>
             <a:spLocks noGrp="1"/>
           </p:cNvSpPr>
@@ -14547,39 +14495,33 @@
         </p:nvSpPr>
         <p:spPr/>
         <p:txBody>
-          <a:bodyPr/>
-          <a:lstStyle/>
-          <a:p>
-            <a:r>
-              <a:rPr lang="de-AT" dirty="0" smtClean="0"/>
-              <a:t>EJB Slides</a:t>
-            </a:r>
-            <a:endParaRPr lang="de-AT" dirty="0"/>
-          </a:p>
-        </p:txBody>
-      </p:sp>
-      <p:sp>
-        <p:nvSpPr>
-          <p:cNvPr id="3" name="Content Placeholder 2"/>
-          <p:cNvSpPr>
-            <a:spLocks noGrp="1"/>
-          </p:cNvSpPr>
-          <p:nvPr>
-            <p:ph idx="1"/>
-          </p:nvPr>
-        </p:nvSpPr>
-        <p:spPr/>
-        <p:txBody>
-          <a:bodyPr/>
-          <a:lstStyle/>
-          <a:p>
-            <a:endParaRPr lang="de-AT"/>
-          </a:p>
-        </p:txBody>
-      </p:sp>
-      <p:sp>
-        <p:nvSpPr>
-          <p:cNvPr id="4" name="Date Placeholder 3"/>
+          <a:bodyPr>
+            <a:normAutofit/>
+          </a:bodyPr>
+          <a:lstStyle/>
+          <a:p>
+            <a:pPr rtl="0" eaLnBrk="1" latinLnBrk="0" hangingPunct="1"/>
+            <a:r>
+              <a:rPr lang="en-US" sz="3600" kern="1200" dirty="0" smtClean="0">
+                <a:solidFill>
+                  <a:schemeClr val="tx1">
+                    <a:lumMod val="85000"/>
+                    <a:lumOff val="15000"/>
+                  </a:schemeClr>
+                </a:solidFill>
+                <a:effectLst/>
+              </a:rPr>
+              <a:t>Live example</a:t>
+            </a:r>
+            <a:endParaRPr lang="de-AT" sz="3600" dirty="0" smtClean="0">
+              <a:effectLst/>
+            </a:endParaRPr>
+          </a:p>
+        </p:txBody>
+      </p:sp>
+      <p:sp>
+        <p:nvSpPr>
+          <p:cNvPr id="4" name="Datumsplatzhalter 3"/>
           <p:cNvSpPr>
             <a:spLocks noGrp="1"/>
           </p:cNvSpPr>
@@ -14592,7 +14534,7 @@
           <a:bodyPr/>
           <a:lstStyle/>
           <a:p>
-            <a:fld id="{4A970268-AA4D-4BC5-A34A-E9BE3AB96B6A}" type="datetime1">
+            <a:fld id="{65CAD967-9D5C-4FE7-B558-253609022E15}" type="datetime1">
               <a:rPr lang="de-AT" smtClean="0"/>
               <a:t>13.02.2015</a:t>
             </a:fld>
@@ -14602,7 +14544,7 @@
       </p:sp>
       <p:sp>
         <p:nvSpPr>
-          <p:cNvPr id="5" name="Footer Placeholder 4"/>
+          <p:cNvPr id="5" name="Fußzeilenplatzhalter 4"/>
           <p:cNvSpPr>
             <a:spLocks noGrp="1"/>
           </p:cNvSpPr>
@@ -14625,7 +14567,7 @@
       </p:sp>
       <p:sp>
         <p:nvSpPr>
-          <p:cNvPr id="6" name="Slide Number Placeholder 5"/>
+          <p:cNvPr id="6" name="Foliennummernplatzhalter 5"/>
           <p:cNvSpPr>
             <a:spLocks noGrp="1"/>
           </p:cNvSpPr>
@@ -14646,10 +14588,85 @@
           </a:p>
         </p:txBody>
       </p:sp>
+      <p:sp>
+        <p:nvSpPr>
+          <p:cNvPr id="10" name="Inhaltsplatzhalter 9"/>
+          <p:cNvSpPr>
+            <a:spLocks noGrp="1"/>
+          </p:cNvSpPr>
+          <p:nvPr>
+            <p:ph idx="1"/>
+          </p:nvPr>
+        </p:nvSpPr>
+        <p:spPr>
+          <a:xfrm>
+            <a:off x="741680" y="2133600"/>
+            <a:ext cx="10762932" cy="3777622"/>
+          </a:xfrm>
+        </p:spPr>
+        <p:txBody>
+          <a:bodyPr>
+            <a:normAutofit/>
+          </a:bodyPr>
+          <a:lstStyle/>
+          <a:p>
+            <a:pPr marL="0" indent="0">
+              <a:buNone/>
+            </a:pPr>
+            <a:r>
+              <a:rPr lang="de-AT" sz="2800" b="1" dirty="0" smtClean="0"/>
+              <a:t>https://github.com/</a:t>
+            </a:r>
+            <a:r>
+              <a:rPr lang="de-AT" sz="2800" b="1" dirty="0" smtClean="0">
+                <a:solidFill>
+                  <a:schemeClr val="accent1">
+                    <a:lumMod val="60000"/>
+                    <a:lumOff val="40000"/>
+                  </a:schemeClr>
+                </a:solidFill>
+              </a:rPr>
+              <a:t>aayvazyan-tgm</a:t>
+            </a:r>
+            <a:r>
+              <a:rPr lang="de-AT" sz="2800" b="1" dirty="0" smtClean="0">
+                <a:solidFill>
+                  <a:schemeClr val="tx1"/>
+                </a:solidFill>
+              </a:rPr>
+              <a:t>/</a:t>
+            </a:r>
+            <a:r>
+              <a:rPr lang="de-AT" sz="2800" b="1" dirty="0" smtClean="0">
+                <a:solidFill>
+                  <a:schemeClr val="accent1">
+                    <a:lumMod val="60000"/>
+                    <a:lumOff val="40000"/>
+                  </a:schemeClr>
+                </a:solidFill>
+              </a:rPr>
+              <a:t>JavaEESecurityExample</a:t>
+            </a:r>
+          </a:p>
+          <a:p>
+            <a:pPr marL="0" indent="0">
+              <a:buNone/>
+            </a:pPr>
+            <a:endParaRPr lang="de-AT" sz="2800" b="1" dirty="0">
+              <a:solidFill>
+                <a:schemeClr val="accent1">
+                  <a:lumMod val="60000"/>
+                  <a:lumOff val="40000"/>
+                </a:schemeClr>
+              </a:solidFill>
+            </a:endParaRPr>
+          </a:p>
+        </p:txBody>
+      </p:sp>
     </p:spTree>
     <p:extLst>
       <p:ext uri="{BB962C8B-B14F-4D97-AF65-F5344CB8AC3E}">
-        <p14:creationId xmlns:p14="http://schemas.microsoft.com/office/powerpoint/2010/main" val="1996932945"/>
+        <p14:creationId xmlns:p14="http://schemas.microsoft.com/office/powerpoint/2010/main" val="4283007290"/>
       </p:ext>
     </p:extLst>
   </p:cSld>
@@ -14913,7 +14930,7 @@
           <a:p>
             <a:r>
               <a:rPr lang="de-AT" dirty="0" smtClean="0"/>
-              <a:t>Application Client Slides</a:t>
+              <a:t>EJB Slides</a:t>
             </a:r>
             <a:endParaRPr lang="de-AT" dirty="0"/>
           </a:p>
@@ -14953,7 +14970,7 @@
           <a:bodyPr/>
           <a:lstStyle/>
           <a:p>
-            <a:fld id="{B513651D-7A83-4608-A243-C4C141292260}" type="datetime1">
+            <a:fld id="{4A970268-AA4D-4BC5-A34A-E9BE3AB96B6A}" type="datetime1">
               <a:rPr lang="de-AT" smtClean="0"/>
               <a:t>13.02.2015</a:t>
             </a:fld>
@@ -15010,7 +15027,7 @@
     </p:spTree>
     <p:extLst>
       <p:ext uri="{BB962C8B-B14F-4D97-AF65-F5344CB8AC3E}">
-        <p14:creationId xmlns:p14="http://schemas.microsoft.com/office/powerpoint/2010/main" val="3692171424"/>
+        <p14:creationId xmlns:p14="http://schemas.microsoft.com/office/powerpoint/2010/main" val="1996932945"/>
       </p:ext>
     </p:extLst>
   </p:cSld>
@@ -15060,34 +15077,34 @@
           <a:lstStyle/>
           <a:p>
             <a:r>
-              <a:rPr lang="de-AT" smtClean="0"/>
-              <a:t>Digital Certificates Slides</a:t>
-            </a:r>
+              <a:rPr lang="de-AT" dirty="0" smtClean="0"/>
+              <a:t>Application Client Slides</a:t>
+            </a:r>
+            <a:endParaRPr lang="de-AT" dirty="0"/>
+          </a:p>
+        </p:txBody>
+      </p:sp>
+      <p:sp>
+        <p:nvSpPr>
+          <p:cNvPr id="3" name="Content Placeholder 2"/>
+          <p:cNvSpPr>
+            <a:spLocks noGrp="1"/>
+          </p:cNvSpPr>
+          <p:nvPr>
+            <p:ph idx="1"/>
+          </p:nvPr>
+        </p:nvSpPr>
+        <p:spPr/>
+        <p:txBody>
+          <a:bodyPr/>
+          <a:lstStyle/>
+          <a:p>
             <a:endParaRPr lang="de-AT"/>
           </a:p>
         </p:txBody>
       </p:sp>
       <p:sp>
         <p:nvSpPr>
-          <p:cNvPr id="3" name="Content Placeholder 2"/>
-          <p:cNvSpPr>
-            <a:spLocks noGrp="1"/>
-          </p:cNvSpPr>
-          <p:nvPr>
-            <p:ph idx="1"/>
-          </p:nvPr>
-        </p:nvSpPr>
-        <p:spPr/>
-        <p:txBody>
-          <a:bodyPr/>
-          <a:lstStyle/>
-          <a:p>
-            <a:endParaRPr lang="de-AT"/>
-          </a:p>
-        </p:txBody>
-      </p:sp>
-      <p:sp>
-        <p:nvSpPr>
           <p:cNvPr id="4" name="Date Placeholder 3"/>
           <p:cNvSpPr>
             <a:spLocks noGrp="1"/>
@@ -15101,7 +15118,7 @@
           <a:bodyPr/>
           <a:lstStyle/>
           <a:p>
-            <a:fld id="{5E747D12-5EA7-4906-81DF-D3F9CA3728BA}" type="datetime1">
+            <a:fld id="{B513651D-7A83-4608-A243-C4C141292260}" type="datetime1">
               <a:rPr lang="de-AT" smtClean="0"/>
               <a:t>13.02.2015</a:t>
             </a:fld>
@@ -15158,7 +15175,7 @@
     </p:spTree>
     <p:extLst>
       <p:ext uri="{BB962C8B-B14F-4D97-AF65-F5344CB8AC3E}">
-        <p14:creationId xmlns:p14="http://schemas.microsoft.com/office/powerpoint/2010/main" val="1927524683"/>
+        <p14:creationId xmlns:p14="http://schemas.microsoft.com/office/powerpoint/2010/main" val="3692171424"/>
       </p:ext>
     </p:extLst>
   </p:cSld>
@@ -15194,7 +15211,7 @@
       </p:grpSpPr>
       <p:sp>
         <p:nvSpPr>
-          <p:cNvPr id="2" name="Titel 1"/>
+          <p:cNvPr id="2" name="Title 1"/>
           <p:cNvSpPr>
             <a:spLocks noGrp="1"/>
           </p:cNvSpPr>
@@ -15207,31 +15224,17 @@
           <a:bodyPr/>
           <a:lstStyle/>
           <a:p>
-            <a:pPr rtl="0" eaLnBrk="1" latinLnBrk="0" hangingPunct="1"/>
-            <a:r>
-              <a:rPr lang="en-US" sz="3600" kern="1200" dirty="0" smtClean="0">
-                <a:solidFill>
-                  <a:schemeClr val="tx1">
-                    <a:lumMod val="85000"/>
-                    <a:lumOff val="15000"/>
-                  </a:schemeClr>
-                </a:solidFill>
-                <a:effectLst/>
-                <a:latin typeface="+mj-lt"/>
-                <a:ea typeface="+mj-ea"/>
-                <a:cs typeface="+mj-cs"/>
-              </a:rPr>
-              <a:t>Frameworks</a:t>
-            </a:r>
-            <a:endParaRPr lang="de-AT" dirty="0" smtClean="0">
-              <a:effectLst/>
-            </a:endParaRPr>
-          </a:p>
-        </p:txBody>
-      </p:sp>
-      <p:sp>
-        <p:nvSpPr>
-          <p:cNvPr id="3" name="Inhaltsplatzhalter 2"/>
+            <a:r>
+              <a:rPr lang="de-AT" smtClean="0"/>
+              <a:t>Digital Certificates Slides</a:t>
+            </a:r>
+            <a:endParaRPr lang="de-AT"/>
+          </a:p>
+        </p:txBody>
+      </p:sp>
+      <p:sp>
+        <p:nvSpPr>
+          <p:cNvPr id="3" name="Content Placeholder 2"/>
           <p:cNvSpPr>
             <a:spLocks noGrp="1"/>
           </p:cNvSpPr>
@@ -15241,103 +15244,16 @@
         </p:nvSpPr>
         <p:spPr/>
         <p:txBody>
-          <a:bodyPr>
-            <a:normAutofit lnSpcReduction="10000"/>
-          </a:bodyPr>
-          <a:lstStyle/>
-          <a:p>
-            <a:r>
-              <a:rPr lang="en-US" dirty="0" smtClean="0"/>
-              <a:t>Apache Shiro</a:t>
-            </a:r>
-          </a:p>
-          <a:p>
-            <a:pPr lvl="1"/>
-            <a:r>
-              <a:rPr lang="en-US" dirty="0" smtClean="0"/>
-              <a:t>Authentication, Authorization, Cryptography</a:t>
-            </a:r>
-          </a:p>
-          <a:p>
-            <a:pPr lvl="1"/>
-            <a:r>
-              <a:rPr lang="en-US" dirty="0" smtClean="0"/>
-              <a:t>Simple Code Structure</a:t>
-            </a:r>
-          </a:p>
-          <a:p>
-            <a:r>
-              <a:rPr lang="en-US" dirty="0" smtClean="0"/>
-              <a:t>Spring Security</a:t>
-            </a:r>
-          </a:p>
-          <a:p>
-            <a:pPr lvl="1"/>
-            <a:r>
-              <a:rPr lang="en-US" dirty="0" smtClean="0"/>
-              <a:t>Authentication, Authorization, Cryptography</a:t>
-            </a:r>
-          </a:p>
-          <a:p>
-            <a:pPr lvl="1"/>
-            <a:r>
-              <a:rPr lang="en-US" dirty="0" smtClean="0"/>
-              <a:t>Very structured</a:t>
-            </a:r>
-          </a:p>
-          <a:p>
-            <a:r>
-              <a:rPr lang="en-US" dirty="0"/>
-              <a:t>JAAS </a:t>
-            </a:r>
-            <a:r>
-              <a:rPr lang="en-US" dirty="0" smtClean="0"/>
-              <a:t>- Java </a:t>
-            </a:r>
-            <a:r>
-              <a:rPr lang="en-US" dirty="0"/>
-              <a:t>Authentication and Authorization </a:t>
-            </a:r>
-            <a:r>
-              <a:rPr lang="en-US" dirty="0" smtClean="0"/>
-              <a:t>Service</a:t>
-            </a:r>
-          </a:p>
-          <a:p>
-            <a:pPr lvl="1"/>
-            <a:r>
-              <a:rPr lang="en-US" dirty="0" smtClean="0"/>
-              <a:t>Authentication</a:t>
-            </a:r>
-            <a:r>
-              <a:rPr lang="en-US" dirty="0"/>
-              <a:t>, </a:t>
-            </a:r>
-            <a:r>
-              <a:rPr lang="en-US" dirty="0" smtClean="0"/>
-              <a:t>Authorization, Cryptography</a:t>
-            </a:r>
-          </a:p>
-          <a:p>
-            <a:pPr lvl="1"/>
-            <a:r>
-              <a:rPr lang="en-US" dirty="0" smtClean="0"/>
-              <a:t>Included in Java SE since Java 1.4 (</a:t>
-            </a:r>
-            <a:r>
-              <a:rPr lang="de-AT" dirty="0" err="1" smtClean="0"/>
-              <a:t>javax.security.auth</a:t>
-            </a:r>
-            <a:r>
-              <a:rPr lang="de-AT" dirty="0" smtClean="0"/>
-              <a:t>)</a:t>
-            </a:r>
-          </a:p>
-        </p:txBody>
-      </p:sp>
-      <p:sp>
-        <p:nvSpPr>
-          <p:cNvPr id="4" name="Datumsplatzhalter 3"/>
+          <a:bodyPr/>
+          <a:lstStyle/>
+          <a:p>
+            <a:endParaRPr lang="de-AT"/>
+          </a:p>
+        </p:txBody>
+      </p:sp>
+      <p:sp>
+        <p:nvSpPr>
+          <p:cNvPr id="4" name="Date Placeholder 3"/>
           <p:cNvSpPr>
             <a:spLocks noGrp="1"/>
           </p:cNvSpPr>
@@ -15350,7 +15266,7 @@
           <a:bodyPr/>
           <a:lstStyle/>
           <a:p>
-            <a:fld id="{3F4C572F-BCA4-4487-8EBD-15EE8D7320C7}" type="datetime1">
+            <a:fld id="{5E747D12-5EA7-4906-81DF-D3F9CA3728BA}" type="datetime1">
               <a:rPr lang="de-AT" smtClean="0"/>
               <a:t>13.02.2015</a:t>
             </a:fld>
@@ -15360,7 +15276,7 @@
       </p:sp>
       <p:sp>
         <p:nvSpPr>
-          <p:cNvPr id="5" name="Fußzeilenplatzhalter 4"/>
+          <p:cNvPr id="5" name="Footer Placeholder 4"/>
           <p:cNvSpPr>
             <a:spLocks noGrp="1"/>
           </p:cNvSpPr>
@@ -15383,7 +15299,7 @@
       </p:sp>
       <p:sp>
         <p:nvSpPr>
-          <p:cNvPr id="6" name="Foliennummernplatzhalter 5"/>
+          <p:cNvPr id="6" name="Slide Number Placeholder 5"/>
           <p:cNvSpPr>
             <a:spLocks noGrp="1"/>
           </p:cNvSpPr>
@@ -15407,7 +15323,7 @@
     </p:spTree>
     <p:extLst>
       <p:ext uri="{BB962C8B-B14F-4D97-AF65-F5344CB8AC3E}">
-        <p14:creationId xmlns:p14="http://schemas.microsoft.com/office/powerpoint/2010/main" val="260349493"/>
+        <p14:creationId xmlns:p14="http://schemas.microsoft.com/office/powerpoint/2010/main" val="1927524683"/>
       </p:ext>
     </p:extLst>
   </p:cSld>
@@ -15456,6 +15372,7 @@
           <a:bodyPr/>
           <a:lstStyle/>
           <a:p>
+            <a:pPr rtl="0" eaLnBrk="1" latinLnBrk="0" hangingPunct="1"/>
             <a:r>
               <a:rPr lang="en-US" sz="3600" kern="1200" dirty="0" smtClean="0">
                 <a:solidFill>
@@ -15469,9 +15386,11 @@
                 <a:ea typeface="+mj-ea"/>
                 <a:cs typeface="+mj-cs"/>
               </a:rPr>
-              <a:t>Output escaping</a:t>
-            </a:r>
-            <a:endParaRPr lang="de-AT" dirty="0"/>
+              <a:t>Frameworks … - Advantages</a:t>
+            </a:r>
+            <a:endParaRPr lang="de-AT" dirty="0" smtClean="0">
+              <a:effectLst/>
+            </a:endParaRPr>
           </a:p>
         </p:txBody>
       </p:sp>
@@ -15487,46 +15406,42 @@
         </p:nvSpPr>
         <p:spPr/>
         <p:txBody>
-          <a:bodyPr/>
+          <a:bodyPr>
+            <a:normAutofit/>
+          </a:bodyPr>
           <a:lstStyle/>
           <a:p>
             <a:r>
               <a:rPr lang="en-US" dirty="0" smtClean="0"/>
-              <a:t>Escape user input</a:t>
-            </a:r>
-          </a:p>
-          <a:p>
-            <a:pPr lvl="1"/>
+              <a:t>are tested</a:t>
+            </a:r>
+          </a:p>
+          <a:p>
             <a:r>
               <a:rPr lang="en-US" dirty="0" smtClean="0"/>
-              <a:t>To prevent injections</a:t>
-            </a:r>
-          </a:p>
-          <a:p>
+              <a:t>are more secure due to public testing</a:t>
+            </a:r>
             <a:endParaRPr lang="en-US" dirty="0" smtClean="0"/>
           </a:p>
           <a:p>
             <a:r>
               <a:rPr lang="en-US" dirty="0" smtClean="0"/>
-              <a:t>Escape the output</a:t>
-            </a:r>
-          </a:p>
-          <a:p>
-            <a:pPr lvl="1"/>
+              <a:t>are supported</a:t>
+            </a:r>
+          </a:p>
+          <a:p>
+            <a:r>
+              <a:rPr lang="en-US" dirty="0"/>
+              <a:t>c</a:t>
+            </a:r>
             <a:r>
               <a:rPr lang="en-US" dirty="0" smtClean="0"/>
-              <a:t>To add an extra layer of security (for the user)</a:t>
-            </a:r>
-          </a:p>
-          <a:p>
-            <a:endParaRPr lang="en-US" dirty="0"/>
-          </a:p>
-          <a:p>
+              <a:t>an save time </a:t>
+            </a:r>
             <a:r>
               <a:rPr lang="en-US" dirty="0" smtClean="0"/>
-              <a:t>Use a Framework!</a:t>
-            </a:r>
-            <a:endParaRPr lang="en-US" dirty="0"/>
+              <a:t>on long term</a:t>
+            </a:r>
           </a:p>
         </p:txBody>
       </p:sp>
@@ -15545,7 +15460,7 @@
           <a:bodyPr/>
           <a:lstStyle/>
           <a:p>
-            <a:fld id="{73F9A2D8-44B8-467F-9223-0D7436D41992}" type="datetime1">
+            <a:fld id="{3F4C572F-BCA4-4487-8EBD-15EE8D7320C7}" type="datetime1">
               <a:rPr lang="de-AT" smtClean="0"/>
               <a:t>13.02.2015</a:t>
             </a:fld>
@@ -15602,7 +15517,7 @@
     </p:spTree>
     <p:extLst>
       <p:ext uri="{BB962C8B-B14F-4D97-AF65-F5344CB8AC3E}">
-        <p14:creationId xmlns:p14="http://schemas.microsoft.com/office/powerpoint/2010/main" val="938604773"/>
+        <p14:creationId xmlns:p14="http://schemas.microsoft.com/office/powerpoint/2010/main" val="260349493"/>
       </p:ext>
     </p:extLst>
   </p:cSld>
@@ -15651,53 +15566,62 @@
           <a:bodyPr/>
           <a:lstStyle/>
           <a:p>
-            <a:pPr lvl="0"/>
+            <a:pPr rtl="0" eaLnBrk="1" latinLnBrk="0" hangingPunct="1"/>
+            <a:r>
+              <a:rPr lang="en-US" sz="3600" kern="1200" dirty="0" smtClean="0">
+                <a:solidFill>
+                  <a:schemeClr val="tx1">
+                    <a:lumMod val="85000"/>
+                    <a:lumOff val="15000"/>
+                  </a:schemeClr>
+                </a:solidFill>
+                <a:effectLst/>
+                <a:latin typeface="+mj-lt"/>
+                <a:ea typeface="+mj-ea"/>
+                <a:cs typeface="+mj-cs"/>
+              </a:rPr>
+              <a:t>Frameworks … - Disadvantages</a:t>
+            </a:r>
+            <a:endParaRPr lang="de-AT" dirty="0" smtClean="0">
+              <a:effectLst/>
+            </a:endParaRPr>
+          </a:p>
+        </p:txBody>
+      </p:sp>
+      <p:sp>
+        <p:nvSpPr>
+          <p:cNvPr id="3" name="Inhaltsplatzhalter 2"/>
+          <p:cNvSpPr>
+            <a:spLocks noGrp="1"/>
+          </p:cNvSpPr>
+          <p:nvPr>
+            <p:ph idx="1"/>
+          </p:nvPr>
+        </p:nvSpPr>
+        <p:spPr/>
+        <p:txBody>
+          <a:bodyPr>
+            <a:normAutofit/>
+          </a:bodyPr>
+          <a:lstStyle/>
+          <a:p>
             <a:r>
               <a:rPr lang="en-US" dirty="0" smtClean="0"/>
-              <a:t>What‘s to come</a:t>
+              <a:t>need to be learned</a:t>
+            </a:r>
+          </a:p>
+          <a:p>
+            <a:r>
+              <a:rPr lang="en-US" dirty="0" smtClean="0"/>
+              <a:t>can be limited in the possibilities</a:t>
             </a:r>
             <a:endParaRPr lang="en-US" dirty="0"/>
           </a:p>
-        </p:txBody>
-      </p:sp>
-      <p:sp>
-        <p:nvSpPr>
-          <p:cNvPr id="3" name="Inhaltsplatzhalter 2"/>
-          <p:cNvSpPr>
-            <a:spLocks noGrp="1"/>
-          </p:cNvSpPr>
-          <p:nvPr>
-            <p:ph idx="1"/>
-          </p:nvPr>
-        </p:nvSpPr>
-        <p:spPr/>
-        <p:txBody>
-          <a:bodyPr/>
-          <a:lstStyle/>
           <a:p>
             <a:r>
               <a:rPr lang="en-US" dirty="0" smtClean="0"/>
-              <a:t>Working with Digital Certificates</a:t>
-            </a:r>
-          </a:p>
-          <a:p>
-            <a:r>
-              <a:rPr lang="en-US" dirty="0" smtClean="0"/>
-              <a:t>Securing Application Clients</a:t>
-            </a:r>
-          </a:p>
-          <a:p>
-            <a:r>
-              <a:rPr lang="en-US" dirty="0" smtClean="0"/>
-              <a:t>Security with Enterprise Beans</a:t>
-            </a:r>
-          </a:p>
-          <a:p>
-            <a:r>
-              <a:rPr lang="en-US" dirty="0" smtClean="0"/>
-              <a:t>Further Framework Information</a:t>
-            </a:r>
-            <a:endParaRPr lang="en-US" dirty="0"/>
+              <a:t>need to be trusted</a:t>
+            </a:r>
           </a:p>
         </p:txBody>
       </p:sp>
@@ -15716,7 +15640,7 @@
           <a:bodyPr/>
           <a:lstStyle/>
           <a:p>
-            <a:fld id="{340EB59D-EF96-4D6A-A29A-A1ED56883F40}" type="datetime1">
+            <a:fld id="{3F4C572F-BCA4-4487-8EBD-15EE8D7320C7}" type="datetime1">
               <a:rPr lang="de-AT" smtClean="0"/>
               <a:t>13.02.2015</a:t>
             </a:fld>
@@ -15773,7 +15697,7 @@
     </p:spTree>
     <p:extLst>
       <p:ext uri="{BB962C8B-B14F-4D97-AF65-F5344CB8AC3E}">
-        <p14:creationId xmlns:p14="http://schemas.microsoft.com/office/powerpoint/2010/main" val="3669708446"/>
+        <p14:creationId xmlns:p14="http://schemas.microsoft.com/office/powerpoint/2010/main" val="243032441"/>
       </p:ext>
     </p:extLst>
   </p:cSld>
@@ -15819,14 +15743,12 @@
         </p:nvSpPr>
         <p:spPr/>
         <p:txBody>
-          <a:bodyPr>
-            <a:normAutofit/>
-          </a:bodyPr>
-          <a:lstStyle/>
-          <a:p>
-            <a:pPr lvl="0"/>
-            <a:r>
-              <a:rPr lang="en-US" sz="3600" i="0" kern="1200" noProof="0" dirty="0" smtClean="0">
+          <a:bodyPr/>
+          <a:lstStyle/>
+          <a:p>
+            <a:pPr rtl="0" eaLnBrk="1" latinLnBrk="0" hangingPunct="1"/>
+            <a:r>
+              <a:rPr lang="en-US" sz="3600" kern="1200" dirty="0" smtClean="0">
                 <a:solidFill>
                   <a:schemeClr val="tx1">
                     <a:lumMod val="85000"/>
@@ -15834,10 +15756,15 @@
                   </a:schemeClr>
                 </a:solidFill>
                 <a:effectLst/>
+                <a:latin typeface="+mj-lt"/>
+                <a:ea typeface="+mj-ea"/>
+                <a:cs typeface="+mj-cs"/>
               </a:rPr>
-              <a:t>Sources</a:t>
-            </a:r>
-            <a:endParaRPr lang="en-US" noProof="0" dirty="0"/>
+              <a:t>Frameworks</a:t>
+            </a:r>
+            <a:endParaRPr lang="de-AT" dirty="0" smtClean="0">
+              <a:effectLst/>
+            </a:endParaRPr>
           </a:p>
         </p:txBody>
       </p:sp>
@@ -15858,445 +15785,102 @@
           </a:bodyPr>
           <a:lstStyle/>
           <a:p>
-            <a:pPr lvl="0"/>
-            <a:r>
-              <a:rPr lang="de-AT" sz="800" b="1" dirty="0" err="1"/>
-              <a:t>JavaOne</a:t>
-            </a:r>
-            <a:r>
-              <a:rPr lang="de-AT" sz="800" b="1" dirty="0"/>
-              <a:t> 2014: </a:t>
-            </a:r>
-            <a:r>
-              <a:rPr lang="de-AT" sz="800" dirty="0"/>
-              <a:t>The </a:t>
-            </a:r>
-            <a:r>
-              <a:rPr lang="de-AT" sz="800" dirty="0" err="1"/>
-              <a:t>Anatomy</a:t>
-            </a:r>
-            <a:r>
-              <a:rPr lang="de-AT" sz="800" dirty="0"/>
-              <a:t> </a:t>
-            </a:r>
-            <a:r>
-              <a:rPr lang="de-AT" sz="800" dirty="0" err="1"/>
-              <a:t>of</a:t>
-            </a:r>
-            <a:r>
-              <a:rPr lang="de-AT" sz="800" dirty="0"/>
-              <a:t> a Secure Web </a:t>
-            </a:r>
-            <a:r>
-              <a:rPr lang="de-AT" sz="800" dirty="0" err="1"/>
-              <a:t>Application</a:t>
-            </a:r>
-            <a:r>
-              <a:rPr lang="de-AT" sz="800" dirty="0"/>
-              <a:t> </a:t>
-            </a:r>
-            <a:r>
-              <a:rPr lang="de-AT" sz="800" dirty="0" err="1"/>
-              <a:t>Using</a:t>
-            </a:r>
-            <a:r>
-              <a:rPr lang="de-AT" sz="800" dirty="0"/>
-              <a:t> Java,</a:t>
-            </a:r>
-            <a:br>
-              <a:rPr lang="de-AT" sz="800" dirty="0"/>
-            </a:br>
-            <a:r>
-              <a:rPr lang="de-AT" sz="800" dirty="0"/>
-              <a:t>Shawn </a:t>
-            </a:r>
-            <a:r>
-              <a:rPr lang="de-AT" sz="800" dirty="0" err="1"/>
-              <a:t>McKinney</a:t>
-            </a:r>
-            <a:r>
-              <a:rPr lang="de-AT" sz="800" dirty="0"/>
-              <a:t> &amp; John Field, September 29, 2014</a:t>
-            </a:r>
-            <a:br>
-              <a:rPr lang="de-AT" sz="800" dirty="0"/>
-            </a:br>
-            <a:r>
-              <a:rPr lang="de-AT" sz="800" dirty="0"/>
-              <a:t>San </a:t>
-            </a:r>
-            <a:r>
-              <a:rPr lang="de-AT" sz="800" dirty="0" smtClean="0"/>
-              <a:t>Francisco</a:t>
-            </a:r>
-            <a:endParaRPr lang="de-AT" sz="800" dirty="0"/>
-          </a:p>
-          <a:p>
-            <a:pPr lvl="0"/>
-            <a:r>
-              <a:rPr lang="de-AT" sz="800" b="1" dirty="0"/>
-              <a:t>Java Security: </a:t>
-            </a:r>
-            <a:r>
-              <a:rPr lang="de-AT" sz="800" dirty="0"/>
-              <a:t>Sicherheitslücken identifizieren und vermeiden,</a:t>
-            </a:r>
-            <a:br>
-              <a:rPr lang="de-AT" sz="800" dirty="0"/>
-            </a:br>
-            <a:r>
-              <a:rPr lang="de-AT" sz="800" dirty="0"/>
-              <a:t>Marc Schönefeld, 1. </a:t>
-            </a:r>
-            <a:r>
-              <a:rPr lang="de-AT" sz="800" dirty="0" err="1"/>
-              <a:t>edition</a:t>
-            </a:r>
-            <a:r>
-              <a:rPr lang="de-AT" sz="800" dirty="0"/>
-              <a:t> 2011</a:t>
-            </a:r>
-            <a:br>
-              <a:rPr lang="de-AT" sz="800" dirty="0"/>
-            </a:br>
-            <a:r>
-              <a:rPr lang="de-AT" sz="800" dirty="0"/>
-              <a:t>Publisher: </a:t>
-            </a:r>
-            <a:r>
-              <a:rPr lang="de-AT" sz="800" dirty="0" err="1"/>
-              <a:t>Hüthig</a:t>
-            </a:r>
-            <a:r>
-              <a:rPr lang="de-AT" sz="800" dirty="0"/>
-              <a:t> </a:t>
-            </a:r>
-            <a:r>
-              <a:rPr lang="de-AT" sz="800" dirty="0" err="1"/>
-              <a:t>Jehle</a:t>
-            </a:r>
-            <a:r>
-              <a:rPr lang="de-AT" sz="800" dirty="0"/>
-              <a:t> Rehm GmbH, Heidelberg.</a:t>
-            </a:r>
-            <a:br>
-              <a:rPr lang="de-AT" sz="800" dirty="0"/>
-            </a:br>
-            <a:r>
-              <a:rPr lang="de-AT" sz="800" dirty="0"/>
-              <a:t>ISBN/ISSN </a:t>
-            </a:r>
-            <a:r>
-              <a:rPr lang="de-AT" sz="800" dirty="0" smtClean="0"/>
-              <a:t>978-3-8266-9105-8</a:t>
-            </a:r>
-            <a:endParaRPr lang="de-AT" sz="800" dirty="0"/>
-          </a:p>
-          <a:p>
-            <a:pPr lvl="0"/>
-            <a:r>
-              <a:rPr lang="de-AT" sz="800" b="1" dirty="0"/>
-              <a:t>Enterprise Java Security:</a:t>
-            </a:r>
-            <a:r>
-              <a:rPr lang="de-AT" sz="800" dirty="0"/>
-              <a:t> Building Secure J2EE </a:t>
-            </a:r>
-            <a:r>
-              <a:rPr lang="de-AT" sz="800" dirty="0" err="1"/>
-              <a:t>Applications</a:t>
-            </a:r>
-            <a:r>
-              <a:rPr lang="de-AT" sz="800" dirty="0"/>
-              <a:t>,</a:t>
-            </a:r>
-            <a:br>
-              <a:rPr lang="de-AT" sz="800" dirty="0"/>
-            </a:br>
-            <a:r>
-              <a:rPr lang="de-AT" sz="800" dirty="0"/>
-              <a:t>Marco </a:t>
-            </a:r>
-            <a:r>
-              <a:rPr lang="de-AT" sz="800" dirty="0" err="1"/>
-              <a:t>Pistoia</a:t>
-            </a:r>
-            <a:r>
-              <a:rPr lang="de-AT" sz="800" dirty="0"/>
-              <a:t>, </a:t>
-            </a:r>
-            <a:r>
-              <a:rPr lang="de-AT" sz="800" dirty="0" err="1"/>
-              <a:t>Natara</a:t>
-            </a:r>
-            <a:r>
-              <a:rPr lang="de-AT" sz="800" dirty="0"/>
-              <a:t> j </a:t>
-            </a:r>
-            <a:r>
-              <a:rPr lang="de-AT" sz="800" dirty="0" err="1"/>
-              <a:t>Nagaratnam</a:t>
-            </a:r>
-            <a:r>
-              <a:rPr lang="de-AT" sz="800" dirty="0"/>
-              <a:t>, Larry </a:t>
-            </a:r>
-            <a:r>
-              <a:rPr lang="de-AT" sz="800" dirty="0" err="1"/>
-              <a:t>Koved</a:t>
-            </a:r>
-            <a:r>
-              <a:rPr lang="de-AT" sz="800" dirty="0"/>
-              <a:t>, Anthony </a:t>
-            </a:r>
-            <a:r>
-              <a:rPr lang="de-AT" sz="800" dirty="0" err="1"/>
-              <a:t>Nadalin</a:t>
-            </a:r>
-            <a:r>
-              <a:rPr lang="de-AT" sz="800" dirty="0"/>
-              <a:t>,</a:t>
-            </a:r>
-            <a:br>
-              <a:rPr lang="de-AT" sz="800" dirty="0"/>
-            </a:br>
-            <a:r>
-              <a:rPr lang="de-AT" sz="800" dirty="0"/>
-              <a:t>1. </a:t>
-            </a:r>
-            <a:r>
-              <a:rPr lang="de-AT" sz="800" dirty="0" err="1"/>
-              <a:t>edition</a:t>
-            </a:r>
-            <a:r>
-              <a:rPr lang="de-AT" sz="800" dirty="0"/>
-              <a:t> 2004</a:t>
-            </a:r>
-            <a:br>
-              <a:rPr lang="de-AT" sz="800" dirty="0"/>
-            </a:br>
-            <a:r>
-              <a:rPr lang="de-AT" sz="800" dirty="0"/>
-              <a:t>Publisher: Addison-Wesley Professional.</a:t>
-            </a:r>
-            <a:br>
-              <a:rPr lang="de-AT" sz="800" dirty="0"/>
-            </a:br>
-            <a:r>
-              <a:rPr lang="de-AT" sz="800" dirty="0"/>
-              <a:t>ISBN/ISSN: I SBN </a:t>
-            </a:r>
-            <a:r>
-              <a:rPr lang="de-AT" sz="800" dirty="0" smtClean="0"/>
-              <a:t>0-321-11889-8</a:t>
-            </a:r>
-            <a:endParaRPr lang="de-AT" sz="800" dirty="0"/>
-          </a:p>
-          <a:p>
-            <a:pPr lvl="0"/>
-            <a:r>
-              <a:rPr lang="de-AT" sz="800" b="1" dirty="0"/>
-              <a:t>Official </a:t>
-            </a:r>
-            <a:r>
-              <a:rPr lang="de-AT" sz="800" b="1" dirty="0" err="1"/>
-              <a:t>JavaEE</a:t>
-            </a:r>
-            <a:r>
-              <a:rPr lang="de-AT" sz="800" b="1" dirty="0"/>
-              <a:t> </a:t>
-            </a:r>
-            <a:r>
-              <a:rPr lang="de-AT" sz="800" b="1" dirty="0" err="1"/>
-              <a:t>Documentation</a:t>
-            </a:r>
-            <a:r>
-              <a:rPr lang="de-AT" sz="800" dirty="0"/>
-              <a:t>, Oracle,</a:t>
-            </a:r>
-            <a:br>
-              <a:rPr lang="de-AT" sz="800" dirty="0"/>
-            </a:br>
-            <a:r>
-              <a:rPr lang="de-AT" sz="800" dirty="0"/>
-              <a:t>29.09.2014 http://do cs.oracle.com/</a:t>
-            </a:r>
-            <a:r>
-              <a:rPr lang="de-AT" sz="800" dirty="0" err="1"/>
-              <a:t>javaee</a:t>
-            </a:r>
-            <a:r>
-              <a:rPr lang="de-AT" sz="800" dirty="0"/>
-              <a:t>/7/</a:t>
-            </a:r>
-            <a:r>
-              <a:rPr lang="de-AT" sz="800" dirty="0" err="1"/>
-              <a:t>tutorial</a:t>
-            </a:r>
-            <a:r>
-              <a:rPr lang="de-AT" sz="800" dirty="0"/>
-              <a:t>/do </a:t>
-            </a:r>
-            <a:r>
-              <a:rPr lang="de-AT" sz="800" dirty="0" smtClean="0"/>
-              <a:t>c/security-intro.htm</a:t>
-            </a:r>
-            <a:endParaRPr lang="de-AT" sz="800" dirty="0"/>
-          </a:p>
-          <a:p>
-            <a:pPr lvl="0"/>
-            <a:r>
-              <a:rPr lang="de-AT" sz="800" b="1" dirty="0"/>
-              <a:t>Java EE 6,</a:t>
-            </a:r>
-            <a:r>
-              <a:rPr lang="de-AT" sz="800" dirty="0"/>
-              <a:t/>
-            </a:r>
-            <a:br>
-              <a:rPr lang="de-AT" sz="800" dirty="0"/>
-            </a:br>
-            <a:r>
-              <a:rPr lang="de-AT" sz="800" dirty="0"/>
-              <a:t>Dirk Weil, 1. </a:t>
-            </a:r>
-            <a:r>
-              <a:rPr lang="de-AT" sz="800" dirty="0" err="1"/>
-              <a:t>edition</a:t>
-            </a:r>
-            <a:r>
-              <a:rPr lang="de-AT" sz="800" dirty="0"/>
-              <a:t> 2012</a:t>
-            </a:r>
-            <a:br>
-              <a:rPr lang="de-AT" sz="800" dirty="0"/>
-            </a:br>
-            <a:r>
-              <a:rPr lang="de-AT" sz="800" dirty="0"/>
-              <a:t>Publisher: </a:t>
-            </a:r>
-            <a:r>
-              <a:rPr lang="de-AT" sz="800" dirty="0" err="1"/>
-              <a:t>entwickler.press</a:t>
-            </a:r>
-            <a:r>
-              <a:rPr lang="de-AT" sz="800" dirty="0"/>
-              <a:t/>
-            </a:r>
-            <a:br>
-              <a:rPr lang="de-AT" sz="800" dirty="0"/>
-            </a:br>
-            <a:r>
-              <a:rPr lang="de-AT" sz="800" dirty="0"/>
-              <a:t>ISBN </a:t>
-            </a:r>
-            <a:r>
-              <a:rPr lang="de-AT" sz="800" dirty="0" smtClean="0"/>
-              <a:t>978-3-86802-077-9</a:t>
-            </a:r>
-            <a:endParaRPr lang="de-AT" sz="800" dirty="0"/>
-          </a:p>
-          <a:p>
-            <a:pPr lvl="0"/>
-            <a:r>
-              <a:rPr lang="de-AT" sz="800" b="1" dirty="0"/>
-              <a:t>Java EE 6 </a:t>
-            </a:r>
-            <a:r>
-              <a:rPr lang="de-AT" sz="800" b="1" dirty="0" err="1"/>
-              <a:t>Cookbook</a:t>
-            </a:r>
-            <a:r>
-              <a:rPr lang="de-AT" sz="800" dirty="0"/>
-              <a:t> </a:t>
-            </a:r>
-            <a:r>
-              <a:rPr lang="de-AT" sz="800" dirty="0" err="1"/>
-              <a:t>for</a:t>
-            </a:r>
-            <a:r>
-              <a:rPr lang="de-AT" sz="800" dirty="0"/>
-              <a:t> </a:t>
-            </a:r>
-            <a:r>
-              <a:rPr lang="de-AT" sz="800" dirty="0" err="1"/>
-              <a:t>Securing</a:t>
-            </a:r>
-            <a:r>
-              <a:rPr lang="de-AT" sz="800" dirty="0"/>
-              <a:t>, Tuning, </a:t>
-            </a:r>
-            <a:r>
-              <a:rPr lang="de-AT" sz="800" dirty="0" err="1"/>
-              <a:t>and</a:t>
-            </a:r>
-            <a:r>
-              <a:rPr lang="de-AT" sz="800" dirty="0"/>
-              <a:t> </a:t>
-            </a:r>
-            <a:r>
-              <a:rPr lang="de-AT" sz="800" dirty="0" err="1"/>
-              <a:t>Extending</a:t>
-            </a:r>
-            <a:r>
-              <a:rPr lang="de-AT" sz="800" dirty="0"/>
-              <a:t> Enterprise </a:t>
-            </a:r>
-            <a:r>
-              <a:rPr lang="de-AT" sz="800" dirty="0" err="1"/>
-              <a:t>Applications</a:t>
-            </a:r>
-            <a:r>
-              <a:rPr lang="de-AT" sz="800" dirty="0"/>
-              <a:t>, </a:t>
-            </a:r>
-            <a:br>
-              <a:rPr lang="de-AT" sz="800" dirty="0"/>
-            </a:br>
-            <a:r>
-              <a:rPr lang="de-AT" sz="800" dirty="0"/>
-              <a:t>Mick </a:t>
-            </a:r>
-            <a:r>
-              <a:rPr lang="de-AT" sz="800" dirty="0" err="1"/>
-              <a:t>Knutson</a:t>
-            </a:r>
-            <a:r>
-              <a:rPr lang="de-AT" sz="800" dirty="0"/>
-              <a:t>, </a:t>
-            </a:r>
-            <a:br>
-              <a:rPr lang="de-AT" sz="800" dirty="0"/>
-            </a:br>
-            <a:r>
-              <a:rPr lang="de-AT" sz="800" dirty="0"/>
-              <a:t>1. </a:t>
-            </a:r>
-            <a:r>
-              <a:rPr lang="de-AT" sz="800" dirty="0" err="1"/>
-              <a:t>edition</a:t>
-            </a:r>
-            <a:r>
-              <a:rPr lang="de-AT" sz="800" dirty="0"/>
-              <a:t> June 2012</a:t>
-            </a:r>
-            <a:br>
-              <a:rPr lang="de-AT" sz="800" dirty="0"/>
-            </a:br>
-            <a:r>
-              <a:rPr lang="de-AT" sz="800" dirty="0"/>
-              <a:t>Publisher: Addison-Wesley Professional.</a:t>
-            </a:r>
-            <a:br>
-              <a:rPr lang="de-AT" sz="800" dirty="0"/>
-            </a:br>
-            <a:r>
-              <a:rPr lang="de-AT" sz="800" dirty="0"/>
-              <a:t>ISBN/ISSN: I SBN </a:t>
-            </a:r>
-            <a:r>
-              <a:rPr lang="de-AT" sz="800" dirty="0" smtClean="0"/>
-              <a:t>9781849683166</a:t>
+            <a:pPr marL="342900" lvl="1" indent="-342900"/>
+            <a:r>
+              <a:rPr lang="en-US" sz="2400" dirty="0"/>
+              <a:t>Provide: Authentication, Authorization, </a:t>
+            </a:r>
+            <a:r>
+              <a:rPr lang="en-US" sz="2400" dirty="0" smtClean="0"/>
+              <a:t>Cryptography</a:t>
+            </a:r>
+            <a:endParaRPr lang="en-US" sz="2400" dirty="0" smtClean="0"/>
+          </a:p>
+          <a:p>
+            <a:r>
+              <a:rPr lang="en-US" dirty="0" smtClean="0"/>
+              <a:t>Apache </a:t>
+            </a:r>
+            <a:r>
+              <a:rPr lang="en-US" dirty="0" smtClean="0"/>
+              <a:t>Shiro</a:t>
+            </a:r>
+          </a:p>
+          <a:p>
+            <a:pPr lvl="1"/>
+            <a:r>
+              <a:rPr lang="en-US" dirty="0" smtClean="0"/>
+              <a:t>Simple </a:t>
+            </a:r>
+            <a:r>
+              <a:rPr lang="en-US" dirty="0" smtClean="0"/>
+              <a:t>Code </a:t>
+            </a:r>
+            <a:r>
+              <a:rPr lang="en-US" dirty="0" smtClean="0"/>
+              <a:t>Structure</a:t>
+            </a:r>
+          </a:p>
+          <a:p>
+            <a:pPr lvl="1"/>
+            <a:r>
+              <a:rPr lang="en-US" dirty="0" smtClean="0"/>
+              <a:t>Not bound to HTTP</a:t>
+            </a:r>
+            <a:endParaRPr lang="en-US" dirty="0" smtClean="0"/>
+          </a:p>
+          <a:p>
+            <a:r>
+              <a:rPr lang="en-US" dirty="0" smtClean="0"/>
+              <a:t>Spring Security</a:t>
+            </a:r>
+          </a:p>
+          <a:p>
+            <a:pPr lvl="1"/>
+            <a:r>
+              <a:rPr lang="en-US" dirty="0" smtClean="0"/>
+              <a:t>Very </a:t>
+            </a:r>
+            <a:r>
+              <a:rPr lang="en-US" dirty="0" smtClean="0"/>
+              <a:t>structured</a:t>
+            </a:r>
+          </a:p>
+          <a:p>
+            <a:r>
+              <a:rPr lang="en-US" dirty="0"/>
+              <a:t>JAAS </a:t>
+            </a:r>
+            <a:r>
+              <a:rPr lang="en-US" dirty="0" smtClean="0"/>
+              <a:t>- Java </a:t>
+            </a:r>
+            <a:r>
+              <a:rPr lang="en-US" dirty="0"/>
+              <a:t>Authentication and Authorization </a:t>
+            </a:r>
+            <a:r>
+              <a:rPr lang="en-US" dirty="0" smtClean="0"/>
+              <a:t>Service</a:t>
+            </a:r>
+          </a:p>
+          <a:p>
+            <a:pPr lvl="1"/>
+            <a:r>
+              <a:rPr lang="en-US" dirty="0" smtClean="0"/>
+              <a:t>Included </a:t>
+            </a:r>
+            <a:r>
+              <a:rPr lang="en-US" dirty="0" smtClean="0"/>
+              <a:t>in Java SE since Java 1.4 (</a:t>
+            </a:r>
+            <a:r>
+              <a:rPr lang="de-AT" dirty="0" err="1" smtClean="0"/>
+              <a:t>javax.security.auth</a:t>
+            </a:r>
+            <a:r>
+              <a:rPr lang="de-AT" dirty="0" smtClean="0"/>
+              <a:t>)</a:t>
             </a:r>
           </a:p>
         </p:txBody>
@@ -16316,7 +15900,7 @@
           <a:bodyPr/>
           <a:lstStyle/>
           <a:p>
-            <a:fld id="{680BB08F-6D3B-4E3E-8B05-C729AFCB21AF}" type="datetime1">
+            <a:fld id="{3F4C572F-BCA4-4487-8EBD-15EE8D7320C7}" type="datetime1">
               <a:rPr lang="de-AT" smtClean="0"/>
               <a:t>13.02.2015</a:t>
             </a:fld>
@@ -16373,7 +15957,7 @@
     </p:spTree>
     <p:extLst>
       <p:ext uri="{BB962C8B-B14F-4D97-AF65-F5344CB8AC3E}">
-        <p14:creationId xmlns:p14="http://schemas.microsoft.com/office/powerpoint/2010/main" val="801564242"/>
+        <p14:creationId xmlns:p14="http://schemas.microsoft.com/office/powerpoint/2010/main" val="2337426181"/>
       </p:ext>
     </p:extLst>
   </p:cSld>
@@ -16422,6 +16006,1033 @@
           <a:bodyPr/>
           <a:lstStyle/>
           <a:p>
+            <a:pPr rtl="0" eaLnBrk="1" latinLnBrk="0" hangingPunct="1"/>
+            <a:r>
+              <a:rPr lang="en-US" sz="3600" kern="1200" dirty="0" err="1" smtClean="0">
+                <a:solidFill>
+                  <a:schemeClr val="tx1">
+                    <a:lumMod val="85000"/>
+                    <a:lumOff val="15000"/>
+                  </a:schemeClr>
+                </a:solidFill>
+                <a:effectLst/>
+                <a:latin typeface="+mj-lt"/>
+                <a:ea typeface="+mj-ea"/>
+                <a:cs typeface="+mj-cs"/>
+              </a:rPr>
+              <a:t>Shiro</a:t>
+            </a:r>
+            <a:r>
+              <a:rPr lang="en-US" sz="3600" kern="1200" dirty="0" smtClean="0">
+                <a:solidFill>
+                  <a:schemeClr val="tx1">
+                    <a:lumMod val="85000"/>
+                    <a:lumOff val="15000"/>
+                  </a:schemeClr>
+                </a:solidFill>
+                <a:effectLst/>
+                <a:latin typeface="+mj-lt"/>
+                <a:ea typeface="+mj-ea"/>
+                <a:cs typeface="+mj-cs"/>
+              </a:rPr>
+              <a:t> Example</a:t>
+            </a:r>
+            <a:endParaRPr lang="de-AT" dirty="0" smtClean="0">
+              <a:effectLst/>
+            </a:endParaRPr>
+          </a:p>
+        </p:txBody>
+      </p:sp>
+      <p:sp>
+        <p:nvSpPr>
+          <p:cNvPr id="3" name="Inhaltsplatzhalter 2"/>
+          <p:cNvSpPr>
+            <a:spLocks noGrp="1"/>
+          </p:cNvSpPr>
+          <p:nvPr>
+            <p:ph idx="1"/>
+          </p:nvPr>
+        </p:nvSpPr>
+        <p:spPr>
+          <a:xfrm>
+            <a:off x="2019300" y="2133600"/>
+            <a:ext cx="9485312" cy="3777622"/>
+          </a:xfrm>
+        </p:spPr>
+        <p:txBody>
+          <a:bodyPr>
+            <a:normAutofit/>
+          </a:bodyPr>
+          <a:lstStyle/>
+          <a:p>
+            <a:r>
+              <a:rPr lang="de-AT" b="1" dirty="0"/>
+              <a:t>https://github.com/</a:t>
+            </a:r>
+            <a:r>
+              <a:rPr lang="de-AT" b="1" dirty="0">
+                <a:solidFill>
+                  <a:schemeClr val="accent1">
+                    <a:lumMod val="60000"/>
+                    <a:lumOff val="40000"/>
+                  </a:schemeClr>
+                </a:solidFill>
+              </a:rPr>
+              <a:t>aayvazyan-tgm</a:t>
+            </a:r>
+            <a:r>
+              <a:rPr lang="de-AT" b="1" dirty="0">
+                <a:solidFill>
+                  <a:schemeClr val="tx1"/>
+                </a:solidFill>
+              </a:rPr>
+              <a:t>/</a:t>
+            </a:r>
+            <a:r>
+              <a:rPr lang="de-AT" b="1" dirty="0">
+                <a:solidFill>
+                  <a:schemeClr val="accent1">
+                    <a:lumMod val="60000"/>
+                    <a:lumOff val="40000"/>
+                  </a:schemeClr>
+                </a:solidFill>
+              </a:rPr>
+              <a:t>JavaEESecurityExample</a:t>
+            </a:r>
+          </a:p>
+          <a:p>
+            <a:endParaRPr lang="de-AT" dirty="0" smtClean="0"/>
+          </a:p>
+        </p:txBody>
+      </p:sp>
+      <p:sp>
+        <p:nvSpPr>
+          <p:cNvPr id="4" name="Datumsplatzhalter 3"/>
+          <p:cNvSpPr>
+            <a:spLocks noGrp="1"/>
+          </p:cNvSpPr>
+          <p:nvPr>
+            <p:ph type="dt" sz="half" idx="10"/>
+          </p:nvPr>
+        </p:nvSpPr>
+        <p:spPr/>
+        <p:txBody>
+          <a:bodyPr/>
+          <a:lstStyle/>
+          <a:p>
+            <a:fld id="{3F4C572F-BCA4-4487-8EBD-15EE8D7320C7}" type="datetime1">
+              <a:rPr lang="de-AT" smtClean="0"/>
+              <a:t>13.02.2015</a:t>
+            </a:fld>
+            <a:endParaRPr lang="en-US" dirty="0"/>
+          </a:p>
+        </p:txBody>
+      </p:sp>
+      <p:sp>
+        <p:nvSpPr>
+          <p:cNvPr id="5" name="Fußzeilenplatzhalter 4"/>
+          <p:cNvSpPr>
+            <a:spLocks noGrp="1"/>
+          </p:cNvSpPr>
+          <p:nvPr>
+            <p:ph type="ftr" sz="quarter" idx="11"/>
+          </p:nvPr>
+        </p:nvSpPr>
+        <p:spPr/>
+        <p:txBody>
+          <a:bodyPr/>
+          <a:lstStyle/>
+          <a:p>
+            <a:r>
+              <a:rPr lang="en-US" dirty="0" smtClean="0"/>
+              <a:t>Ari Ayvazyan, Adrian Bergler, Java EE Security</a:t>
+            </a:r>
+            <a:endParaRPr lang="en-US" dirty="0"/>
+          </a:p>
+        </p:txBody>
+      </p:sp>
+      <p:sp>
+        <p:nvSpPr>
+          <p:cNvPr id="6" name="Foliennummernplatzhalter 5"/>
+          <p:cNvSpPr>
+            <a:spLocks noGrp="1"/>
+          </p:cNvSpPr>
+          <p:nvPr>
+            <p:ph type="sldNum" sz="quarter" idx="12"/>
+          </p:nvPr>
+        </p:nvSpPr>
+        <p:spPr/>
+        <p:txBody>
+          <a:bodyPr/>
+          <a:lstStyle/>
+          <a:p>
+            <a:fld id="{D57F1E4F-1CFF-5643-939E-02111984F565}" type="slidenum">
+              <a:rPr lang="en-US" smtClean="0"/>
+              <a:t>26</a:t>
+            </a:fld>
+            <a:endParaRPr lang="en-US" dirty="0"/>
+          </a:p>
+        </p:txBody>
+      </p:sp>
+    </p:spTree>
+    <p:extLst>
+      <p:ext uri="{BB962C8B-B14F-4D97-AF65-F5344CB8AC3E}">
+        <p14:creationId xmlns:p14="http://schemas.microsoft.com/office/powerpoint/2010/main" val="1989554945"/>
+      </p:ext>
+    </p:extLst>
+  </p:cSld>
+  <p:clrMapOvr>
+    <a:masterClrMapping/>
+  </p:clrMapOvr>
+  <p:timing>
+    <p:tnLst>
+      <p:par>
+        <p:cTn id="1" dur="indefinite" restart="never" nodeType="tmRoot"/>
+      </p:par>
+    </p:tnLst>
+  </p:timing>
+</p:sld>
+</file>
+
+<file path=ppt/slides/slide27.xml><?xml version="1.0" encoding="utf-8"?>
+<p:sld xmlns:a="http://schemas.openxmlformats.org/drawingml/2006/main" xmlns:r="http://schemas.openxmlformats.org/officeDocument/2006/relationships" xmlns:p="http://schemas.openxmlformats.org/presentationml/2006/main">
+  <p:cSld>
+    <p:spTree>
+      <p:nvGrpSpPr>
+        <p:cNvPr id="1" name=""/>
+        <p:cNvGrpSpPr/>
+        <p:nvPr/>
+      </p:nvGrpSpPr>
+      <p:grpSpPr>
+        <a:xfrm>
+          <a:off x="0" y="0"/>
+          <a:ext cx="0" cy="0"/>
+          <a:chOff x="0" y="0"/>
+          <a:chExt cx="0" cy="0"/>
+        </a:xfrm>
+      </p:grpSpPr>
+      <p:sp>
+        <p:nvSpPr>
+          <p:cNvPr id="2" name="Titel 1"/>
+          <p:cNvSpPr>
+            <a:spLocks noGrp="1"/>
+          </p:cNvSpPr>
+          <p:nvPr>
+            <p:ph type="title"/>
+          </p:nvPr>
+        </p:nvSpPr>
+        <p:spPr/>
+        <p:txBody>
+          <a:bodyPr/>
+          <a:lstStyle/>
+          <a:p>
+            <a:r>
+              <a:rPr lang="en-US" sz="3600" kern="1200" dirty="0" smtClean="0">
+                <a:solidFill>
+                  <a:schemeClr val="tx1">
+                    <a:lumMod val="85000"/>
+                    <a:lumOff val="15000"/>
+                  </a:schemeClr>
+                </a:solidFill>
+                <a:effectLst/>
+                <a:latin typeface="+mj-lt"/>
+                <a:ea typeface="+mj-ea"/>
+                <a:cs typeface="+mj-cs"/>
+              </a:rPr>
+              <a:t>Output escaping</a:t>
+            </a:r>
+            <a:endParaRPr lang="de-AT" dirty="0"/>
+          </a:p>
+        </p:txBody>
+      </p:sp>
+      <p:sp>
+        <p:nvSpPr>
+          <p:cNvPr id="3" name="Inhaltsplatzhalter 2"/>
+          <p:cNvSpPr>
+            <a:spLocks noGrp="1"/>
+          </p:cNvSpPr>
+          <p:nvPr>
+            <p:ph idx="1"/>
+          </p:nvPr>
+        </p:nvSpPr>
+        <p:spPr/>
+        <p:txBody>
+          <a:bodyPr/>
+          <a:lstStyle/>
+          <a:p>
+            <a:r>
+              <a:rPr lang="en-US" dirty="0" smtClean="0"/>
+              <a:t>Escape user input</a:t>
+            </a:r>
+          </a:p>
+          <a:p>
+            <a:pPr lvl="1"/>
+            <a:r>
+              <a:rPr lang="en-US" dirty="0" smtClean="0"/>
+              <a:t>To prevent </a:t>
+            </a:r>
+            <a:r>
+              <a:rPr lang="en-US" dirty="0" smtClean="0"/>
+              <a:t>injections</a:t>
+            </a:r>
+            <a:endParaRPr lang="en-US" dirty="0" smtClean="0"/>
+          </a:p>
+          <a:p>
+            <a:r>
+              <a:rPr lang="en-US" dirty="0" smtClean="0"/>
+              <a:t>Escape the output</a:t>
+            </a:r>
+          </a:p>
+          <a:p>
+            <a:pPr lvl="1"/>
+            <a:r>
+              <a:rPr lang="en-US" dirty="0" smtClean="0"/>
+              <a:t>To add an extra layer of security (for the user</a:t>
+            </a:r>
+            <a:r>
+              <a:rPr lang="en-US" dirty="0" smtClean="0"/>
+              <a:t>)</a:t>
+            </a:r>
+          </a:p>
+          <a:p>
+            <a:r>
+              <a:rPr lang="en-US" dirty="0" smtClean="0"/>
+              <a:t>Do not show Stack traces</a:t>
+            </a:r>
+          </a:p>
+          <a:p>
+            <a:endParaRPr lang="en-US" dirty="0"/>
+          </a:p>
+          <a:p>
+            <a:r>
+              <a:rPr lang="en-US" dirty="0" smtClean="0"/>
+              <a:t>Use a Framework!</a:t>
+            </a:r>
+            <a:endParaRPr lang="en-US" dirty="0"/>
+          </a:p>
+        </p:txBody>
+      </p:sp>
+      <p:sp>
+        <p:nvSpPr>
+          <p:cNvPr id="4" name="Datumsplatzhalter 3"/>
+          <p:cNvSpPr>
+            <a:spLocks noGrp="1"/>
+          </p:cNvSpPr>
+          <p:nvPr>
+            <p:ph type="dt" sz="half" idx="10"/>
+          </p:nvPr>
+        </p:nvSpPr>
+        <p:spPr/>
+        <p:txBody>
+          <a:bodyPr/>
+          <a:lstStyle/>
+          <a:p>
+            <a:fld id="{73F9A2D8-44B8-467F-9223-0D7436D41992}" type="datetime1">
+              <a:rPr lang="de-AT" smtClean="0"/>
+              <a:t>13.02.2015</a:t>
+            </a:fld>
+            <a:endParaRPr lang="en-US" dirty="0"/>
+          </a:p>
+        </p:txBody>
+      </p:sp>
+      <p:sp>
+        <p:nvSpPr>
+          <p:cNvPr id="5" name="Fußzeilenplatzhalter 4"/>
+          <p:cNvSpPr>
+            <a:spLocks noGrp="1"/>
+          </p:cNvSpPr>
+          <p:nvPr>
+            <p:ph type="ftr" sz="quarter" idx="11"/>
+          </p:nvPr>
+        </p:nvSpPr>
+        <p:spPr/>
+        <p:txBody>
+          <a:bodyPr/>
+          <a:lstStyle/>
+          <a:p>
+            <a:r>
+              <a:rPr lang="en-US" dirty="0" smtClean="0"/>
+              <a:t>Ari Ayvazyan, Adrian Bergler, Java EE Security</a:t>
+            </a:r>
+            <a:endParaRPr lang="en-US" dirty="0"/>
+          </a:p>
+        </p:txBody>
+      </p:sp>
+      <p:sp>
+        <p:nvSpPr>
+          <p:cNvPr id="6" name="Foliennummernplatzhalter 5"/>
+          <p:cNvSpPr>
+            <a:spLocks noGrp="1"/>
+          </p:cNvSpPr>
+          <p:nvPr>
+            <p:ph type="sldNum" sz="quarter" idx="12"/>
+          </p:nvPr>
+        </p:nvSpPr>
+        <p:spPr/>
+        <p:txBody>
+          <a:bodyPr/>
+          <a:lstStyle/>
+          <a:p>
+            <a:fld id="{D57F1E4F-1CFF-5643-939E-02111984F565}" type="slidenum">
+              <a:rPr lang="en-US" smtClean="0"/>
+              <a:t>27</a:t>
+            </a:fld>
+            <a:endParaRPr lang="en-US" dirty="0"/>
+          </a:p>
+        </p:txBody>
+      </p:sp>
+    </p:spTree>
+    <p:extLst>
+      <p:ext uri="{BB962C8B-B14F-4D97-AF65-F5344CB8AC3E}">
+        <p14:creationId xmlns:p14="http://schemas.microsoft.com/office/powerpoint/2010/main" val="938604773"/>
+      </p:ext>
+    </p:extLst>
+  </p:cSld>
+  <p:clrMapOvr>
+    <a:masterClrMapping/>
+  </p:clrMapOvr>
+  <p:timing>
+    <p:tnLst>
+      <p:par>
+        <p:cTn id="1" dur="indefinite" restart="never" nodeType="tmRoot"/>
+      </p:par>
+    </p:tnLst>
+  </p:timing>
+</p:sld>
+</file>
+
+<file path=ppt/slides/slide28.xml><?xml version="1.0" encoding="utf-8"?>
+<p:sld xmlns:a="http://schemas.openxmlformats.org/drawingml/2006/main" xmlns:r="http://schemas.openxmlformats.org/officeDocument/2006/relationships" xmlns:p="http://schemas.openxmlformats.org/presentationml/2006/main">
+  <p:cSld>
+    <p:spTree>
+      <p:nvGrpSpPr>
+        <p:cNvPr id="1" name=""/>
+        <p:cNvGrpSpPr/>
+        <p:nvPr/>
+      </p:nvGrpSpPr>
+      <p:grpSpPr>
+        <a:xfrm>
+          <a:off x="0" y="0"/>
+          <a:ext cx="0" cy="0"/>
+          <a:chOff x="0" y="0"/>
+          <a:chExt cx="0" cy="0"/>
+        </a:xfrm>
+      </p:grpSpPr>
+      <p:sp>
+        <p:nvSpPr>
+          <p:cNvPr id="2" name="Titel 1"/>
+          <p:cNvSpPr>
+            <a:spLocks noGrp="1"/>
+          </p:cNvSpPr>
+          <p:nvPr>
+            <p:ph type="title"/>
+          </p:nvPr>
+        </p:nvSpPr>
+        <p:spPr/>
+        <p:txBody>
+          <a:bodyPr>
+            <a:normAutofit/>
+          </a:bodyPr>
+          <a:lstStyle/>
+          <a:p>
+            <a:pPr lvl="0"/>
+            <a:r>
+              <a:rPr lang="en-US" sz="3600" i="0" kern="1200" noProof="0" dirty="0" smtClean="0">
+                <a:solidFill>
+                  <a:schemeClr val="tx1">
+                    <a:lumMod val="85000"/>
+                    <a:lumOff val="15000"/>
+                  </a:schemeClr>
+                </a:solidFill>
+                <a:effectLst/>
+              </a:rPr>
+              <a:t>Sources</a:t>
+            </a:r>
+            <a:endParaRPr lang="en-US" noProof="0" dirty="0"/>
+          </a:p>
+        </p:txBody>
+      </p:sp>
+      <p:sp>
+        <p:nvSpPr>
+          <p:cNvPr id="3" name="Inhaltsplatzhalter 2"/>
+          <p:cNvSpPr>
+            <a:spLocks noGrp="1"/>
+          </p:cNvSpPr>
+          <p:nvPr>
+            <p:ph idx="1"/>
+          </p:nvPr>
+        </p:nvSpPr>
+        <p:spPr/>
+        <p:txBody>
+          <a:bodyPr>
+            <a:normAutofit/>
+          </a:bodyPr>
+          <a:lstStyle/>
+          <a:p>
+            <a:pPr lvl="0"/>
+            <a:r>
+              <a:rPr lang="de-AT" sz="800" b="1" dirty="0" err="1"/>
+              <a:t>JavaOne</a:t>
+            </a:r>
+            <a:r>
+              <a:rPr lang="de-AT" sz="800" b="1" dirty="0"/>
+              <a:t> 2014: </a:t>
+            </a:r>
+            <a:r>
+              <a:rPr lang="de-AT" sz="800" dirty="0"/>
+              <a:t>The </a:t>
+            </a:r>
+            <a:r>
+              <a:rPr lang="de-AT" sz="800" dirty="0" err="1"/>
+              <a:t>Anatomy</a:t>
+            </a:r>
+            <a:r>
+              <a:rPr lang="de-AT" sz="800" dirty="0"/>
+              <a:t> </a:t>
+            </a:r>
+            <a:r>
+              <a:rPr lang="de-AT" sz="800" dirty="0" err="1"/>
+              <a:t>of</a:t>
+            </a:r>
+            <a:r>
+              <a:rPr lang="de-AT" sz="800" dirty="0"/>
+              <a:t> a Secure Web </a:t>
+            </a:r>
+            <a:r>
+              <a:rPr lang="de-AT" sz="800" dirty="0" err="1"/>
+              <a:t>Application</a:t>
+            </a:r>
+            <a:r>
+              <a:rPr lang="de-AT" sz="800" dirty="0"/>
+              <a:t> </a:t>
+            </a:r>
+            <a:r>
+              <a:rPr lang="de-AT" sz="800" dirty="0" err="1"/>
+              <a:t>Using</a:t>
+            </a:r>
+            <a:r>
+              <a:rPr lang="de-AT" sz="800" dirty="0"/>
+              <a:t> Java,</a:t>
+            </a:r>
+            <a:br>
+              <a:rPr lang="de-AT" sz="800" dirty="0"/>
+            </a:br>
+            <a:r>
+              <a:rPr lang="de-AT" sz="800" dirty="0"/>
+              <a:t>Shawn </a:t>
+            </a:r>
+            <a:r>
+              <a:rPr lang="de-AT" sz="800" dirty="0" err="1"/>
+              <a:t>McKinney</a:t>
+            </a:r>
+            <a:r>
+              <a:rPr lang="de-AT" sz="800" dirty="0"/>
+              <a:t> &amp; John Field, September 29, 2014</a:t>
+            </a:r>
+            <a:br>
+              <a:rPr lang="de-AT" sz="800" dirty="0"/>
+            </a:br>
+            <a:r>
+              <a:rPr lang="de-AT" sz="800" dirty="0"/>
+              <a:t>San </a:t>
+            </a:r>
+            <a:r>
+              <a:rPr lang="de-AT" sz="800" dirty="0" smtClean="0"/>
+              <a:t>Francisco</a:t>
+            </a:r>
+            <a:endParaRPr lang="de-AT" sz="800" dirty="0"/>
+          </a:p>
+          <a:p>
+            <a:pPr lvl="0"/>
+            <a:r>
+              <a:rPr lang="de-AT" sz="800" b="1" dirty="0"/>
+              <a:t>Java Security: </a:t>
+            </a:r>
+            <a:r>
+              <a:rPr lang="de-AT" sz="800" dirty="0"/>
+              <a:t>Sicherheitslücken identifizieren und vermeiden,</a:t>
+            </a:r>
+            <a:br>
+              <a:rPr lang="de-AT" sz="800" dirty="0"/>
+            </a:br>
+            <a:r>
+              <a:rPr lang="de-AT" sz="800" dirty="0"/>
+              <a:t>Marc Schönefeld, 1. </a:t>
+            </a:r>
+            <a:r>
+              <a:rPr lang="de-AT" sz="800" dirty="0" err="1"/>
+              <a:t>edition</a:t>
+            </a:r>
+            <a:r>
+              <a:rPr lang="de-AT" sz="800" dirty="0"/>
+              <a:t> 2011</a:t>
+            </a:r>
+            <a:br>
+              <a:rPr lang="de-AT" sz="800" dirty="0"/>
+            </a:br>
+            <a:r>
+              <a:rPr lang="de-AT" sz="800" dirty="0"/>
+              <a:t>Publisher: </a:t>
+            </a:r>
+            <a:r>
+              <a:rPr lang="de-AT" sz="800" dirty="0" err="1"/>
+              <a:t>Hüthig</a:t>
+            </a:r>
+            <a:r>
+              <a:rPr lang="de-AT" sz="800" dirty="0"/>
+              <a:t> </a:t>
+            </a:r>
+            <a:r>
+              <a:rPr lang="de-AT" sz="800" dirty="0" err="1"/>
+              <a:t>Jehle</a:t>
+            </a:r>
+            <a:r>
+              <a:rPr lang="de-AT" sz="800" dirty="0"/>
+              <a:t> Rehm GmbH, Heidelberg.</a:t>
+            </a:r>
+            <a:br>
+              <a:rPr lang="de-AT" sz="800" dirty="0"/>
+            </a:br>
+            <a:r>
+              <a:rPr lang="de-AT" sz="800" dirty="0"/>
+              <a:t>ISBN/ISSN </a:t>
+            </a:r>
+            <a:r>
+              <a:rPr lang="de-AT" sz="800" dirty="0" smtClean="0"/>
+              <a:t>978-3-8266-9105-8</a:t>
+            </a:r>
+            <a:endParaRPr lang="de-AT" sz="800" dirty="0"/>
+          </a:p>
+          <a:p>
+            <a:pPr lvl="0"/>
+            <a:r>
+              <a:rPr lang="de-AT" sz="800" b="1" dirty="0"/>
+              <a:t>Enterprise Java Security:</a:t>
+            </a:r>
+            <a:r>
+              <a:rPr lang="de-AT" sz="800" dirty="0"/>
+              <a:t> Building Secure J2EE </a:t>
+            </a:r>
+            <a:r>
+              <a:rPr lang="de-AT" sz="800" dirty="0" err="1"/>
+              <a:t>Applications</a:t>
+            </a:r>
+            <a:r>
+              <a:rPr lang="de-AT" sz="800" dirty="0"/>
+              <a:t>,</a:t>
+            </a:r>
+            <a:br>
+              <a:rPr lang="de-AT" sz="800" dirty="0"/>
+            </a:br>
+            <a:r>
+              <a:rPr lang="de-AT" sz="800" dirty="0"/>
+              <a:t>Marco </a:t>
+            </a:r>
+            <a:r>
+              <a:rPr lang="de-AT" sz="800" dirty="0" err="1"/>
+              <a:t>Pistoia</a:t>
+            </a:r>
+            <a:r>
+              <a:rPr lang="de-AT" sz="800" dirty="0"/>
+              <a:t>, </a:t>
+            </a:r>
+            <a:r>
+              <a:rPr lang="de-AT" sz="800" dirty="0" err="1"/>
+              <a:t>Natara</a:t>
+            </a:r>
+            <a:r>
+              <a:rPr lang="de-AT" sz="800" dirty="0"/>
+              <a:t> j </a:t>
+            </a:r>
+            <a:r>
+              <a:rPr lang="de-AT" sz="800" dirty="0" err="1"/>
+              <a:t>Nagaratnam</a:t>
+            </a:r>
+            <a:r>
+              <a:rPr lang="de-AT" sz="800" dirty="0"/>
+              <a:t>, Larry </a:t>
+            </a:r>
+            <a:r>
+              <a:rPr lang="de-AT" sz="800" dirty="0" err="1"/>
+              <a:t>Koved</a:t>
+            </a:r>
+            <a:r>
+              <a:rPr lang="de-AT" sz="800" dirty="0"/>
+              <a:t>, Anthony </a:t>
+            </a:r>
+            <a:r>
+              <a:rPr lang="de-AT" sz="800" dirty="0" err="1"/>
+              <a:t>Nadalin</a:t>
+            </a:r>
+            <a:r>
+              <a:rPr lang="de-AT" sz="800" dirty="0"/>
+              <a:t>,</a:t>
+            </a:r>
+            <a:br>
+              <a:rPr lang="de-AT" sz="800" dirty="0"/>
+            </a:br>
+            <a:r>
+              <a:rPr lang="de-AT" sz="800" dirty="0"/>
+              <a:t>1. </a:t>
+            </a:r>
+            <a:r>
+              <a:rPr lang="de-AT" sz="800" dirty="0" err="1"/>
+              <a:t>edition</a:t>
+            </a:r>
+            <a:r>
+              <a:rPr lang="de-AT" sz="800" dirty="0"/>
+              <a:t> 2004</a:t>
+            </a:r>
+            <a:br>
+              <a:rPr lang="de-AT" sz="800" dirty="0"/>
+            </a:br>
+            <a:r>
+              <a:rPr lang="de-AT" sz="800" dirty="0"/>
+              <a:t>Publisher: Addison-Wesley Professional.</a:t>
+            </a:r>
+            <a:br>
+              <a:rPr lang="de-AT" sz="800" dirty="0"/>
+            </a:br>
+            <a:r>
+              <a:rPr lang="de-AT" sz="800" dirty="0"/>
+              <a:t>ISBN/ISSN: I SBN </a:t>
+            </a:r>
+            <a:r>
+              <a:rPr lang="de-AT" sz="800" dirty="0" smtClean="0"/>
+              <a:t>0-321-11889-8</a:t>
+            </a:r>
+            <a:endParaRPr lang="de-AT" sz="800" dirty="0"/>
+          </a:p>
+          <a:p>
+            <a:pPr lvl="0"/>
+            <a:r>
+              <a:rPr lang="de-AT" sz="800" b="1" dirty="0"/>
+              <a:t>Official </a:t>
+            </a:r>
+            <a:r>
+              <a:rPr lang="de-AT" sz="800" b="1" dirty="0" err="1"/>
+              <a:t>JavaEE</a:t>
+            </a:r>
+            <a:r>
+              <a:rPr lang="de-AT" sz="800" b="1" dirty="0"/>
+              <a:t> </a:t>
+            </a:r>
+            <a:r>
+              <a:rPr lang="de-AT" sz="800" b="1" dirty="0" err="1"/>
+              <a:t>Documentation</a:t>
+            </a:r>
+            <a:r>
+              <a:rPr lang="de-AT" sz="800" dirty="0"/>
+              <a:t>, Oracle,</a:t>
+            </a:r>
+            <a:br>
+              <a:rPr lang="de-AT" sz="800" dirty="0"/>
+            </a:br>
+            <a:r>
+              <a:rPr lang="de-AT" sz="800" dirty="0"/>
+              <a:t>29.09.2014 http://do cs.oracle.com/</a:t>
+            </a:r>
+            <a:r>
+              <a:rPr lang="de-AT" sz="800" dirty="0" err="1"/>
+              <a:t>javaee</a:t>
+            </a:r>
+            <a:r>
+              <a:rPr lang="de-AT" sz="800" dirty="0"/>
+              <a:t>/7/</a:t>
+            </a:r>
+            <a:r>
+              <a:rPr lang="de-AT" sz="800" dirty="0" err="1"/>
+              <a:t>tutorial</a:t>
+            </a:r>
+            <a:r>
+              <a:rPr lang="de-AT" sz="800" dirty="0"/>
+              <a:t>/do </a:t>
+            </a:r>
+            <a:r>
+              <a:rPr lang="de-AT" sz="800" dirty="0" smtClean="0"/>
+              <a:t>c/security-intro.htm</a:t>
+            </a:r>
+            <a:endParaRPr lang="de-AT" sz="800" dirty="0"/>
+          </a:p>
+          <a:p>
+            <a:pPr lvl="0"/>
+            <a:r>
+              <a:rPr lang="de-AT" sz="800" b="1" dirty="0"/>
+              <a:t>Java EE 6,</a:t>
+            </a:r>
+            <a:r>
+              <a:rPr lang="de-AT" sz="800" dirty="0"/>
+              <a:t/>
+            </a:r>
+            <a:br>
+              <a:rPr lang="de-AT" sz="800" dirty="0"/>
+            </a:br>
+            <a:r>
+              <a:rPr lang="de-AT" sz="800" dirty="0"/>
+              <a:t>Dirk Weil, 1. </a:t>
+            </a:r>
+            <a:r>
+              <a:rPr lang="de-AT" sz="800" dirty="0" err="1"/>
+              <a:t>edition</a:t>
+            </a:r>
+            <a:r>
+              <a:rPr lang="de-AT" sz="800" dirty="0"/>
+              <a:t> 2012</a:t>
+            </a:r>
+            <a:br>
+              <a:rPr lang="de-AT" sz="800" dirty="0"/>
+            </a:br>
+            <a:r>
+              <a:rPr lang="de-AT" sz="800" dirty="0"/>
+              <a:t>Publisher: </a:t>
+            </a:r>
+            <a:r>
+              <a:rPr lang="de-AT" sz="800" dirty="0" err="1"/>
+              <a:t>entwickler.press</a:t>
+            </a:r>
+            <a:r>
+              <a:rPr lang="de-AT" sz="800" dirty="0"/>
+              <a:t/>
+            </a:r>
+            <a:br>
+              <a:rPr lang="de-AT" sz="800" dirty="0"/>
+            </a:br>
+            <a:r>
+              <a:rPr lang="de-AT" sz="800" dirty="0"/>
+              <a:t>ISBN </a:t>
+            </a:r>
+            <a:r>
+              <a:rPr lang="de-AT" sz="800" dirty="0" smtClean="0"/>
+              <a:t>978-3-86802-077-9</a:t>
+            </a:r>
+            <a:endParaRPr lang="de-AT" sz="800" dirty="0"/>
+          </a:p>
+          <a:p>
+            <a:pPr lvl="0"/>
+            <a:r>
+              <a:rPr lang="de-AT" sz="800" b="1" dirty="0"/>
+              <a:t>Java EE 6 </a:t>
+            </a:r>
+            <a:r>
+              <a:rPr lang="de-AT" sz="800" b="1" dirty="0" err="1"/>
+              <a:t>Cookbook</a:t>
+            </a:r>
+            <a:r>
+              <a:rPr lang="de-AT" sz="800" dirty="0"/>
+              <a:t> </a:t>
+            </a:r>
+            <a:r>
+              <a:rPr lang="de-AT" sz="800" dirty="0" err="1"/>
+              <a:t>for</a:t>
+            </a:r>
+            <a:r>
+              <a:rPr lang="de-AT" sz="800" dirty="0"/>
+              <a:t> </a:t>
+            </a:r>
+            <a:r>
+              <a:rPr lang="de-AT" sz="800" dirty="0" err="1"/>
+              <a:t>Securing</a:t>
+            </a:r>
+            <a:r>
+              <a:rPr lang="de-AT" sz="800" dirty="0"/>
+              <a:t>, Tuning, </a:t>
+            </a:r>
+            <a:r>
+              <a:rPr lang="de-AT" sz="800" dirty="0" err="1"/>
+              <a:t>and</a:t>
+            </a:r>
+            <a:r>
+              <a:rPr lang="de-AT" sz="800" dirty="0"/>
+              <a:t> </a:t>
+            </a:r>
+            <a:r>
+              <a:rPr lang="de-AT" sz="800" dirty="0" err="1"/>
+              <a:t>Extending</a:t>
+            </a:r>
+            <a:r>
+              <a:rPr lang="de-AT" sz="800" dirty="0"/>
+              <a:t> Enterprise </a:t>
+            </a:r>
+            <a:r>
+              <a:rPr lang="de-AT" sz="800" dirty="0" err="1"/>
+              <a:t>Applications</a:t>
+            </a:r>
+            <a:r>
+              <a:rPr lang="de-AT" sz="800" dirty="0"/>
+              <a:t>, </a:t>
+            </a:r>
+            <a:br>
+              <a:rPr lang="de-AT" sz="800" dirty="0"/>
+            </a:br>
+            <a:r>
+              <a:rPr lang="de-AT" sz="800" dirty="0"/>
+              <a:t>Mick </a:t>
+            </a:r>
+            <a:r>
+              <a:rPr lang="de-AT" sz="800" dirty="0" err="1"/>
+              <a:t>Knutson</a:t>
+            </a:r>
+            <a:r>
+              <a:rPr lang="de-AT" sz="800" dirty="0"/>
+              <a:t>, </a:t>
+            </a:r>
+            <a:br>
+              <a:rPr lang="de-AT" sz="800" dirty="0"/>
+            </a:br>
+            <a:r>
+              <a:rPr lang="de-AT" sz="800" dirty="0"/>
+              <a:t>1. </a:t>
+            </a:r>
+            <a:r>
+              <a:rPr lang="de-AT" sz="800" dirty="0" err="1"/>
+              <a:t>edition</a:t>
+            </a:r>
+            <a:r>
+              <a:rPr lang="de-AT" sz="800" dirty="0"/>
+              <a:t> June 2012</a:t>
+            </a:r>
+            <a:br>
+              <a:rPr lang="de-AT" sz="800" dirty="0"/>
+            </a:br>
+            <a:r>
+              <a:rPr lang="de-AT" sz="800" dirty="0"/>
+              <a:t>Publisher: Addison-Wesley Professional.</a:t>
+            </a:r>
+            <a:br>
+              <a:rPr lang="de-AT" sz="800" dirty="0"/>
+            </a:br>
+            <a:r>
+              <a:rPr lang="de-AT" sz="800" dirty="0"/>
+              <a:t>ISBN/ISSN: I SBN </a:t>
+            </a:r>
+            <a:r>
+              <a:rPr lang="de-AT" sz="800" dirty="0" smtClean="0"/>
+              <a:t>9781849683166</a:t>
+            </a:r>
+          </a:p>
+        </p:txBody>
+      </p:sp>
+      <p:sp>
+        <p:nvSpPr>
+          <p:cNvPr id="4" name="Datumsplatzhalter 3"/>
+          <p:cNvSpPr>
+            <a:spLocks noGrp="1"/>
+          </p:cNvSpPr>
+          <p:nvPr>
+            <p:ph type="dt" sz="half" idx="10"/>
+          </p:nvPr>
+        </p:nvSpPr>
+        <p:spPr/>
+        <p:txBody>
+          <a:bodyPr/>
+          <a:lstStyle/>
+          <a:p>
+            <a:fld id="{680BB08F-6D3B-4E3E-8B05-C729AFCB21AF}" type="datetime1">
+              <a:rPr lang="de-AT" smtClean="0"/>
+              <a:t>13.02.2015</a:t>
+            </a:fld>
+            <a:endParaRPr lang="en-US" dirty="0"/>
+          </a:p>
+        </p:txBody>
+      </p:sp>
+      <p:sp>
+        <p:nvSpPr>
+          <p:cNvPr id="5" name="Fußzeilenplatzhalter 4"/>
+          <p:cNvSpPr>
+            <a:spLocks noGrp="1"/>
+          </p:cNvSpPr>
+          <p:nvPr>
+            <p:ph type="ftr" sz="quarter" idx="11"/>
+          </p:nvPr>
+        </p:nvSpPr>
+        <p:spPr/>
+        <p:txBody>
+          <a:bodyPr/>
+          <a:lstStyle/>
+          <a:p>
+            <a:r>
+              <a:rPr lang="en-US" dirty="0" smtClean="0"/>
+              <a:t>Ari Ayvazyan, Adrian Bergler, Java EE Security</a:t>
+            </a:r>
+            <a:endParaRPr lang="en-US" dirty="0"/>
+          </a:p>
+        </p:txBody>
+      </p:sp>
+      <p:sp>
+        <p:nvSpPr>
+          <p:cNvPr id="6" name="Foliennummernplatzhalter 5"/>
+          <p:cNvSpPr>
+            <a:spLocks noGrp="1"/>
+          </p:cNvSpPr>
+          <p:nvPr>
+            <p:ph type="sldNum" sz="quarter" idx="12"/>
+          </p:nvPr>
+        </p:nvSpPr>
+        <p:spPr/>
+        <p:txBody>
+          <a:bodyPr/>
+          <a:lstStyle/>
+          <a:p>
+            <a:fld id="{D57F1E4F-1CFF-5643-939E-02111984F565}" type="slidenum">
+              <a:rPr lang="en-US" smtClean="0"/>
+              <a:t>28</a:t>
+            </a:fld>
+            <a:endParaRPr lang="en-US" dirty="0"/>
+          </a:p>
+        </p:txBody>
+      </p:sp>
+    </p:spTree>
+    <p:extLst>
+      <p:ext uri="{BB962C8B-B14F-4D97-AF65-F5344CB8AC3E}">
+        <p14:creationId xmlns:p14="http://schemas.microsoft.com/office/powerpoint/2010/main" val="801564242"/>
+      </p:ext>
+    </p:extLst>
+  </p:cSld>
+  <p:clrMapOvr>
+    <a:masterClrMapping/>
+  </p:clrMapOvr>
+  <p:timing>
+    <p:tnLst>
+      <p:par>
+        <p:cTn id="1" dur="indefinite" restart="never" nodeType="tmRoot"/>
+      </p:par>
+    </p:tnLst>
+  </p:timing>
+</p:sld>
+</file>
+
+<file path=ppt/slides/slide29.xml><?xml version="1.0" encoding="utf-8"?>
+<p:sld xmlns:a="http://schemas.openxmlformats.org/drawingml/2006/main" xmlns:r="http://schemas.openxmlformats.org/officeDocument/2006/relationships" xmlns:p="http://schemas.openxmlformats.org/presentationml/2006/main">
+  <p:cSld>
+    <p:spTree>
+      <p:nvGrpSpPr>
+        <p:cNvPr id="1" name=""/>
+        <p:cNvGrpSpPr/>
+        <p:nvPr/>
+      </p:nvGrpSpPr>
+      <p:grpSpPr>
+        <a:xfrm>
+          <a:off x="0" y="0"/>
+          <a:ext cx="0" cy="0"/>
+          <a:chOff x="0" y="0"/>
+          <a:chExt cx="0" cy="0"/>
+        </a:xfrm>
+      </p:grpSpPr>
+      <p:sp>
+        <p:nvSpPr>
+          <p:cNvPr id="2" name="Titel 1"/>
+          <p:cNvSpPr>
+            <a:spLocks noGrp="1"/>
+          </p:cNvSpPr>
+          <p:nvPr>
+            <p:ph type="title"/>
+          </p:nvPr>
+        </p:nvSpPr>
+        <p:spPr/>
+        <p:txBody>
+          <a:bodyPr/>
+          <a:lstStyle/>
+          <a:p>
             <a:pPr lvl="0"/>
             <a:r>
               <a:rPr lang="de-AT" dirty="0" err="1" smtClean="0"/>
@@ -16524,7 +17135,7 @@
           <a:p>
             <a:fld id="{D57F1E4F-1CFF-5643-939E-02111984F565}" type="slidenum">
               <a:rPr lang="en-US" smtClean="0"/>
-              <a:t>26</a:t>
+              <a:t>29</a:t>
             </a:fld>
             <a:endParaRPr lang="en-US" dirty="0"/>
           </a:p>
@@ -16630,7 +17241,6 @@
               <a:rPr lang="de-AT" dirty="0" smtClean="0"/>
               <a:t>Availability</a:t>
             </a:r>
-            <a:endParaRPr lang="de-AT" dirty="0" smtClean="0"/>
           </a:p>
           <a:p>
             <a:endParaRPr lang="de-AT" dirty="0"/>
@@ -17113,7 +17723,6 @@
               <a:rPr lang="de-AT" dirty="0" smtClean="0"/>
               <a:t>Being available in general</a:t>
             </a:r>
-            <a:endParaRPr lang="de-AT" dirty="0" smtClean="0"/>
           </a:p>
         </p:txBody>
       </p:sp>
@@ -17607,7 +18216,7 @@
                 <a:ea typeface="+mj-ea"/>
                 <a:cs typeface="+mj-cs"/>
               </a:rPr>
-              <a:t>Authentication &amp; Authorization</a:t>
+              <a:t>Possible Security Implementations</a:t>
             </a:r>
             <a:endParaRPr lang="de-AT" sz="3600" dirty="0" smtClean="0">
               <a:effectLst/>
@@ -17631,56 +18240,86 @@
           <a:lstStyle/>
           <a:p>
             <a:r>
+              <a:rPr lang="en-US" b="1" dirty="0"/>
+              <a:t>Declarative Security </a:t>
+            </a:r>
+            <a:r>
+              <a:rPr lang="en-US" dirty="0"/>
+              <a:t>(this includes </a:t>
+            </a:r>
+            <a:r>
               <a:rPr lang="en-US" b="1" dirty="0" smtClean="0"/>
-              <a:t>Authentication</a:t>
-            </a:r>
+              <a:t>@Annotations </a:t>
+            </a:r>
+            <a:r>
+              <a:rPr lang="en-US" dirty="0"/>
+              <a:t>and </a:t>
+            </a:r>
+            <a:r>
+              <a:rPr lang="en-US" b="1" dirty="0"/>
+              <a:t>XML-Files</a:t>
+            </a:r>
+            <a:r>
+              <a:rPr lang="en-US" dirty="0" smtClean="0"/>
+              <a:t>)</a:t>
+            </a:r>
+            <a:endParaRPr lang="en-US" dirty="0"/>
           </a:p>
           <a:p>
             <a:pPr lvl="1"/>
             <a:r>
-              <a:rPr lang="en-US" i="1" dirty="0"/>
-              <a:t>Who are you?</a:t>
-            </a:r>
-            <a:endParaRPr lang="en-US" i="1" dirty="0" smtClean="0"/>
+              <a:rPr lang="en-US" dirty="0" smtClean="0"/>
+              <a:t>applied by the </a:t>
+            </a:r>
+            <a:r>
+              <a:rPr lang="en-US" b="1" dirty="0" smtClean="0"/>
+              <a:t>container</a:t>
+            </a:r>
+            <a:r>
+              <a:rPr lang="en-US" dirty="0" smtClean="0"/>
+              <a:t> during </a:t>
+            </a:r>
+            <a:r>
+              <a:rPr lang="en-US" b="1" dirty="0" smtClean="0"/>
+              <a:t>deployment</a:t>
+            </a:r>
+            <a:r>
+              <a:rPr lang="en-US" dirty="0"/>
+              <a:t>.</a:t>
+            </a:r>
+          </a:p>
+          <a:p>
+            <a:r>
+              <a:rPr lang="en-US" b="1" dirty="0"/>
+              <a:t>Programmatic </a:t>
+            </a:r>
+            <a:r>
+              <a:rPr lang="en-US" b="1" dirty="0" smtClean="0"/>
+              <a:t>Security</a:t>
+            </a:r>
+            <a:endParaRPr lang="en-US" b="1" dirty="0"/>
           </a:p>
           <a:p>
             <a:pPr lvl="1"/>
             <a:r>
               <a:rPr lang="en-US" dirty="0" smtClean="0"/>
-              <a:t>Identification</a:t>
-            </a:r>
-            <a:endParaRPr lang="en-US" dirty="0"/>
-          </a:p>
-          <a:p>
-            <a:pPr lvl="1"/>
-            <a:endParaRPr lang="en-US" dirty="0" smtClean="0"/>
-          </a:p>
-          <a:p>
+              <a:t>applied by itself </a:t>
+            </a:r>
             <a:r>
               <a:rPr lang="en-US" b="1" dirty="0" smtClean="0"/>
-              <a:t>Authorization</a:t>
-            </a:r>
-          </a:p>
-          <a:p>
-            <a:pPr lvl="1"/>
-            <a:r>
-              <a:rPr lang="en-US" i="1" dirty="0" smtClean="0"/>
-              <a:t>What are you allowed to do?</a:t>
-            </a:r>
-          </a:p>
-          <a:p>
-            <a:pPr lvl="1"/>
+              <a:t>at</a:t>
+            </a:r>
             <a:r>
               <a:rPr lang="en-US" dirty="0" smtClean="0"/>
-              <a:t>Assignment of Permissions to a </a:t>
-            </a:r>
-            <a:r>
-              <a:rPr lang="en-US" b="1" i="1" dirty="0" smtClean="0"/>
-              <a:t>Authenticated</a:t>
-            </a:r>
-            <a:r>
-              <a:rPr lang="en-US" dirty="0" smtClean="0"/>
-              <a:t> User</a:t>
+              <a:t> </a:t>
+            </a:r>
+            <a:r>
+              <a:rPr lang="en-US" b="1" dirty="0"/>
+              <a:t>runtime</a:t>
+            </a:r>
+            <a:r>
+              <a:rPr lang="en-US" dirty="0"/>
+              <a:t>.</a:t>
             </a:r>
             <a:endParaRPr lang="en-US" dirty="0"/>
           </a:p>

--- a/doc/Java EE - Security.pptx
+++ b/doc/Java EE - Security.pptx
@@ -5,7 +5,7 @@
     <p:sldMasterId id="2147483671" r:id="rId1"/>
   </p:sldMasterIdLst>
   <p:notesMasterIdLst>
-    <p:notesMasterId r:id="rId31"/>
+    <p:notesMasterId r:id="rId36"/>
   </p:notesMasterIdLst>
   <p:sldIdLst>
     <p:sldId id="256" r:id="rId2"/>
@@ -27,16 +27,21 @@
     <p:sldId id="275" r:id="rId18"/>
     <p:sldId id="276" r:id="rId19"/>
     <p:sldId id="273" r:id="rId20"/>
-    <p:sldId id="282" r:id="rId21"/>
-    <p:sldId id="283" r:id="rId22"/>
-    <p:sldId id="284" r:id="rId23"/>
-    <p:sldId id="265" r:id="rId24"/>
-    <p:sldId id="287" r:id="rId25"/>
-    <p:sldId id="286" r:id="rId26"/>
-    <p:sldId id="285" r:id="rId27"/>
-    <p:sldId id="266" r:id="rId28"/>
-    <p:sldId id="262" r:id="rId29"/>
-    <p:sldId id="272" r:id="rId30"/>
+    <p:sldId id="289" r:id="rId21"/>
+    <p:sldId id="290" r:id="rId22"/>
+    <p:sldId id="291" r:id="rId23"/>
+    <p:sldId id="292" r:id="rId24"/>
+    <p:sldId id="293" r:id="rId25"/>
+    <p:sldId id="294" r:id="rId26"/>
+    <p:sldId id="283" r:id="rId27"/>
+    <p:sldId id="284" r:id="rId28"/>
+    <p:sldId id="265" r:id="rId29"/>
+    <p:sldId id="287" r:id="rId30"/>
+    <p:sldId id="286" r:id="rId31"/>
+    <p:sldId id="285" r:id="rId32"/>
+    <p:sldId id="266" r:id="rId33"/>
+    <p:sldId id="262" r:id="rId34"/>
+    <p:sldId id="272" r:id="rId35"/>
   </p:sldIdLst>
   <p:sldSz cx="12192000" cy="6858000"/>
   <p:notesSz cx="6858000" cy="9144000"/>
@@ -1477,657 +1482,6 @@
       <dsp:cNvGrpSpPr/>
     </dsp:nvGrpSpPr>
     <dsp:grpSpPr/>
-    <dsp:sp modelId="{28BA9BE9-D4DB-46B0-B146-422E49D9DB44}">
-      <dsp:nvSpPr>
-        <dsp:cNvPr id="0" name=""/>
-        <dsp:cNvSpPr/>
-      </dsp:nvSpPr>
-      <dsp:spPr>
-        <a:xfrm rot="5400000">
-          <a:off x="-158288" y="161326"/>
-          <a:ext cx="1055253" cy="738677"/>
-        </a:xfrm>
-        <a:prstGeom prst="chevron">
-          <a:avLst/>
-        </a:prstGeom>
-        <a:solidFill>
-          <a:schemeClr val="accent1">
-            <a:hueOff val="0"/>
-            <a:satOff val="0"/>
-            <a:lumOff val="0"/>
-            <a:alphaOff val="0"/>
-          </a:schemeClr>
-        </a:solidFill>
-        <a:ln w="15875" cap="rnd" cmpd="sng" algn="ctr">
-          <a:solidFill>
-            <a:schemeClr val="accent1">
-              <a:hueOff val="0"/>
-              <a:satOff val="0"/>
-              <a:lumOff val="0"/>
-              <a:alphaOff val="0"/>
-            </a:schemeClr>
-          </a:solidFill>
-          <a:prstDash val="solid"/>
-        </a:ln>
-        <a:effectLst/>
-      </dsp:spPr>
-      <dsp:style>
-        <a:lnRef idx="2">
-          <a:scrgbClr r="0" g="0" b="0"/>
-        </a:lnRef>
-        <a:fillRef idx="1">
-          <a:scrgbClr r="0" g="0" b="0"/>
-        </a:fillRef>
-        <a:effectRef idx="0">
-          <a:scrgbClr r="0" g="0" b="0"/>
-        </a:effectRef>
-        <a:fontRef idx="minor">
-          <a:schemeClr val="lt1"/>
-        </a:fontRef>
-      </dsp:style>
-      <dsp:txBody>
-        <a:bodyPr spcFirstLastPara="0" vert="horz" wrap="square" lIns="6350" tIns="6350" rIns="6350" bIns="6350" numCol="1" spcCol="1270" anchor="ctr" anchorCtr="0">
-          <a:noAutofit/>
-        </a:bodyPr>
-        <a:lstStyle/>
-        <a:p>
-          <a:pPr lvl="0" algn="ctr" defTabSz="444500">
-            <a:lnSpc>
-              <a:spcPct val="90000"/>
-            </a:lnSpc>
-            <a:spcBef>
-              <a:spcPct val="0"/>
-            </a:spcBef>
-            <a:spcAft>
-              <a:spcPct val="35000"/>
-            </a:spcAft>
-          </a:pPr>
-          <a:r>
-            <a:rPr lang="de-AT" sz="1000" kern="1200" dirty="0" smtClean="0"/>
-            <a:t>Transport </a:t>
-          </a:r>
-          <a:r>
-            <a:rPr lang="de-AT" sz="1000" kern="1200" dirty="0" err="1" smtClean="0"/>
-            <a:t>Layers</a:t>
-          </a:r>
-          <a:endParaRPr lang="de-AT" sz="1000" kern="1200" dirty="0"/>
-        </a:p>
-      </dsp:txBody>
-      <dsp:txXfrm rot="-5400000">
-        <a:off x="1" y="372377"/>
-        <a:ext cx="738677" cy="316576"/>
-      </dsp:txXfrm>
-    </dsp:sp>
-    <dsp:sp modelId="{09D8BA6E-98C0-4C33-88B4-40289551911A}">
-      <dsp:nvSpPr>
-        <dsp:cNvPr id="0" name=""/>
-        <dsp:cNvSpPr/>
-      </dsp:nvSpPr>
-      <dsp:spPr>
-        <a:xfrm rot="5400000">
-          <a:off x="4484081" y="-3742365"/>
-          <a:ext cx="685914" cy="8176722"/>
-        </a:xfrm>
-        <a:prstGeom prst="round2SameRect">
-          <a:avLst/>
-        </a:prstGeom>
-        <a:solidFill>
-          <a:schemeClr val="lt1">
-            <a:alpha val="90000"/>
-            <a:hueOff val="0"/>
-            <a:satOff val="0"/>
-            <a:lumOff val="0"/>
-            <a:alphaOff val="0"/>
-          </a:schemeClr>
-        </a:solidFill>
-        <a:ln w="15875" cap="rnd" cmpd="sng" algn="ctr">
-          <a:solidFill>
-            <a:schemeClr val="accent1">
-              <a:hueOff val="0"/>
-              <a:satOff val="0"/>
-              <a:lumOff val="0"/>
-              <a:alphaOff val="0"/>
-            </a:schemeClr>
-          </a:solidFill>
-          <a:prstDash val="solid"/>
-        </a:ln>
-        <a:effectLst/>
-      </dsp:spPr>
-      <dsp:style>
-        <a:lnRef idx="2">
-          <a:scrgbClr r="0" g="0" b="0"/>
-        </a:lnRef>
-        <a:fillRef idx="1">
-          <a:scrgbClr r="0" g="0" b="0"/>
-        </a:fillRef>
-        <a:effectRef idx="0">
-          <a:scrgbClr r="0" g="0" b="0"/>
-        </a:effectRef>
-        <a:fontRef idx="minor"/>
-      </dsp:style>
-      <dsp:txBody>
-        <a:bodyPr spcFirstLastPara="0" vert="horz" wrap="square" lIns="135128" tIns="12065" rIns="12065" bIns="12065" numCol="1" spcCol="1270" anchor="ctr" anchorCtr="0">
-          <a:noAutofit/>
-        </a:bodyPr>
-        <a:lstStyle/>
-        <a:p>
-          <a:pPr marL="171450" lvl="1" indent="-171450" algn="l" defTabSz="844550">
-            <a:lnSpc>
-              <a:spcPct val="90000"/>
-            </a:lnSpc>
-            <a:spcBef>
-              <a:spcPct val="0"/>
-            </a:spcBef>
-            <a:spcAft>
-              <a:spcPct val="15000"/>
-            </a:spcAft>
-            <a:buChar char="••"/>
-          </a:pPr>
-          <a:r>
-            <a:rPr lang="de-AT" sz="1900" kern="1200" dirty="0" smtClean="0"/>
-            <a:t>Transport Security - VPN</a:t>
-          </a:r>
-          <a:endParaRPr lang="de-AT" sz="1900" kern="1200" dirty="0"/>
-        </a:p>
-      </dsp:txBody>
-      <dsp:txXfrm rot="-5400000">
-        <a:off x="738677" y="36523"/>
-        <a:ext cx="8143238" cy="618946"/>
-      </dsp:txXfrm>
-    </dsp:sp>
-    <dsp:sp modelId="{91524A07-76C5-4C1E-9B86-B94CDCF20971}">
-      <dsp:nvSpPr>
-        <dsp:cNvPr id="0" name=""/>
-        <dsp:cNvSpPr/>
-      </dsp:nvSpPr>
-      <dsp:spPr>
-        <a:xfrm rot="5400000">
-          <a:off x="-158288" y="1066966"/>
-          <a:ext cx="1055253" cy="738677"/>
-        </a:xfrm>
-        <a:prstGeom prst="chevron">
-          <a:avLst/>
-        </a:prstGeom>
-        <a:solidFill>
-          <a:schemeClr val="accent1">
-            <a:hueOff val="0"/>
-            <a:satOff val="0"/>
-            <a:lumOff val="0"/>
-            <a:alphaOff val="0"/>
-          </a:schemeClr>
-        </a:solidFill>
-        <a:ln w="15875" cap="rnd" cmpd="sng" algn="ctr">
-          <a:solidFill>
-            <a:schemeClr val="accent1">
-              <a:hueOff val="0"/>
-              <a:satOff val="0"/>
-              <a:lumOff val="0"/>
-              <a:alphaOff val="0"/>
-            </a:schemeClr>
-          </a:solidFill>
-          <a:prstDash val="solid"/>
-        </a:ln>
-        <a:effectLst/>
-      </dsp:spPr>
-      <dsp:style>
-        <a:lnRef idx="2">
-          <a:scrgbClr r="0" g="0" b="0"/>
-        </a:lnRef>
-        <a:fillRef idx="1">
-          <a:scrgbClr r="0" g="0" b="0"/>
-        </a:fillRef>
-        <a:effectRef idx="0">
-          <a:scrgbClr r="0" g="0" b="0"/>
-        </a:effectRef>
-        <a:fontRef idx="minor">
-          <a:schemeClr val="lt1"/>
-        </a:fontRef>
-      </dsp:style>
-      <dsp:txBody>
-        <a:bodyPr spcFirstLastPara="0" vert="horz" wrap="square" lIns="6350" tIns="6350" rIns="6350" bIns="6350" numCol="1" spcCol="1270" anchor="ctr" anchorCtr="0">
-          <a:noAutofit/>
-        </a:bodyPr>
-        <a:lstStyle/>
-        <a:p>
-          <a:pPr lvl="0" algn="ctr" defTabSz="444500">
-            <a:lnSpc>
-              <a:spcPct val="90000"/>
-            </a:lnSpc>
-            <a:spcBef>
-              <a:spcPct val="0"/>
-            </a:spcBef>
-            <a:spcAft>
-              <a:spcPct val="35000"/>
-            </a:spcAft>
-          </a:pPr>
-          <a:r>
-            <a:rPr lang="de-AT" sz="1000" kern="1200" dirty="0" smtClean="0"/>
-            <a:t>Java EE</a:t>
-          </a:r>
-          <a:endParaRPr lang="de-AT" sz="1000" kern="1200" dirty="0"/>
-        </a:p>
-      </dsp:txBody>
-      <dsp:txXfrm rot="-5400000">
-        <a:off x="1" y="1278017"/>
-        <a:ext cx="738677" cy="316576"/>
-      </dsp:txXfrm>
-    </dsp:sp>
-    <dsp:sp modelId="{A3088ED6-5EF0-4F90-B3E2-9E286FC01DAF}">
-      <dsp:nvSpPr>
-        <dsp:cNvPr id="0" name=""/>
-        <dsp:cNvSpPr/>
-      </dsp:nvSpPr>
-      <dsp:spPr>
-        <a:xfrm rot="5400000">
-          <a:off x="4484081" y="-2836725"/>
-          <a:ext cx="685914" cy="8176722"/>
-        </a:xfrm>
-        <a:prstGeom prst="round2SameRect">
-          <a:avLst/>
-        </a:prstGeom>
-        <a:solidFill>
-          <a:schemeClr val="lt1">
-            <a:alpha val="90000"/>
-            <a:hueOff val="0"/>
-            <a:satOff val="0"/>
-            <a:lumOff val="0"/>
-            <a:alphaOff val="0"/>
-          </a:schemeClr>
-        </a:solidFill>
-        <a:ln w="15875" cap="rnd" cmpd="sng" algn="ctr">
-          <a:solidFill>
-            <a:schemeClr val="accent1">
-              <a:hueOff val="0"/>
-              <a:satOff val="0"/>
-              <a:lumOff val="0"/>
-              <a:alphaOff val="0"/>
-            </a:schemeClr>
-          </a:solidFill>
-          <a:prstDash val="solid"/>
-        </a:ln>
-        <a:effectLst/>
-      </dsp:spPr>
-      <dsp:style>
-        <a:lnRef idx="2">
-          <a:scrgbClr r="0" g="0" b="0"/>
-        </a:lnRef>
-        <a:fillRef idx="1">
-          <a:scrgbClr r="0" g="0" b="0"/>
-        </a:fillRef>
-        <a:effectRef idx="0">
-          <a:scrgbClr r="0" g="0" b="0"/>
-        </a:effectRef>
-        <a:fontRef idx="minor"/>
-      </dsp:style>
-      <dsp:txBody>
-        <a:bodyPr spcFirstLastPara="0" vert="horz" wrap="square" lIns="135128" tIns="12065" rIns="12065" bIns="12065" numCol="1" spcCol="1270" anchor="ctr" anchorCtr="0">
-          <a:noAutofit/>
-        </a:bodyPr>
-        <a:lstStyle/>
-        <a:p>
-          <a:pPr marL="171450" lvl="1" indent="-171450" algn="l" defTabSz="844550">
-            <a:lnSpc>
-              <a:spcPct val="90000"/>
-            </a:lnSpc>
-            <a:spcBef>
-              <a:spcPct val="0"/>
-            </a:spcBef>
-            <a:spcAft>
-              <a:spcPct val="15000"/>
-            </a:spcAft>
-            <a:buChar char="••"/>
-          </a:pPr>
-          <a:r>
-            <a:rPr lang="de-AT" sz="1900" kern="1200" dirty="0" smtClean="0"/>
-            <a:t>Users, Logins, </a:t>
-          </a:r>
-          <a:r>
-            <a:rPr lang="de-AT" sz="1900" kern="1200" dirty="0" err="1" smtClean="0"/>
-            <a:t>Permissions</a:t>
-          </a:r>
-          <a:endParaRPr lang="de-AT" sz="1900" kern="1200" dirty="0"/>
-        </a:p>
-        <a:p>
-          <a:pPr marL="171450" lvl="1" indent="-171450" algn="l" defTabSz="844550">
-            <a:lnSpc>
-              <a:spcPct val="90000"/>
-            </a:lnSpc>
-            <a:spcBef>
-              <a:spcPct val="0"/>
-            </a:spcBef>
-            <a:spcAft>
-              <a:spcPct val="15000"/>
-            </a:spcAft>
-            <a:buChar char="••"/>
-          </a:pPr>
-          <a:r>
-            <a:rPr lang="de-AT" sz="1900" kern="1200" dirty="0" smtClean="0"/>
-            <a:t>Https</a:t>
-          </a:r>
-          <a:endParaRPr lang="de-AT" sz="1900" kern="1200" dirty="0"/>
-        </a:p>
-      </dsp:txBody>
-      <dsp:txXfrm rot="-5400000">
-        <a:off x="738677" y="942163"/>
-        <a:ext cx="8143238" cy="618946"/>
-      </dsp:txXfrm>
-    </dsp:sp>
-    <dsp:sp modelId="{8BCCC03A-B0D6-4765-A2F7-8902AD0C945F}">
-      <dsp:nvSpPr>
-        <dsp:cNvPr id="0" name=""/>
-        <dsp:cNvSpPr/>
-      </dsp:nvSpPr>
-      <dsp:spPr>
-        <a:xfrm rot="5400000">
-          <a:off x="-158288" y="1972606"/>
-          <a:ext cx="1055253" cy="738677"/>
-        </a:xfrm>
-        <a:prstGeom prst="chevron">
-          <a:avLst/>
-        </a:prstGeom>
-        <a:solidFill>
-          <a:schemeClr val="accent1">
-            <a:hueOff val="0"/>
-            <a:satOff val="0"/>
-            <a:lumOff val="0"/>
-            <a:alphaOff val="0"/>
-          </a:schemeClr>
-        </a:solidFill>
-        <a:ln w="15875" cap="rnd" cmpd="sng" algn="ctr">
-          <a:solidFill>
-            <a:schemeClr val="accent1">
-              <a:hueOff val="0"/>
-              <a:satOff val="0"/>
-              <a:lumOff val="0"/>
-              <a:alphaOff val="0"/>
-            </a:schemeClr>
-          </a:solidFill>
-          <a:prstDash val="solid"/>
-        </a:ln>
-        <a:effectLst/>
-      </dsp:spPr>
-      <dsp:style>
-        <a:lnRef idx="2">
-          <a:scrgbClr r="0" g="0" b="0"/>
-        </a:lnRef>
-        <a:fillRef idx="1">
-          <a:scrgbClr r="0" g="0" b="0"/>
-        </a:fillRef>
-        <a:effectRef idx="0">
-          <a:scrgbClr r="0" g="0" b="0"/>
-        </a:effectRef>
-        <a:fontRef idx="minor">
-          <a:schemeClr val="lt1"/>
-        </a:fontRef>
-      </dsp:style>
-      <dsp:txBody>
-        <a:bodyPr spcFirstLastPara="0" vert="horz" wrap="square" lIns="6350" tIns="6350" rIns="6350" bIns="6350" numCol="1" spcCol="1270" anchor="ctr" anchorCtr="0">
-          <a:noAutofit/>
-        </a:bodyPr>
-        <a:lstStyle/>
-        <a:p>
-          <a:pPr lvl="0" algn="ctr" defTabSz="444500">
-            <a:lnSpc>
-              <a:spcPct val="90000"/>
-            </a:lnSpc>
-            <a:spcBef>
-              <a:spcPct val="0"/>
-            </a:spcBef>
-            <a:spcAft>
-              <a:spcPct val="35000"/>
-            </a:spcAft>
-          </a:pPr>
-          <a:r>
-            <a:rPr lang="de-AT" sz="1000" kern="1200" dirty="0" smtClean="0"/>
-            <a:t>SQL</a:t>
-          </a:r>
-          <a:endParaRPr lang="de-AT" sz="1000" kern="1200" dirty="0"/>
-        </a:p>
-      </dsp:txBody>
-      <dsp:txXfrm rot="-5400000">
-        <a:off x="1" y="2183657"/>
-        <a:ext cx="738677" cy="316576"/>
-      </dsp:txXfrm>
-    </dsp:sp>
-    <dsp:sp modelId="{58F3B35C-52D3-4A88-B711-B1514621889C}">
-      <dsp:nvSpPr>
-        <dsp:cNvPr id="0" name=""/>
-        <dsp:cNvSpPr/>
-      </dsp:nvSpPr>
-      <dsp:spPr>
-        <a:xfrm rot="5400000">
-          <a:off x="4484081" y="-1931085"/>
-          <a:ext cx="685914" cy="8176722"/>
-        </a:xfrm>
-        <a:prstGeom prst="round2SameRect">
-          <a:avLst/>
-        </a:prstGeom>
-        <a:solidFill>
-          <a:schemeClr val="lt1">
-            <a:alpha val="90000"/>
-            <a:hueOff val="0"/>
-            <a:satOff val="0"/>
-            <a:lumOff val="0"/>
-            <a:alphaOff val="0"/>
-          </a:schemeClr>
-        </a:solidFill>
-        <a:ln w="15875" cap="rnd" cmpd="sng" algn="ctr">
-          <a:solidFill>
-            <a:schemeClr val="accent1">
-              <a:hueOff val="0"/>
-              <a:satOff val="0"/>
-              <a:lumOff val="0"/>
-              <a:alphaOff val="0"/>
-            </a:schemeClr>
-          </a:solidFill>
-          <a:prstDash val="solid"/>
-        </a:ln>
-        <a:effectLst/>
-      </dsp:spPr>
-      <dsp:style>
-        <a:lnRef idx="2">
-          <a:scrgbClr r="0" g="0" b="0"/>
-        </a:lnRef>
-        <a:fillRef idx="1">
-          <a:scrgbClr r="0" g="0" b="0"/>
-        </a:fillRef>
-        <a:effectRef idx="0">
-          <a:scrgbClr r="0" g="0" b="0"/>
-        </a:effectRef>
-        <a:fontRef idx="minor"/>
-      </dsp:style>
-      <dsp:txBody>
-        <a:bodyPr spcFirstLastPara="0" vert="horz" wrap="square" lIns="135128" tIns="12065" rIns="12065" bIns="12065" numCol="1" spcCol="1270" anchor="ctr" anchorCtr="0">
-          <a:noAutofit/>
-        </a:bodyPr>
-        <a:lstStyle/>
-        <a:p>
-          <a:pPr marL="171450" lvl="1" indent="-171450" algn="l" defTabSz="844550">
-            <a:lnSpc>
-              <a:spcPct val="90000"/>
-            </a:lnSpc>
-            <a:spcBef>
-              <a:spcPct val="0"/>
-            </a:spcBef>
-            <a:spcAft>
-              <a:spcPct val="15000"/>
-            </a:spcAft>
-            <a:buChar char="••"/>
-          </a:pPr>
-          <a:r>
-            <a:rPr lang="de-AT" sz="1900" kern="1200" dirty="0" smtClean="0"/>
-            <a:t>SQL Users &amp; </a:t>
-          </a:r>
-          <a:r>
-            <a:rPr lang="de-AT" sz="1900" kern="1200" dirty="0" err="1" smtClean="0"/>
-            <a:t>Permissions</a:t>
-          </a:r>
-          <a:endParaRPr lang="de-AT" sz="1900" kern="1200" dirty="0"/>
-        </a:p>
-      </dsp:txBody>
-      <dsp:txXfrm rot="-5400000">
-        <a:off x="738677" y="1847803"/>
-        <a:ext cx="8143238" cy="618946"/>
-      </dsp:txXfrm>
-    </dsp:sp>
-    <dsp:sp modelId="{F2561750-5C0E-43DF-BF7B-420C5B526526}">
-      <dsp:nvSpPr>
-        <dsp:cNvPr id="0" name=""/>
-        <dsp:cNvSpPr/>
-      </dsp:nvSpPr>
-      <dsp:spPr>
-        <a:xfrm rot="5400000">
-          <a:off x="-158288" y="2878245"/>
-          <a:ext cx="1055253" cy="738677"/>
-        </a:xfrm>
-        <a:prstGeom prst="chevron">
-          <a:avLst/>
-        </a:prstGeom>
-        <a:solidFill>
-          <a:schemeClr val="accent1">
-            <a:hueOff val="0"/>
-            <a:satOff val="0"/>
-            <a:lumOff val="0"/>
-            <a:alphaOff val="0"/>
-          </a:schemeClr>
-        </a:solidFill>
-        <a:ln w="15875" cap="rnd" cmpd="sng" algn="ctr">
-          <a:solidFill>
-            <a:schemeClr val="accent1">
-              <a:hueOff val="0"/>
-              <a:satOff val="0"/>
-              <a:lumOff val="0"/>
-              <a:alphaOff val="0"/>
-            </a:schemeClr>
-          </a:solidFill>
-          <a:prstDash val="solid"/>
-        </a:ln>
-        <a:effectLst/>
-      </dsp:spPr>
-      <dsp:style>
-        <a:lnRef idx="2">
-          <a:scrgbClr r="0" g="0" b="0"/>
-        </a:lnRef>
-        <a:fillRef idx="1">
-          <a:scrgbClr r="0" g="0" b="0"/>
-        </a:fillRef>
-        <a:effectRef idx="0">
-          <a:scrgbClr r="0" g="0" b="0"/>
-        </a:effectRef>
-        <a:fontRef idx="minor">
-          <a:schemeClr val="lt1"/>
-        </a:fontRef>
-      </dsp:style>
-      <dsp:txBody>
-        <a:bodyPr spcFirstLastPara="0" vert="horz" wrap="square" lIns="6350" tIns="6350" rIns="6350" bIns="6350" numCol="1" spcCol="1270" anchor="ctr" anchorCtr="0">
-          <a:noAutofit/>
-        </a:bodyPr>
-        <a:lstStyle/>
-        <a:p>
-          <a:pPr lvl="0" algn="ctr" defTabSz="444500">
-            <a:lnSpc>
-              <a:spcPct val="90000"/>
-            </a:lnSpc>
-            <a:spcBef>
-              <a:spcPct val="0"/>
-            </a:spcBef>
-            <a:spcAft>
-              <a:spcPct val="35000"/>
-            </a:spcAft>
-          </a:pPr>
-          <a:r>
-            <a:rPr lang="de-AT" sz="1000" kern="1200" dirty="0" smtClean="0"/>
-            <a:t>Java EE</a:t>
-          </a:r>
-          <a:endParaRPr lang="de-AT" sz="1000" kern="1200" dirty="0"/>
-        </a:p>
-      </dsp:txBody>
-      <dsp:txXfrm rot="-5400000">
-        <a:off x="1" y="3089296"/>
-        <a:ext cx="738677" cy="316576"/>
-      </dsp:txXfrm>
-    </dsp:sp>
-    <dsp:sp modelId="{BAE2DE17-FA3B-420B-9009-BA87213D019E}">
-      <dsp:nvSpPr>
-        <dsp:cNvPr id="0" name=""/>
-        <dsp:cNvSpPr/>
-      </dsp:nvSpPr>
-      <dsp:spPr>
-        <a:xfrm rot="5400000">
-          <a:off x="4484081" y="-1025446"/>
-          <a:ext cx="685914" cy="8176722"/>
-        </a:xfrm>
-        <a:prstGeom prst="round2SameRect">
-          <a:avLst/>
-        </a:prstGeom>
-        <a:solidFill>
-          <a:schemeClr val="lt1">
-            <a:alpha val="90000"/>
-            <a:hueOff val="0"/>
-            <a:satOff val="0"/>
-            <a:lumOff val="0"/>
-            <a:alphaOff val="0"/>
-          </a:schemeClr>
-        </a:solidFill>
-        <a:ln w="15875" cap="rnd" cmpd="sng" algn="ctr">
-          <a:solidFill>
-            <a:schemeClr val="accent1">
-              <a:hueOff val="0"/>
-              <a:satOff val="0"/>
-              <a:lumOff val="0"/>
-              <a:alphaOff val="0"/>
-            </a:schemeClr>
-          </a:solidFill>
-          <a:prstDash val="solid"/>
-        </a:ln>
-        <a:effectLst/>
-      </dsp:spPr>
-      <dsp:style>
-        <a:lnRef idx="2">
-          <a:scrgbClr r="0" g="0" b="0"/>
-        </a:lnRef>
-        <a:fillRef idx="1">
-          <a:scrgbClr r="0" g="0" b="0"/>
-        </a:fillRef>
-        <a:effectRef idx="0">
-          <a:scrgbClr r="0" g="0" b="0"/>
-        </a:effectRef>
-        <a:fontRef idx="minor"/>
-      </dsp:style>
-      <dsp:txBody>
-        <a:bodyPr spcFirstLastPara="0" vert="horz" wrap="square" lIns="135128" tIns="12065" rIns="12065" bIns="12065" numCol="1" spcCol="1270" anchor="ctr" anchorCtr="0">
-          <a:noAutofit/>
-        </a:bodyPr>
-        <a:lstStyle/>
-        <a:p>
-          <a:pPr marL="171450" lvl="1" indent="-171450" algn="l" defTabSz="844550">
-            <a:lnSpc>
-              <a:spcPct val="90000"/>
-            </a:lnSpc>
-            <a:spcBef>
-              <a:spcPct val="0"/>
-            </a:spcBef>
-            <a:spcAft>
-              <a:spcPct val="15000"/>
-            </a:spcAft>
-            <a:buChar char="••"/>
-          </a:pPr>
-          <a:r>
-            <a:rPr lang="de-AT" sz="1900" kern="1200" dirty="0" smtClean="0"/>
-            <a:t>Output </a:t>
-          </a:r>
-          <a:r>
-            <a:rPr lang="de-AT" sz="1900" kern="1200" dirty="0" err="1" smtClean="0"/>
-            <a:t>Escaping</a:t>
-          </a:r>
-          <a:endParaRPr lang="de-AT" sz="1900" kern="1200" dirty="0"/>
-        </a:p>
-      </dsp:txBody>
-      <dsp:txXfrm rot="-5400000">
-        <a:off x="738677" y="2753442"/>
-        <a:ext cx="8143238" cy="618946"/>
-      </dsp:txXfrm>
-    </dsp:sp>
   </dsp:spTree>
 </dsp:drawing>
 </file>
@@ -3663,7 +3017,7 @@
           <a:p>
             <a:fld id="{560D6F24-109C-42D3-BF90-9BF72925201E}" type="slidenum">
               <a:rPr lang="de-AT" smtClean="0"/>
-              <a:t>‹Nr.›</a:t>
+              <a:t>‹#›</a:t>
             </a:fld>
             <a:endParaRPr lang="de-AT"/>
           </a:p>
@@ -4089,7 +3443,7 @@
           <a:p>
             <a:fld id="{560D6F24-109C-42D3-BF90-9BF72925201E}" type="slidenum">
               <a:rPr lang="de-AT" smtClean="0"/>
-              <a:t>28</a:t>
+              <a:t>33</a:t>
             </a:fld>
             <a:endParaRPr lang="de-AT"/>
           </a:p>
@@ -4437,7 +3791,7 @@
           <a:p>
             <a:fld id="{D57F1E4F-1CFF-5643-939E-02111984F565}" type="slidenum">
               <a:rPr lang="en-US" smtClean="0"/>
-              <a:t>‹Nr.›</a:t>
+              <a:t>‹#›</a:t>
             </a:fld>
             <a:endParaRPr lang="en-US" dirty="0"/>
           </a:p>
@@ -4786,7 +4140,7 @@
           <a:p>
             <a:fld id="{D57F1E4F-1CFF-5643-939E-02111984F565}" type="slidenum">
               <a:rPr lang="en-US" smtClean="0"/>
-              <a:t>‹Nr.›</a:t>
+              <a:t>‹#›</a:t>
             </a:fld>
             <a:endParaRPr lang="en-US" dirty="0"/>
           </a:p>
@@ -5191,7 +4545,7 @@
           <a:p>
             <a:fld id="{D57F1E4F-1CFF-5643-939E-02111984F565}" type="slidenum">
               <a:rPr lang="en-US" smtClean="0"/>
-              <a:t>‹Nr.›</a:t>
+              <a:t>‹#›</a:t>
             </a:fld>
             <a:endParaRPr lang="en-US" dirty="0"/>
           </a:p>
@@ -5531,7 +4885,7 @@
           <a:p>
             <a:fld id="{D57F1E4F-1CFF-5643-939E-02111984F565}" type="slidenum">
               <a:rPr lang="en-US" smtClean="0"/>
-              <a:t>‹Nr.›</a:t>
+              <a:t>‹#›</a:t>
             </a:fld>
             <a:endParaRPr lang="en-US" dirty="0"/>
           </a:p>
@@ -5855,7 +5209,7 @@
           <a:p>
             <a:fld id="{D57F1E4F-1CFF-5643-939E-02111984F565}" type="slidenum">
               <a:rPr lang="en-US" smtClean="0"/>
-              <a:t>‹Nr.›</a:t>
+              <a:t>‹#›</a:t>
             </a:fld>
             <a:endParaRPr lang="en-US" dirty="0"/>
           </a:p>
@@ -6255,7 +5609,7 @@
           <a:p>
             <a:fld id="{D57F1E4F-1CFF-5643-939E-02111984F565}" type="slidenum">
               <a:rPr lang="en-US" smtClean="0"/>
-              <a:t>‹Nr.›</a:t>
+              <a:t>‹#›</a:t>
             </a:fld>
             <a:endParaRPr lang="en-US" dirty="0"/>
           </a:p>
@@ -6511,7 +5865,7 @@
           <a:p>
             <a:fld id="{D57F1E4F-1CFF-5643-939E-02111984F565}" type="slidenum">
               <a:rPr lang="en-US" smtClean="0"/>
-              <a:t>‹Nr.›</a:t>
+              <a:t>‹#›</a:t>
             </a:fld>
             <a:endParaRPr lang="en-US" dirty="0"/>
           </a:p>
@@ -6777,7 +6131,7 @@
           <a:p>
             <a:fld id="{D57F1E4F-1CFF-5643-939E-02111984F565}" type="slidenum">
               <a:rPr lang="en-US" smtClean="0"/>
-              <a:t>‹Nr.›</a:t>
+              <a:t>‹#›</a:t>
             </a:fld>
             <a:endParaRPr lang="en-US" dirty="0"/>
           </a:p>
@@ -7069,7 +6423,7 @@
           <a:p>
             <a:fld id="{D57F1E4F-1CFF-5643-939E-02111984F565}" type="slidenum">
               <a:rPr lang="en-US" smtClean="0"/>
-              <a:t>‹Nr.›</a:t>
+              <a:t>‹#›</a:t>
             </a:fld>
             <a:endParaRPr lang="en-US" dirty="0"/>
           </a:p>
@@ -7422,7 +6776,7 @@
           <a:p>
             <a:fld id="{D57F1E4F-1CFF-5643-939E-02111984F565}" type="slidenum">
               <a:rPr lang="en-US" smtClean="0"/>
-              <a:t>‹Nr.›</a:t>
+              <a:t>‹#›</a:t>
             </a:fld>
             <a:endParaRPr lang="en-US" dirty="0"/>
           </a:p>
@@ -7764,7 +7118,7 @@
           <a:p>
             <a:fld id="{D57F1E4F-1CFF-5643-939E-02111984F565}" type="slidenum">
               <a:rPr lang="en-US" smtClean="0"/>
-              <a:t>‹Nr.›</a:t>
+              <a:t>‹#›</a:t>
             </a:fld>
             <a:endParaRPr lang="en-US" dirty="0"/>
           </a:p>
@@ -8240,7 +7594,7 @@
           <a:p>
             <a:fld id="{D57F1E4F-1CFF-5643-939E-02111984F565}" type="slidenum">
               <a:rPr lang="en-US" smtClean="0"/>
-              <a:t>‹Nr.›</a:t>
+              <a:t>‹#›</a:t>
             </a:fld>
             <a:endParaRPr lang="en-US" dirty="0"/>
           </a:p>
@@ -8459,7 +7813,7 @@
           <a:p>
             <a:fld id="{D57F1E4F-1CFF-5643-939E-02111984F565}" type="slidenum">
               <a:rPr lang="en-US" smtClean="0"/>
-              <a:t>‹Nr.›</a:t>
+              <a:t>‹#›</a:t>
             </a:fld>
             <a:endParaRPr lang="en-US" dirty="0"/>
           </a:p>
@@ -8651,7 +8005,7 @@
           <a:p>
             <a:fld id="{D57F1E4F-1CFF-5643-939E-02111984F565}" type="slidenum">
               <a:rPr lang="en-US" smtClean="0"/>
-              <a:t>‹Nr.›</a:t>
+              <a:t>‹#›</a:t>
             </a:fld>
             <a:endParaRPr lang="en-US" dirty="0"/>
           </a:p>
@@ -8995,7 +8349,7 @@
           <a:p>
             <a:fld id="{D57F1E4F-1CFF-5643-939E-02111984F565}" type="slidenum">
               <a:rPr lang="en-US" smtClean="0"/>
-              <a:t>‹Nr.›</a:t>
+              <a:t>‹#›</a:t>
             </a:fld>
             <a:endParaRPr lang="en-US" dirty="0"/>
           </a:p>
@@ -9349,7 +8703,7 @@
           <a:p>
             <a:fld id="{D57F1E4F-1CFF-5643-939E-02111984F565}" type="slidenum">
               <a:rPr lang="en-US" smtClean="0"/>
-              <a:t>‹Nr.›</a:t>
+              <a:t>‹#›</a:t>
             </a:fld>
             <a:endParaRPr lang="en-US" dirty="0"/>
           </a:p>
@@ -11417,7 +10771,7 @@
           <a:p>
             <a:fld id="{D57F1E4F-1CFF-5643-939E-02111984F565}" type="slidenum">
               <a:rPr lang="en-US" smtClean="0"/>
-              <a:t>‹Nr.›</a:t>
+              <a:t>‹#›</a:t>
             </a:fld>
             <a:endParaRPr lang="en-US" dirty="0"/>
           </a:p>
@@ -12673,15 +12027,7 @@
             </a:br>
             <a:r>
               <a:rPr lang="en-US" b="1" dirty="0" smtClean="0"/>
-              <a:t>(</a:t>
-            </a:r>
-            <a:r>
-              <a:rPr lang="en-US" b="1" dirty="0" smtClean="0"/>
-              <a:t>vendor-specific</a:t>
-            </a:r>
-            <a:r>
-              <a:rPr lang="en-US" b="1" dirty="0" smtClean="0"/>
-              <a:t>).xml</a:t>
+              <a:t>(vendor-specific).xml</a:t>
             </a:r>
             <a:endParaRPr lang="de-AT" dirty="0"/>
           </a:p>
@@ -12720,11 +12066,7 @@
           <a:p>
             <a:r>
               <a:rPr lang="en-US" dirty="0" smtClean="0"/>
-              <a:t>Vendor specific </a:t>
-            </a:r>
-            <a:r>
-              <a:rPr lang="en-US" dirty="0" smtClean="0"/>
-              <a:t>settings of a </a:t>
+              <a:t>Vendor specific settings of a </a:t>
             </a:r>
             <a:r>
               <a:rPr lang="en-US" b="1" dirty="0" smtClean="0"/>
@@ -14930,7 +14272,7 @@
           <a:p>
             <a:r>
               <a:rPr lang="de-AT" dirty="0" smtClean="0"/>
-              <a:t>EJB Slides</a:t>
+              <a:t>Enterprise Java Beans</a:t>
             </a:r>
             <a:endParaRPr lang="de-AT" dirty="0"/>
           </a:p>
@@ -14951,7 +14293,44 @@
           <a:bodyPr/>
           <a:lstStyle/>
           <a:p>
-            <a:endParaRPr lang="de-AT"/>
+            <a:r>
+              <a:rPr lang="de-AT" dirty="0" smtClean="0"/>
+              <a:t>Role-based authentication</a:t>
+            </a:r>
+          </a:p>
+          <a:p>
+            <a:endParaRPr lang="de-AT" dirty="0"/>
+          </a:p>
+          <a:p>
+            <a:r>
+              <a:rPr lang="de-AT" dirty="0" smtClean="0"/>
+              <a:t>Limit access to certain roles</a:t>
+            </a:r>
+          </a:p>
+          <a:p>
+            <a:pPr lvl="1"/>
+            <a:r>
+              <a:rPr lang="de-AT" dirty="0" smtClean="0"/>
+              <a:t>Beans (whole class)</a:t>
+            </a:r>
+          </a:p>
+          <a:p>
+            <a:pPr lvl="1"/>
+            <a:r>
+              <a:rPr lang="de-AT" dirty="0" smtClean="0"/>
+              <a:t>Methods independent of their signature</a:t>
+            </a:r>
+          </a:p>
+          <a:p>
+            <a:pPr lvl="1"/>
+            <a:r>
+              <a:rPr lang="de-AT" dirty="0" smtClean="0"/>
+              <a:t>Methods with definition of their signature</a:t>
+            </a:r>
+          </a:p>
+          <a:p>
+            <a:pPr lvl="1"/>
+            <a:endParaRPr lang="de-AT" dirty="0"/>
           </a:p>
         </p:txBody>
       </p:sp>
@@ -15027,7 +14406,7 @@
     </p:spTree>
     <p:extLst>
       <p:ext uri="{BB962C8B-B14F-4D97-AF65-F5344CB8AC3E}">
-        <p14:creationId xmlns:p14="http://schemas.microsoft.com/office/powerpoint/2010/main" val="1996932945"/>
+        <p14:creationId xmlns:p14="http://schemas.microsoft.com/office/powerpoint/2010/main" val="2704210129"/>
       </p:ext>
     </p:extLst>
   </p:cSld>
@@ -15078,7 +14457,7 @@
           <a:p>
             <a:r>
               <a:rPr lang="de-AT" dirty="0" smtClean="0"/>
-              <a:t>Application Client Slides</a:t>
+              <a:t>Enterprise Java Beans</a:t>
             </a:r>
             <a:endParaRPr lang="de-AT" dirty="0"/>
           </a:p>
@@ -15099,7 +14478,46 @@
           <a:bodyPr/>
           <a:lstStyle/>
           <a:p>
-            <a:endParaRPr lang="de-AT"/>
+            <a:r>
+              <a:rPr lang="de-AT" dirty="0" smtClean="0"/>
+              <a:t>Declarative</a:t>
+            </a:r>
+          </a:p>
+          <a:p>
+            <a:pPr lvl="1"/>
+            <a:r>
+              <a:rPr lang="de-AT" dirty="0" smtClean="0"/>
+              <a:t>Through deployment descriptor</a:t>
+            </a:r>
+          </a:p>
+          <a:p>
+            <a:endParaRPr lang="de-AT" dirty="0" smtClean="0"/>
+          </a:p>
+          <a:p>
+            <a:r>
+              <a:rPr lang="de-AT" dirty="0" smtClean="0"/>
+              <a:t>Annotations</a:t>
+            </a:r>
+          </a:p>
+          <a:p>
+            <a:endParaRPr lang="de-AT" dirty="0"/>
+          </a:p>
+          <a:p>
+            <a:r>
+              <a:rPr lang="de-AT" dirty="0" smtClean="0"/>
+              <a:t>Programmatic</a:t>
+            </a:r>
+          </a:p>
+          <a:p>
+            <a:pPr lvl="1"/>
+            <a:r>
+              <a:rPr lang="de-AT" dirty="0" smtClean="0"/>
+              <a:t>Directly in source code</a:t>
+            </a:r>
+            <a:endParaRPr lang="de-AT" dirty="0"/>
+          </a:p>
+          <a:p>
+            <a:endParaRPr lang="de-AT" dirty="0"/>
           </a:p>
         </p:txBody>
       </p:sp>
@@ -15118,7 +14536,7 @@
           <a:bodyPr/>
           <a:lstStyle/>
           <a:p>
-            <a:fld id="{B513651D-7A83-4608-A243-C4C141292260}" type="datetime1">
+            <a:fld id="{10403D0F-9BDF-4066-974A-D0959D480D21}" type="datetime1">
               <a:rPr lang="de-AT" smtClean="0"/>
               <a:t>13.02.2015</a:t>
             </a:fld>
@@ -15142,7 +14560,7 @@
           <a:lstStyle/>
           <a:p>
             <a:r>
-              <a:rPr lang="en-US" dirty="0" smtClean="0"/>
+              <a:rPr lang="en-US" smtClean="0"/>
               <a:t>Ari Ayvazyan, Adrian Bergler, Java EE Security</a:t>
             </a:r>
             <a:endParaRPr lang="en-US" dirty="0"/>
@@ -15175,7 +14593,7 @@
     </p:spTree>
     <p:extLst>
       <p:ext uri="{BB962C8B-B14F-4D97-AF65-F5344CB8AC3E}">
-        <p14:creationId xmlns:p14="http://schemas.microsoft.com/office/powerpoint/2010/main" val="3692171424"/>
+        <p14:creationId xmlns:p14="http://schemas.microsoft.com/office/powerpoint/2010/main" val="3620061893"/>
       </p:ext>
     </p:extLst>
   </p:cSld>
@@ -15225,10 +14643,10 @@
           <a:lstStyle/>
           <a:p>
             <a:r>
-              <a:rPr lang="de-AT" smtClean="0"/>
-              <a:t>Digital Certificates Slides</a:t>
-            </a:r>
-            <a:endParaRPr lang="de-AT"/>
+              <a:rPr lang="de-AT" dirty="0" smtClean="0"/>
+              <a:t>Declarative</a:t>
+            </a:r>
+            <a:endParaRPr lang="de-AT" dirty="0"/>
           </a:p>
         </p:txBody>
       </p:sp>
@@ -15247,7 +14665,46 @@
           <a:bodyPr/>
           <a:lstStyle/>
           <a:p>
-            <a:endParaRPr lang="de-AT"/>
+            <a:r>
+              <a:rPr lang="de-AT" dirty="0" smtClean="0"/>
+              <a:t>web.xml</a:t>
+            </a:r>
+          </a:p>
+          <a:p>
+            <a:endParaRPr lang="de-AT" dirty="0"/>
+          </a:p>
+          <a:p>
+            <a:r>
+              <a:rPr lang="de-AT" dirty="0" smtClean="0"/>
+              <a:t>Method permissions</a:t>
+            </a:r>
+          </a:p>
+          <a:p>
+            <a:pPr lvl="1"/>
+            <a:r>
+              <a:rPr lang="de-AT" dirty="0"/>
+              <a:t>&lt;assembly-descriptor&gt;</a:t>
+            </a:r>
+          </a:p>
+          <a:p>
+            <a:endParaRPr lang="de-AT" dirty="0" smtClean="0"/>
+          </a:p>
+          <a:p>
+            <a:r>
+              <a:rPr lang="de-AT" dirty="0" smtClean="0"/>
+              <a:t>Altered identity within security context</a:t>
+            </a:r>
+          </a:p>
+          <a:p>
+            <a:pPr lvl="1"/>
+            <a:r>
+              <a:rPr lang="de-AT" dirty="0" smtClean="0"/>
+              <a:t>&lt;security-identity&gt;</a:t>
+            </a:r>
+            <a:endParaRPr lang="de-AT" dirty="0"/>
+          </a:p>
+          <a:p>
+            <a:endParaRPr lang="de-AT" dirty="0" smtClean="0"/>
           </a:p>
         </p:txBody>
       </p:sp>
@@ -15266,7 +14723,7 @@
           <a:bodyPr/>
           <a:lstStyle/>
           <a:p>
-            <a:fld id="{5E747D12-5EA7-4906-81DF-D3F9CA3728BA}" type="datetime1">
+            <a:fld id="{10403D0F-9BDF-4066-974A-D0959D480D21}" type="datetime1">
               <a:rPr lang="de-AT" smtClean="0"/>
               <a:t>13.02.2015</a:t>
             </a:fld>
@@ -15290,7 +14747,7 @@
           <a:lstStyle/>
           <a:p>
             <a:r>
-              <a:rPr lang="en-US" dirty="0" smtClean="0"/>
+              <a:rPr lang="en-US" smtClean="0"/>
               <a:t>Ari Ayvazyan, Adrian Bergler, Java EE Security</a:t>
             </a:r>
             <a:endParaRPr lang="en-US" dirty="0"/>
@@ -15323,7 +14780,7 @@
     </p:spTree>
     <p:extLst>
       <p:ext uri="{BB962C8B-B14F-4D97-AF65-F5344CB8AC3E}">
-        <p14:creationId xmlns:p14="http://schemas.microsoft.com/office/powerpoint/2010/main" val="1927524683"/>
+        <p14:creationId xmlns:p14="http://schemas.microsoft.com/office/powerpoint/2010/main" val="3030340454"/>
       </p:ext>
     </p:extLst>
   </p:cSld>
@@ -15359,7 +14816,7 @@
       </p:grpSpPr>
       <p:sp>
         <p:nvSpPr>
-          <p:cNvPr id="2" name="Titel 1"/>
+          <p:cNvPr id="2" name="Title 1"/>
           <p:cNvSpPr>
             <a:spLocks noGrp="1"/>
           </p:cNvSpPr>
@@ -15372,31 +14829,17 @@
           <a:bodyPr/>
           <a:lstStyle/>
           <a:p>
-            <a:pPr rtl="0" eaLnBrk="1" latinLnBrk="0" hangingPunct="1"/>
-            <a:r>
-              <a:rPr lang="en-US" sz="3600" kern="1200" dirty="0" smtClean="0">
-                <a:solidFill>
-                  <a:schemeClr val="tx1">
-                    <a:lumMod val="85000"/>
-                    <a:lumOff val="15000"/>
-                  </a:schemeClr>
-                </a:solidFill>
-                <a:effectLst/>
-                <a:latin typeface="+mj-lt"/>
-                <a:ea typeface="+mj-ea"/>
-                <a:cs typeface="+mj-cs"/>
-              </a:rPr>
-              <a:t>Frameworks … - Advantages</a:t>
-            </a:r>
-            <a:endParaRPr lang="de-AT" dirty="0" smtClean="0">
-              <a:effectLst/>
-            </a:endParaRPr>
-          </a:p>
-        </p:txBody>
-      </p:sp>
-      <p:sp>
-        <p:nvSpPr>
-          <p:cNvPr id="3" name="Inhaltsplatzhalter 2"/>
+            <a:r>
+              <a:rPr lang="de-AT" dirty="0" smtClean="0"/>
+              <a:t>Annotations</a:t>
+            </a:r>
+            <a:endParaRPr lang="de-AT" dirty="0"/>
+          </a:p>
+        </p:txBody>
+      </p:sp>
+      <p:sp>
+        <p:nvSpPr>
+          <p:cNvPr id="3" name="Content Placeholder 2"/>
           <p:cNvSpPr>
             <a:spLocks noGrp="1"/>
           </p:cNvSpPr>
@@ -15407,47 +14850,54 @@
         <p:spPr/>
         <p:txBody>
           <a:bodyPr>
-            <a:normAutofit/>
+            <a:normAutofit lnSpcReduction="10000"/>
           </a:bodyPr>
           <a:lstStyle/>
           <a:p>
             <a:r>
-              <a:rPr lang="en-US" dirty="0" smtClean="0"/>
-              <a:t>are tested</a:t>
-            </a:r>
-          </a:p>
-          <a:p>
-            <a:r>
-              <a:rPr lang="en-US" dirty="0" smtClean="0"/>
-              <a:t>are more secure due to public testing</a:t>
-            </a:r>
-            <a:endParaRPr lang="en-US" dirty="0" smtClean="0"/>
-          </a:p>
-          <a:p>
-            <a:r>
-              <a:rPr lang="en-US" dirty="0" smtClean="0"/>
-              <a:t>are supported</a:t>
-            </a:r>
-          </a:p>
-          <a:p>
-            <a:r>
-              <a:rPr lang="en-US" dirty="0"/>
-              <a:t>c</a:t>
-            </a:r>
-            <a:r>
-              <a:rPr lang="en-US" dirty="0" smtClean="0"/>
-              <a:t>an save time </a:t>
-            </a:r>
-            <a:r>
-              <a:rPr lang="en-US" dirty="0" smtClean="0"/>
-              <a:t>on long term</a:t>
-            </a:r>
-          </a:p>
-        </p:txBody>
-      </p:sp>
-      <p:sp>
-        <p:nvSpPr>
-          <p:cNvPr id="4" name="Datumsplatzhalter 3"/>
+              <a:rPr lang="de-AT" dirty="0" smtClean="0"/>
+              <a:t>Within Beans</a:t>
+            </a:r>
+          </a:p>
+          <a:p>
+            <a:r>
+              <a:rPr lang="de-AT" dirty="0" smtClean="0"/>
+              <a:t>@Declare Roles</a:t>
+            </a:r>
+          </a:p>
+          <a:p>
+            <a:endParaRPr lang="de-AT" dirty="0" smtClean="0"/>
+          </a:p>
+          <a:p>
+            <a:r>
+              <a:rPr lang="de-AT" dirty="0" smtClean="0"/>
+              <a:t>@RolesAllowed</a:t>
+            </a:r>
+          </a:p>
+          <a:p>
+            <a:endParaRPr lang="de-AT" dirty="0" smtClean="0"/>
+          </a:p>
+          <a:p>
+            <a:r>
+              <a:rPr lang="de-AT" dirty="0" smtClean="0"/>
+              <a:t>@PermitAll</a:t>
+            </a:r>
+          </a:p>
+          <a:p>
+            <a:endParaRPr lang="de-AT" dirty="0" smtClean="0"/>
+          </a:p>
+          <a:p>
+            <a:r>
+              <a:rPr lang="de-AT" dirty="0" smtClean="0"/>
+              <a:t>@DenyAll</a:t>
+            </a:r>
+            <a:endParaRPr lang="de-AT" dirty="0"/>
+          </a:p>
+        </p:txBody>
+      </p:sp>
+      <p:sp>
+        <p:nvSpPr>
+          <p:cNvPr id="4" name="Date Placeholder 3"/>
           <p:cNvSpPr>
             <a:spLocks noGrp="1"/>
           </p:cNvSpPr>
@@ -15460,7 +14910,7 @@
           <a:bodyPr/>
           <a:lstStyle/>
           <a:p>
-            <a:fld id="{3F4C572F-BCA4-4487-8EBD-15EE8D7320C7}" type="datetime1">
+            <a:fld id="{10403D0F-9BDF-4066-974A-D0959D480D21}" type="datetime1">
               <a:rPr lang="de-AT" smtClean="0"/>
               <a:t>13.02.2015</a:t>
             </a:fld>
@@ -15470,7 +14920,7 @@
       </p:sp>
       <p:sp>
         <p:nvSpPr>
-          <p:cNvPr id="5" name="Fußzeilenplatzhalter 4"/>
+          <p:cNvPr id="5" name="Footer Placeholder 4"/>
           <p:cNvSpPr>
             <a:spLocks noGrp="1"/>
           </p:cNvSpPr>
@@ -15484,7 +14934,7 @@
           <a:lstStyle/>
           <a:p>
             <a:r>
-              <a:rPr lang="en-US" dirty="0" smtClean="0"/>
+              <a:rPr lang="en-US" smtClean="0"/>
               <a:t>Ari Ayvazyan, Adrian Bergler, Java EE Security</a:t>
             </a:r>
             <a:endParaRPr lang="en-US" dirty="0"/>
@@ -15493,7 +14943,7 @@
       </p:sp>
       <p:sp>
         <p:nvSpPr>
-          <p:cNvPr id="6" name="Foliennummernplatzhalter 5"/>
+          <p:cNvPr id="6" name="Slide Number Placeholder 5"/>
           <p:cNvSpPr>
             <a:spLocks noGrp="1"/>
           </p:cNvSpPr>
@@ -15517,7 +14967,7 @@
     </p:spTree>
     <p:extLst>
       <p:ext uri="{BB962C8B-B14F-4D97-AF65-F5344CB8AC3E}">
-        <p14:creationId xmlns:p14="http://schemas.microsoft.com/office/powerpoint/2010/main" val="260349493"/>
+        <p14:creationId xmlns:p14="http://schemas.microsoft.com/office/powerpoint/2010/main" val="3232309640"/>
       </p:ext>
     </p:extLst>
   </p:cSld>
@@ -15553,7 +15003,7 @@
       </p:grpSpPr>
       <p:sp>
         <p:nvSpPr>
-          <p:cNvPr id="2" name="Titel 1"/>
+          <p:cNvPr id="2" name="Title 1"/>
           <p:cNvSpPr>
             <a:spLocks noGrp="1"/>
           </p:cNvSpPr>
@@ -15566,68 +15016,45 @@
           <a:bodyPr/>
           <a:lstStyle/>
           <a:p>
-            <a:pPr rtl="0" eaLnBrk="1" latinLnBrk="0" hangingPunct="1"/>
-            <a:r>
-              <a:rPr lang="en-US" sz="3600" kern="1200" dirty="0" smtClean="0">
-                <a:solidFill>
-                  <a:schemeClr val="tx1">
-                    <a:lumMod val="85000"/>
-                    <a:lumOff val="15000"/>
-                  </a:schemeClr>
-                </a:solidFill>
-                <a:effectLst/>
-                <a:latin typeface="+mj-lt"/>
-                <a:ea typeface="+mj-ea"/>
-                <a:cs typeface="+mj-cs"/>
-              </a:rPr>
-              <a:t>Frameworks … - Disadvantages</a:t>
-            </a:r>
-            <a:endParaRPr lang="de-AT" dirty="0" smtClean="0">
-              <a:effectLst/>
-            </a:endParaRPr>
-          </a:p>
-        </p:txBody>
-      </p:sp>
-      <p:sp>
-        <p:nvSpPr>
-          <p:cNvPr id="3" name="Inhaltsplatzhalter 2"/>
-          <p:cNvSpPr>
-            <a:spLocks noGrp="1"/>
-          </p:cNvSpPr>
+            <a:endParaRPr lang="de-AT"/>
+          </a:p>
+        </p:txBody>
+      </p:sp>
+      <p:pic>
+        <p:nvPicPr>
+          <p:cNvPr id="7" name="Content Placeholder 6"/>
+          <p:cNvPicPr>
+            <a:picLocks noGrp="1" noChangeAspect="1"/>
+          </p:cNvPicPr>
           <p:nvPr>
             <p:ph idx="1"/>
           </p:nvPr>
-        </p:nvSpPr>
-        <p:spPr/>
-        <p:txBody>
-          <a:bodyPr>
-            <a:normAutofit/>
-          </a:bodyPr>
-          <a:lstStyle/>
-          <a:p>
-            <a:r>
-              <a:rPr lang="en-US" dirty="0" smtClean="0"/>
-              <a:t>need to be learned</a:t>
-            </a:r>
-          </a:p>
-          <a:p>
-            <a:r>
-              <a:rPr lang="en-US" dirty="0" smtClean="0"/>
-              <a:t>can be limited in the possibilities</a:t>
-            </a:r>
-            <a:endParaRPr lang="en-US" dirty="0"/>
-          </a:p>
-          <a:p>
-            <a:r>
-              <a:rPr lang="en-US" dirty="0" smtClean="0"/>
-              <a:t>need to be trusted</a:t>
-            </a:r>
-          </a:p>
-        </p:txBody>
-      </p:sp>
-      <p:sp>
-        <p:nvSpPr>
-          <p:cNvPr id="4" name="Datumsplatzhalter 3"/>
+        </p:nvPicPr>
+        <p:blipFill>
+          <a:blip r:embed="rId2">
+            <a:extLst>
+              <a:ext uri="{28A0092B-C50C-407E-A947-70E740481C1C}">
+                <a14:useLocalDpi xmlns:a14="http://schemas.microsoft.com/office/drawing/2010/main" val="0"/>
+              </a:ext>
+            </a:extLst>
+          </a:blip>
+          <a:stretch>
+            <a:fillRect/>
+          </a:stretch>
+        </p:blipFill>
+        <p:spPr>
+          <a:xfrm>
+            <a:off x="1800935" y="1152907"/>
+            <a:ext cx="8961658" cy="4700925"/>
+          </a:xfrm>
+          <a:effectLst>
+            <a:softEdge rad="50800"/>
+          </a:effectLst>
+        </p:spPr>
+      </p:pic>
+      <p:sp>
+        <p:nvSpPr>
+          <p:cNvPr id="4" name="Date Placeholder 3"/>
           <p:cNvSpPr>
             <a:spLocks noGrp="1"/>
           </p:cNvSpPr>
@@ -15640,7 +15067,7 @@
           <a:bodyPr/>
           <a:lstStyle/>
           <a:p>
-            <a:fld id="{3F4C572F-BCA4-4487-8EBD-15EE8D7320C7}" type="datetime1">
+            <a:fld id="{10403D0F-9BDF-4066-974A-D0959D480D21}" type="datetime1">
               <a:rPr lang="de-AT" smtClean="0"/>
               <a:t>13.02.2015</a:t>
             </a:fld>
@@ -15650,7 +15077,7 @@
       </p:sp>
       <p:sp>
         <p:nvSpPr>
-          <p:cNvPr id="5" name="Fußzeilenplatzhalter 4"/>
+          <p:cNvPr id="5" name="Footer Placeholder 4"/>
           <p:cNvSpPr>
             <a:spLocks noGrp="1"/>
           </p:cNvSpPr>
@@ -15664,7 +15091,7 @@
           <a:lstStyle/>
           <a:p>
             <a:r>
-              <a:rPr lang="en-US" dirty="0" smtClean="0"/>
+              <a:rPr lang="en-US" smtClean="0"/>
               <a:t>Ari Ayvazyan, Adrian Bergler, Java EE Security</a:t>
             </a:r>
             <a:endParaRPr lang="en-US" dirty="0"/>
@@ -15673,7 +15100,7 @@
       </p:sp>
       <p:sp>
         <p:nvSpPr>
-          <p:cNvPr id="6" name="Foliennummernplatzhalter 5"/>
+          <p:cNvPr id="6" name="Slide Number Placeholder 5"/>
           <p:cNvSpPr>
             <a:spLocks noGrp="1"/>
           </p:cNvSpPr>
@@ -15697,7 +15124,7 @@
     </p:spTree>
     <p:extLst>
       <p:ext uri="{BB962C8B-B14F-4D97-AF65-F5344CB8AC3E}">
-        <p14:creationId xmlns:p14="http://schemas.microsoft.com/office/powerpoint/2010/main" val="243032441"/>
+        <p14:creationId xmlns:p14="http://schemas.microsoft.com/office/powerpoint/2010/main" val="1425910138"/>
       </p:ext>
     </p:extLst>
   </p:cSld>
@@ -15733,7 +15160,7 @@
       </p:grpSpPr>
       <p:sp>
         <p:nvSpPr>
-          <p:cNvPr id="2" name="Titel 1"/>
+          <p:cNvPr id="2" name="Title 1"/>
           <p:cNvSpPr>
             <a:spLocks noGrp="1"/>
           </p:cNvSpPr>
@@ -15746,31 +15173,17 @@
           <a:bodyPr/>
           <a:lstStyle/>
           <a:p>
-            <a:pPr rtl="0" eaLnBrk="1" latinLnBrk="0" hangingPunct="1"/>
-            <a:r>
-              <a:rPr lang="en-US" sz="3600" kern="1200" dirty="0" smtClean="0">
-                <a:solidFill>
-                  <a:schemeClr val="tx1">
-                    <a:lumMod val="85000"/>
-                    <a:lumOff val="15000"/>
-                  </a:schemeClr>
-                </a:solidFill>
-                <a:effectLst/>
-                <a:latin typeface="+mj-lt"/>
-                <a:ea typeface="+mj-ea"/>
-                <a:cs typeface="+mj-cs"/>
-              </a:rPr>
-              <a:t>Frameworks</a:t>
-            </a:r>
-            <a:endParaRPr lang="de-AT" dirty="0" smtClean="0">
-              <a:effectLst/>
-            </a:endParaRPr>
-          </a:p>
-        </p:txBody>
-      </p:sp>
-      <p:sp>
-        <p:nvSpPr>
-          <p:cNvPr id="3" name="Inhaltsplatzhalter 2"/>
+            <a:r>
+              <a:rPr lang="de-AT" dirty="0" smtClean="0"/>
+              <a:t>Programmatic</a:t>
+            </a:r>
+            <a:endParaRPr lang="de-AT" dirty="0"/>
+          </a:p>
+        </p:txBody>
+      </p:sp>
+      <p:sp>
+        <p:nvSpPr>
+          <p:cNvPr id="3" name="Content Placeholder 2"/>
           <p:cNvSpPr>
             <a:spLocks noGrp="1"/>
           </p:cNvSpPr>
@@ -15785,109 +15198,64 @@
           </a:bodyPr>
           <a:lstStyle/>
           <a:p>
-            <a:pPr marL="342900" lvl="1" indent="-342900"/>
-            <a:r>
-              <a:rPr lang="en-US" sz="2400" dirty="0"/>
-              <a:t>Provide: Authentication, Authorization, </a:t>
-            </a:r>
-            <a:r>
-              <a:rPr lang="en-US" sz="2400" dirty="0" smtClean="0"/>
-              <a:t>Cryptography</a:t>
-            </a:r>
-            <a:endParaRPr lang="en-US" sz="2400" dirty="0" smtClean="0"/>
-          </a:p>
-          <a:p>
-            <a:r>
-              <a:rPr lang="en-US" dirty="0" smtClean="0"/>
-              <a:t>Apache </a:t>
-            </a:r>
-            <a:r>
-              <a:rPr lang="en-US" dirty="0" smtClean="0"/>
-              <a:t>Shiro</a:t>
+            <a:r>
+              <a:rPr lang="de-AT" dirty="0" smtClean="0"/>
+              <a:t>Directly in Source-Code</a:t>
             </a:r>
           </a:p>
           <a:p>
             <a:pPr lvl="1"/>
             <a:r>
-              <a:rPr lang="en-US" dirty="0" smtClean="0"/>
-              <a:t>Simple </a:t>
-            </a:r>
-            <a:r>
-              <a:rPr lang="en-US" dirty="0" smtClean="0"/>
-              <a:t>Code </a:t>
-            </a:r>
-            <a:r>
-              <a:rPr lang="en-US" dirty="0" smtClean="0"/>
-              <a:t>Structure</a:t>
+              <a:rPr lang="de-AT" dirty="0"/>
+              <a:t>W</a:t>
+            </a:r>
+            <a:r>
+              <a:rPr lang="de-AT" dirty="0" smtClean="0"/>
+              <a:t>ithin methods of a Bean</a:t>
+            </a:r>
+          </a:p>
+          <a:p>
+            <a:r>
+              <a:rPr lang="de-AT" dirty="0" smtClean="0"/>
+              <a:t>Via EntityContext-Object</a:t>
+            </a:r>
+          </a:p>
+          <a:p>
+            <a:endParaRPr lang="de-AT" dirty="0"/>
+          </a:p>
+          <a:p>
+            <a:r>
+              <a:rPr lang="de-AT" dirty="0" smtClean="0"/>
+              <a:t>.getCallerPrincipal()</a:t>
             </a:r>
           </a:p>
           <a:p>
             <a:pPr lvl="1"/>
             <a:r>
-              <a:rPr lang="en-US" dirty="0" smtClean="0"/>
-              <a:t>Not bound to HTTP</a:t>
-            </a:r>
-            <a:endParaRPr lang="en-US" dirty="0" smtClean="0"/>
-          </a:p>
-          <a:p>
-            <a:r>
-              <a:rPr lang="en-US" dirty="0" smtClean="0"/>
-              <a:t>Spring Security</a:t>
+              <a:rPr lang="de-AT" dirty="0" smtClean="0"/>
+              <a:t>Returns current principal</a:t>
+            </a:r>
+            <a:endParaRPr lang="de-AT" dirty="0"/>
+          </a:p>
+          <a:p>
+            <a:r>
+              <a:rPr lang="de-AT" dirty="0" smtClean="0"/>
+              <a:t>Principle-Object: .isCallerInRole(&lt;param&gt;)</a:t>
             </a:r>
           </a:p>
           <a:p>
             <a:pPr lvl="1"/>
             <a:r>
-              <a:rPr lang="en-US" dirty="0" smtClean="0"/>
-              <a:t>Very </a:t>
-            </a:r>
-            <a:r>
-              <a:rPr lang="en-US" dirty="0" smtClean="0"/>
-              <a:t>structured</a:t>
-            </a:r>
-          </a:p>
-          <a:p>
-            <a:r>
-              <a:rPr lang="en-US" dirty="0"/>
-              <a:t>JAAS </a:t>
-            </a:r>
-            <a:r>
-              <a:rPr lang="en-US" dirty="0" smtClean="0"/>
-              <a:t>- Java </a:t>
-            </a:r>
-            <a:r>
-              <a:rPr lang="en-US" dirty="0"/>
-              <a:t>Authentication and Authorization </a:t>
-            </a:r>
-            <a:r>
-              <a:rPr lang="en-US" dirty="0" smtClean="0"/>
-              <a:t>Service</a:t>
-            </a:r>
-          </a:p>
-          <a:p>
-            <a:pPr lvl="1"/>
-            <a:r>
-              <a:rPr lang="en-US" dirty="0" smtClean="0"/>
-              <a:t>Included </a:t>
-            </a:r>
-            <a:r>
-              <a:rPr lang="en-US" dirty="0" smtClean="0"/>
-              <a:t>in Java SE since Java 1.4 (</a:t>
-            </a:r>
-            <a:r>
-              <a:rPr lang="de-AT" dirty="0" err="1" smtClean="0"/>
-              <a:t>javax.security.auth</a:t>
-            </a:r>
-            <a:r>
               <a:rPr lang="de-AT" dirty="0" smtClean="0"/>
-              <a:t>)</a:t>
-            </a:r>
-          </a:p>
-        </p:txBody>
-      </p:sp>
-      <p:sp>
-        <p:nvSpPr>
-          <p:cNvPr id="4" name="Datumsplatzhalter 3"/>
+              <a:t>Returns if the principle is within a certain Role</a:t>
+            </a:r>
+            <a:endParaRPr lang="de-AT" dirty="0"/>
+          </a:p>
+        </p:txBody>
+      </p:sp>
+      <p:sp>
+        <p:nvSpPr>
+          <p:cNvPr id="4" name="Date Placeholder 3"/>
           <p:cNvSpPr>
             <a:spLocks noGrp="1"/>
           </p:cNvSpPr>
@@ -15900,7 +15268,7 @@
           <a:bodyPr/>
           <a:lstStyle/>
           <a:p>
-            <a:fld id="{3F4C572F-BCA4-4487-8EBD-15EE8D7320C7}" type="datetime1">
+            <a:fld id="{10403D0F-9BDF-4066-974A-D0959D480D21}" type="datetime1">
               <a:rPr lang="de-AT" smtClean="0"/>
               <a:t>13.02.2015</a:t>
             </a:fld>
@@ -15910,7 +15278,7 @@
       </p:sp>
       <p:sp>
         <p:nvSpPr>
-          <p:cNvPr id="5" name="Fußzeilenplatzhalter 4"/>
+          <p:cNvPr id="5" name="Footer Placeholder 4"/>
           <p:cNvSpPr>
             <a:spLocks noGrp="1"/>
           </p:cNvSpPr>
@@ -15924,7 +15292,7 @@
           <a:lstStyle/>
           <a:p>
             <a:r>
-              <a:rPr lang="en-US" dirty="0" smtClean="0"/>
+              <a:rPr lang="en-US" smtClean="0"/>
               <a:t>Ari Ayvazyan, Adrian Bergler, Java EE Security</a:t>
             </a:r>
             <a:endParaRPr lang="en-US" dirty="0"/>
@@ -15933,7 +15301,7 @@
       </p:sp>
       <p:sp>
         <p:nvSpPr>
-          <p:cNvPr id="6" name="Foliennummernplatzhalter 5"/>
+          <p:cNvPr id="6" name="Slide Number Placeholder 5"/>
           <p:cNvSpPr>
             <a:spLocks noGrp="1"/>
           </p:cNvSpPr>
@@ -15957,7 +15325,7 @@
     </p:spTree>
     <p:extLst>
       <p:ext uri="{BB962C8B-B14F-4D97-AF65-F5344CB8AC3E}">
-        <p14:creationId xmlns:p14="http://schemas.microsoft.com/office/powerpoint/2010/main" val="2337426181"/>
+        <p14:creationId xmlns:p14="http://schemas.microsoft.com/office/powerpoint/2010/main" val="1256212106"/>
       </p:ext>
     </p:extLst>
   </p:cSld>
@@ -15993,7 +15361,7 @@
       </p:grpSpPr>
       <p:sp>
         <p:nvSpPr>
-          <p:cNvPr id="2" name="Titel 1"/>
+          <p:cNvPr id="2" name="Title 1"/>
           <p:cNvSpPr>
             <a:spLocks noGrp="1"/>
           </p:cNvSpPr>
@@ -16006,46 +15374,17 @@
           <a:bodyPr/>
           <a:lstStyle/>
           <a:p>
-            <a:pPr rtl="0" eaLnBrk="1" latinLnBrk="0" hangingPunct="1"/>
-            <a:r>
-              <a:rPr lang="en-US" sz="3600" kern="1200" dirty="0" err="1" smtClean="0">
-                <a:solidFill>
-                  <a:schemeClr val="tx1">
-                    <a:lumMod val="85000"/>
-                    <a:lumOff val="15000"/>
-                  </a:schemeClr>
-                </a:solidFill>
-                <a:effectLst/>
-                <a:latin typeface="+mj-lt"/>
-                <a:ea typeface="+mj-ea"/>
-                <a:cs typeface="+mj-cs"/>
-              </a:rPr>
-              <a:t>Shiro</a:t>
-            </a:r>
-            <a:r>
-              <a:rPr lang="en-US" sz="3600" kern="1200" dirty="0" smtClean="0">
-                <a:solidFill>
-                  <a:schemeClr val="tx1">
-                    <a:lumMod val="85000"/>
-                    <a:lumOff val="15000"/>
-                  </a:schemeClr>
-                </a:solidFill>
-                <a:effectLst/>
-                <a:latin typeface="+mj-lt"/>
-                <a:ea typeface="+mj-ea"/>
-                <a:cs typeface="+mj-cs"/>
-              </a:rPr>
-              <a:t> Example</a:t>
-            </a:r>
-            <a:endParaRPr lang="de-AT" dirty="0" smtClean="0">
-              <a:effectLst/>
-            </a:endParaRPr>
-          </a:p>
-        </p:txBody>
-      </p:sp>
-      <p:sp>
-        <p:nvSpPr>
-          <p:cNvPr id="3" name="Inhaltsplatzhalter 2"/>
+            <a:r>
+              <a:rPr lang="de-AT" dirty="0" smtClean="0"/>
+              <a:t>Application Client Slides</a:t>
+            </a:r>
+            <a:endParaRPr lang="de-AT" dirty="0"/>
+          </a:p>
+        </p:txBody>
+      </p:sp>
+      <p:sp>
+        <p:nvSpPr>
+          <p:cNvPr id="3" name="Content Placeholder 2"/>
           <p:cNvSpPr>
             <a:spLocks noGrp="1"/>
           </p:cNvSpPr>
@@ -16053,61 +15392,18 @@
             <p:ph idx="1"/>
           </p:nvPr>
         </p:nvSpPr>
-        <p:spPr>
-          <a:xfrm>
-            <a:off x="2019300" y="2133600"/>
-            <a:ext cx="9485312" cy="3777622"/>
-          </a:xfrm>
-        </p:spPr>
-        <p:txBody>
-          <a:bodyPr>
-            <a:normAutofit/>
-          </a:bodyPr>
-          <a:lstStyle/>
-          <a:p>
-            <a:r>
-              <a:rPr lang="de-AT" b="1" dirty="0"/>
-              <a:t>https://github.com/</a:t>
-            </a:r>
-            <a:r>
-              <a:rPr lang="de-AT" b="1" dirty="0">
-                <a:solidFill>
-                  <a:schemeClr val="accent1">
-                    <a:lumMod val="60000"/>
-                    <a:lumOff val="40000"/>
-                  </a:schemeClr>
-                </a:solidFill>
-              </a:rPr>
-              <a:t>aayvazyan-tgm</a:t>
-            </a:r>
-            <a:r>
-              <a:rPr lang="de-AT" b="1" dirty="0">
-                <a:solidFill>
-                  <a:schemeClr val="tx1"/>
-                </a:solidFill>
-              </a:rPr>
-              <a:t>/</a:t>
-            </a:r>
-            <a:r>
-              <a:rPr lang="de-AT" b="1" dirty="0">
-                <a:solidFill>
-                  <a:schemeClr val="accent1">
-                    <a:lumMod val="60000"/>
-                    <a:lumOff val="40000"/>
-                  </a:schemeClr>
-                </a:solidFill>
-              </a:rPr>
-              <a:t>JavaEESecurityExample</a:t>
-            </a:r>
-          </a:p>
-          <a:p>
-            <a:endParaRPr lang="de-AT" dirty="0" smtClean="0"/>
-          </a:p>
-        </p:txBody>
-      </p:sp>
-      <p:sp>
-        <p:nvSpPr>
-          <p:cNvPr id="4" name="Datumsplatzhalter 3"/>
+        <p:spPr/>
+        <p:txBody>
+          <a:bodyPr/>
+          <a:lstStyle/>
+          <a:p>
+            <a:endParaRPr lang="de-AT"/>
+          </a:p>
+        </p:txBody>
+      </p:sp>
+      <p:sp>
+        <p:nvSpPr>
+          <p:cNvPr id="4" name="Date Placeholder 3"/>
           <p:cNvSpPr>
             <a:spLocks noGrp="1"/>
           </p:cNvSpPr>
@@ -16120,7 +15416,7 @@
           <a:bodyPr/>
           <a:lstStyle/>
           <a:p>
-            <a:fld id="{3F4C572F-BCA4-4487-8EBD-15EE8D7320C7}" type="datetime1">
+            <a:fld id="{B513651D-7A83-4608-A243-C4C141292260}" type="datetime1">
               <a:rPr lang="de-AT" smtClean="0"/>
               <a:t>13.02.2015</a:t>
             </a:fld>
@@ -16130,7 +15426,7 @@
       </p:sp>
       <p:sp>
         <p:nvSpPr>
-          <p:cNvPr id="5" name="Fußzeilenplatzhalter 4"/>
+          <p:cNvPr id="5" name="Footer Placeholder 4"/>
           <p:cNvSpPr>
             <a:spLocks noGrp="1"/>
           </p:cNvSpPr>
@@ -16153,7 +15449,7 @@
       </p:sp>
       <p:sp>
         <p:nvSpPr>
-          <p:cNvPr id="6" name="Foliennummernplatzhalter 5"/>
+          <p:cNvPr id="6" name="Slide Number Placeholder 5"/>
           <p:cNvSpPr>
             <a:spLocks noGrp="1"/>
           </p:cNvSpPr>
@@ -16177,7 +15473,7 @@
     </p:spTree>
     <p:extLst>
       <p:ext uri="{BB962C8B-B14F-4D97-AF65-F5344CB8AC3E}">
-        <p14:creationId xmlns:p14="http://schemas.microsoft.com/office/powerpoint/2010/main" val="1989554945"/>
+        <p14:creationId xmlns:p14="http://schemas.microsoft.com/office/powerpoint/2010/main" val="3692171424"/>
       </p:ext>
     </p:extLst>
   </p:cSld>
@@ -16213,7 +15509,7 @@
       </p:grpSpPr>
       <p:sp>
         <p:nvSpPr>
-          <p:cNvPr id="2" name="Titel 1"/>
+          <p:cNvPr id="2" name="Title 1"/>
           <p:cNvSpPr>
             <a:spLocks noGrp="1"/>
           </p:cNvSpPr>
@@ -16227,27 +15523,16 @@
           <a:lstStyle/>
           <a:p>
             <a:r>
-              <a:rPr lang="en-US" sz="3600" kern="1200" dirty="0" smtClean="0">
-                <a:solidFill>
-                  <a:schemeClr val="tx1">
-                    <a:lumMod val="85000"/>
-                    <a:lumOff val="15000"/>
-                  </a:schemeClr>
-                </a:solidFill>
-                <a:effectLst/>
-                <a:latin typeface="+mj-lt"/>
-                <a:ea typeface="+mj-ea"/>
-                <a:cs typeface="+mj-cs"/>
-              </a:rPr>
-              <a:t>Output escaping</a:t>
-            </a:r>
-            <a:endParaRPr lang="de-AT" dirty="0"/>
-          </a:p>
-        </p:txBody>
-      </p:sp>
-      <p:sp>
-        <p:nvSpPr>
-          <p:cNvPr id="3" name="Inhaltsplatzhalter 2"/>
+              <a:rPr lang="de-AT" smtClean="0"/>
+              <a:t>Digital Certificates Slides</a:t>
+            </a:r>
+            <a:endParaRPr lang="de-AT"/>
+          </a:p>
+        </p:txBody>
+      </p:sp>
+      <p:sp>
+        <p:nvSpPr>
+          <p:cNvPr id="3" name="Content Placeholder 2"/>
           <p:cNvSpPr>
             <a:spLocks noGrp="1"/>
           </p:cNvSpPr>
@@ -16260,61 +15545,13 @@
           <a:bodyPr/>
           <a:lstStyle/>
           <a:p>
-            <a:r>
-              <a:rPr lang="en-US" dirty="0" smtClean="0"/>
-              <a:t>Escape user input</a:t>
-            </a:r>
-          </a:p>
-          <a:p>
-            <a:pPr lvl="1"/>
-            <a:r>
-              <a:rPr lang="en-US" dirty="0" smtClean="0"/>
-              <a:t>To prevent </a:t>
-            </a:r>
-            <a:r>
-              <a:rPr lang="en-US" dirty="0" smtClean="0"/>
-              <a:t>injections</a:t>
-            </a:r>
-            <a:endParaRPr lang="en-US" dirty="0" smtClean="0"/>
-          </a:p>
-          <a:p>
-            <a:r>
-              <a:rPr lang="en-US" dirty="0" smtClean="0"/>
-              <a:t>Escape the output</a:t>
-            </a:r>
-          </a:p>
-          <a:p>
-            <a:pPr lvl="1"/>
-            <a:r>
-              <a:rPr lang="en-US" dirty="0" smtClean="0"/>
-              <a:t>To add an extra layer of security (for the user</a:t>
-            </a:r>
-            <a:r>
-              <a:rPr lang="en-US" dirty="0" smtClean="0"/>
-              <a:t>)</a:t>
-            </a:r>
-          </a:p>
-          <a:p>
-            <a:r>
-              <a:rPr lang="en-US" dirty="0" smtClean="0"/>
-              <a:t>Do not show Stack traces</a:t>
-            </a:r>
-          </a:p>
-          <a:p>
-            <a:endParaRPr lang="en-US" dirty="0"/>
-          </a:p>
-          <a:p>
-            <a:r>
-              <a:rPr lang="en-US" dirty="0" smtClean="0"/>
-              <a:t>Use a Framework!</a:t>
-            </a:r>
-            <a:endParaRPr lang="en-US" dirty="0"/>
-          </a:p>
-        </p:txBody>
-      </p:sp>
-      <p:sp>
-        <p:nvSpPr>
-          <p:cNvPr id="4" name="Datumsplatzhalter 3"/>
+            <a:endParaRPr lang="de-AT"/>
+          </a:p>
+        </p:txBody>
+      </p:sp>
+      <p:sp>
+        <p:nvSpPr>
+          <p:cNvPr id="4" name="Date Placeholder 3"/>
           <p:cNvSpPr>
             <a:spLocks noGrp="1"/>
           </p:cNvSpPr>
@@ -16327,7 +15564,7 @@
           <a:bodyPr/>
           <a:lstStyle/>
           <a:p>
-            <a:fld id="{73F9A2D8-44B8-467F-9223-0D7436D41992}" type="datetime1">
+            <a:fld id="{5E747D12-5EA7-4906-81DF-D3F9CA3728BA}" type="datetime1">
               <a:rPr lang="de-AT" smtClean="0"/>
               <a:t>13.02.2015</a:t>
             </a:fld>
@@ -16337,7 +15574,7 @@
       </p:sp>
       <p:sp>
         <p:nvSpPr>
-          <p:cNvPr id="5" name="Fußzeilenplatzhalter 4"/>
+          <p:cNvPr id="5" name="Footer Placeholder 4"/>
           <p:cNvSpPr>
             <a:spLocks noGrp="1"/>
           </p:cNvSpPr>
@@ -16360,7 +15597,7 @@
       </p:sp>
       <p:sp>
         <p:nvSpPr>
-          <p:cNvPr id="6" name="Foliennummernplatzhalter 5"/>
+          <p:cNvPr id="6" name="Slide Number Placeholder 5"/>
           <p:cNvSpPr>
             <a:spLocks noGrp="1"/>
           </p:cNvSpPr>
@@ -16384,7 +15621,7 @@
     </p:spTree>
     <p:extLst>
       <p:ext uri="{BB962C8B-B14F-4D97-AF65-F5344CB8AC3E}">
-        <p14:creationId xmlns:p14="http://schemas.microsoft.com/office/powerpoint/2010/main" val="938604773"/>
+        <p14:creationId xmlns:p14="http://schemas.microsoft.com/office/powerpoint/2010/main" val="1927524683"/>
       </p:ext>
     </p:extLst>
   </p:cSld>
@@ -16430,14 +15667,12 @@
         </p:nvSpPr>
         <p:spPr/>
         <p:txBody>
-          <a:bodyPr>
-            <a:normAutofit/>
-          </a:bodyPr>
-          <a:lstStyle/>
-          <a:p>
-            <a:pPr lvl="0"/>
-            <a:r>
-              <a:rPr lang="en-US" sz="3600" i="0" kern="1200" noProof="0" dirty="0" smtClean="0">
+          <a:bodyPr/>
+          <a:lstStyle/>
+          <a:p>
+            <a:pPr rtl="0" eaLnBrk="1" latinLnBrk="0" hangingPunct="1"/>
+            <a:r>
+              <a:rPr lang="en-US" sz="3600" kern="1200" dirty="0" smtClean="0">
                 <a:solidFill>
                   <a:schemeClr val="tx1">
                     <a:lumMod val="85000"/>
@@ -16445,10 +15680,15 @@
                   </a:schemeClr>
                 </a:solidFill>
                 <a:effectLst/>
+                <a:latin typeface="+mj-lt"/>
+                <a:ea typeface="+mj-ea"/>
+                <a:cs typeface="+mj-cs"/>
               </a:rPr>
-              <a:t>Sources</a:t>
-            </a:r>
-            <a:endParaRPr lang="en-US" noProof="0" dirty="0"/>
+              <a:t>Frameworks … - Advantages</a:t>
+            </a:r>
+            <a:endParaRPr lang="de-AT" dirty="0" smtClean="0">
+              <a:effectLst/>
+            </a:endParaRPr>
           </a:p>
         </p:txBody>
       </p:sp>
@@ -16469,445 +15709,31 @@
           </a:bodyPr>
           <a:lstStyle/>
           <a:p>
-            <a:pPr lvl="0"/>
-            <a:r>
-              <a:rPr lang="de-AT" sz="800" b="1" dirty="0" err="1"/>
-              <a:t>JavaOne</a:t>
-            </a:r>
-            <a:r>
-              <a:rPr lang="de-AT" sz="800" b="1" dirty="0"/>
-              <a:t> 2014: </a:t>
-            </a:r>
-            <a:r>
-              <a:rPr lang="de-AT" sz="800" dirty="0"/>
-              <a:t>The </a:t>
-            </a:r>
-            <a:r>
-              <a:rPr lang="de-AT" sz="800" dirty="0" err="1"/>
-              <a:t>Anatomy</a:t>
-            </a:r>
-            <a:r>
-              <a:rPr lang="de-AT" sz="800" dirty="0"/>
-              <a:t> </a:t>
-            </a:r>
-            <a:r>
-              <a:rPr lang="de-AT" sz="800" dirty="0" err="1"/>
-              <a:t>of</a:t>
-            </a:r>
-            <a:r>
-              <a:rPr lang="de-AT" sz="800" dirty="0"/>
-              <a:t> a Secure Web </a:t>
-            </a:r>
-            <a:r>
-              <a:rPr lang="de-AT" sz="800" dirty="0" err="1"/>
-              <a:t>Application</a:t>
-            </a:r>
-            <a:r>
-              <a:rPr lang="de-AT" sz="800" dirty="0"/>
-              <a:t> </a:t>
-            </a:r>
-            <a:r>
-              <a:rPr lang="de-AT" sz="800" dirty="0" err="1"/>
-              <a:t>Using</a:t>
-            </a:r>
-            <a:r>
-              <a:rPr lang="de-AT" sz="800" dirty="0"/>
-              <a:t> Java,</a:t>
-            </a:r>
-            <a:br>
-              <a:rPr lang="de-AT" sz="800" dirty="0"/>
-            </a:br>
-            <a:r>
-              <a:rPr lang="de-AT" sz="800" dirty="0"/>
-              <a:t>Shawn </a:t>
-            </a:r>
-            <a:r>
-              <a:rPr lang="de-AT" sz="800" dirty="0" err="1"/>
-              <a:t>McKinney</a:t>
-            </a:r>
-            <a:r>
-              <a:rPr lang="de-AT" sz="800" dirty="0"/>
-              <a:t> &amp; John Field, September 29, 2014</a:t>
-            </a:r>
-            <a:br>
-              <a:rPr lang="de-AT" sz="800" dirty="0"/>
-            </a:br>
-            <a:r>
-              <a:rPr lang="de-AT" sz="800" dirty="0"/>
-              <a:t>San </a:t>
-            </a:r>
-            <a:r>
-              <a:rPr lang="de-AT" sz="800" dirty="0" smtClean="0"/>
-              <a:t>Francisco</a:t>
-            </a:r>
-            <a:endParaRPr lang="de-AT" sz="800" dirty="0"/>
-          </a:p>
-          <a:p>
-            <a:pPr lvl="0"/>
-            <a:r>
-              <a:rPr lang="de-AT" sz="800" b="1" dirty="0"/>
-              <a:t>Java Security: </a:t>
-            </a:r>
-            <a:r>
-              <a:rPr lang="de-AT" sz="800" dirty="0"/>
-              <a:t>Sicherheitslücken identifizieren und vermeiden,</a:t>
-            </a:r>
-            <a:br>
-              <a:rPr lang="de-AT" sz="800" dirty="0"/>
-            </a:br>
-            <a:r>
-              <a:rPr lang="de-AT" sz="800" dirty="0"/>
-              <a:t>Marc Schönefeld, 1. </a:t>
-            </a:r>
-            <a:r>
-              <a:rPr lang="de-AT" sz="800" dirty="0" err="1"/>
-              <a:t>edition</a:t>
-            </a:r>
-            <a:r>
-              <a:rPr lang="de-AT" sz="800" dirty="0"/>
-              <a:t> 2011</a:t>
-            </a:r>
-            <a:br>
-              <a:rPr lang="de-AT" sz="800" dirty="0"/>
-            </a:br>
-            <a:r>
-              <a:rPr lang="de-AT" sz="800" dirty="0"/>
-              <a:t>Publisher: </a:t>
-            </a:r>
-            <a:r>
-              <a:rPr lang="de-AT" sz="800" dirty="0" err="1"/>
-              <a:t>Hüthig</a:t>
-            </a:r>
-            <a:r>
-              <a:rPr lang="de-AT" sz="800" dirty="0"/>
-              <a:t> </a:t>
-            </a:r>
-            <a:r>
-              <a:rPr lang="de-AT" sz="800" dirty="0" err="1"/>
-              <a:t>Jehle</a:t>
-            </a:r>
-            <a:r>
-              <a:rPr lang="de-AT" sz="800" dirty="0"/>
-              <a:t> Rehm GmbH, Heidelberg.</a:t>
-            </a:r>
-            <a:br>
-              <a:rPr lang="de-AT" sz="800" dirty="0"/>
-            </a:br>
-            <a:r>
-              <a:rPr lang="de-AT" sz="800" dirty="0"/>
-              <a:t>ISBN/ISSN </a:t>
-            </a:r>
-            <a:r>
-              <a:rPr lang="de-AT" sz="800" dirty="0" smtClean="0"/>
-              <a:t>978-3-8266-9105-8</a:t>
-            </a:r>
-            <a:endParaRPr lang="de-AT" sz="800" dirty="0"/>
-          </a:p>
-          <a:p>
-            <a:pPr lvl="0"/>
-            <a:r>
-              <a:rPr lang="de-AT" sz="800" b="1" dirty="0"/>
-              <a:t>Enterprise Java Security:</a:t>
-            </a:r>
-            <a:r>
-              <a:rPr lang="de-AT" sz="800" dirty="0"/>
-              <a:t> Building Secure J2EE </a:t>
-            </a:r>
-            <a:r>
-              <a:rPr lang="de-AT" sz="800" dirty="0" err="1"/>
-              <a:t>Applications</a:t>
-            </a:r>
-            <a:r>
-              <a:rPr lang="de-AT" sz="800" dirty="0"/>
-              <a:t>,</a:t>
-            </a:r>
-            <a:br>
-              <a:rPr lang="de-AT" sz="800" dirty="0"/>
-            </a:br>
-            <a:r>
-              <a:rPr lang="de-AT" sz="800" dirty="0"/>
-              <a:t>Marco </a:t>
-            </a:r>
-            <a:r>
-              <a:rPr lang="de-AT" sz="800" dirty="0" err="1"/>
-              <a:t>Pistoia</a:t>
-            </a:r>
-            <a:r>
-              <a:rPr lang="de-AT" sz="800" dirty="0"/>
-              <a:t>, </a:t>
-            </a:r>
-            <a:r>
-              <a:rPr lang="de-AT" sz="800" dirty="0" err="1"/>
-              <a:t>Natara</a:t>
-            </a:r>
-            <a:r>
-              <a:rPr lang="de-AT" sz="800" dirty="0"/>
-              <a:t> j </a:t>
-            </a:r>
-            <a:r>
-              <a:rPr lang="de-AT" sz="800" dirty="0" err="1"/>
-              <a:t>Nagaratnam</a:t>
-            </a:r>
-            <a:r>
-              <a:rPr lang="de-AT" sz="800" dirty="0"/>
-              <a:t>, Larry </a:t>
-            </a:r>
-            <a:r>
-              <a:rPr lang="de-AT" sz="800" dirty="0" err="1"/>
-              <a:t>Koved</a:t>
-            </a:r>
-            <a:r>
-              <a:rPr lang="de-AT" sz="800" dirty="0"/>
-              <a:t>, Anthony </a:t>
-            </a:r>
-            <a:r>
-              <a:rPr lang="de-AT" sz="800" dirty="0" err="1"/>
-              <a:t>Nadalin</a:t>
-            </a:r>
-            <a:r>
-              <a:rPr lang="de-AT" sz="800" dirty="0"/>
-              <a:t>,</a:t>
-            </a:r>
-            <a:br>
-              <a:rPr lang="de-AT" sz="800" dirty="0"/>
-            </a:br>
-            <a:r>
-              <a:rPr lang="de-AT" sz="800" dirty="0"/>
-              <a:t>1. </a:t>
-            </a:r>
-            <a:r>
-              <a:rPr lang="de-AT" sz="800" dirty="0" err="1"/>
-              <a:t>edition</a:t>
-            </a:r>
-            <a:r>
-              <a:rPr lang="de-AT" sz="800" dirty="0"/>
-              <a:t> 2004</a:t>
-            </a:r>
-            <a:br>
-              <a:rPr lang="de-AT" sz="800" dirty="0"/>
-            </a:br>
-            <a:r>
-              <a:rPr lang="de-AT" sz="800" dirty="0"/>
-              <a:t>Publisher: Addison-Wesley Professional.</a:t>
-            </a:r>
-            <a:br>
-              <a:rPr lang="de-AT" sz="800" dirty="0"/>
-            </a:br>
-            <a:r>
-              <a:rPr lang="de-AT" sz="800" dirty="0"/>
-              <a:t>ISBN/ISSN: I SBN </a:t>
-            </a:r>
-            <a:r>
-              <a:rPr lang="de-AT" sz="800" dirty="0" smtClean="0"/>
-              <a:t>0-321-11889-8</a:t>
-            </a:r>
-            <a:endParaRPr lang="de-AT" sz="800" dirty="0"/>
-          </a:p>
-          <a:p>
-            <a:pPr lvl="0"/>
-            <a:r>
-              <a:rPr lang="de-AT" sz="800" b="1" dirty="0"/>
-              <a:t>Official </a:t>
-            </a:r>
-            <a:r>
-              <a:rPr lang="de-AT" sz="800" b="1" dirty="0" err="1"/>
-              <a:t>JavaEE</a:t>
-            </a:r>
-            <a:r>
-              <a:rPr lang="de-AT" sz="800" b="1" dirty="0"/>
-              <a:t> </a:t>
-            </a:r>
-            <a:r>
-              <a:rPr lang="de-AT" sz="800" b="1" dirty="0" err="1"/>
-              <a:t>Documentation</a:t>
-            </a:r>
-            <a:r>
-              <a:rPr lang="de-AT" sz="800" dirty="0"/>
-              <a:t>, Oracle,</a:t>
-            </a:r>
-            <a:br>
-              <a:rPr lang="de-AT" sz="800" dirty="0"/>
-            </a:br>
-            <a:r>
-              <a:rPr lang="de-AT" sz="800" dirty="0"/>
-              <a:t>29.09.2014 http://do cs.oracle.com/</a:t>
-            </a:r>
-            <a:r>
-              <a:rPr lang="de-AT" sz="800" dirty="0" err="1"/>
-              <a:t>javaee</a:t>
-            </a:r>
-            <a:r>
-              <a:rPr lang="de-AT" sz="800" dirty="0"/>
-              <a:t>/7/</a:t>
-            </a:r>
-            <a:r>
-              <a:rPr lang="de-AT" sz="800" dirty="0" err="1"/>
-              <a:t>tutorial</a:t>
-            </a:r>
-            <a:r>
-              <a:rPr lang="de-AT" sz="800" dirty="0"/>
-              <a:t>/do </a:t>
-            </a:r>
-            <a:r>
-              <a:rPr lang="de-AT" sz="800" dirty="0" smtClean="0"/>
-              <a:t>c/security-intro.htm</a:t>
-            </a:r>
-            <a:endParaRPr lang="de-AT" sz="800" dirty="0"/>
-          </a:p>
-          <a:p>
-            <a:pPr lvl="0"/>
-            <a:r>
-              <a:rPr lang="de-AT" sz="800" b="1" dirty="0"/>
-              <a:t>Java EE 6,</a:t>
-            </a:r>
-            <a:r>
-              <a:rPr lang="de-AT" sz="800" dirty="0"/>
-              <a:t/>
-            </a:r>
-            <a:br>
-              <a:rPr lang="de-AT" sz="800" dirty="0"/>
-            </a:br>
-            <a:r>
-              <a:rPr lang="de-AT" sz="800" dirty="0"/>
-              <a:t>Dirk Weil, 1. </a:t>
-            </a:r>
-            <a:r>
-              <a:rPr lang="de-AT" sz="800" dirty="0" err="1"/>
-              <a:t>edition</a:t>
-            </a:r>
-            <a:r>
-              <a:rPr lang="de-AT" sz="800" dirty="0"/>
-              <a:t> 2012</a:t>
-            </a:r>
-            <a:br>
-              <a:rPr lang="de-AT" sz="800" dirty="0"/>
-            </a:br>
-            <a:r>
-              <a:rPr lang="de-AT" sz="800" dirty="0"/>
-              <a:t>Publisher: </a:t>
-            </a:r>
-            <a:r>
-              <a:rPr lang="de-AT" sz="800" dirty="0" err="1"/>
-              <a:t>entwickler.press</a:t>
-            </a:r>
-            <a:r>
-              <a:rPr lang="de-AT" sz="800" dirty="0"/>
-              <a:t/>
-            </a:r>
-            <a:br>
-              <a:rPr lang="de-AT" sz="800" dirty="0"/>
-            </a:br>
-            <a:r>
-              <a:rPr lang="de-AT" sz="800" dirty="0"/>
-              <a:t>ISBN </a:t>
-            </a:r>
-            <a:r>
-              <a:rPr lang="de-AT" sz="800" dirty="0" smtClean="0"/>
-              <a:t>978-3-86802-077-9</a:t>
-            </a:r>
-            <a:endParaRPr lang="de-AT" sz="800" dirty="0"/>
-          </a:p>
-          <a:p>
-            <a:pPr lvl="0"/>
-            <a:r>
-              <a:rPr lang="de-AT" sz="800" b="1" dirty="0"/>
-              <a:t>Java EE 6 </a:t>
-            </a:r>
-            <a:r>
-              <a:rPr lang="de-AT" sz="800" b="1" dirty="0" err="1"/>
-              <a:t>Cookbook</a:t>
-            </a:r>
-            <a:r>
-              <a:rPr lang="de-AT" sz="800" dirty="0"/>
-              <a:t> </a:t>
-            </a:r>
-            <a:r>
-              <a:rPr lang="de-AT" sz="800" dirty="0" err="1"/>
-              <a:t>for</a:t>
-            </a:r>
-            <a:r>
-              <a:rPr lang="de-AT" sz="800" dirty="0"/>
-              <a:t> </a:t>
-            </a:r>
-            <a:r>
-              <a:rPr lang="de-AT" sz="800" dirty="0" err="1"/>
-              <a:t>Securing</a:t>
-            </a:r>
-            <a:r>
-              <a:rPr lang="de-AT" sz="800" dirty="0"/>
-              <a:t>, Tuning, </a:t>
-            </a:r>
-            <a:r>
-              <a:rPr lang="de-AT" sz="800" dirty="0" err="1"/>
-              <a:t>and</a:t>
-            </a:r>
-            <a:r>
-              <a:rPr lang="de-AT" sz="800" dirty="0"/>
-              <a:t> </a:t>
-            </a:r>
-            <a:r>
-              <a:rPr lang="de-AT" sz="800" dirty="0" err="1"/>
-              <a:t>Extending</a:t>
-            </a:r>
-            <a:r>
-              <a:rPr lang="de-AT" sz="800" dirty="0"/>
-              <a:t> Enterprise </a:t>
-            </a:r>
-            <a:r>
-              <a:rPr lang="de-AT" sz="800" dirty="0" err="1"/>
-              <a:t>Applications</a:t>
-            </a:r>
-            <a:r>
-              <a:rPr lang="de-AT" sz="800" dirty="0"/>
-              <a:t>, </a:t>
-            </a:r>
-            <a:br>
-              <a:rPr lang="de-AT" sz="800" dirty="0"/>
-            </a:br>
-            <a:r>
-              <a:rPr lang="de-AT" sz="800" dirty="0"/>
-              <a:t>Mick </a:t>
-            </a:r>
-            <a:r>
-              <a:rPr lang="de-AT" sz="800" dirty="0" err="1"/>
-              <a:t>Knutson</a:t>
-            </a:r>
-            <a:r>
-              <a:rPr lang="de-AT" sz="800" dirty="0"/>
-              <a:t>, </a:t>
-            </a:r>
-            <a:br>
-              <a:rPr lang="de-AT" sz="800" dirty="0"/>
-            </a:br>
-            <a:r>
-              <a:rPr lang="de-AT" sz="800" dirty="0"/>
-              <a:t>1. </a:t>
-            </a:r>
-            <a:r>
-              <a:rPr lang="de-AT" sz="800" dirty="0" err="1"/>
-              <a:t>edition</a:t>
-            </a:r>
-            <a:r>
-              <a:rPr lang="de-AT" sz="800" dirty="0"/>
-              <a:t> June 2012</a:t>
-            </a:r>
-            <a:br>
-              <a:rPr lang="de-AT" sz="800" dirty="0"/>
-            </a:br>
-            <a:r>
-              <a:rPr lang="de-AT" sz="800" dirty="0"/>
-              <a:t>Publisher: Addison-Wesley Professional.</a:t>
-            </a:r>
-            <a:br>
-              <a:rPr lang="de-AT" sz="800" dirty="0"/>
-            </a:br>
-            <a:r>
-              <a:rPr lang="de-AT" sz="800" dirty="0"/>
-              <a:t>ISBN/ISSN: I SBN </a:t>
-            </a:r>
-            <a:r>
-              <a:rPr lang="de-AT" sz="800" dirty="0" smtClean="0"/>
-              <a:t>9781849683166</a:t>
+            <a:r>
+              <a:rPr lang="en-US" dirty="0" smtClean="0"/>
+              <a:t>are tested</a:t>
+            </a:r>
+          </a:p>
+          <a:p>
+            <a:r>
+              <a:rPr lang="en-US" dirty="0" smtClean="0"/>
+              <a:t>are more secure due to public testing</a:t>
+            </a:r>
+          </a:p>
+          <a:p>
+            <a:r>
+              <a:rPr lang="en-US" dirty="0" smtClean="0"/>
+              <a:t>are supported</a:t>
+            </a:r>
+          </a:p>
+          <a:p>
+            <a:r>
+              <a:rPr lang="en-US" dirty="0"/>
+              <a:t>c</a:t>
+            </a:r>
+            <a:r>
+              <a:rPr lang="en-US" dirty="0" smtClean="0"/>
+              <a:t>an save time on long term</a:t>
             </a:r>
           </a:p>
         </p:txBody>
@@ -16927,7 +15753,7 @@
           <a:bodyPr/>
           <a:lstStyle/>
           <a:p>
-            <a:fld id="{680BB08F-6D3B-4E3E-8B05-C729AFCB21AF}" type="datetime1">
+            <a:fld id="{3F4C572F-BCA4-4487-8EBD-15EE8D7320C7}" type="datetime1">
               <a:rPr lang="de-AT" smtClean="0"/>
               <a:t>13.02.2015</a:t>
             </a:fld>
@@ -16984,7 +15810,7 @@
     </p:spTree>
     <p:extLst>
       <p:ext uri="{BB962C8B-B14F-4D97-AF65-F5344CB8AC3E}">
-        <p14:creationId xmlns:p14="http://schemas.microsoft.com/office/powerpoint/2010/main" val="801564242"/>
+        <p14:creationId xmlns:p14="http://schemas.microsoft.com/office/powerpoint/2010/main" val="260349493"/>
       </p:ext>
     </p:extLst>
   </p:cSld>
@@ -17033,16 +15859,25 @@
           <a:bodyPr/>
           <a:lstStyle/>
           <a:p>
-            <a:pPr lvl="0"/>
-            <a:r>
-              <a:rPr lang="de-AT" dirty="0" err="1" smtClean="0"/>
-              <a:t>Questions</a:t>
-            </a:r>
-            <a:r>
-              <a:rPr lang="de-AT" dirty="0" smtClean="0"/>
-              <a:t>?</a:t>
-            </a:r>
-            <a:endParaRPr lang="de-AT" dirty="0"/>
+            <a:pPr rtl="0" eaLnBrk="1" latinLnBrk="0" hangingPunct="1"/>
+            <a:r>
+              <a:rPr lang="en-US" sz="3600" kern="1200" dirty="0" smtClean="0">
+                <a:solidFill>
+                  <a:schemeClr val="tx1">
+                    <a:lumMod val="85000"/>
+                    <a:lumOff val="15000"/>
+                  </a:schemeClr>
+                </a:solidFill>
+                <a:effectLst/>
+                <a:latin typeface="+mj-lt"/>
+                <a:ea typeface="+mj-ea"/>
+                <a:cs typeface="+mj-cs"/>
+              </a:rPr>
+              <a:t>Frameworks … - Disadvantages</a:t>
+            </a:r>
+            <a:endParaRPr lang="de-AT" dirty="0" smtClean="0">
+              <a:effectLst/>
+            </a:endParaRPr>
           </a:p>
         </p:txBody>
       </p:sp>
@@ -17058,17 +15893,28 @@
         </p:nvSpPr>
         <p:spPr/>
         <p:txBody>
-          <a:bodyPr/>
-          <a:lstStyle/>
-          <a:p>
-            <a:pPr marL="0" indent="0">
-              <a:buNone/>
-            </a:pPr>
-            <a:r>
-              <a:rPr lang="de-AT" dirty="0" smtClean="0"/>
-              <a:t> </a:t>
-            </a:r>
-            <a:endParaRPr lang="de-AT" dirty="0"/>
+          <a:bodyPr>
+            <a:normAutofit/>
+          </a:bodyPr>
+          <a:lstStyle/>
+          <a:p>
+            <a:r>
+              <a:rPr lang="en-US" dirty="0" smtClean="0"/>
+              <a:t>need to be learned</a:t>
+            </a:r>
+          </a:p>
+          <a:p>
+            <a:r>
+              <a:rPr lang="en-US" dirty="0" smtClean="0"/>
+              <a:t>can be limited in the possibilities</a:t>
+            </a:r>
+            <a:endParaRPr lang="en-US" dirty="0"/>
+          </a:p>
+          <a:p>
+            <a:r>
+              <a:rPr lang="en-US" dirty="0" smtClean="0"/>
+              <a:t>need to be trusted</a:t>
+            </a:r>
           </a:p>
         </p:txBody>
       </p:sp>
@@ -17087,7 +15933,7 @@
           <a:bodyPr/>
           <a:lstStyle/>
           <a:p>
-            <a:fld id="{F119BB51-554B-42A7-A5CE-65CE19D217E2}" type="datetime1">
+            <a:fld id="{3F4C572F-BCA4-4487-8EBD-15EE8D7320C7}" type="datetime1">
               <a:rPr lang="de-AT" smtClean="0"/>
               <a:t>13.02.2015</a:t>
             </a:fld>
@@ -17144,7 +15990,7 @@
     </p:spTree>
     <p:extLst>
       <p:ext uri="{BB962C8B-B14F-4D97-AF65-F5344CB8AC3E}">
-        <p14:creationId xmlns:p14="http://schemas.microsoft.com/office/powerpoint/2010/main" val="4265888455"/>
+        <p14:creationId xmlns:p14="http://schemas.microsoft.com/office/powerpoint/2010/main" val="243032441"/>
       </p:ext>
     </p:extLst>
   </p:cSld>
@@ -17327,6 +16173,1422 @@
     <p:extLst>
       <p:ext uri="{BB962C8B-B14F-4D97-AF65-F5344CB8AC3E}">
         <p14:creationId xmlns:p14="http://schemas.microsoft.com/office/powerpoint/2010/main" val="1666938823"/>
+      </p:ext>
+    </p:extLst>
+  </p:cSld>
+  <p:clrMapOvr>
+    <a:masterClrMapping/>
+  </p:clrMapOvr>
+  <p:timing>
+    <p:tnLst>
+      <p:par>
+        <p:cTn id="1" dur="indefinite" restart="never" nodeType="tmRoot"/>
+      </p:par>
+    </p:tnLst>
+  </p:timing>
+</p:sld>
+</file>
+
+<file path=ppt/slides/slide30.xml><?xml version="1.0" encoding="utf-8"?>
+<p:sld xmlns:a="http://schemas.openxmlformats.org/drawingml/2006/main" xmlns:r="http://schemas.openxmlformats.org/officeDocument/2006/relationships" xmlns:p="http://schemas.openxmlformats.org/presentationml/2006/main">
+  <p:cSld>
+    <p:spTree>
+      <p:nvGrpSpPr>
+        <p:cNvPr id="1" name=""/>
+        <p:cNvGrpSpPr/>
+        <p:nvPr/>
+      </p:nvGrpSpPr>
+      <p:grpSpPr>
+        <a:xfrm>
+          <a:off x="0" y="0"/>
+          <a:ext cx="0" cy="0"/>
+          <a:chOff x="0" y="0"/>
+          <a:chExt cx="0" cy="0"/>
+        </a:xfrm>
+      </p:grpSpPr>
+      <p:sp>
+        <p:nvSpPr>
+          <p:cNvPr id="2" name="Titel 1"/>
+          <p:cNvSpPr>
+            <a:spLocks noGrp="1"/>
+          </p:cNvSpPr>
+          <p:nvPr>
+            <p:ph type="title"/>
+          </p:nvPr>
+        </p:nvSpPr>
+        <p:spPr/>
+        <p:txBody>
+          <a:bodyPr/>
+          <a:lstStyle/>
+          <a:p>
+            <a:pPr rtl="0" eaLnBrk="1" latinLnBrk="0" hangingPunct="1"/>
+            <a:r>
+              <a:rPr lang="en-US" sz="3600" kern="1200" dirty="0" smtClean="0">
+                <a:solidFill>
+                  <a:schemeClr val="tx1">
+                    <a:lumMod val="85000"/>
+                    <a:lumOff val="15000"/>
+                  </a:schemeClr>
+                </a:solidFill>
+                <a:effectLst/>
+                <a:latin typeface="+mj-lt"/>
+                <a:ea typeface="+mj-ea"/>
+                <a:cs typeface="+mj-cs"/>
+              </a:rPr>
+              <a:t>Frameworks</a:t>
+            </a:r>
+            <a:endParaRPr lang="de-AT" dirty="0" smtClean="0">
+              <a:effectLst/>
+            </a:endParaRPr>
+          </a:p>
+        </p:txBody>
+      </p:sp>
+      <p:sp>
+        <p:nvSpPr>
+          <p:cNvPr id="3" name="Inhaltsplatzhalter 2"/>
+          <p:cNvSpPr>
+            <a:spLocks noGrp="1"/>
+          </p:cNvSpPr>
+          <p:nvPr>
+            <p:ph idx="1"/>
+          </p:nvPr>
+        </p:nvSpPr>
+        <p:spPr/>
+        <p:txBody>
+          <a:bodyPr>
+            <a:normAutofit/>
+          </a:bodyPr>
+          <a:lstStyle/>
+          <a:p>
+            <a:pPr marL="342900" lvl="1" indent="-342900"/>
+            <a:r>
+              <a:rPr lang="en-US" sz="2400" dirty="0"/>
+              <a:t>Provide: Authentication, Authorization, </a:t>
+            </a:r>
+            <a:r>
+              <a:rPr lang="en-US" sz="2400" dirty="0" smtClean="0"/>
+              <a:t>Cryptography</a:t>
+            </a:r>
+          </a:p>
+          <a:p>
+            <a:r>
+              <a:rPr lang="en-US" dirty="0" smtClean="0"/>
+              <a:t>Apache Shiro</a:t>
+            </a:r>
+          </a:p>
+          <a:p>
+            <a:pPr lvl="1"/>
+            <a:r>
+              <a:rPr lang="en-US" dirty="0" smtClean="0"/>
+              <a:t>Simple Code Structure</a:t>
+            </a:r>
+          </a:p>
+          <a:p>
+            <a:pPr lvl="1"/>
+            <a:r>
+              <a:rPr lang="en-US" dirty="0" smtClean="0"/>
+              <a:t>Not bound to HTTP</a:t>
+            </a:r>
+          </a:p>
+          <a:p>
+            <a:r>
+              <a:rPr lang="en-US" dirty="0" smtClean="0"/>
+              <a:t>Spring Security</a:t>
+            </a:r>
+          </a:p>
+          <a:p>
+            <a:pPr lvl="1"/>
+            <a:r>
+              <a:rPr lang="en-US" dirty="0" smtClean="0"/>
+              <a:t>Very structured</a:t>
+            </a:r>
+          </a:p>
+          <a:p>
+            <a:r>
+              <a:rPr lang="en-US" dirty="0"/>
+              <a:t>JAAS </a:t>
+            </a:r>
+            <a:r>
+              <a:rPr lang="en-US" dirty="0" smtClean="0"/>
+              <a:t>- Java </a:t>
+            </a:r>
+            <a:r>
+              <a:rPr lang="en-US" dirty="0"/>
+              <a:t>Authentication and Authorization </a:t>
+            </a:r>
+            <a:r>
+              <a:rPr lang="en-US" dirty="0" smtClean="0"/>
+              <a:t>Service</a:t>
+            </a:r>
+          </a:p>
+          <a:p>
+            <a:pPr lvl="1"/>
+            <a:r>
+              <a:rPr lang="en-US" dirty="0" smtClean="0"/>
+              <a:t>Included in Java SE since Java 1.4 (</a:t>
+            </a:r>
+            <a:r>
+              <a:rPr lang="de-AT" dirty="0" err="1" smtClean="0"/>
+              <a:t>javax.security.auth</a:t>
+            </a:r>
+            <a:r>
+              <a:rPr lang="de-AT" dirty="0" smtClean="0"/>
+              <a:t>)</a:t>
+            </a:r>
+          </a:p>
+        </p:txBody>
+      </p:sp>
+      <p:sp>
+        <p:nvSpPr>
+          <p:cNvPr id="4" name="Datumsplatzhalter 3"/>
+          <p:cNvSpPr>
+            <a:spLocks noGrp="1"/>
+          </p:cNvSpPr>
+          <p:nvPr>
+            <p:ph type="dt" sz="half" idx="10"/>
+          </p:nvPr>
+        </p:nvSpPr>
+        <p:spPr/>
+        <p:txBody>
+          <a:bodyPr/>
+          <a:lstStyle/>
+          <a:p>
+            <a:fld id="{3F4C572F-BCA4-4487-8EBD-15EE8D7320C7}" type="datetime1">
+              <a:rPr lang="de-AT" smtClean="0"/>
+              <a:t>13.02.2015</a:t>
+            </a:fld>
+            <a:endParaRPr lang="en-US" dirty="0"/>
+          </a:p>
+        </p:txBody>
+      </p:sp>
+      <p:sp>
+        <p:nvSpPr>
+          <p:cNvPr id="5" name="Fußzeilenplatzhalter 4"/>
+          <p:cNvSpPr>
+            <a:spLocks noGrp="1"/>
+          </p:cNvSpPr>
+          <p:nvPr>
+            <p:ph type="ftr" sz="quarter" idx="11"/>
+          </p:nvPr>
+        </p:nvSpPr>
+        <p:spPr/>
+        <p:txBody>
+          <a:bodyPr/>
+          <a:lstStyle/>
+          <a:p>
+            <a:r>
+              <a:rPr lang="en-US" dirty="0" smtClean="0"/>
+              <a:t>Ari Ayvazyan, Adrian Bergler, Java EE Security</a:t>
+            </a:r>
+            <a:endParaRPr lang="en-US" dirty="0"/>
+          </a:p>
+        </p:txBody>
+      </p:sp>
+      <p:sp>
+        <p:nvSpPr>
+          <p:cNvPr id="6" name="Foliennummernplatzhalter 5"/>
+          <p:cNvSpPr>
+            <a:spLocks noGrp="1"/>
+          </p:cNvSpPr>
+          <p:nvPr>
+            <p:ph type="sldNum" sz="quarter" idx="12"/>
+          </p:nvPr>
+        </p:nvSpPr>
+        <p:spPr/>
+        <p:txBody>
+          <a:bodyPr/>
+          <a:lstStyle/>
+          <a:p>
+            <a:fld id="{D57F1E4F-1CFF-5643-939E-02111984F565}" type="slidenum">
+              <a:rPr lang="en-US" smtClean="0"/>
+              <a:t>30</a:t>
+            </a:fld>
+            <a:endParaRPr lang="en-US" dirty="0"/>
+          </a:p>
+        </p:txBody>
+      </p:sp>
+    </p:spTree>
+    <p:extLst>
+      <p:ext uri="{BB962C8B-B14F-4D97-AF65-F5344CB8AC3E}">
+        <p14:creationId xmlns:p14="http://schemas.microsoft.com/office/powerpoint/2010/main" val="2337426181"/>
+      </p:ext>
+    </p:extLst>
+  </p:cSld>
+  <p:clrMapOvr>
+    <a:masterClrMapping/>
+  </p:clrMapOvr>
+  <p:timing>
+    <p:tnLst>
+      <p:par>
+        <p:cTn id="1" dur="indefinite" restart="never" nodeType="tmRoot"/>
+      </p:par>
+    </p:tnLst>
+  </p:timing>
+</p:sld>
+</file>
+
+<file path=ppt/slides/slide31.xml><?xml version="1.0" encoding="utf-8"?>
+<p:sld xmlns:a="http://schemas.openxmlformats.org/drawingml/2006/main" xmlns:r="http://schemas.openxmlformats.org/officeDocument/2006/relationships" xmlns:p="http://schemas.openxmlformats.org/presentationml/2006/main">
+  <p:cSld>
+    <p:spTree>
+      <p:nvGrpSpPr>
+        <p:cNvPr id="1" name=""/>
+        <p:cNvGrpSpPr/>
+        <p:nvPr/>
+      </p:nvGrpSpPr>
+      <p:grpSpPr>
+        <a:xfrm>
+          <a:off x="0" y="0"/>
+          <a:ext cx="0" cy="0"/>
+          <a:chOff x="0" y="0"/>
+          <a:chExt cx="0" cy="0"/>
+        </a:xfrm>
+      </p:grpSpPr>
+      <p:sp>
+        <p:nvSpPr>
+          <p:cNvPr id="2" name="Titel 1"/>
+          <p:cNvSpPr>
+            <a:spLocks noGrp="1"/>
+          </p:cNvSpPr>
+          <p:nvPr>
+            <p:ph type="title"/>
+          </p:nvPr>
+        </p:nvSpPr>
+        <p:spPr/>
+        <p:txBody>
+          <a:bodyPr/>
+          <a:lstStyle/>
+          <a:p>
+            <a:pPr rtl="0" eaLnBrk="1" latinLnBrk="0" hangingPunct="1"/>
+            <a:r>
+              <a:rPr lang="en-US" sz="3600" kern="1200" dirty="0" err="1" smtClean="0">
+                <a:solidFill>
+                  <a:schemeClr val="tx1">
+                    <a:lumMod val="85000"/>
+                    <a:lumOff val="15000"/>
+                  </a:schemeClr>
+                </a:solidFill>
+                <a:effectLst/>
+                <a:latin typeface="+mj-lt"/>
+                <a:ea typeface="+mj-ea"/>
+                <a:cs typeface="+mj-cs"/>
+              </a:rPr>
+              <a:t>Shiro</a:t>
+            </a:r>
+            <a:r>
+              <a:rPr lang="en-US" sz="3600" kern="1200" dirty="0" smtClean="0">
+                <a:solidFill>
+                  <a:schemeClr val="tx1">
+                    <a:lumMod val="85000"/>
+                    <a:lumOff val="15000"/>
+                  </a:schemeClr>
+                </a:solidFill>
+                <a:effectLst/>
+                <a:latin typeface="+mj-lt"/>
+                <a:ea typeface="+mj-ea"/>
+                <a:cs typeface="+mj-cs"/>
+              </a:rPr>
+              <a:t> Example</a:t>
+            </a:r>
+            <a:endParaRPr lang="de-AT" dirty="0" smtClean="0">
+              <a:effectLst/>
+            </a:endParaRPr>
+          </a:p>
+        </p:txBody>
+      </p:sp>
+      <p:sp>
+        <p:nvSpPr>
+          <p:cNvPr id="3" name="Inhaltsplatzhalter 2"/>
+          <p:cNvSpPr>
+            <a:spLocks noGrp="1"/>
+          </p:cNvSpPr>
+          <p:nvPr>
+            <p:ph idx="1"/>
+          </p:nvPr>
+        </p:nvSpPr>
+        <p:spPr>
+          <a:xfrm>
+            <a:off x="2019300" y="2133600"/>
+            <a:ext cx="9485312" cy="3777622"/>
+          </a:xfrm>
+        </p:spPr>
+        <p:txBody>
+          <a:bodyPr>
+            <a:normAutofit/>
+          </a:bodyPr>
+          <a:lstStyle/>
+          <a:p>
+            <a:r>
+              <a:rPr lang="de-AT" b="1" dirty="0"/>
+              <a:t>https://github.com/</a:t>
+            </a:r>
+            <a:r>
+              <a:rPr lang="de-AT" b="1" dirty="0">
+                <a:solidFill>
+                  <a:schemeClr val="accent1">
+                    <a:lumMod val="60000"/>
+                    <a:lumOff val="40000"/>
+                  </a:schemeClr>
+                </a:solidFill>
+              </a:rPr>
+              <a:t>aayvazyan-tgm</a:t>
+            </a:r>
+            <a:r>
+              <a:rPr lang="de-AT" b="1" dirty="0">
+                <a:solidFill>
+                  <a:schemeClr val="tx1"/>
+                </a:solidFill>
+              </a:rPr>
+              <a:t>/</a:t>
+            </a:r>
+            <a:r>
+              <a:rPr lang="de-AT" b="1" dirty="0">
+                <a:solidFill>
+                  <a:schemeClr val="accent1">
+                    <a:lumMod val="60000"/>
+                    <a:lumOff val="40000"/>
+                  </a:schemeClr>
+                </a:solidFill>
+              </a:rPr>
+              <a:t>JavaEESecurityExample</a:t>
+            </a:r>
+          </a:p>
+          <a:p>
+            <a:endParaRPr lang="de-AT" dirty="0" smtClean="0"/>
+          </a:p>
+        </p:txBody>
+      </p:sp>
+      <p:sp>
+        <p:nvSpPr>
+          <p:cNvPr id="4" name="Datumsplatzhalter 3"/>
+          <p:cNvSpPr>
+            <a:spLocks noGrp="1"/>
+          </p:cNvSpPr>
+          <p:nvPr>
+            <p:ph type="dt" sz="half" idx="10"/>
+          </p:nvPr>
+        </p:nvSpPr>
+        <p:spPr/>
+        <p:txBody>
+          <a:bodyPr/>
+          <a:lstStyle/>
+          <a:p>
+            <a:fld id="{3F4C572F-BCA4-4487-8EBD-15EE8D7320C7}" type="datetime1">
+              <a:rPr lang="de-AT" smtClean="0"/>
+              <a:t>13.02.2015</a:t>
+            </a:fld>
+            <a:endParaRPr lang="en-US" dirty="0"/>
+          </a:p>
+        </p:txBody>
+      </p:sp>
+      <p:sp>
+        <p:nvSpPr>
+          <p:cNvPr id="5" name="Fußzeilenplatzhalter 4"/>
+          <p:cNvSpPr>
+            <a:spLocks noGrp="1"/>
+          </p:cNvSpPr>
+          <p:nvPr>
+            <p:ph type="ftr" sz="quarter" idx="11"/>
+          </p:nvPr>
+        </p:nvSpPr>
+        <p:spPr/>
+        <p:txBody>
+          <a:bodyPr/>
+          <a:lstStyle/>
+          <a:p>
+            <a:r>
+              <a:rPr lang="en-US" dirty="0" smtClean="0"/>
+              <a:t>Ari Ayvazyan, Adrian Bergler, Java EE Security</a:t>
+            </a:r>
+            <a:endParaRPr lang="en-US" dirty="0"/>
+          </a:p>
+        </p:txBody>
+      </p:sp>
+      <p:sp>
+        <p:nvSpPr>
+          <p:cNvPr id="6" name="Foliennummernplatzhalter 5"/>
+          <p:cNvSpPr>
+            <a:spLocks noGrp="1"/>
+          </p:cNvSpPr>
+          <p:nvPr>
+            <p:ph type="sldNum" sz="quarter" idx="12"/>
+          </p:nvPr>
+        </p:nvSpPr>
+        <p:spPr/>
+        <p:txBody>
+          <a:bodyPr/>
+          <a:lstStyle/>
+          <a:p>
+            <a:fld id="{D57F1E4F-1CFF-5643-939E-02111984F565}" type="slidenum">
+              <a:rPr lang="en-US" smtClean="0"/>
+              <a:t>31</a:t>
+            </a:fld>
+            <a:endParaRPr lang="en-US" dirty="0"/>
+          </a:p>
+        </p:txBody>
+      </p:sp>
+    </p:spTree>
+    <p:extLst>
+      <p:ext uri="{BB962C8B-B14F-4D97-AF65-F5344CB8AC3E}">
+        <p14:creationId xmlns:p14="http://schemas.microsoft.com/office/powerpoint/2010/main" val="1989554945"/>
+      </p:ext>
+    </p:extLst>
+  </p:cSld>
+  <p:clrMapOvr>
+    <a:masterClrMapping/>
+  </p:clrMapOvr>
+  <p:timing>
+    <p:tnLst>
+      <p:par>
+        <p:cTn id="1" dur="indefinite" restart="never" nodeType="tmRoot"/>
+      </p:par>
+    </p:tnLst>
+  </p:timing>
+</p:sld>
+</file>
+
+<file path=ppt/slides/slide32.xml><?xml version="1.0" encoding="utf-8"?>
+<p:sld xmlns:a="http://schemas.openxmlformats.org/drawingml/2006/main" xmlns:r="http://schemas.openxmlformats.org/officeDocument/2006/relationships" xmlns:p="http://schemas.openxmlformats.org/presentationml/2006/main">
+  <p:cSld>
+    <p:spTree>
+      <p:nvGrpSpPr>
+        <p:cNvPr id="1" name=""/>
+        <p:cNvGrpSpPr/>
+        <p:nvPr/>
+      </p:nvGrpSpPr>
+      <p:grpSpPr>
+        <a:xfrm>
+          <a:off x="0" y="0"/>
+          <a:ext cx="0" cy="0"/>
+          <a:chOff x="0" y="0"/>
+          <a:chExt cx="0" cy="0"/>
+        </a:xfrm>
+      </p:grpSpPr>
+      <p:sp>
+        <p:nvSpPr>
+          <p:cNvPr id="2" name="Titel 1"/>
+          <p:cNvSpPr>
+            <a:spLocks noGrp="1"/>
+          </p:cNvSpPr>
+          <p:nvPr>
+            <p:ph type="title"/>
+          </p:nvPr>
+        </p:nvSpPr>
+        <p:spPr/>
+        <p:txBody>
+          <a:bodyPr/>
+          <a:lstStyle/>
+          <a:p>
+            <a:r>
+              <a:rPr lang="en-US" sz="3600" kern="1200" dirty="0" smtClean="0">
+                <a:solidFill>
+                  <a:schemeClr val="tx1">
+                    <a:lumMod val="85000"/>
+                    <a:lumOff val="15000"/>
+                  </a:schemeClr>
+                </a:solidFill>
+                <a:effectLst/>
+                <a:latin typeface="+mj-lt"/>
+                <a:ea typeface="+mj-ea"/>
+                <a:cs typeface="+mj-cs"/>
+              </a:rPr>
+              <a:t>Output escaping</a:t>
+            </a:r>
+            <a:endParaRPr lang="de-AT" dirty="0"/>
+          </a:p>
+        </p:txBody>
+      </p:sp>
+      <p:sp>
+        <p:nvSpPr>
+          <p:cNvPr id="3" name="Inhaltsplatzhalter 2"/>
+          <p:cNvSpPr>
+            <a:spLocks noGrp="1"/>
+          </p:cNvSpPr>
+          <p:nvPr>
+            <p:ph idx="1"/>
+          </p:nvPr>
+        </p:nvSpPr>
+        <p:spPr/>
+        <p:txBody>
+          <a:bodyPr/>
+          <a:lstStyle/>
+          <a:p>
+            <a:r>
+              <a:rPr lang="en-US" dirty="0" smtClean="0"/>
+              <a:t>Escape user input</a:t>
+            </a:r>
+          </a:p>
+          <a:p>
+            <a:pPr lvl="1"/>
+            <a:r>
+              <a:rPr lang="en-US" dirty="0" smtClean="0"/>
+              <a:t>To prevent injections</a:t>
+            </a:r>
+          </a:p>
+          <a:p>
+            <a:r>
+              <a:rPr lang="en-US" dirty="0" smtClean="0"/>
+              <a:t>Escape the output</a:t>
+            </a:r>
+          </a:p>
+          <a:p>
+            <a:pPr lvl="1"/>
+            <a:r>
+              <a:rPr lang="en-US" dirty="0" smtClean="0"/>
+              <a:t>To add an extra layer of security (for the user)</a:t>
+            </a:r>
+          </a:p>
+          <a:p>
+            <a:r>
+              <a:rPr lang="en-US" dirty="0" smtClean="0"/>
+              <a:t>Do not show Stack traces</a:t>
+            </a:r>
+          </a:p>
+          <a:p>
+            <a:endParaRPr lang="en-US" dirty="0"/>
+          </a:p>
+          <a:p>
+            <a:r>
+              <a:rPr lang="en-US" dirty="0" smtClean="0"/>
+              <a:t>Use a Framework!</a:t>
+            </a:r>
+            <a:endParaRPr lang="en-US" dirty="0"/>
+          </a:p>
+        </p:txBody>
+      </p:sp>
+      <p:sp>
+        <p:nvSpPr>
+          <p:cNvPr id="4" name="Datumsplatzhalter 3"/>
+          <p:cNvSpPr>
+            <a:spLocks noGrp="1"/>
+          </p:cNvSpPr>
+          <p:nvPr>
+            <p:ph type="dt" sz="half" idx="10"/>
+          </p:nvPr>
+        </p:nvSpPr>
+        <p:spPr/>
+        <p:txBody>
+          <a:bodyPr/>
+          <a:lstStyle/>
+          <a:p>
+            <a:fld id="{73F9A2D8-44B8-467F-9223-0D7436D41992}" type="datetime1">
+              <a:rPr lang="de-AT" smtClean="0"/>
+              <a:t>13.02.2015</a:t>
+            </a:fld>
+            <a:endParaRPr lang="en-US" dirty="0"/>
+          </a:p>
+        </p:txBody>
+      </p:sp>
+      <p:sp>
+        <p:nvSpPr>
+          <p:cNvPr id="5" name="Fußzeilenplatzhalter 4"/>
+          <p:cNvSpPr>
+            <a:spLocks noGrp="1"/>
+          </p:cNvSpPr>
+          <p:nvPr>
+            <p:ph type="ftr" sz="quarter" idx="11"/>
+          </p:nvPr>
+        </p:nvSpPr>
+        <p:spPr/>
+        <p:txBody>
+          <a:bodyPr/>
+          <a:lstStyle/>
+          <a:p>
+            <a:r>
+              <a:rPr lang="en-US" dirty="0" smtClean="0"/>
+              <a:t>Ari Ayvazyan, Adrian Bergler, Java EE Security</a:t>
+            </a:r>
+            <a:endParaRPr lang="en-US" dirty="0"/>
+          </a:p>
+        </p:txBody>
+      </p:sp>
+      <p:sp>
+        <p:nvSpPr>
+          <p:cNvPr id="6" name="Foliennummernplatzhalter 5"/>
+          <p:cNvSpPr>
+            <a:spLocks noGrp="1"/>
+          </p:cNvSpPr>
+          <p:nvPr>
+            <p:ph type="sldNum" sz="quarter" idx="12"/>
+          </p:nvPr>
+        </p:nvSpPr>
+        <p:spPr/>
+        <p:txBody>
+          <a:bodyPr/>
+          <a:lstStyle/>
+          <a:p>
+            <a:fld id="{D57F1E4F-1CFF-5643-939E-02111984F565}" type="slidenum">
+              <a:rPr lang="en-US" smtClean="0"/>
+              <a:t>32</a:t>
+            </a:fld>
+            <a:endParaRPr lang="en-US" dirty="0"/>
+          </a:p>
+        </p:txBody>
+      </p:sp>
+    </p:spTree>
+    <p:extLst>
+      <p:ext uri="{BB962C8B-B14F-4D97-AF65-F5344CB8AC3E}">
+        <p14:creationId xmlns:p14="http://schemas.microsoft.com/office/powerpoint/2010/main" val="938604773"/>
+      </p:ext>
+    </p:extLst>
+  </p:cSld>
+  <p:clrMapOvr>
+    <a:masterClrMapping/>
+  </p:clrMapOvr>
+  <p:timing>
+    <p:tnLst>
+      <p:par>
+        <p:cTn id="1" dur="indefinite" restart="never" nodeType="tmRoot"/>
+      </p:par>
+    </p:tnLst>
+  </p:timing>
+</p:sld>
+</file>
+
+<file path=ppt/slides/slide33.xml><?xml version="1.0" encoding="utf-8"?>
+<p:sld xmlns:a="http://schemas.openxmlformats.org/drawingml/2006/main" xmlns:r="http://schemas.openxmlformats.org/officeDocument/2006/relationships" xmlns:p="http://schemas.openxmlformats.org/presentationml/2006/main">
+  <p:cSld>
+    <p:spTree>
+      <p:nvGrpSpPr>
+        <p:cNvPr id="1" name=""/>
+        <p:cNvGrpSpPr/>
+        <p:nvPr/>
+      </p:nvGrpSpPr>
+      <p:grpSpPr>
+        <a:xfrm>
+          <a:off x="0" y="0"/>
+          <a:ext cx="0" cy="0"/>
+          <a:chOff x="0" y="0"/>
+          <a:chExt cx="0" cy="0"/>
+        </a:xfrm>
+      </p:grpSpPr>
+      <p:sp>
+        <p:nvSpPr>
+          <p:cNvPr id="2" name="Titel 1"/>
+          <p:cNvSpPr>
+            <a:spLocks noGrp="1"/>
+          </p:cNvSpPr>
+          <p:nvPr>
+            <p:ph type="title"/>
+          </p:nvPr>
+        </p:nvSpPr>
+        <p:spPr/>
+        <p:txBody>
+          <a:bodyPr>
+            <a:normAutofit/>
+          </a:bodyPr>
+          <a:lstStyle/>
+          <a:p>
+            <a:pPr lvl="0"/>
+            <a:r>
+              <a:rPr lang="en-US" sz="3600" i="0" kern="1200" noProof="0" dirty="0" smtClean="0">
+                <a:solidFill>
+                  <a:schemeClr val="tx1">
+                    <a:lumMod val="85000"/>
+                    <a:lumOff val="15000"/>
+                  </a:schemeClr>
+                </a:solidFill>
+                <a:effectLst/>
+              </a:rPr>
+              <a:t>Sources</a:t>
+            </a:r>
+            <a:endParaRPr lang="en-US" noProof="0" dirty="0"/>
+          </a:p>
+        </p:txBody>
+      </p:sp>
+      <p:sp>
+        <p:nvSpPr>
+          <p:cNvPr id="3" name="Inhaltsplatzhalter 2"/>
+          <p:cNvSpPr>
+            <a:spLocks noGrp="1"/>
+          </p:cNvSpPr>
+          <p:nvPr>
+            <p:ph idx="1"/>
+          </p:nvPr>
+        </p:nvSpPr>
+        <p:spPr/>
+        <p:txBody>
+          <a:bodyPr>
+            <a:normAutofit/>
+          </a:bodyPr>
+          <a:lstStyle/>
+          <a:p>
+            <a:pPr lvl="0"/>
+            <a:r>
+              <a:rPr lang="de-AT" sz="800" b="1" dirty="0" err="1"/>
+              <a:t>JavaOne</a:t>
+            </a:r>
+            <a:r>
+              <a:rPr lang="de-AT" sz="800" b="1" dirty="0"/>
+              <a:t> 2014: </a:t>
+            </a:r>
+            <a:r>
+              <a:rPr lang="de-AT" sz="800" dirty="0"/>
+              <a:t>The </a:t>
+            </a:r>
+            <a:r>
+              <a:rPr lang="de-AT" sz="800" dirty="0" err="1"/>
+              <a:t>Anatomy</a:t>
+            </a:r>
+            <a:r>
+              <a:rPr lang="de-AT" sz="800" dirty="0"/>
+              <a:t> </a:t>
+            </a:r>
+            <a:r>
+              <a:rPr lang="de-AT" sz="800" dirty="0" err="1"/>
+              <a:t>of</a:t>
+            </a:r>
+            <a:r>
+              <a:rPr lang="de-AT" sz="800" dirty="0"/>
+              <a:t> a Secure Web </a:t>
+            </a:r>
+            <a:r>
+              <a:rPr lang="de-AT" sz="800" dirty="0" err="1"/>
+              <a:t>Application</a:t>
+            </a:r>
+            <a:r>
+              <a:rPr lang="de-AT" sz="800" dirty="0"/>
+              <a:t> </a:t>
+            </a:r>
+            <a:r>
+              <a:rPr lang="de-AT" sz="800" dirty="0" err="1"/>
+              <a:t>Using</a:t>
+            </a:r>
+            <a:r>
+              <a:rPr lang="de-AT" sz="800" dirty="0"/>
+              <a:t> Java,</a:t>
+            </a:r>
+            <a:br>
+              <a:rPr lang="de-AT" sz="800" dirty="0"/>
+            </a:br>
+            <a:r>
+              <a:rPr lang="de-AT" sz="800" dirty="0"/>
+              <a:t>Shawn </a:t>
+            </a:r>
+            <a:r>
+              <a:rPr lang="de-AT" sz="800" dirty="0" err="1"/>
+              <a:t>McKinney</a:t>
+            </a:r>
+            <a:r>
+              <a:rPr lang="de-AT" sz="800" dirty="0"/>
+              <a:t> &amp; John Field, September 29, 2014</a:t>
+            </a:r>
+            <a:br>
+              <a:rPr lang="de-AT" sz="800" dirty="0"/>
+            </a:br>
+            <a:r>
+              <a:rPr lang="de-AT" sz="800" dirty="0"/>
+              <a:t>San </a:t>
+            </a:r>
+            <a:r>
+              <a:rPr lang="de-AT" sz="800" dirty="0" smtClean="0"/>
+              <a:t>Francisco</a:t>
+            </a:r>
+            <a:endParaRPr lang="de-AT" sz="800" dirty="0"/>
+          </a:p>
+          <a:p>
+            <a:pPr lvl="0"/>
+            <a:r>
+              <a:rPr lang="de-AT" sz="800" b="1" dirty="0"/>
+              <a:t>Java Security: </a:t>
+            </a:r>
+            <a:r>
+              <a:rPr lang="de-AT" sz="800" dirty="0"/>
+              <a:t>Sicherheitslücken identifizieren und vermeiden,</a:t>
+            </a:r>
+            <a:br>
+              <a:rPr lang="de-AT" sz="800" dirty="0"/>
+            </a:br>
+            <a:r>
+              <a:rPr lang="de-AT" sz="800" dirty="0"/>
+              <a:t>Marc Schönefeld, 1. </a:t>
+            </a:r>
+            <a:r>
+              <a:rPr lang="de-AT" sz="800" dirty="0" err="1"/>
+              <a:t>edition</a:t>
+            </a:r>
+            <a:r>
+              <a:rPr lang="de-AT" sz="800" dirty="0"/>
+              <a:t> 2011</a:t>
+            </a:r>
+            <a:br>
+              <a:rPr lang="de-AT" sz="800" dirty="0"/>
+            </a:br>
+            <a:r>
+              <a:rPr lang="de-AT" sz="800" dirty="0"/>
+              <a:t>Publisher: </a:t>
+            </a:r>
+            <a:r>
+              <a:rPr lang="de-AT" sz="800" dirty="0" err="1"/>
+              <a:t>Hüthig</a:t>
+            </a:r>
+            <a:r>
+              <a:rPr lang="de-AT" sz="800" dirty="0"/>
+              <a:t> </a:t>
+            </a:r>
+            <a:r>
+              <a:rPr lang="de-AT" sz="800" dirty="0" err="1"/>
+              <a:t>Jehle</a:t>
+            </a:r>
+            <a:r>
+              <a:rPr lang="de-AT" sz="800" dirty="0"/>
+              <a:t> Rehm GmbH, Heidelberg.</a:t>
+            </a:r>
+            <a:br>
+              <a:rPr lang="de-AT" sz="800" dirty="0"/>
+            </a:br>
+            <a:r>
+              <a:rPr lang="de-AT" sz="800" dirty="0"/>
+              <a:t>ISBN/ISSN </a:t>
+            </a:r>
+            <a:r>
+              <a:rPr lang="de-AT" sz="800" dirty="0" smtClean="0"/>
+              <a:t>978-3-8266-9105-8</a:t>
+            </a:r>
+            <a:endParaRPr lang="de-AT" sz="800" dirty="0"/>
+          </a:p>
+          <a:p>
+            <a:pPr lvl="0"/>
+            <a:r>
+              <a:rPr lang="de-AT" sz="800" b="1" dirty="0"/>
+              <a:t>Enterprise Java Security:</a:t>
+            </a:r>
+            <a:r>
+              <a:rPr lang="de-AT" sz="800" dirty="0"/>
+              <a:t> Building Secure J2EE </a:t>
+            </a:r>
+            <a:r>
+              <a:rPr lang="de-AT" sz="800" dirty="0" err="1"/>
+              <a:t>Applications</a:t>
+            </a:r>
+            <a:r>
+              <a:rPr lang="de-AT" sz="800" dirty="0"/>
+              <a:t>,</a:t>
+            </a:r>
+            <a:br>
+              <a:rPr lang="de-AT" sz="800" dirty="0"/>
+            </a:br>
+            <a:r>
+              <a:rPr lang="de-AT" sz="800" dirty="0"/>
+              <a:t>Marco </a:t>
+            </a:r>
+            <a:r>
+              <a:rPr lang="de-AT" sz="800" dirty="0" err="1"/>
+              <a:t>Pistoia</a:t>
+            </a:r>
+            <a:r>
+              <a:rPr lang="de-AT" sz="800" dirty="0"/>
+              <a:t>, </a:t>
+            </a:r>
+            <a:r>
+              <a:rPr lang="de-AT" sz="800" dirty="0" err="1"/>
+              <a:t>Natara</a:t>
+            </a:r>
+            <a:r>
+              <a:rPr lang="de-AT" sz="800" dirty="0"/>
+              <a:t> j </a:t>
+            </a:r>
+            <a:r>
+              <a:rPr lang="de-AT" sz="800" dirty="0" err="1"/>
+              <a:t>Nagaratnam</a:t>
+            </a:r>
+            <a:r>
+              <a:rPr lang="de-AT" sz="800" dirty="0"/>
+              <a:t>, Larry </a:t>
+            </a:r>
+            <a:r>
+              <a:rPr lang="de-AT" sz="800" dirty="0" err="1"/>
+              <a:t>Koved</a:t>
+            </a:r>
+            <a:r>
+              <a:rPr lang="de-AT" sz="800" dirty="0"/>
+              <a:t>, Anthony </a:t>
+            </a:r>
+            <a:r>
+              <a:rPr lang="de-AT" sz="800" dirty="0" err="1"/>
+              <a:t>Nadalin</a:t>
+            </a:r>
+            <a:r>
+              <a:rPr lang="de-AT" sz="800" dirty="0"/>
+              <a:t>,</a:t>
+            </a:r>
+            <a:br>
+              <a:rPr lang="de-AT" sz="800" dirty="0"/>
+            </a:br>
+            <a:r>
+              <a:rPr lang="de-AT" sz="800" dirty="0"/>
+              <a:t>1. </a:t>
+            </a:r>
+            <a:r>
+              <a:rPr lang="de-AT" sz="800" dirty="0" err="1"/>
+              <a:t>edition</a:t>
+            </a:r>
+            <a:r>
+              <a:rPr lang="de-AT" sz="800" dirty="0"/>
+              <a:t> 2004</a:t>
+            </a:r>
+            <a:br>
+              <a:rPr lang="de-AT" sz="800" dirty="0"/>
+            </a:br>
+            <a:r>
+              <a:rPr lang="de-AT" sz="800" dirty="0"/>
+              <a:t>Publisher: Addison-Wesley Professional.</a:t>
+            </a:r>
+            <a:br>
+              <a:rPr lang="de-AT" sz="800" dirty="0"/>
+            </a:br>
+            <a:r>
+              <a:rPr lang="de-AT" sz="800" dirty="0"/>
+              <a:t>ISBN/ISSN: I SBN </a:t>
+            </a:r>
+            <a:r>
+              <a:rPr lang="de-AT" sz="800" dirty="0" smtClean="0"/>
+              <a:t>0-321-11889-8</a:t>
+            </a:r>
+            <a:endParaRPr lang="de-AT" sz="800" dirty="0"/>
+          </a:p>
+          <a:p>
+            <a:pPr lvl="0"/>
+            <a:r>
+              <a:rPr lang="de-AT" sz="800" b="1" dirty="0"/>
+              <a:t>Official </a:t>
+            </a:r>
+            <a:r>
+              <a:rPr lang="de-AT" sz="800" b="1" dirty="0" err="1"/>
+              <a:t>JavaEE</a:t>
+            </a:r>
+            <a:r>
+              <a:rPr lang="de-AT" sz="800" b="1" dirty="0"/>
+              <a:t> </a:t>
+            </a:r>
+            <a:r>
+              <a:rPr lang="de-AT" sz="800" b="1" dirty="0" err="1"/>
+              <a:t>Documentation</a:t>
+            </a:r>
+            <a:r>
+              <a:rPr lang="de-AT" sz="800" dirty="0"/>
+              <a:t>, Oracle,</a:t>
+            </a:r>
+            <a:br>
+              <a:rPr lang="de-AT" sz="800" dirty="0"/>
+            </a:br>
+            <a:r>
+              <a:rPr lang="de-AT" sz="800" dirty="0"/>
+              <a:t>29.09.2014 http://do cs.oracle.com/</a:t>
+            </a:r>
+            <a:r>
+              <a:rPr lang="de-AT" sz="800" dirty="0" err="1"/>
+              <a:t>javaee</a:t>
+            </a:r>
+            <a:r>
+              <a:rPr lang="de-AT" sz="800" dirty="0"/>
+              <a:t>/7/</a:t>
+            </a:r>
+            <a:r>
+              <a:rPr lang="de-AT" sz="800" dirty="0" err="1"/>
+              <a:t>tutorial</a:t>
+            </a:r>
+            <a:r>
+              <a:rPr lang="de-AT" sz="800" dirty="0"/>
+              <a:t>/do </a:t>
+            </a:r>
+            <a:r>
+              <a:rPr lang="de-AT" sz="800" dirty="0" smtClean="0"/>
+              <a:t>c/security-intro.htm</a:t>
+            </a:r>
+            <a:endParaRPr lang="de-AT" sz="800" dirty="0"/>
+          </a:p>
+          <a:p>
+            <a:pPr lvl="0"/>
+            <a:r>
+              <a:rPr lang="de-AT" sz="800" b="1" dirty="0"/>
+              <a:t>Java EE 6,</a:t>
+            </a:r>
+            <a:r>
+              <a:rPr lang="de-AT" sz="800" dirty="0"/>
+              <a:t/>
+            </a:r>
+            <a:br>
+              <a:rPr lang="de-AT" sz="800" dirty="0"/>
+            </a:br>
+            <a:r>
+              <a:rPr lang="de-AT" sz="800" dirty="0"/>
+              <a:t>Dirk Weil, 1. </a:t>
+            </a:r>
+            <a:r>
+              <a:rPr lang="de-AT" sz="800" dirty="0" err="1"/>
+              <a:t>edition</a:t>
+            </a:r>
+            <a:r>
+              <a:rPr lang="de-AT" sz="800" dirty="0"/>
+              <a:t> 2012</a:t>
+            </a:r>
+            <a:br>
+              <a:rPr lang="de-AT" sz="800" dirty="0"/>
+            </a:br>
+            <a:r>
+              <a:rPr lang="de-AT" sz="800" dirty="0"/>
+              <a:t>Publisher: </a:t>
+            </a:r>
+            <a:r>
+              <a:rPr lang="de-AT" sz="800" dirty="0" err="1"/>
+              <a:t>entwickler.press</a:t>
+            </a:r>
+            <a:r>
+              <a:rPr lang="de-AT" sz="800" dirty="0"/>
+              <a:t/>
+            </a:r>
+            <a:br>
+              <a:rPr lang="de-AT" sz="800" dirty="0"/>
+            </a:br>
+            <a:r>
+              <a:rPr lang="de-AT" sz="800" dirty="0"/>
+              <a:t>ISBN </a:t>
+            </a:r>
+            <a:r>
+              <a:rPr lang="de-AT" sz="800" dirty="0" smtClean="0"/>
+              <a:t>978-3-86802-077-9</a:t>
+            </a:r>
+            <a:endParaRPr lang="de-AT" sz="800" dirty="0"/>
+          </a:p>
+          <a:p>
+            <a:pPr lvl="0"/>
+            <a:r>
+              <a:rPr lang="de-AT" sz="800" b="1" dirty="0"/>
+              <a:t>Java EE 6 </a:t>
+            </a:r>
+            <a:r>
+              <a:rPr lang="de-AT" sz="800" b="1" dirty="0" err="1"/>
+              <a:t>Cookbook</a:t>
+            </a:r>
+            <a:r>
+              <a:rPr lang="de-AT" sz="800" dirty="0"/>
+              <a:t> </a:t>
+            </a:r>
+            <a:r>
+              <a:rPr lang="de-AT" sz="800" dirty="0" err="1"/>
+              <a:t>for</a:t>
+            </a:r>
+            <a:r>
+              <a:rPr lang="de-AT" sz="800" dirty="0"/>
+              <a:t> </a:t>
+            </a:r>
+            <a:r>
+              <a:rPr lang="de-AT" sz="800" dirty="0" err="1"/>
+              <a:t>Securing</a:t>
+            </a:r>
+            <a:r>
+              <a:rPr lang="de-AT" sz="800" dirty="0"/>
+              <a:t>, Tuning, </a:t>
+            </a:r>
+            <a:r>
+              <a:rPr lang="de-AT" sz="800" dirty="0" err="1"/>
+              <a:t>and</a:t>
+            </a:r>
+            <a:r>
+              <a:rPr lang="de-AT" sz="800" dirty="0"/>
+              <a:t> </a:t>
+            </a:r>
+            <a:r>
+              <a:rPr lang="de-AT" sz="800" dirty="0" err="1"/>
+              <a:t>Extending</a:t>
+            </a:r>
+            <a:r>
+              <a:rPr lang="de-AT" sz="800" dirty="0"/>
+              <a:t> Enterprise </a:t>
+            </a:r>
+            <a:r>
+              <a:rPr lang="de-AT" sz="800" dirty="0" err="1"/>
+              <a:t>Applications</a:t>
+            </a:r>
+            <a:r>
+              <a:rPr lang="de-AT" sz="800" dirty="0"/>
+              <a:t>, </a:t>
+            </a:r>
+            <a:br>
+              <a:rPr lang="de-AT" sz="800" dirty="0"/>
+            </a:br>
+            <a:r>
+              <a:rPr lang="de-AT" sz="800" dirty="0"/>
+              <a:t>Mick </a:t>
+            </a:r>
+            <a:r>
+              <a:rPr lang="de-AT" sz="800" dirty="0" err="1"/>
+              <a:t>Knutson</a:t>
+            </a:r>
+            <a:r>
+              <a:rPr lang="de-AT" sz="800" dirty="0"/>
+              <a:t>, </a:t>
+            </a:r>
+            <a:br>
+              <a:rPr lang="de-AT" sz="800" dirty="0"/>
+            </a:br>
+            <a:r>
+              <a:rPr lang="de-AT" sz="800" dirty="0"/>
+              <a:t>1. </a:t>
+            </a:r>
+            <a:r>
+              <a:rPr lang="de-AT" sz="800" dirty="0" err="1"/>
+              <a:t>edition</a:t>
+            </a:r>
+            <a:r>
+              <a:rPr lang="de-AT" sz="800" dirty="0"/>
+              <a:t> June 2012</a:t>
+            </a:r>
+            <a:br>
+              <a:rPr lang="de-AT" sz="800" dirty="0"/>
+            </a:br>
+            <a:r>
+              <a:rPr lang="de-AT" sz="800" dirty="0"/>
+              <a:t>Publisher: Addison-Wesley Professional.</a:t>
+            </a:r>
+            <a:br>
+              <a:rPr lang="de-AT" sz="800" dirty="0"/>
+            </a:br>
+            <a:r>
+              <a:rPr lang="de-AT" sz="800" dirty="0"/>
+              <a:t>ISBN/ISSN: I SBN </a:t>
+            </a:r>
+            <a:r>
+              <a:rPr lang="de-AT" sz="800" dirty="0" smtClean="0"/>
+              <a:t>9781849683166</a:t>
+            </a:r>
+          </a:p>
+        </p:txBody>
+      </p:sp>
+      <p:sp>
+        <p:nvSpPr>
+          <p:cNvPr id="4" name="Datumsplatzhalter 3"/>
+          <p:cNvSpPr>
+            <a:spLocks noGrp="1"/>
+          </p:cNvSpPr>
+          <p:nvPr>
+            <p:ph type="dt" sz="half" idx="10"/>
+          </p:nvPr>
+        </p:nvSpPr>
+        <p:spPr/>
+        <p:txBody>
+          <a:bodyPr/>
+          <a:lstStyle/>
+          <a:p>
+            <a:fld id="{680BB08F-6D3B-4E3E-8B05-C729AFCB21AF}" type="datetime1">
+              <a:rPr lang="de-AT" smtClean="0"/>
+              <a:t>13.02.2015</a:t>
+            </a:fld>
+            <a:endParaRPr lang="en-US" dirty="0"/>
+          </a:p>
+        </p:txBody>
+      </p:sp>
+      <p:sp>
+        <p:nvSpPr>
+          <p:cNvPr id="5" name="Fußzeilenplatzhalter 4"/>
+          <p:cNvSpPr>
+            <a:spLocks noGrp="1"/>
+          </p:cNvSpPr>
+          <p:nvPr>
+            <p:ph type="ftr" sz="quarter" idx="11"/>
+          </p:nvPr>
+        </p:nvSpPr>
+        <p:spPr/>
+        <p:txBody>
+          <a:bodyPr/>
+          <a:lstStyle/>
+          <a:p>
+            <a:r>
+              <a:rPr lang="en-US" dirty="0" smtClean="0"/>
+              <a:t>Ari Ayvazyan, Adrian Bergler, Java EE Security</a:t>
+            </a:r>
+            <a:endParaRPr lang="en-US" dirty="0"/>
+          </a:p>
+        </p:txBody>
+      </p:sp>
+      <p:sp>
+        <p:nvSpPr>
+          <p:cNvPr id="6" name="Foliennummernplatzhalter 5"/>
+          <p:cNvSpPr>
+            <a:spLocks noGrp="1"/>
+          </p:cNvSpPr>
+          <p:nvPr>
+            <p:ph type="sldNum" sz="quarter" idx="12"/>
+          </p:nvPr>
+        </p:nvSpPr>
+        <p:spPr/>
+        <p:txBody>
+          <a:bodyPr/>
+          <a:lstStyle/>
+          <a:p>
+            <a:fld id="{D57F1E4F-1CFF-5643-939E-02111984F565}" type="slidenum">
+              <a:rPr lang="en-US" smtClean="0"/>
+              <a:t>33</a:t>
+            </a:fld>
+            <a:endParaRPr lang="en-US" dirty="0"/>
+          </a:p>
+        </p:txBody>
+      </p:sp>
+    </p:spTree>
+    <p:extLst>
+      <p:ext uri="{BB962C8B-B14F-4D97-AF65-F5344CB8AC3E}">
+        <p14:creationId xmlns:p14="http://schemas.microsoft.com/office/powerpoint/2010/main" val="801564242"/>
+      </p:ext>
+    </p:extLst>
+  </p:cSld>
+  <p:clrMapOvr>
+    <a:masterClrMapping/>
+  </p:clrMapOvr>
+  <p:timing>
+    <p:tnLst>
+      <p:par>
+        <p:cTn id="1" dur="indefinite" restart="never" nodeType="tmRoot"/>
+      </p:par>
+    </p:tnLst>
+  </p:timing>
+</p:sld>
+</file>
+
+<file path=ppt/slides/slide34.xml><?xml version="1.0" encoding="utf-8"?>
+<p:sld xmlns:a="http://schemas.openxmlformats.org/drawingml/2006/main" xmlns:r="http://schemas.openxmlformats.org/officeDocument/2006/relationships" xmlns:p="http://schemas.openxmlformats.org/presentationml/2006/main">
+  <p:cSld>
+    <p:spTree>
+      <p:nvGrpSpPr>
+        <p:cNvPr id="1" name=""/>
+        <p:cNvGrpSpPr/>
+        <p:nvPr/>
+      </p:nvGrpSpPr>
+      <p:grpSpPr>
+        <a:xfrm>
+          <a:off x="0" y="0"/>
+          <a:ext cx="0" cy="0"/>
+          <a:chOff x="0" y="0"/>
+          <a:chExt cx="0" cy="0"/>
+        </a:xfrm>
+      </p:grpSpPr>
+      <p:sp>
+        <p:nvSpPr>
+          <p:cNvPr id="2" name="Titel 1"/>
+          <p:cNvSpPr>
+            <a:spLocks noGrp="1"/>
+          </p:cNvSpPr>
+          <p:nvPr>
+            <p:ph type="title"/>
+          </p:nvPr>
+        </p:nvSpPr>
+        <p:spPr/>
+        <p:txBody>
+          <a:bodyPr/>
+          <a:lstStyle/>
+          <a:p>
+            <a:pPr lvl="0"/>
+            <a:r>
+              <a:rPr lang="de-AT" dirty="0" err="1" smtClean="0"/>
+              <a:t>Questions</a:t>
+            </a:r>
+            <a:r>
+              <a:rPr lang="de-AT" dirty="0" smtClean="0"/>
+              <a:t>?</a:t>
+            </a:r>
+            <a:endParaRPr lang="de-AT" dirty="0"/>
+          </a:p>
+        </p:txBody>
+      </p:sp>
+      <p:sp>
+        <p:nvSpPr>
+          <p:cNvPr id="3" name="Inhaltsplatzhalter 2"/>
+          <p:cNvSpPr>
+            <a:spLocks noGrp="1"/>
+          </p:cNvSpPr>
+          <p:nvPr>
+            <p:ph idx="1"/>
+          </p:nvPr>
+        </p:nvSpPr>
+        <p:spPr/>
+        <p:txBody>
+          <a:bodyPr/>
+          <a:lstStyle/>
+          <a:p>
+            <a:pPr marL="0" indent="0">
+              <a:buNone/>
+            </a:pPr>
+            <a:r>
+              <a:rPr lang="de-AT" dirty="0" smtClean="0"/>
+              <a:t> </a:t>
+            </a:r>
+            <a:endParaRPr lang="de-AT" dirty="0"/>
+          </a:p>
+        </p:txBody>
+      </p:sp>
+      <p:sp>
+        <p:nvSpPr>
+          <p:cNvPr id="4" name="Datumsplatzhalter 3"/>
+          <p:cNvSpPr>
+            <a:spLocks noGrp="1"/>
+          </p:cNvSpPr>
+          <p:nvPr>
+            <p:ph type="dt" sz="half" idx="10"/>
+          </p:nvPr>
+        </p:nvSpPr>
+        <p:spPr/>
+        <p:txBody>
+          <a:bodyPr/>
+          <a:lstStyle/>
+          <a:p>
+            <a:fld id="{F119BB51-554B-42A7-A5CE-65CE19D217E2}" type="datetime1">
+              <a:rPr lang="de-AT" smtClean="0"/>
+              <a:t>13.02.2015</a:t>
+            </a:fld>
+            <a:endParaRPr lang="en-US" dirty="0"/>
+          </a:p>
+        </p:txBody>
+      </p:sp>
+      <p:sp>
+        <p:nvSpPr>
+          <p:cNvPr id="5" name="Fußzeilenplatzhalter 4"/>
+          <p:cNvSpPr>
+            <a:spLocks noGrp="1"/>
+          </p:cNvSpPr>
+          <p:nvPr>
+            <p:ph type="ftr" sz="quarter" idx="11"/>
+          </p:nvPr>
+        </p:nvSpPr>
+        <p:spPr/>
+        <p:txBody>
+          <a:bodyPr/>
+          <a:lstStyle/>
+          <a:p>
+            <a:r>
+              <a:rPr lang="en-US" dirty="0" smtClean="0"/>
+              <a:t>Ari Ayvazyan, Adrian Bergler, Java EE Security</a:t>
+            </a:r>
+            <a:endParaRPr lang="en-US" dirty="0"/>
+          </a:p>
+        </p:txBody>
+      </p:sp>
+      <p:sp>
+        <p:nvSpPr>
+          <p:cNvPr id="6" name="Foliennummernplatzhalter 5"/>
+          <p:cNvSpPr>
+            <a:spLocks noGrp="1"/>
+          </p:cNvSpPr>
+          <p:nvPr>
+            <p:ph type="sldNum" sz="quarter" idx="12"/>
+          </p:nvPr>
+        </p:nvSpPr>
+        <p:spPr/>
+        <p:txBody>
+          <a:bodyPr/>
+          <a:lstStyle/>
+          <a:p>
+            <a:fld id="{D57F1E4F-1CFF-5643-939E-02111984F565}" type="slidenum">
+              <a:rPr lang="en-US" smtClean="0"/>
+              <a:t>34</a:t>
+            </a:fld>
+            <a:endParaRPr lang="en-US" dirty="0"/>
+          </a:p>
+        </p:txBody>
+      </p:sp>
+    </p:spTree>
+    <p:extLst>
+      <p:ext uri="{BB962C8B-B14F-4D97-AF65-F5344CB8AC3E}">
+        <p14:creationId xmlns:p14="http://schemas.microsoft.com/office/powerpoint/2010/main" val="4265888455"/>
       </p:ext>
     </p:extLst>
   </p:cSld>
@@ -18321,7 +18583,6 @@
               <a:rPr lang="en-US" dirty="0"/>
               <a:t>.</a:t>
             </a:r>
-            <a:endParaRPr lang="en-US" dirty="0"/>
           </a:p>
         </p:txBody>
       </p:sp>

--- a/doc/Java EE - Security.pptx
+++ b/doc/Java EE - Security.pptx
@@ -5,7 +5,7 @@
     <p:sldMasterId id="2147483671" r:id="rId1"/>
   </p:sldMasterIdLst>
   <p:notesMasterIdLst>
-    <p:notesMasterId r:id="rId36"/>
+    <p:notesMasterId r:id="rId41"/>
   </p:notesMasterIdLst>
   <p:sldIdLst>
     <p:sldId id="256" r:id="rId2"/>
@@ -34,14 +34,19 @@
     <p:sldId id="293" r:id="rId25"/>
     <p:sldId id="294" r:id="rId26"/>
     <p:sldId id="283" r:id="rId27"/>
-    <p:sldId id="284" r:id="rId28"/>
-    <p:sldId id="265" r:id="rId29"/>
-    <p:sldId id="287" r:id="rId30"/>
-    <p:sldId id="286" r:id="rId31"/>
-    <p:sldId id="285" r:id="rId32"/>
-    <p:sldId id="266" r:id="rId33"/>
-    <p:sldId id="262" r:id="rId34"/>
-    <p:sldId id="272" r:id="rId35"/>
+    <p:sldId id="295" r:id="rId28"/>
+    <p:sldId id="296" r:id="rId29"/>
+    <p:sldId id="284" r:id="rId30"/>
+    <p:sldId id="297" r:id="rId31"/>
+    <p:sldId id="298" r:id="rId32"/>
+    <p:sldId id="299" r:id="rId33"/>
+    <p:sldId id="265" r:id="rId34"/>
+    <p:sldId id="287" r:id="rId35"/>
+    <p:sldId id="286" r:id="rId36"/>
+    <p:sldId id="285" r:id="rId37"/>
+    <p:sldId id="266" r:id="rId38"/>
+    <p:sldId id="262" r:id="rId39"/>
+    <p:sldId id="272" r:id="rId40"/>
   </p:sldIdLst>
   <p:sldSz cx="12192000" cy="6858000"/>
   <p:notesSz cx="6858000" cy="9144000"/>
@@ -1482,6 +1487,657 @@
       <dsp:cNvGrpSpPr/>
     </dsp:nvGrpSpPr>
     <dsp:grpSpPr/>
+    <dsp:sp modelId="{28BA9BE9-D4DB-46B0-B146-422E49D9DB44}">
+      <dsp:nvSpPr>
+        <dsp:cNvPr id="0" name=""/>
+        <dsp:cNvSpPr/>
+      </dsp:nvSpPr>
+      <dsp:spPr>
+        <a:xfrm rot="5400000">
+          <a:off x="-158288" y="161326"/>
+          <a:ext cx="1055253" cy="738677"/>
+        </a:xfrm>
+        <a:prstGeom prst="chevron">
+          <a:avLst/>
+        </a:prstGeom>
+        <a:solidFill>
+          <a:schemeClr val="accent1">
+            <a:hueOff val="0"/>
+            <a:satOff val="0"/>
+            <a:lumOff val="0"/>
+            <a:alphaOff val="0"/>
+          </a:schemeClr>
+        </a:solidFill>
+        <a:ln w="15875" cap="rnd" cmpd="sng" algn="ctr">
+          <a:solidFill>
+            <a:schemeClr val="accent1">
+              <a:hueOff val="0"/>
+              <a:satOff val="0"/>
+              <a:lumOff val="0"/>
+              <a:alphaOff val="0"/>
+            </a:schemeClr>
+          </a:solidFill>
+          <a:prstDash val="solid"/>
+        </a:ln>
+        <a:effectLst/>
+      </dsp:spPr>
+      <dsp:style>
+        <a:lnRef idx="2">
+          <a:scrgbClr r="0" g="0" b="0"/>
+        </a:lnRef>
+        <a:fillRef idx="1">
+          <a:scrgbClr r="0" g="0" b="0"/>
+        </a:fillRef>
+        <a:effectRef idx="0">
+          <a:scrgbClr r="0" g="0" b="0"/>
+        </a:effectRef>
+        <a:fontRef idx="minor">
+          <a:schemeClr val="lt1"/>
+        </a:fontRef>
+      </dsp:style>
+      <dsp:txBody>
+        <a:bodyPr spcFirstLastPara="0" vert="horz" wrap="square" lIns="6350" tIns="6350" rIns="6350" bIns="6350" numCol="1" spcCol="1270" anchor="ctr" anchorCtr="0">
+          <a:noAutofit/>
+        </a:bodyPr>
+        <a:lstStyle/>
+        <a:p>
+          <a:pPr lvl="0" algn="ctr" defTabSz="444500">
+            <a:lnSpc>
+              <a:spcPct val="90000"/>
+            </a:lnSpc>
+            <a:spcBef>
+              <a:spcPct val="0"/>
+            </a:spcBef>
+            <a:spcAft>
+              <a:spcPct val="35000"/>
+            </a:spcAft>
+          </a:pPr>
+          <a:r>
+            <a:rPr lang="de-AT" sz="1000" kern="1200" dirty="0" smtClean="0"/>
+            <a:t>Transport </a:t>
+          </a:r>
+          <a:r>
+            <a:rPr lang="de-AT" sz="1000" kern="1200" dirty="0" err="1" smtClean="0"/>
+            <a:t>Layers</a:t>
+          </a:r>
+          <a:endParaRPr lang="de-AT" sz="1000" kern="1200" dirty="0"/>
+        </a:p>
+      </dsp:txBody>
+      <dsp:txXfrm rot="-5400000">
+        <a:off x="1" y="372377"/>
+        <a:ext cx="738677" cy="316576"/>
+      </dsp:txXfrm>
+    </dsp:sp>
+    <dsp:sp modelId="{09D8BA6E-98C0-4C33-88B4-40289551911A}">
+      <dsp:nvSpPr>
+        <dsp:cNvPr id="0" name=""/>
+        <dsp:cNvSpPr/>
+      </dsp:nvSpPr>
+      <dsp:spPr>
+        <a:xfrm rot="5400000">
+          <a:off x="4484081" y="-3742365"/>
+          <a:ext cx="685914" cy="8176722"/>
+        </a:xfrm>
+        <a:prstGeom prst="round2SameRect">
+          <a:avLst/>
+        </a:prstGeom>
+        <a:solidFill>
+          <a:schemeClr val="lt1">
+            <a:alpha val="90000"/>
+            <a:hueOff val="0"/>
+            <a:satOff val="0"/>
+            <a:lumOff val="0"/>
+            <a:alphaOff val="0"/>
+          </a:schemeClr>
+        </a:solidFill>
+        <a:ln w="15875" cap="rnd" cmpd="sng" algn="ctr">
+          <a:solidFill>
+            <a:schemeClr val="accent1">
+              <a:hueOff val="0"/>
+              <a:satOff val="0"/>
+              <a:lumOff val="0"/>
+              <a:alphaOff val="0"/>
+            </a:schemeClr>
+          </a:solidFill>
+          <a:prstDash val="solid"/>
+        </a:ln>
+        <a:effectLst/>
+      </dsp:spPr>
+      <dsp:style>
+        <a:lnRef idx="2">
+          <a:scrgbClr r="0" g="0" b="0"/>
+        </a:lnRef>
+        <a:fillRef idx="1">
+          <a:scrgbClr r="0" g="0" b="0"/>
+        </a:fillRef>
+        <a:effectRef idx="0">
+          <a:scrgbClr r="0" g="0" b="0"/>
+        </a:effectRef>
+        <a:fontRef idx="minor"/>
+      </dsp:style>
+      <dsp:txBody>
+        <a:bodyPr spcFirstLastPara="0" vert="horz" wrap="square" lIns="135128" tIns="12065" rIns="12065" bIns="12065" numCol="1" spcCol="1270" anchor="ctr" anchorCtr="0">
+          <a:noAutofit/>
+        </a:bodyPr>
+        <a:lstStyle/>
+        <a:p>
+          <a:pPr marL="171450" lvl="1" indent="-171450" algn="l" defTabSz="844550">
+            <a:lnSpc>
+              <a:spcPct val="90000"/>
+            </a:lnSpc>
+            <a:spcBef>
+              <a:spcPct val="0"/>
+            </a:spcBef>
+            <a:spcAft>
+              <a:spcPct val="15000"/>
+            </a:spcAft>
+            <a:buChar char="••"/>
+          </a:pPr>
+          <a:r>
+            <a:rPr lang="de-AT" sz="1900" kern="1200" dirty="0" smtClean="0"/>
+            <a:t>Transport Security - VPN</a:t>
+          </a:r>
+          <a:endParaRPr lang="de-AT" sz="1900" kern="1200" dirty="0"/>
+        </a:p>
+      </dsp:txBody>
+      <dsp:txXfrm rot="-5400000">
+        <a:off x="738677" y="36523"/>
+        <a:ext cx="8143238" cy="618946"/>
+      </dsp:txXfrm>
+    </dsp:sp>
+    <dsp:sp modelId="{91524A07-76C5-4C1E-9B86-B94CDCF20971}">
+      <dsp:nvSpPr>
+        <dsp:cNvPr id="0" name=""/>
+        <dsp:cNvSpPr/>
+      </dsp:nvSpPr>
+      <dsp:spPr>
+        <a:xfrm rot="5400000">
+          <a:off x="-158288" y="1066966"/>
+          <a:ext cx="1055253" cy="738677"/>
+        </a:xfrm>
+        <a:prstGeom prst="chevron">
+          <a:avLst/>
+        </a:prstGeom>
+        <a:solidFill>
+          <a:schemeClr val="accent1">
+            <a:hueOff val="0"/>
+            <a:satOff val="0"/>
+            <a:lumOff val="0"/>
+            <a:alphaOff val="0"/>
+          </a:schemeClr>
+        </a:solidFill>
+        <a:ln w="15875" cap="rnd" cmpd="sng" algn="ctr">
+          <a:solidFill>
+            <a:schemeClr val="accent1">
+              <a:hueOff val="0"/>
+              <a:satOff val="0"/>
+              <a:lumOff val="0"/>
+              <a:alphaOff val="0"/>
+            </a:schemeClr>
+          </a:solidFill>
+          <a:prstDash val="solid"/>
+        </a:ln>
+        <a:effectLst/>
+      </dsp:spPr>
+      <dsp:style>
+        <a:lnRef idx="2">
+          <a:scrgbClr r="0" g="0" b="0"/>
+        </a:lnRef>
+        <a:fillRef idx="1">
+          <a:scrgbClr r="0" g="0" b="0"/>
+        </a:fillRef>
+        <a:effectRef idx="0">
+          <a:scrgbClr r="0" g="0" b="0"/>
+        </a:effectRef>
+        <a:fontRef idx="minor">
+          <a:schemeClr val="lt1"/>
+        </a:fontRef>
+      </dsp:style>
+      <dsp:txBody>
+        <a:bodyPr spcFirstLastPara="0" vert="horz" wrap="square" lIns="6350" tIns="6350" rIns="6350" bIns="6350" numCol="1" spcCol="1270" anchor="ctr" anchorCtr="0">
+          <a:noAutofit/>
+        </a:bodyPr>
+        <a:lstStyle/>
+        <a:p>
+          <a:pPr lvl="0" algn="ctr" defTabSz="444500">
+            <a:lnSpc>
+              <a:spcPct val="90000"/>
+            </a:lnSpc>
+            <a:spcBef>
+              <a:spcPct val="0"/>
+            </a:spcBef>
+            <a:spcAft>
+              <a:spcPct val="35000"/>
+            </a:spcAft>
+          </a:pPr>
+          <a:r>
+            <a:rPr lang="de-AT" sz="1000" kern="1200" dirty="0" smtClean="0"/>
+            <a:t>Java EE</a:t>
+          </a:r>
+          <a:endParaRPr lang="de-AT" sz="1000" kern="1200" dirty="0"/>
+        </a:p>
+      </dsp:txBody>
+      <dsp:txXfrm rot="-5400000">
+        <a:off x="1" y="1278017"/>
+        <a:ext cx="738677" cy="316576"/>
+      </dsp:txXfrm>
+    </dsp:sp>
+    <dsp:sp modelId="{A3088ED6-5EF0-4F90-B3E2-9E286FC01DAF}">
+      <dsp:nvSpPr>
+        <dsp:cNvPr id="0" name=""/>
+        <dsp:cNvSpPr/>
+      </dsp:nvSpPr>
+      <dsp:spPr>
+        <a:xfrm rot="5400000">
+          <a:off x="4484081" y="-2836725"/>
+          <a:ext cx="685914" cy="8176722"/>
+        </a:xfrm>
+        <a:prstGeom prst="round2SameRect">
+          <a:avLst/>
+        </a:prstGeom>
+        <a:solidFill>
+          <a:schemeClr val="lt1">
+            <a:alpha val="90000"/>
+            <a:hueOff val="0"/>
+            <a:satOff val="0"/>
+            <a:lumOff val="0"/>
+            <a:alphaOff val="0"/>
+          </a:schemeClr>
+        </a:solidFill>
+        <a:ln w="15875" cap="rnd" cmpd="sng" algn="ctr">
+          <a:solidFill>
+            <a:schemeClr val="accent1">
+              <a:hueOff val="0"/>
+              <a:satOff val="0"/>
+              <a:lumOff val="0"/>
+              <a:alphaOff val="0"/>
+            </a:schemeClr>
+          </a:solidFill>
+          <a:prstDash val="solid"/>
+        </a:ln>
+        <a:effectLst/>
+      </dsp:spPr>
+      <dsp:style>
+        <a:lnRef idx="2">
+          <a:scrgbClr r="0" g="0" b="0"/>
+        </a:lnRef>
+        <a:fillRef idx="1">
+          <a:scrgbClr r="0" g="0" b="0"/>
+        </a:fillRef>
+        <a:effectRef idx="0">
+          <a:scrgbClr r="0" g="0" b="0"/>
+        </a:effectRef>
+        <a:fontRef idx="minor"/>
+      </dsp:style>
+      <dsp:txBody>
+        <a:bodyPr spcFirstLastPara="0" vert="horz" wrap="square" lIns="135128" tIns="12065" rIns="12065" bIns="12065" numCol="1" spcCol="1270" anchor="ctr" anchorCtr="0">
+          <a:noAutofit/>
+        </a:bodyPr>
+        <a:lstStyle/>
+        <a:p>
+          <a:pPr marL="171450" lvl="1" indent="-171450" algn="l" defTabSz="844550">
+            <a:lnSpc>
+              <a:spcPct val="90000"/>
+            </a:lnSpc>
+            <a:spcBef>
+              <a:spcPct val="0"/>
+            </a:spcBef>
+            <a:spcAft>
+              <a:spcPct val="15000"/>
+            </a:spcAft>
+            <a:buChar char="••"/>
+          </a:pPr>
+          <a:r>
+            <a:rPr lang="de-AT" sz="1900" kern="1200" dirty="0" smtClean="0"/>
+            <a:t>Users, Logins, </a:t>
+          </a:r>
+          <a:r>
+            <a:rPr lang="de-AT" sz="1900" kern="1200" dirty="0" err="1" smtClean="0"/>
+            <a:t>Permissions</a:t>
+          </a:r>
+          <a:endParaRPr lang="de-AT" sz="1900" kern="1200" dirty="0"/>
+        </a:p>
+        <a:p>
+          <a:pPr marL="171450" lvl="1" indent="-171450" algn="l" defTabSz="844550">
+            <a:lnSpc>
+              <a:spcPct val="90000"/>
+            </a:lnSpc>
+            <a:spcBef>
+              <a:spcPct val="0"/>
+            </a:spcBef>
+            <a:spcAft>
+              <a:spcPct val="15000"/>
+            </a:spcAft>
+            <a:buChar char="••"/>
+          </a:pPr>
+          <a:r>
+            <a:rPr lang="de-AT" sz="1900" kern="1200" dirty="0" smtClean="0"/>
+            <a:t>Https</a:t>
+          </a:r>
+          <a:endParaRPr lang="de-AT" sz="1900" kern="1200" dirty="0"/>
+        </a:p>
+      </dsp:txBody>
+      <dsp:txXfrm rot="-5400000">
+        <a:off x="738677" y="942163"/>
+        <a:ext cx="8143238" cy="618946"/>
+      </dsp:txXfrm>
+    </dsp:sp>
+    <dsp:sp modelId="{8BCCC03A-B0D6-4765-A2F7-8902AD0C945F}">
+      <dsp:nvSpPr>
+        <dsp:cNvPr id="0" name=""/>
+        <dsp:cNvSpPr/>
+      </dsp:nvSpPr>
+      <dsp:spPr>
+        <a:xfrm rot="5400000">
+          <a:off x="-158288" y="1972606"/>
+          <a:ext cx="1055253" cy="738677"/>
+        </a:xfrm>
+        <a:prstGeom prst="chevron">
+          <a:avLst/>
+        </a:prstGeom>
+        <a:solidFill>
+          <a:schemeClr val="accent1">
+            <a:hueOff val="0"/>
+            <a:satOff val="0"/>
+            <a:lumOff val="0"/>
+            <a:alphaOff val="0"/>
+          </a:schemeClr>
+        </a:solidFill>
+        <a:ln w="15875" cap="rnd" cmpd="sng" algn="ctr">
+          <a:solidFill>
+            <a:schemeClr val="accent1">
+              <a:hueOff val="0"/>
+              <a:satOff val="0"/>
+              <a:lumOff val="0"/>
+              <a:alphaOff val="0"/>
+            </a:schemeClr>
+          </a:solidFill>
+          <a:prstDash val="solid"/>
+        </a:ln>
+        <a:effectLst/>
+      </dsp:spPr>
+      <dsp:style>
+        <a:lnRef idx="2">
+          <a:scrgbClr r="0" g="0" b="0"/>
+        </a:lnRef>
+        <a:fillRef idx="1">
+          <a:scrgbClr r="0" g="0" b="0"/>
+        </a:fillRef>
+        <a:effectRef idx="0">
+          <a:scrgbClr r="0" g="0" b="0"/>
+        </a:effectRef>
+        <a:fontRef idx="minor">
+          <a:schemeClr val="lt1"/>
+        </a:fontRef>
+      </dsp:style>
+      <dsp:txBody>
+        <a:bodyPr spcFirstLastPara="0" vert="horz" wrap="square" lIns="6350" tIns="6350" rIns="6350" bIns="6350" numCol="1" spcCol="1270" anchor="ctr" anchorCtr="0">
+          <a:noAutofit/>
+        </a:bodyPr>
+        <a:lstStyle/>
+        <a:p>
+          <a:pPr lvl="0" algn="ctr" defTabSz="444500">
+            <a:lnSpc>
+              <a:spcPct val="90000"/>
+            </a:lnSpc>
+            <a:spcBef>
+              <a:spcPct val="0"/>
+            </a:spcBef>
+            <a:spcAft>
+              <a:spcPct val="35000"/>
+            </a:spcAft>
+          </a:pPr>
+          <a:r>
+            <a:rPr lang="de-AT" sz="1000" kern="1200" dirty="0" smtClean="0"/>
+            <a:t>SQL</a:t>
+          </a:r>
+          <a:endParaRPr lang="de-AT" sz="1000" kern="1200" dirty="0"/>
+        </a:p>
+      </dsp:txBody>
+      <dsp:txXfrm rot="-5400000">
+        <a:off x="1" y="2183657"/>
+        <a:ext cx="738677" cy="316576"/>
+      </dsp:txXfrm>
+    </dsp:sp>
+    <dsp:sp modelId="{58F3B35C-52D3-4A88-B711-B1514621889C}">
+      <dsp:nvSpPr>
+        <dsp:cNvPr id="0" name=""/>
+        <dsp:cNvSpPr/>
+      </dsp:nvSpPr>
+      <dsp:spPr>
+        <a:xfrm rot="5400000">
+          <a:off x="4484081" y="-1931085"/>
+          <a:ext cx="685914" cy="8176722"/>
+        </a:xfrm>
+        <a:prstGeom prst="round2SameRect">
+          <a:avLst/>
+        </a:prstGeom>
+        <a:solidFill>
+          <a:schemeClr val="lt1">
+            <a:alpha val="90000"/>
+            <a:hueOff val="0"/>
+            <a:satOff val="0"/>
+            <a:lumOff val="0"/>
+            <a:alphaOff val="0"/>
+          </a:schemeClr>
+        </a:solidFill>
+        <a:ln w="15875" cap="rnd" cmpd="sng" algn="ctr">
+          <a:solidFill>
+            <a:schemeClr val="accent1">
+              <a:hueOff val="0"/>
+              <a:satOff val="0"/>
+              <a:lumOff val="0"/>
+              <a:alphaOff val="0"/>
+            </a:schemeClr>
+          </a:solidFill>
+          <a:prstDash val="solid"/>
+        </a:ln>
+        <a:effectLst/>
+      </dsp:spPr>
+      <dsp:style>
+        <a:lnRef idx="2">
+          <a:scrgbClr r="0" g="0" b="0"/>
+        </a:lnRef>
+        <a:fillRef idx="1">
+          <a:scrgbClr r="0" g="0" b="0"/>
+        </a:fillRef>
+        <a:effectRef idx="0">
+          <a:scrgbClr r="0" g="0" b="0"/>
+        </a:effectRef>
+        <a:fontRef idx="minor"/>
+      </dsp:style>
+      <dsp:txBody>
+        <a:bodyPr spcFirstLastPara="0" vert="horz" wrap="square" lIns="135128" tIns="12065" rIns="12065" bIns="12065" numCol="1" spcCol="1270" anchor="ctr" anchorCtr="0">
+          <a:noAutofit/>
+        </a:bodyPr>
+        <a:lstStyle/>
+        <a:p>
+          <a:pPr marL="171450" lvl="1" indent="-171450" algn="l" defTabSz="844550">
+            <a:lnSpc>
+              <a:spcPct val="90000"/>
+            </a:lnSpc>
+            <a:spcBef>
+              <a:spcPct val="0"/>
+            </a:spcBef>
+            <a:spcAft>
+              <a:spcPct val="15000"/>
+            </a:spcAft>
+            <a:buChar char="••"/>
+          </a:pPr>
+          <a:r>
+            <a:rPr lang="de-AT" sz="1900" kern="1200" dirty="0" smtClean="0"/>
+            <a:t>SQL Users &amp; </a:t>
+          </a:r>
+          <a:r>
+            <a:rPr lang="de-AT" sz="1900" kern="1200" dirty="0" err="1" smtClean="0"/>
+            <a:t>Permissions</a:t>
+          </a:r>
+          <a:endParaRPr lang="de-AT" sz="1900" kern="1200" dirty="0"/>
+        </a:p>
+      </dsp:txBody>
+      <dsp:txXfrm rot="-5400000">
+        <a:off x="738677" y="1847803"/>
+        <a:ext cx="8143238" cy="618946"/>
+      </dsp:txXfrm>
+    </dsp:sp>
+    <dsp:sp modelId="{F2561750-5C0E-43DF-BF7B-420C5B526526}">
+      <dsp:nvSpPr>
+        <dsp:cNvPr id="0" name=""/>
+        <dsp:cNvSpPr/>
+      </dsp:nvSpPr>
+      <dsp:spPr>
+        <a:xfrm rot="5400000">
+          <a:off x="-158288" y="2878245"/>
+          <a:ext cx="1055253" cy="738677"/>
+        </a:xfrm>
+        <a:prstGeom prst="chevron">
+          <a:avLst/>
+        </a:prstGeom>
+        <a:solidFill>
+          <a:schemeClr val="accent1">
+            <a:hueOff val="0"/>
+            <a:satOff val="0"/>
+            <a:lumOff val="0"/>
+            <a:alphaOff val="0"/>
+          </a:schemeClr>
+        </a:solidFill>
+        <a:ln w="15875" cap="rnd" cmpd="sng" algn="ctr">
+          <a:solidFill>
+            <a:schemeClr val="accent1">
+              <a:hueOff val="0"/>
+              <a:satOff val="0"/>
+              <a:lumOff val="0"/>
+              <a:alphaOff val="0"/>
+            </a:schemeClr>
+          </a:solidFill>
+          <a:prstDash val="solid"/>
+        </a:ln>
+        <a:effectLst/>
+      </dsp:spPr>
+      <dsp:style>
+        <a:lnRef idx="2">
+          <a:scrgbClr r="0" g="0" b="0"/>
+        </a:lnRef>
+        <a:fillRef idx="1">
+          <a:scrgbClr r="0" g="0" b="0"/>
+        </a:fillRef>
+        <a:effectRef idx="0">
+          <a:scrgbClr r="0" g="0" b="0"/>
+        </a:effectRef>
+        <a:fontRef idx="minor">
+          <a:schemeClr val="lt1"/>
+        </a:fontRef>
+      </dsp:style>
+      <dsp:txBody>
+        <a:bodyPr spcFirstLastPara="0" vert="horz" wrap="square" lIns="6350" tIns="6350" rIns="6350" bIns="6350" numCol="1" spcCol="1270" anchor="ctr" anchorCtr="0">
+          <a:noAutofit/>
+        </a:bodyPr>
+        <a:lstStyle/>
+        <a:p>
+          <a:pPr lvl="0" algn="ctr" defTabSz="444500">
+            <a:lnSpc>
+              <a:spcPct val="90000"/>
+            </a:lnSpc>
+            <a:spcBef>
+              <a:spcPct val="0"/>
+            </a:spcBef>
+            <a:spcAft>
+              <a:spcPct val="35000"/>
+            </a:spcAft>
+          </a:pPr>
+          <a:r>
+            <a:rPr lang="de-AT" sz="1000" kern="1200" dirty="0" smtClean="0"/>
+            <a:t>Java EE</a:t>
+          </a:r>
+          <a:endParaRPr lang="de-AT" sz="1000" kern="1200" dirty="0"/>
+        </a:p>
+      </dsp:txBody>
+      <dsp:txXfrm rot="-5400000">
+        <a:off x="1" y="3089296"/>
+        <a:ext cx="738677" cy="316576"/>
+      </dsp:txXfrm>
+    </dsp:sp>
+    <dsp:sp modelId="{BAE2DE17-FA3B-420B-9009-BA87213D019E}">
+      <dsp:nvSpPr>
+        <dsp:cNvPr id="0" name=""/>
+        <dsp:cNvSpPr/>
+      </dsp:nvSpPr>
+      <dsp:spPr>
+        <a:xfrm rot="5400000">
+          <a:off x="4484081" y="-1025446"/>
+          <a:ext cx="685914" cy="8176722"/>
+        </a:xfrm>
+        <a:prstGeom prst="round2SameRect">
+          <a:avLst/>
+        </a:prstGeom>
+        <a:solidFill>
+          <a:schemeClr val="lt1">
+            <a:alpha val="90000"/>
+            <a:hueOff val="0"/>
+            <a:satOff val="0"/>
+            <a:lumOff val="0"/>
+            <a:alphaOff val="0"/>
+          </a:schemeClr>
+        </a:solidFill>
+        <a:ln w="15875" cap="rnd" cmpd="sng" algn="ctr">
+          <a:solidFill>
+            <a:schemeClr val="accent1">
+              <a:hueOff val="0"/>
+              <a:satOff val="0"/>
+              <a:lumOff val="0"/>
+              <a:alphaOff val="0"/>
+            </a:schemeClr>
+          </a:solidFill>
+          <a:prstDash val="solid"/>
+        </a:ln>
+        <a:effectLst/>
+      </dsp:spPr>
+      <dsp:style>
+        <a:lnRef idx="2">
+          <a:scrgbClr r="0" g="0" b="0"/>
+        </a:lnRef>
+        <a:fillRef idx="1">
+          <a:scrgbClr r="0" g="0" b="0"/>
+        </a:fillRef>
+        <a:effectRef idx="0">
+          <a:scrgbClr r="0" g="0" b="0"/>
+        </a:effectRef>
+        <a:fontRef idx="minor"/>
+      </dsp:style>
+      <dsp:txBody>
+        <a:bodyPr spcFirstLastPara="0" vert="horz" wrap="square" lIns="135128" tIns="12065" rIns="12065" bIns="12065" numCol="1" spcCol="1270" anchor="ctr" anchorCtr="0">
+          <a:noAutofit/>
+        </a:bodyPr>
+        <a:lstStyle/>
+        <a:p>
+          <a:pPr marL="171450" lvl="1" indent="-171450" algn="l" defTabSz="844550">
+            <a:lnSpc>
+              <a:spcPct val="90000"/>
+            </a:lnSpc>
+            <a:spcBef>
+              <a:spcPct val="0"/>
+            </a:spcBef>
+            <a:spcAft>
+              <a:spcPct val="15000"/>
+            </a:spcAft>
+            <a:buChar char="••"/>
+          </a:pPr>
+          <a:r>
+            <a:rPr lang="de-AT" sz="1900" kern="1200" dirty="0" smtClean="0"/>
+            <a:t>Output </a:t>
+          </a:r>
+          <a:r>
+            <a:rPr lang="de-AT" sz="1900" kern="1200" dirty="0" err="1" smtClean="0"/>
+            <a:t>Escaping</a:t>
+          </a:r>
+          <a:endParaRPr lang="de-AT" sz="1900" kern="1200" dirty="0"/>
+        </a:p>
+      </dsp:txBody>
+      <dsp:txXfrm rot="-5400000">
+        <a:off x="738677" y="2753442"/>
+        <a:ext cx="8143238" cy="618946"/>
+      </dsp:txXfrm>
+    </dsp:sp>
   </dsp:spTree>
 </dsp:drawing>
 </file>
@@ -3397,7 +4053,7 @@
       </p:grpSpPr>
       <p:sp>
         <p:nvSpPr>
-          <p:cNvPr id="2" name="Folienbildplatzhalter 1"/>
+          <p:cNvPr id="2" name="Slide Image Placeholder 1"/>
           <p:cNvSpPr>
             <a:spLocks noGrp="1" noRot="1" noChangeAspect="1"/>
           </p:cNvSpPr>
@@ -3409,7 +4065,7 @@
       </p:sp>
       <p:sp>
         <p:nvSpPr>
-          <p:cNvPr id="3" name="Notizenplatzhalter 2"/>
+          <p:cNvPr id="3" name="Notes Placeholder 2"/>
           <p:cNvSpPr>
             <a:spLocks noGrp="1"/>
           </p:cNvSpPr>
@@ -3428,7 +4084,7 @@
       </p:sp>
       <p:sp>
         <p:nvSpPr>
-          <p:cNvPr id="4" name="Foliennummernplatzhalter 3"/>
+          <p:cNvPr id="4" name="Slide Number Placeholder 3"/>
           <p:cNvSpPr>
             <a:spLocks noGrp="1"/>
           </p:cNvSpPr>
@@ -3443,7 +4099,175 @@
           <a:p>
             <a:fld id="{560D6F24-109C-42D3-BF90-9BF72925201E}" type="slidenum">
               <a:rPr lang="de-AT" smtClean="0"/>
-              <a:t>33</a:t>
+              <a:t>28</a:t>
+            </a:fld>
+            <a:endParaRPr lang="de-AT"/>
+          </a:p>
+        </p:txBody>
+      </p:sp>
+    </p:spTree>
+    <p:extLst>
+      <p:ext uri="{BB962C8B-B14F-4D97-AF65-F5344CB8AC3E}">
+        <p14:creationId xmlns:p14="http://schemas.microsoft.com/office/powerpoint/2010/main" val="2991128578"/>
+      </p:ext>
+    </p:extLst>
+  </p:cSld>
+  <p:clrMapOvr>
+    <a:masterClrMapping/>
+  </p:clrMapOvr>
+</p:notes>
+</file>
+
+<file path=ppt/notesSlides/notesSlide5.xml><?xml version="1.0" encoding="utf-8"?>
+<p:notes xmlns:a="http://schemas.openxmlformats.org/drawingml/2006/main" xmlns:r="http://schemas.openxmlformats.org/officeDocument/2006/relationships" xmlns:p="http://schemas.openxmlformats.org/presentationml/2006/main">
+  <p:cSld>
+    <p:spTree>
+      <p:nvGrpSpPr>
+        <p:cNvPr id="1" name=""/>
+        <p:cNvGrpSpPr/>
+        <p:nvPr/>
+      </p:nvGrpSpPr>
+      <p:grpSpPr>
+        <a:xfrm>
+          <a:off x="0" y="0"/>
+          <a:ext cx="0" cy="0"/>
+          <a:chOff x="0" y="0"/>
+          <a:chExt cx="0" cy="0"/>
+        </a:xfrm>
+      </p:grpSpPr>
+      <p:sp>
+        <p:nvSpPr>
+          <p:cNvPr id="2" name="Slide Image Placeholder 1"/>
+          <p:cNvSpPr>
+            <a:spLocks noGrp="1" noRot="1" noChangeAspect="1"/>
+          </p:cNvSpPr>
+          <p:nvPr>
+            <p:ph type="sldImg"/>
+          </p:nvPr>
+        </p:nvSpPr>
+        <p:spPr/>
+      </p:sp>
+      <p:sp>
+        <p:nvSpPr>
+          <p:cNvPr id="3" name="Notes Placeholder 2"/>
+          <p:cNvSpPr>
+            <a:spLocks noGrp="1"/>
+          </p:cNvSpPr>
+          <p:nvPr>
+            <p:ph type="body" idx="1"/>
+          </p:nvPr>
+        </p:nvSpPr>
+        <p:spPr/>
+        <p:txBody>
+          <a:bodyPr/>
+          <a:lstStyle/>
+          <a:p>
+            <a:endParaRPr lang="de-AT" dirty="0"/>
+          </a:p>
+        </p:txBody>
+      </p:sp>
+      <p:sp>
+        <p:nvSpPr>
+          <p:cNvPr id="4" name="Slide Number Placeholder 3"/>
+          <p:cNvSpPr>
+            <a:spLocks noGrp="1"/>
+          </p:cNvSpPr>
+          <p:nvPr>
+            <p:ph type="sldNum" sz="quarter" idx="10"/>
+          </p:nvPr>
+        </p:nvSpPr>
+        <p:spPr/>
+        <p:txBody>
+          <a:bodyPr/>
+          <a:lstStyle/>
+          <a:p>
+            <a:fld id="{560D6F24-109C-42D3-BF90-9BF72925201E}" type="slidenum">
+              <a:rPr lang="de-AT" smtClean="0"/>
+              <a:t>32</a:t>
+            </a:fld>
+            <a:endParaRPr lang="de-AT"/>
+          </a:p>
+        </p:txBody>
+      </p:sp>
+    </p:spTree>
+    <p:extLst>
+      <p:ext uri="{BB962C8B-B14F-4D97-AF65-F5344CB8AC3E}">
+        <p14:creationId xmlns:p14="http://schemas.microsoft.com/office/powerpoint/2010/main" val="3057361966"/>
+      </p:ext>
+    </p:extLst>
+  </p:cSld>
+  <p:clrMapOvr>
+    <a:masterClrMapping/>
+  </p:clrMapOvr>
+</p:notes>
+</file>
+
+<file path=ppt/notesSlides/notesSlide6.xml><?xml version="1.0" encoding="utf-8"?>
+<p:notes xmlns:a="http://schemas.openxmlformats.org/drawingml/2006/main" xmlns:r="http://schemas.openxmlformats.org/officeDocument/2006/relationships" xmlns:p="http://schemas.openxmlformats.org/presentationml/2006/main">
+  <p:cSld>
+    <p:spTree>
+      <p:nvGrpSpPr>
+        <p:cNvPr id="1" name=""/>
+        <p:cNvGrpSpPr/>
+        <p:nvPr/>
+      </p:nvGrpSpPr>
+      <p:grpSpPr>
+        <a:xfrm>
+          <a:off x="0" y="0"/>
+          <a:ext cx="0" cy="0"/>
+          <a:chOff x="0" y="0"/>
+          <a:chExt cx="0" cy="0"/>
+        </a:xfrm>
+      </p:grpSpPr>
+      <p:sp>
+        <p:nvSpPr>
+          <p:cNvPr id="2" name="Folienbildplatzhalter 1"/>
+          <p:cNvSpPr>
+            <a:spLocks noGrp="1" noRot="1" noChangeAspect="1"/>
+          </p:cNvSpPr>
+          <p:nvPr>
+            <p:ph type="sldImg"/>
+          </p:nvPr>
+        </p:nvSpPr>
+        <p:spPr/>
+      </p:sp>
+      <p:sp>
+        <p:nvSpPr>
+          <p:cNvPr id="3" name="Notizenplatzhalter 2"/>
+          <p:cNvSpPr>
+            <a:spLocks noGrp="1"/>
+          </p:cNvSpPr>
+          <p:nvPr>
+            <p:ph type="body" idx="1"/>
+          </p:nvPr>
+        </p:nvSpPr>
+        <p:spPr/>
+        <p:txBody>
+          <a:bodyPr/>
+          <a:lstStyle/>
+          <a:p>
+            <a:endParaRPr lang="de-AT" dirty="0"/>
+          </a:p>
+        </p:txBody>
+      </p:sp>
+      <p:sp>
+        <p:nvSpPr>
+          <p:cNvPr id="4" name="Foliennummernplatzhalter 3"/>
+          <p:cNvSpPr>
+            <a:spLocks noGrp="1"/>
+          </p:cNvSpPr>
+          <p:nvPr>
+            <p:ph type="sldNum" sz="quarter" idx="10"/>
+          </p:nvPr>
+        </p:nvSpPr>
+        <p:spPr/>
+        <p:txBody>
+          <a:bodyPr/>
+          <a:lstStyle/>
+          <a:p>
+            <a:fld id="{560D6F24-109C-42D3-BF90-9BF72925201E}" type="slidenum">
+              <a:rPr lang="de-AT" smtClean="0"/>
+              <a:t>38</a:t>
             </a:fld>
             <a:endParaRPr lang="de-AT"/>
           </a:p>
@@ -14294,7 +15118,7 @@
           <a:lstStyle/>
           <a:p>
             <a:r>
-              <a:rPr lang="de-AT" dirty="0" smtClean="0"/>
+              <a:rPr lang="de-AT" b="1" dirty="0" smtClean="0"/>
               <a:t>Role-based authentication</a:t>
             </a:r>
           </a:p>
@@ -14318,14 +15142,30 @@
             <a:pPr lvl="1"/>
             <a:r>
               <a:rPr lang="de-AT" dirty="0" smtClean="0"/>
-              <a:t>Methods independent of their signature</a:t>
+              <a:t>Methods </a:t>
+            </a:r>
+            <a:r>
+              <a:rPr lang="de-AT" b="1" dirty="0" smtClean="0"/>
+              <a:t>independent</a:t>
+            </a:r>
+            <a:r>
+              <a:rPr lang="de-AT" dirty="0" smtClean="0"/>
+              <a:t> of their signature</a:t>
             </a:r>
           </a:p>
           <a:p>
             <a:pPr lvl="1"/>
             <a:r>
               <a:rPr lang="de-AT" dirty="0" smtClean="0"/>
-              <a:t>Methods with definition of their signature</a:t>
+              <a:t>Methods </a:t>
+            </a:r>
+            <a:r>
+              <a:rPr lang="de-AT" b="1" dirty="0" smtClean="0"/>
+              <a:t>with definition </a:t>
+            </a:r>
+            <a:r>
+              <a:rPr lang="de-AT" dirty="0" smtClean="0"/>
+              <a:t>of their signature</a:t>
             </a:r>
           </a:p>
           <a:p>
@@ -14479,15 +15319,20 @@
           <a:lstStyle/>
           <a:p>
             <a:r>
+              <a:rPr lang="de-AT" dirty="0"/>
+              <a:t>Declarative</a:t>
+            </a:r>
+            <a:endParaRPr lang="de-AT" b="1" dirty="0" smtClean="0"/>
+          </a:p>
+          <a:p>
+            <a:pPr lvl="1"/>
+            <a:r>
               <a:rPr lang="de-AT" dirty="0" smtClean="0"/>
-              <a:t>Declarative</a:t>
-            </a:r>
-          </a:p>
-          <a:p>
-            <a:pPr lvl="1"/>
-            <a:r>
-              <a:rPr lang="de-AT" dirty="0" smtClean="0"/>
-              <a:t>Through deployment descriptor</a:t>
+              <a:t>Through </a:t>
+            </a:r>
+            <a:r>
+              <a:rPr lang="de-AT" b="1" dirty="0" smtClean="0"/>
+              <a:t>deployment descriptor</a:t>
             </a:r>
           </a:p>
           <a:p>
@@ -14511,8 +15356,20 @@
           <a:p>
             <a:pPr lvl="1"/>
             <a:r>
+              <a:rPr lang="de-AT" b="1" dirty="0" smtClean="0"/>
+              <a:t>Directly</a:t>
+            </a:r>
+            <a:r>
               <a:rPr lang="de-AT" dirty="0" smtClean="0"/>
-              <a:t>Directly in source code</a:t>
+              <a:t> in </a:t>
+            </a:r>
+            <a:r>
+              <a:rPr lang="de-AT" b="1" dirty="0" smtClean="0"/>
+              <a:t>source</a:t>
+            </a:r>
+            <a:r>
+              <a:rPr lang="de-AT" dirty="0" smtClean="0"/>
+              <a:t> code</a:t>
             </a:r>
             <a:endParaRPr lang="de-AT" dirty="0"/>
           </a:p>
@@ -14666,17 +15523,21 @@
           <a:lstStyle/>
           <a:p>
             <a:r>
+              <a:rPr lang="de-AT" b="1" dirty="0" smtClean="0"/>
+              <a:t>web.xml</a:t>
+            </a:r>
+          </a:p>
+          <a:p>
+            <a:endParaRPr lang="de-AT" dirty="0"/>
+          </a:p>
+          <a:p>
+            <a:r>
               <a:rPr lang="de-AT" dirty="0" smtClean="0"/>
-              <a:t>web.xml</a:t>
-            </a:r>
-          </a:p>
-          <a:p>
-            <a:endParaRPr lang="de-AT" dirty="0"/>
-          </a:p>
-          <a:p>
-            <a:r>
-              <a:rPr lang="de-AT" dirty="0" smtClean="0"/>
-              <a:t>Method permissions</a:t>
+              <a:t>Method </a:t>
+            </a:r>
+            <a:r>
+              <a:rPr lang="de-AT" b="1" dirty="0" smtClean="0"/>
+              <a:t>permissions</a:t>
             </a:r>
           </a:p>
           <a:p>
@@ -14691,8 +15552,20 @@
           </a:p>
           <a:p>
             <a:r>
+              <a:rPr lang="de-AT" b="1" dirty="0" smtClean="0"/>
+              <a:t>Altered</a:t>
+            </a:r>
+            <a:r>
               <a:rPr lang="de-AT" dirty="0" smtClean="0"/>
-              <a:t>Altered identity within security context</a:t>
+              <a:t> </a:t>
+            </a:r>
+            <a:r>
+              <a:rPr lang="de-AT" b="1" dirty="0" smtClean="0"/>
+              <a:t>identity</a:t>
+            </a:r>
+            <a:r>
+              <a:rPr lang="de-AT" dirty="0" smtClean="0"/>
+              <a:t> within security context</a:t>
             </a:r>
           </a:p>
           <a:p>
@@ -14850,14 +15723,17 @@
         <p:spPr/>
         <p:txBody>
           <a:bodyPr>
-            <a:normAutofit lnSpcReduction="10000"/>
+            <a:normAutofit/>
           </a:bodyPr>
           <a:lstStyle/>
           <a:p>
             <a:r>
-              <a:rPr lang="de-AT" dirty="0" smtClean="0"/>
+              <a:rPr lang="de-AT" b="1" dirty="0" smtClean="0"/>
               <a:t>Within Beans</a:t>
             </a:r>
+          </a:p>
+          <a:p>
+            <a:endParaRPr lang="de-AT" b="1" dirty="0" smtClean="0"/>
           </a:p>
           <a:p>
             <a:r>
@@ -14866,25 +15742,16 @@
             </a:r>
           </a:p>
           <a:p>
-            <a:endParaRPr lang="de-AT" dirty="0" smtClean="0"/>
-          </a:p>
-          <a:p>
             <a:r>
               <a:rPr lang="de-AT" dirty="0" smtClean="0"/>
               <a:t>@RolesAllowed</a:t>
             </a:r>
           </a:p>
           <a:p>
-            <a:endParaRPr lang="de-AT" dirty="0" smtClean="0"/>
-          </a:p>
-          <a:p>
             <a:r>
               <a:rPr lang="de-AT" dirty="0" smtClean="0"/>
               <a:t>@PermitAll</a:t>
             </a:r>
-          </a:p>
-          <a:p>
-            <a:endParaRPr lang="de-AT" dirty="0" smtClean="0"/>
           </a:p>
           <a:p>
             <a:r>
@@ -15199,8 +16066,12 @@
           <a:lstStyle/>
           <a:p>
             <a:r>
+              <a:rPr lang="de-AT" b="1" dirty="0" smtClean="0"/>
+              <a:t>Directly</a:t>
+            </a:r>
+            <a:r>
               <a:rPr lang="de-AT" dirty="0" smtClean="0"/>
-              <a:t>Directly in Source-Code</a:t>
+              <a:t> in Source-Code</a:t>
             </a:r>
           </a:p>
           <a:p>
@@ -15217,7 +16088,15 @@
           <a:p>
             <a:r>
               <a:rPr lang="de-AT" dirty="0" smtClean="0"/>
-              <a:t>Via EntityContext-Object</a:t>
+              <a:t>Via </a:t>
+            </a:r>
+            <a:r>
+              <a:rPr lang="de-AT" b="1" dirty="0" smtClean="0"/>
+              <a:t>EntityContext</a:t>
+            </a:r>
+            <a:r>
+              <a:rPr lang="de-AT" dirty="0" smtClean="0"/>
+              <a:t>-Object</a:t>
             </a:r>
           </a:p>
           <a:p>
@@ -15225,22 +16104,34 @@
           </a:p>
           <a:p>
             <a:r>
+              <a:rPr lang="de-AT" b="1" dirty="0" smtClean="0"/>
+              <a:t>.getCallerPrincipal()</a:t>
+            </a:r>
+          </a:p>
+          <a:p>
+            <a:pPr lvl="1"/>
+            <a:r>
               <a:rPr lang="de-AT" dirty="0" smtClean="0"/>
-              <a:t>.getCallerPrincipal()</a:t>
-            </a:r>
-          </a:p>
-          <a:p>
-            <a:pPr lvl="1"/>
+              <a:t>Returns </a:t>
+            </a:r>
+            <a:r>
+              <a:rPr lang="de-AT" b="1" dirty="0" smtClean="0"/>
+              <a:t>current principal</a:t>
+            </a:r>
+            <a:endParaRPr lang="de-AT" b="1" dirty="0"/>
+          </a:p>
+          <a:p>
+            <a:r>
+              <a:rPr lang="de-AT" b="1" dirty="0" smtClean="0"/>
+              <a:t>Principle</a:t>
+            </a:r>
             <a:r>
               <a:rPr lang="de-AT" dirty="0" smtClean="0"/>
-              <a:t>Returns current principal</a:t>
-            </a:r>
-            <a:endParaRPr lang="de-AT" dirty="0"/>
-          </a:p>
-          <a:p>
-            <a:r>
-              <a:rPr lang="de-AT" dirty="0" smtClean="0"/>
-              <a:t>Principle-Object: .isCallerInRole(&lt;param&gt;)</a:t>
+              <a:t>-Object: </a:t>
+            </a:r>
+            <a:r>
+              <a:rPr lang="de-AT" b="1" dirty="0" smtClean="0"/>
+              <a:t>.isCallerInRole(&lt;param&gt;)</a:t>
             </a:r>
           </a:p>
           <a:p>
@@ -15376,7 +16267,7 @@
           <a:p>
             <a:r>
               <a:rPr lang="de-AT" dirty="0" smtClean="0"/>
-              <a:t>Application Client Slides</a:t>
+              <a:t>Application Clients</a:t>
             </a:r>
             <a:endParaRPr lang="de-AT" dirty="0"/>
           </a:p>
@@ -15394,10 +16285,55 @@
         </p:nvSpPr>
         <p:spPr/>
         <p:txBody>
-          <a:bodyPr/>
-          <a:lstStyle/>
-          <a:p>
-            <a:endParaRPr lang="de-AT"/>
+          <a:bodyPr>
+            <a:normAutofit/>
+          </a:bodyPr>
+          <a:lstStyle/>
+          <a:p>
+            <a:pPr marL="0" indent="0">
+              <a:buNone/>
+            </a:pPr>
+            <a:r>
+              <a:rPr lang="de-AT" b="1" dirty="0" smtClean="0"/>
+              <a:t>Security Concerns</a:t>
+            </a:r>
+          </a:p>
+          <a:p>
+            <a:r>
+              <a:rPr lang="de-AT" dirty="0" smtClean="0"/>
+              <a:t>Malware</a:t>
+            </a:r>
+          </a:p>
+          <a:p>
+            <a:r>
+              <a:rPr lang="de-AT" dirty="0" smtClean="0"/>
+              <a:t>Decompiling</a:t>
+            </a:r>
+          </a:p>
+          <a:p>
+            <a:r>
+              <a:rPr lang="de-AT" dirty="0" smtClean="0"/>
+              <a:t>Disassembling</a:t>
+            </a:r>
+          </a:p>
+          <a:p>
+            <a:r>
+              <a:rPr lang="de-AT" dirty="0" smtClean="0"/>
+              <a:t>Custom Clients</a:t>
+            </a:r>
+          </a:p>
+          <a:p>
+            <a:endParaRPr lang="de-AT" dirty="0"/>
+          </a:p>
+          <a:p>
+            <a:pPr marL="0" indent="0">
+              <a:buNone/>
+            </a:pPr>
+            <a:r>
+              <a:rPr lang="de-AT" dirty="0" smtClean="0"/>
+              <a:t>Be careful with „trusting“ the client.</a:t>
+            </a:r>
+            <a:endParaRPr lang="de-AT" dirty="0"/>
           </a:p>
         </p:txBody>
       </p:sp>
@@ -15523,10 +16459,10 @@
           <a:lstStyle/>
           <a:p>
             <a:r>
-              <a:rPr lang="de-AT" smtClean="0"/>
-              <a:t>Digital Certificates Slides</a:t>
-            </a:r>
-            <a:endParaRPr lang="de-AT"/>
+              <a:rPr lang="de-AT" dirty="0" smtClean="0"/>
+              <a:t>Securing Application Clients</a:t>
+            </a:r>
+            <a:endParaRPr lang="de-AT" dirty="0"/>
           </a:p>
         </p:txBody>
       </p:sp>
@@ -15545,7 +16481,49 @@
           <a:bodyPr/>
           <a:lstStyle/>
           <a:p>
-            <a:endParaRPr lang="de-AT"/>
+            <a:r>
+              <a:rPr lang="de-AT" dirty="0" smtClean="0"/>
+              <a:t>Same authentication requirements as other JEE Components</a:t>
+            </a:r>
+          </a:p>
+          <a:p>
+            <a:pPr marL="0" indent="0">
+              <a:buNone/>
+            </a:pPr>
+            <a:endParaRPr lang="de-AT" dirty="0"/>
+          </a:p>
+          <a:p>
+            <a:r>
+              <a:rPr lang="de-AT" dirty="0" smtClean="0"/>
+              <a:t>Authentication methods are the same as </a:t>
+            </a:r>
+            <a:r>
+              <a:rPr lang="de-AT" dirty="0" smtClean="0"/>
+              <a:t>well:</a:t>
+            </a:r>
+            <a:endParaRPr lang="de-AT" dirty="0" smtClean="0"/>
+          </a:p>
+          <a:p>
+            <a:pPr lvl="1"/>
+            <a:r>
+              <a:rPr lang="de-AT" dirty="0" smtClean="0"/>
+              <a:t>HTTP basic authentication</a:t>
+            </a:r>
+          </a:p>
+          <a:p>
+            <a:pPr lvl="1"/>
+            <a:r>
+              <a:rPr lang="de-AT" dirty="0" smtClean="0"/>
+              <a:t>HTTP login-form authentication</a:t>
+            </a:r>
+          </a:p>
+          <a:p>
+            <a:pPr lvl="1"/>
+            <a:r>
+              <a:rPr lang="de-AT" dirty="0" smtClean="0"/>
+              <a:t>SSL client authentication</a:t>
+            </a:r>
+            <a:endParaRPr lang="de-AT" dirty="0"/>
           </a:p>
         </p:txBody>
       </p:sp>
@@ -15564,7 +16542,7 @@
           <a:bodyPr/>
           <a:lstStyle/>
           <a:p>
-            <a:fld id="{5E747D12-5EA7-4906-81DF-D3F9CA3728BA}" type="datetime1">
+            <a:fld id="{10403D0F-9BDF-4066-974A-D0959D480D21}" type="datetime1">
               <a:rPr lang="de-AT" smtClean="0"/>
               <a:t>13.02.2015</a:t>
             </a:fld>
@@ -15588,7 +16566,7 @@
           <a:lstStyle/>
           <a:p>
             <a:r>
-              <a:rPr lang="en-US" dirty="0" smtClean="0"/>
+              <a:rPr lang="en-US" smtClean="0"/>
               <a:t>Ari Ayvazyan, Adrian Bergler, Java EE Security</a:t>
             </a:r>
             <a:endParaRPr lang="en-US" dirty="0"/>
@@ -15621,7 +16599,7 @@
     </p:spTree>
     <p:extLst>
       <p:ext uri="{BB962C8B-B14F-4D97-AF65-F5344CB8AC3E}">
-        <p14:creationId xmlns:p14="http://schemas.microsoft.com/office/powerpoint/2010/main" val="1927524683"/>
+        <p14:creationId xmlns:p14="http://schemas.microsoft.com/office/powerpoint/2010/main" val="4254793517"/>
       </p:ext>
     </p:extLst>
   </p:cSld>
@@ -15657,7 +16635,7 @@
       </p:grpSpPr>
       <p:sp>
         <p:nvSpPr>
-          <p:cNvPr id="2" name="Titel 1"/>
+          <p:cNvPr id="2" name="Title 1"/>
           <p:cNvSpPr>
             <a:spLocks noGrp="1"/>
           </p:cNvSpPr>
@@ -15670,31 +16648,17 @@
           <a:bodyPr/>
           <a:lstStyle/>
           <a:p>
-            <a:pPr rtl="0" eaLnBrk="1" latinLnBrk="0" hangingPunct="1"/>
-            <a:r>
-              <a:rPr lang="en-US" sz="3600" kern="1200" dirty="0" smtClean="0">
-                <a:solidFill>
-                  <a:schemeClr val="tx1">
-                    <a:lumMod val="85000"/>
-                    <a:lumOff val="15000"/>
-                  </a:schemeClr>
-                </a:solidFill>
-                <a:effectLst/>
-                <a:latin typeface="+mj-lt"/>
-                <a:ea typeface="+mj-ea"/>
-                <a:cs typeface="+mj-cs"/>
-              </a:rPr>
-              <a:t>Frameworks … - Advantages</a:t>
-            </a:r>
-            <a:endParaRPr lang="de-AT" dirty="0" smtClean="0">
-              <a:effectLst/>
-            </a:endParaRPr>
-          </a:p>
-        </p:txBody>
-      </p:sp>
-      <p:sp>
-        <p:nvSpPr>
-          <p:cNvPr id="3" name="Inhaltsplatzhalter 2"/>
+            <a:r>
+              <a:rPr lang="de-AT" dirty="0" smtClean="0"/>
+              <a:t>Login</a:t>
+            </a:r>
+            <a:endParaRPr lang="de-AT" dirty="0"/>
+          </a:p>
+        </p:txBody>
+      </p:sp>
+      <p:sp>
+        <p:nvSpPr>
+          <p:cNvPr id="3" name="Content Placeholder 2"/>
           <p:cNvSpPr>
             <a:spLocks noGrp="1"/>
           </p:cNvSpPr>
@@ -15704,43 +16668,66 @@
         </p:nvSpPr>
         <p:spPr/>
         <p:txBody>
-          <a:bodyPr>
-            <a:normAutofit/>
-          </a:bodyPr>
-          <a:lstStyle/>
-          <a:p>
-            <a:r>
-              <a:rPr lang="en-US" dirty="0" smtClean="0"/>
-              <a:t>are tested</a:t>
-            </a:r>
-          </a:p>
-          <a:p>
-            <a:r>
-              <a:rPr lang="en-US" dirty="0" smtClean="0"/>
-              <a:t>are more secure due to public testing</a:t>
-            </a:r>
-          </a:p>
-          <a:p>
-            <a:r>
-              <a:rPr lang="en-US" dirty="0" smtClean="0"/>
-              <a:t>are supported</a:t>
-            </a:r>
-          </a:p>
-          <a:p>
-            <a:r>
-              <a:rPr lang="en-US" dirty="0"/>
-              <a:t>c</a:t>
-            </a:r>
-            <a:r>
-              <a:rPr lang="en-US" dirty="0" smtClean="0"/>
-              <a:t>an save time on long term</a:t>
-            </a:r>
-          </a:p>
-        </p:txBody>
-      </p:sp>
-      <p:sp>
-        <p:nvSpPr>
-          <p:cNvPr id="4" name="Datumsplatzhalter 3"/>
+          <a:bodyPr/>
+          <a:lstStyle/>
+          <a:p>
+            <a:r>
+              <a:rPr lang="de-AT" dirty="0" smtClean="0"/>
+              <a:t>Programmatic</a:t>
+            </a:r>
+          </a:p>
+          <a:p>
+            <a:pPr lvl="1"/>
+            <a:r>
+              <a:rPr lang="de-AT" dirty="0" smtClean="0"/>
+              <a:t>EJB Client: ProgrammaticLogin-Class and it‘s methods</a:t>
+            </a:r>
+          </a:p>
+          <a:p>
+            <a:pPr lvl="1"/>
+            <a:r>
+              <a:rPr lang="de-AT" smtClean="0"/>
+              <a:t>Server-specific</a:t>
+            </a:r>
+            <a:r>
+              <a:rPr lang="de-AT" dirty="0" smtClean="0"/>
+              <a:t>!</a:t>
+            </a:r>
+          </a:p>
+          <a:p>
+            <a:pPr lvl="1"/>
+            <a:endParaRPr lang="de-AT" dirty="0"/>
+          </a:p>
+          <a:p>
+            <a:r>
+              <a:rPr lang="de-AT" b="1" dirty="0" smtClean="0"/>
+              <a:t>Frameworks!</a:t>
+            </a:r>
+          </a:p>
+          <a:p>
+            <a:endParaRPr lang="de-AT" b="1" dirty="0"/>
+          </a:p>
+          <a:p>
+            <a:r>
+              <a:rPr lang="de-AT" dirty="0"/>
+              <a:t>Login Modules</a:t>
+            </a:r>
+          </a:p>
+          <a:p>
+            <a:pPr lvl="1"/>
+            <a:r>
+              <a:rPr lang="de-AT" dirty="0"/>
+              <a:t>Via Java Authentication and Authorization Service (JAAS)</a:t>
+            </a:r>
+          </a:p>
+          <a:p>
+            <a:endParaRPr lang="de-AT" b="1" dirty="0"/>
+          </a:p>
+        </p:txBody>
+      </p:sp>
+      <p:sp>
+        <p:nvSpPr>
+          <p:cNvPr id="4" name="Date Placeholder 3"/>
           <p:cNvSpPr>
             <a:spLocks noGrp="1"/>
           </p:cNvSpPr>
@@ -15753,7 +16740,7 @@
           <a:bodyPr/>
           <a:lstStyle/>
           <a:p>
-            <a:fld id="{3F4C572F-BCA4-4487-8EBD-15EE8D7320C7}" type="datetime1">
+            <a:fld id="{10403D0F-9BDF-4066-974A-D0959D480D21}" type="datetime1">
               <a:rPr lang="de-AT" smtClean="0"/>
               <a:t>13.02.2015</a:t>
             </a:fld>
@@ -15763,7 +16750,7 @@
       </p:sp>
       <p:sp>
         <p:nvSpPr>
-          <p:cNvPr id="5" name="Fußzeilenplatzhalter 4"/>
+          <p:cNvPr id="5" name="Footer Placeholder 4"/>
           <p:cNvSpPr>
             <a:spLocks noGrp="1"/>
           </p:cNvSpPr>
@@ -15777,7 +16764,7 @@
           <a:lstStyle/>
           <a:p>
             <a:r>
-              <a:rPr lang="en-US" dirty="0" smtClean="0"/>
+              <a:rPr lang="en-US" smtClean="0"/>
               <a:t>Ari Ayvazyan, Adrian Bergler, Java EE Security</a:t>
             </a:r>
             <a:endParaRPr lang="en-US" dirty="0"/>
@@ -15786,7 +16773,7 @@
       </p:sp>
       <p:sp>
         <p:nvSpPr>
-          <p:cNvPr id="6" name="Foliennummernplatzhalter 5"/>
+          <p:cNvPr id="6" name="Slide Number Placeholder 5"/>
           <p:cNvSpPr>
             <a:spLocks noGrp="1"/>
           </p:cNvSpPr>
@@ -15810,7 +16797,7 @@
     </p:spTree>
     <p:extLst>
       <p:ext uri="{BB962C8B-B14F-4D97-AF65-F5344CB8AC3E}">
-        <p14:creationId xmlns:p14="http://schemas.microsoft.com/office/powerpoint/2010/main" val="260349493"/>
+        <p14:creationId xmlns:p14="http://schemas.microsoft.com/office/powerpoint/2010/main" val="2771777552"/>
       </p:ext>
     </p:extLst>
   </p:cSld>
@@ -15846,7 +16833,7 @@
       </p:grpSpPr>
       <p:sp>
         <p:nvSpPr>
-          <p:cNvPr id="2" name="Titel 1"/>
+          <p:cNvPr id="2" name="Title 1"/>
           <p:cNvSpPr>
             <a:spLocks noGrp="1"/>
           </p:cNvSpPr>
@@ -15859,31 +16846,21 @@
           <a:bodyPr/>
           <a:lstStyle/>
           <a:p>
-            <a:pPr rtl="0" eaLnBrk="1" latinLnBrk="0" hangingPunct="1"/>
-            <a:r>
-              <a:rPr lang="en-US" sz="3600" kern="1200" dirty="0" smtClean="0">
-                <a:solidFill>
-                  <a:schemeClr val="tx1">
-                    <a:lumMod val="85000"/>
-                    <a:lumOff val="15000"/>
-                  </a:schemeClr>
-                </a:solidFill>
-                <a:effectLst/>
-                <a:latin typeface="+mj-lt"/>
-                <a:ea typeface="+mj-ea"/>
-                <a:cs typeface="+mj-cs"/>
-              </a:rPr>
-              <a:t>Frameworks … - Disadvantages</a:t>
-            </a:r>
-            <a:endParaRPr lang="de-AT" dirty="0" smtClean="0">
-              <a:effectLst/>
-            </a:endParaRPr>
-          </a:p>
-        </p:txBody>
-      </p:sp>
-      <p:sp>
-        <p:nvSpPr>
-          <p:cNvPr id="3" name="Inhaltsplatzhalter 2"/>
+            <a:r>
+              <a:rPr lang="de-AT" dirty="0" smtClean="0"/>
+              <a:t>Digital </a:t>
+            </a:r>
+            <a:r>
+              <a:rPr lang="de-AT" dirty="0" smtClean="0"/>
+              <a:t>Certificates</a:t>
+            </a:r>
+            <a:endParaRPr lang="de-AT" dirty="0"/>
+          </a:p>
+        </p:txBody>
+      </p:sp>
+      <p:sp>
+        <p:nvSpPr>
+          <p:cNvPr id="3" name="Content Placeholder 2"/>
           <p:cNvSpPr>
             <a:spLocks noGrp="1"/>
           </p:cNvSpPr>
@@ -15899,28 +16876,61 @@
           <a:lstStyle/>
           <a:p>
             <a:r>
-              <a:rPr lang="en-US" dirty="0" smtClean="0"/>
-              <a:t>need to be learned</a:t>
-            </a:r>
-          </a:p>
-          <a:p>
-            <a:r>
-              <a:rPr lang="en-US" dirty="0" smtClean="0"/>
-              <a:t>can be limited in the possibilities</a:t>
-            </a:r>
-            <a:endParaRPr lang="en-US" dirty="0"/>
-          </a:p>
-          <a:p>
-            <a:r>
-              <a:rPr lang="en-US" dirty="0" smtClean="0"/>
-              <a:t>need to be trusted</a:t>
-            </a:r>
-          </a:p>
-        </p:txBody>
-      </p:sp>
-      <p:sp>
-        <p:nvSpPr>
-          <p:cNvPr id="4" name="Datumsplatzhalter 3"/>
+              <a:rPr lang="de-AT" b="1" dirty="0" smtClean="0"/>
+              <a:t>Server Authorization</a:t>
+            </a:r>
+          </a:p>
+          <a:p>
+            <a:pPr lvl="1"/>
+            <a:r>
+              <a:rPr lang="de-AT" dirty="0" smtClean="0"/>
+              <a:t>Sometimes the server‘s identity is important</a:t>
+            </a:r>
+            <a:endParaRPr lang="de-AT" dirty="0" smtClean="0"/>
+          </a:p>
+          <a:p>
+            <a:r>
+              <a:rPr lang="de-AT" b="1" dirty="0" smtClean="0"/>
+              <a:t>Client Certificates</a:t>
+            </a:r>
+          </a:p>
+          <a:p>
+            <a:pPr lvl="1"/>
+            <a:r>
+              <a:rPr lang="de-AT" dirty="0" smtClean="0"/>
+              <a:t>Self-Authentication</a:t>
+            </a:r>
+          </a:p>
+          <a:p>
+            <a:pPr lvl="1"/>
+            <a:endParaRPr lang="de-AT" dirty="0"/>
+          </a:p>
+          <a:p>
+            <a:r>
+              <a:rPr lang="de-AT" dirty="0" smtClean="0"/>
+              <a:t>Secure communication</a:t>
+            </a:r>
+          </a:p>
+          <a:p>
+            <a:pPr lvl="1"/>
+            <a:r>
+              <a:rPr lang="de-AT" dirty="0" smtClean="0"/>
+              <a:t>HTTPS</a:t>
+            </a:r>
+          </a:p>
+          <a:p>
+            <a:pPr lvl="1"/>
+            <a:r>
+              <a:rPr lang="de-AT" dirty="0" smtClean="0"/>
+              <a:t>SSL</a:t>
+            </a:r>
+            <a:endParaRPr lang="de-AT" dirty="0"/>
+          </a:p>
+        </p:txBody>
+      </p:sp>
+      <p:sp>
+        <p:nvSpPr>
+          <p:cNvPr id="4" name="Date Placeholder 3"/>
           <p:cNvSpPr>
             <a:spLocks noGrp="1"/>
           </p:cNvSpPr>
@@ -15933,7 +16943,7 @@
           <a:bodyPr/>
           <a:lstStyle/>
           <a:p>
-            <a:fld id="{3F4C572F-BCA4-4487-8EBD-15EE8D7320C7}" type="datetime1">
+            <a:fld id="{5E747D12-5EA7-4906-81DF-D3F9CA3728BA}" type="datetime1">
               <a:rPr lang="de-AT" smtClean="0"/>
               <a:t>13.02.2015</a:t>
             </a:fld>
@@ -15943,7 +16953,7 @@
       </p:sp>
       <p:sp>
         <p:nvSpPr>
-          <p:cNvPr id="5" name="Fußzeilenplatzhalter 4"/>
+          <p:cNvPr id="5" name="Footer Placeholder 4"/>
           <p:cNvSpPr>
             <a:spLocks noGrp="1"/>
           </p:cNvSpPr>
@@ -15966,7 +16976,7 @@
       </p:sp>
       <p:sp>
         <p:nvSpPr>
-          <p:cNvPr id="6" name="Foliennummernplatzhalter 5"/>
+          <p:cNvPr id="6" name="Slide Number Placeholder 5"/>
           <p:cNvSpPr>
             <a:spLocks noGrp="1"/>
           </p:cNvSpPr>
@@ -15990,7 +17000,7 @@
     </p:spTree>
     <p:extLst>
       <p:ext uri="{BB962C8B-B14F-4D97-AF65-F5344CB8AC3E}">
-        <p14:creationId xmlns:p14="http://schemas.microsoft.com/office/powerpoint/2010/main" val="243032441"/>
+        <p14:creationId xmlns:p14="http://schemas.microsoft.com/office/powerpoint/2010/main" val="1927524683"/>
       </p:ext>
     </p:extLst>
   </p:cSld>
@@ -16208,7 +17218,7 @@
       </p:grpSpPr>
       <p:sp>
         <p:nvSpPr>
-          <p:cNvPr id="2" name="Titel 1"/>
+          <p:cNvPr id="2" name="Title 1"/>
           <p:cNvSpPr>
             <a:spLocks noGrp="1"/>
           </p:cNvSpPr>
@@ -16221,31 +17231,17 @@
           <a:bodyPr/>
           <a:lstStyle/>
           <a:p>
-            <a:pPr rtl="0" eaLnBrk="1" latinLnBrk="0" hangingPunct="1"/>
-            <a:r>
-              <a:rPr lang="en-US" sz="3600" kern="1200" dirty="0" smtClean="0">
-                <a:solidFill>
-                  <a:schemeClr val="tx1">
-                    <a:lumMod val="85000"/>
-                    <a:lumOff val="15000"/>
-                  </a:schemeClr>
-                </a:solidFill>
-                <a:effectLst/>
-                <a:latin typeface="+mj-lt"/>
-                <a:ea typeface="+mj-ea"/>
-                <a:cs typeface="+mj-cs"/>
-              </a:rPr>
-              <a:t>Frameworks</a:t>
-            </a:r>
-            <a:endParaRPr lang="de-AT" dirty="0" smtClean="0">
-              <a:effectLst/>
-            </a:endParaRPr>
-          </a:p>
-        </p:txBody>
-      </p:sp>
-      <p:sp>
-        <p:nvSpPr>
-          <p:cNvPr id="3" name="Inhaltsplatzhalter 2"/>
+            <a:r>
+              <a:rPr lang="de-AT" dirty="0" smtClean="0"/>
+              <a:t>Digital Certificates</a:t>
+            </a:r>
+            <a:endParaRPr lang="de-AT" dirty="0"/>
+          </a:p>
+        </p:txBody>
+      </p:sp>
+      <p:sp>
+        <p:nvSpPr>
+          <p:cNvPr id="3" name="Content Placeholder 2"/>
           <p:cNvSpPr>
             <a:spLocks noGrp="1"/>
           </p:cNvSpPr>
@@ -16256,91 +17252,99 @@
         <p:spPr/>
         <p:txBody>
           <a:bodyPr>
-            <a:normAutofit/>
+            <a:normAutofit lnSpcReduction="10000"/>
           </a:bodyPr>
           <a:lstStyle/>
           <a:p>
-            <a:pPr marL="342900" lvl="1" indent="-342900"/>
-            <a:r>
-              <a:rPr lang="en-US" sz="2400" dirty="0"/>
-              <a:t>Provide: Authentication, Authorization, </a:t>
-            </a:r>
-            <a:r>
-              <a:rPr lang="en-US" sz="2400" dirty="0" smtClean="0"/>
-              <a:t>Cryptography</a:t>
-            </a:r>
-          </a:p>
-          <a:p>
-            <a:r>
-              <a:rPr lang="en-US" dirty="0" smtClean="0"/>
-              <a:t>Apache Shiro</a:t>
-            </a:r>
-          </a:p>
-          <a:p>
-            <a:pPr lvl="1"/>
-            <a:r>
-              <a:rPr lang="en-US" dirty="0" smtClean="0"/>
-              <a:t>Simple Code Structure</a:t>
-            </a:r>
-          </a:p>
-          <a:p>
-            <a:pPr lvl="1"/>
-            <a:r>
-              <a:rPr lang="en-US" dirty="0" smtClean="0"/>
-              <a:t>Not bound to HTTP</a:t>
-            </a:r>
-          </a:p>
-          <a:p>
-            <a:r>
-              <a:rPr lang="en-US" dirty="0" smtClean="0"/>
-              <a:t>Spring Security</a:t>
-            </a:r>
-          </a:p>
-          <a:p>
-            <a:pPr lvl="1"/>
-            <a:r>
-              <a:rPr lang="en-US" dirty="0" smtClean="0"/>
-              <a:t>Very structured</a:t>
-            </a:r>
-          </a:p>
-          <a:p>
-            <a:r>
-              <a:rPr lang="en-US" dirty="0"/>
-              <a:t>JAAS </a:t>
-            </a:r>
-            <a:r>
-              <a:rPr lang="en-US" dirty="0" smtClean="0"/>
-              <a:t>- Java </a:t>
-            </a:r>
-            <a:r>
-              <a:rPr lang="en-US" dirty="0"/>
-              <a:t>Authentication and Authorization </a:t>
-            </a:r>
-            <a:r>
-              <a:rPr lang="en-US" dirty="0" smtClean="0"/>
-              <a:t>Service</a:t>
-            </a:r>
-          </a:p>
-          <a:p>
-            <a:pPr lvl="1"/>
-            <a:r>
-              <a:rPr lang="en-US" dirty="0" smtClean="0"/>
-              <a:t>Included in Java SE since Java 1.4 (</a:t>
-            </a:r>
-            <a:r>
-              <a:rPr lang="de-AT" dirty="0" err="1" smtClean="0"/>
-              <a:t>javax.security.auth</a:t>
+            <a:pPr marL="0" indent="0">
+              <a:buNone/>
+            </a:pPr>
+            <a:r>
+              <a:rPr lang="de-AT" b="1" dirty="0" smtClean="0"/>
+              <a:t>Signed by Certificate Authority</a:t>
+            </a:r>
+          </a:p>
+          <a:p>
+            <a:r>
+              <a:rPr lang="de-AT" dirty="0" smtClean="0"/>
+              <a:t>Sometimes identity is </a:t>
+            </a:r>
+            <a:r>
+              <a:rPr lang="de-AT" b="1" dirty="0" smtClean="0"/>
+              <a:t>very</a:t>
+            </a:r>
+            <a:r>
+              <a:rPr lang="de-AT" dirty="0" smtClean="0"/>
+              <a:t> important</a:t>
+            </a:r>
+          </a:p>
+          <a:p>
+            <a:r>
+              <a:rPr lang="de-AT" dirty="0" smtClean="0"/>
+              <a:t>E.g. e-commerce</a:t>
+            </a:r>
+          </a:p>
+          <a:p>
+            <a:pPr marL="0" indent="0">
+              <a:buNone/>
+            </a:pPr>
+            <a:endParaRPr lang="de-AT" dirty="0"/>
+          </a:p>
+          <a:p>
+            <a:r>
+              <a:rPr lang="de-AT" dirty="0" smtClean="0"/>
+              <a:t>Create a Certificate</a:t>
+            </a:r>
+          </a:p>
+          <a:p>
+            <a:r>
+              <a:rPr lang="de-AT" dirty="0" smtClean="0"/>
+              <a:t>Let it get signed by a </a:t>
+            </a:r>
+            <a:r>
+              <a:rPr lang="de-AT" b="1" dirty="0" smtClean="0"/>
+              <a:t>C</a:t>
+            </a:r>
+            <a:r>
+              <a:rPr lang="de-AT" dirty="0" smtClean="0"/>
+              <a:t>ertificate </a:t>
+            </a:r>
+            <a:r>
+              <a:rPr lang="de-AT" b="1" dirty="0" smtClean="0"/>
+              <a:t>A</a:t>
+            </a:r>
+            <a:r>
+              <a:rPr lang="de-AT" dirty="0" smtClean="0"/>
+              <a:t>uthority (</a:t>
+            </a:r>
+            <a:r>
+              <a:rPr lang="de-AT" b="1" dirty="0" smtClean="0"/>
+              <a:t>CA</a:t>
             </a:r>
             <a:r>
               <a:rPr lang="de-AT" dirty="0" smtClean="0"/>
               <a:t>)</a:t>
             </a:r>
           </a:p>
-        </p:txBody>
-      </p:sp>
-      <p:sp>
-        <p:nvSpPr>
-          <p:cNvPr id="4" name="Datumsplatzhalter 3"/>
+          <a:p>
+            <a:pPr lvl="1"/>
+            <a:r>
+              <a:rPr lang="de-AT" b="1" dirty="0" smtClean="0"/>
+              <a:t>VeriSign</a:t>
+            </a:r>
+          </a:p>
+          <a:p>
+            <a:pPr lvl="1"/>
+            <a:r>
+              <a:rPr lang="de-AT" b="1" dirty="0" smtClean="0"/>
+              <a:t>Thawte</a:t>
+            </a:r>
+          </a:p>
+        </p:txBody>
+      </p:sp>
+      <p:sp>
+        <p:nvSpPr>
+          <p:cNvPr id="4" name="Date Placeholder 3"/>
           <p:cNvSpPr>
             <a:spLocks noGrp="1"/>
           </p:cNvSpPr>
@@ -16353,7 +17357,7 @@
           <a:bodyPr/>
           <a:lstStyle/>
           <a:p>
-            <a:fld id="{3F4C572F-BCA4-4487-8EBD-15EE8D7320C7}" type="datetime1">
+            <a:fld id="{10403D0F-9BDF-4066-974A-D0959D480D21}" type="datetime1">
               <a:rPr lang="de-AT" smtClean="0"/>
               <a:t>13.02.2015</a:t>
             </a:fld>
@@ -16363,7 +17367,7 @@
       </p:sp>
       <p:sp>
         <p:nvSpPr>
-          <p:cNvPr id="5" name="Fußzeilenplatzhalter 4"/>
+          <p:cNvPr id="5" name="Footer Placeholder 4"/>
           <p:cNvSpPr>
             <a:spLocks noGrp="1"/>
           </p:cNvSpPr>
@@ -16377,7 +17381,7 @@
           <a:lstStyle/>
           <a:p>
             <a:r>
-              <a:rPr lang="en-US" dirty="0" smtClean="0"/>
+              <a:rPr lang="en-US" smtClean="0"/>
               <a:t>Ari Ayvazyan, Adrian Bergler, Java EE Security</a:t>
             </a:r>
             <a:endParaRPr lang="en-US" dirty="0"/>
@@ -16386,7 +17390,7 @@
       </p:sp>
       <p:sp>
         <p:nvSpPr>
-          <p:cNvPr id="6" name="Foliennummernplatzhalter 5"/>
+          <p:cNvPr id="6" name="Slide Number Placeholder 5"/>
           <p:cNvSpPr>
             <a:spLocks noGrp="1"/>
           </p:cNvSpPr>
@@ -16410,7 +17414,7 @@
     </p:spTree>
     <p:extLst>
       <p:ext uri="{BB962C8B-B14F-4D97-AF65-F5344CB8AC3E}">
-        <p14:creationId xmlns:p14="http://schemas.microsoft.com/office/powerpoint/2010/main" val="2337426181"/>
+        <p14:creationId xmlns:p14="http://schemas.microsoft.com/office/powerpoint/2010/main" val="2826809081"/>
       </p:ext>
     </p:extLst>
   </p:cSld>
@@ -16446,7 +17450,7 @@
       </p:grpSpPr>
       <p:sp>
         <p:nvSpPr>
-          <p:cNvPr id="2" name="Titel 1"/>
+          <p:cNvPr id="2" name="Title 1"/>
           <p:cNvSpPr>
             <a:spLocks noGrp="1"/>
           </p:cNvSpPr>
@@ -16459,46 +17463,17 @@
           <a:bodyPr/>
           <a:lstStyle/>
           <a:p>
-            <a:pPr rtl="0" eaLnBrk="1" latinLnBrk="0" hangingPunct="1"/>
-            <a:r>
-              <a:rPr lang="en-US" sz="3600" kern="1200" dirty="0" err="1" smtClean="0">
-                <a:solidFill>
-                  <a:schemeClr val="tx1">
-                    <a:lumMod val="85000"/>
-                    <a:lumOff val="15000"/>
-                  </a:schemeClr>
-                </a:solidFill>
-                <a:effectLst/>
-                <a:latin typeface="+mj-lt"/>
-                <a:ea typeface="+mj-ea"/>
-                <a:cs typeface="+mj-cs"/>
-              </a:rPr>
-              <a:t>Shiro</a:t>
-            </a:r>
-            <a:r>
-              <a:rPr lang="en-US" sz="3600" kern="1200" dirty="0" smtClean="0">
-                <a:solidFill>
-                  <a:schemeClr val="tx1">
-                    <a:lumMod val="85000"/>
-                    <a:lumOff val="15000"/>
-                  </a:schemeClr>
-                </a:solidFill>
-                <a:effectLst/>
-                <a:latin typeface="+mj-lt"/>
-                <a:ea typeface="+mj-ea"/>
-                <a:cs typeface="+mj-cs"/>
-              </a:rPr>
-              <a:t> Example</a:t>
-            </a:r>
-            <a:endParaRPr lang="de-AT" dirty="0" smtClean="0">
-              <a:effectLst/>
-            </a:endParaRPr>
-          </a:p>
-        </p:txBody>
-      </p:sp>
-      <p:sp>
-        <p:nvSpPr>
-          <p:cNvPr id="3" name="Inhaltsplatzhalter 2"/>
+            <a:r>
+              <a:rPr lang="de-AT" dirty="0" smtClean="0"/>
+              <a:t>Digital Certificates</a:t>
+            </a:r>
+            <a:endParaRPr lang="de-AT" dirty="0"/>
+          </a:p>
+        </p:txBody>
+      </p:sp>
+      <p:sp>
+        <p:nvSpPr>
+          <p:cNvPr id="3" name="Content Placeholder 2"/>
           <p:cNvSpPr>
             <a:spLocks noGrp="1"/>
           </p:cNvSpPr>
@@ -16506,61 +17481,58 @@
             <p:ph idx="1"/>
           </p:nvPr>
         </p:nvSpPr>
-        <p:spPr>
-          <a:xfrm>
-            <a:off x="2019300" y="2133600"/>
-            <a:ext cx="9485312" cy="3777622"/>
-          </a:xfrm>
-        </p:spPr>
-        <p:txBody>
-          <a:bodyPr>
-            <a:normAutofit/>
-          </a:bodyPr>
-          <a:lstStyle/>
-          <a:p>
-            <a:r>
-              <a:rPr lang="de-AT" b="1" dirty="0"/>
-              <a:t>https://github.com/</a:t>
-            </a:r>
-            <a:r>
-              <a:rPr lang="de-AT" b="1" dirty="0">
-                <a:solidFill>
-                  <a:schemeClr val="accent1">
-                    <a:lumMod val="60000"/>
-                    <a:lumOff val="40000"/>
-                  </a:schemeClr>
-                </a:solidFill>
-              </a:rPr>
-              <a:t>aayvazyan-tgm</a:t>
-            </a:r>
-            <a:r>
-              <a:rPr lang="de-AT" b="1" dirty="0">
-                <a:solidFill>
-                  <a:schemeClr val="tx1"/>
-                </a:solidFill>
-              </a:rPr>
-              <a:t>/</a:t>
-            </a:r>
-            <a:r>
-              <a:rPr lang="de-AT" b="1" dirty="0">
-                <a:solidFill>
-                  <a:schemeClr val="accent1">
-                    <a:lumMod val="60000"/>
-                    <a:lumOff val="40000"/>
-                  </a:schemeClr>
-                </a:solidFill>
-              </a:rPr>
-              <a:t>JavaEESecurityExample</a:t>
-            </a:r>
-          </a:p>
-          <a:p>
-            <a:endParaRPr lang="de-AT" dirty="0" smtClean="0"/>
-          </a:p>
-        </p:txBody>
-      </p:sp>
-      <p:sp>
-        <p:nvSpPr>
-          <p:cNvPr id="4" name="Datumsplatzhalter 3"/>
+        <p:spPr/>
+        <p:txBody>
+          <a:bodyPr/>
+          <a:lstStyle/>
+          <a:p>
+            <a:pPr marL="0" indent="0">
+              <a:buNone/>
+            </a:pPr>
+            <a:r>
+              <a:rPr lang="de-AT" b="1" dirty="0" smtClean="0"/>
+              <a:t>Self-Signed</a:t>
+            </a:r>
+          </a:p>
+          <a:p>
+            <a:r>
+              <a:rPr lang="de-AT" dirty="0" smtClean="0"/>
+              <a:t>Sometimes identity is not that important</a:t>
+            </a:r>
+          </a:p>
+          <a:p>
+            <a:r>
+              <a:rPr lang="de-AT" dirty="0" smtClean="0"/>
+              <a:t>But: Secure communication is still required</a:t>
+            </a:r>
+          </a:p>
+          <a:p>
+            <a:endParaRPr lang="de-AT" dirty="0"/>
+          </a:p>
+          <a:p>
+            <a:r>
+              <a:rPr lang="de-AT" dirty="0" smtClean="0"/>
+              <a:t>In this case:</a:t>
+            </a:r>
+          </a:p>
+          <a:p>
+            <a:r>
+              <a:rPr lang="de-AT" dirty="0" smtClean="0"/>
+              <a:t>Create a Certificate</a:t>
+            </a:r>
+          </a:p>
+          <a:p>
+            <a:r>
+              <a:rPr lang="de-AT" dirty="0" smtClean="0"/>
+              <a:t>Sign it yourself</a:t>
+            </a:r>
+            <a:endParaRPr lang="de-AT" dirty="0"/>
+          </a:p>
+        </p:txBody>
+      </p:sp>
+      <p:sp>
+        <p:nvSpPr>
+          <p:cNvPr id="4" name="Date Placeholder 3"/>
           <p:cNvSpPr>
             <a:spLocks noGrp="1"/>
           </p:cNvSpPr>
@@ -16573,7 +17545,7 @@
           <a:bodyPr/>
           <a:lstStyle/>
           <a:p>
-            <a:fld id="{3F4C572F-BCA4-4487-8EBD-15EE8D7320C7}" type="datetime1">
+            <a:fld id="{10403D0F-9BDF-4066-974A-D0959D480D21}" type="datetime1">
               <a:rPr lang="de-AT" smtClean="0"/>
               <a:t>13.02.2015</a:t>
             </a:fld>
@@ -16583,7 +17555,7 @@
       </p:sp>
       <p:sp>
         <p:nvSpPr>
-          <p:cNvPr id="5" name="Fußzeilenplatzhalter 4"/>
+          <p:cNvPr id="5" name="Footer Placeholder 4"/>
           <p:cNvSpPr>
             <a:spLocks noGrp="1"/>
           </p:cNvSpPr>
@@ -16597,7 +17569,7 @@
           <a:lstStyle/>
           <a:p>
             <a:r>
-              <a:rPr lang="en-US" dirty="0" smtClean="0"/>
+              <a:rPr lang="en-US" smtClean="0"/>
               <a:t>Ari Ayvazyan, Adrian Bergler, Java EE Security</a:t>
             </a:r>
             <a:endParaRPr lang="en-US" dirty="0"/>
@@ -16606,7 +17578,7 @@
       </p:sp>
       <p:sp>
         <p:nvSpPr>
-          <p:cNvPr id="6" name="Foliennummernplatzhalter 5"/>
+          <p:cNvPr id="6" name="Slide Number Placeholder 5"/>
           <p:cNvSpPr>
             <a:spLocks noGrp="1"/>
           </p:cNvSpPr>
@@ -16630,7 +17602,7 @@
     </p:spTree>
     <p:extLst>
       <p:ext uri="{BB962C8B-B14F-4D97-AF65-F5344CB8AC3E}">
-        <p14:creationId xmlns:p14="http://schemas.microsoft.com/office/powerpoint/2010/main" val="1989554945"/>
+        <p14:creationId xmlns:p14="http://schemas.microsoft.com/office/powerpoint/2010/main" val="1351794529"/>
       </p:ext>
     </p:extLst>
   </p:cSld>
@@ -16666,7 +17638,7 @@
       </p:grpSpPr>
       <p:sp>
         <p:nvSpPr>
-          <p:cNvPr id="2" name="Titel 1"/>
+          <p:cNvPr id="2" name="Title 1"/>
           <p:cNvSpPr>
             <a:spLocks noGrp="1"/>
           </p:cNvSpPr>
@@ -16680,85 +17652,74 @@
           <a:lstStyle/>
           <a:p>
             <a:r>
-              <a:rPr lang="en-US" sz="3600" kern="1200" dirty="0" smtClean="0">
-                <a:solidFill>
-                  <a:schemeClr val="tx1">
-                    <a:lumMod val="85000"/>
-                    <a:lumOff val="15000"/>
-                  </a:schemeClr>
-                </a:solidFill>
-                <a:effectLst/>
-                <a:latin typeface="+mj-lt"/>
-                <a:ea typeface="+mj-ea"/>
-                <a:cs typeface="+mj-cs"/>
-              </a:rPr>
-              <a:t>Output escaping</a:t>
-            </a:r>
+              <a:rPr lang="de-AT" dirty="0" smtClean="0"/>
+              <a:t>Digital Certificates</a:t>
+            </a:r>
+            <a:br>
+              <a:rPr lang="de-AT" dirty="0" smtClean="0"/>
+            </a:br>
+            <a:r>
+              <a:rPr lang="de-AT" b="1" dirty="0" smtClean="0"/>
+              <a:t>keytool</a:t>
+            </a:r>
+            <a:endParaRPr lang="de-AT" b="1" dirty="0"/>
+          </a:p>
+        </p:txBody>
+      </p:sp>
+      <p:sp>
+        <p:nvSpPr>
+          <p:cNvPr id="3" name="Content Placeholder 2"/>
+          <p:cNvSpPr>
+            <a:spLocks noGrp="1"/>
+          </p:cNvSpPr>
+          <p:nvPr>
+            <p:ph idx="1"/>
+          </p:nvPr>
+        </p:nvSpPr>
+        <p:spPr/>
+        <p:txBody>
+          <a:bodyPr/>
+          <a:lstStyle/>
+          <a:p>
+            <a:r>
+              <a:rPr lang="de-AT" dirty="0" smtClean="0"/>
+              <a:t>Strong tool that ships with the SDK</a:t>
+            </a:r>
+          </a:p>
+          <a:p>
+            <a:endParaRPr lang="de-AT" dirty="0" smtClean="0"/>
+          </a:p>
+          <a:p>
+            <a:r>
+              <a:rPr lang="de-AT" dirty="0" smtClean="0"/>
+              <a:t>Can be used for certificate creation and signing</a:t>
+            </a:r>
+          </a:p>
+          <a:p>
             <a:endParaRPr lang="de-AT" dirty="0"/>
           </a:p>
-        </p:txBody>
-      </p:sp>
-      <p:sp>
-        <p:nvSpPr>
-          <p:cNvPr id="3" name="Inhaltsplatzhalter 2"/>
-          <p:cNvSpPr>
-            <a:spLocks noGrp="1"/>
-          </p:cNvSpPr>
-          <p:nvPr>
-            <p:ph idx="1"/>
-          </p:nvPr>
-        </p:nvSpPr>
-        <p:spPr/>
-        <p:txBody>
-          <a:bodyPr/>
-          <a:lstStyle/>
-          <a:p>
-            <a:r>
-              <a:rPr lang="en-US" dirty="0" smtClean="0"/>
-              <a:t>Escape user input</a:t>
+          <a:p>
+            <a:r>
+              <a:rPr lang="de-AT" dirty="0" smtClean="0"/>
+              <a:t>Administration of Public/private keys in general</a:t>
             </a:r>
           </a:p>
           <a:p>
             <a:pPr lvl="1"/>
             <a:r>
-              <a:rPr lang="en-US" dirty="0" smtClean="0"/>
-              <a:t>To prevent injections</a:t>
-            </a:r>
-          </a:p>
-          <a:p>
-            <a:r>
-              <a:rPr lang="en-US" dirty="0" smtClean="0"/>
-              <a:t>Escape the output</a:t>
-            </a:r>
-          </a:p>
-          <a:p>
-            <a:pPr lvl="1"/>
-            <a:r>
-              <a:rPr lang="en-US" dirty="0" smtClean="0"/>
-              <a:t>To add an extra layer of security (for the user)</a:t>
-            </a:r>
-          </a:p>
-          <a:p>
-            <a:r>
-              <a:rPr lang="en-US" dirty="0" smtClean="0"/>
-              <a:t>Do not show Stack traces</a:t>
-            </a:r>
-          </a:p>
-          <a:p>
-            <a:endParaRPr lang="en-US" dirty="0"/>
-          </a:p>
-          <a:p>
-            <a:r>
-              <a:rPr lang="en-US" dirty="0" smtClean="0"/>
-              <a:t>Use a Framework!</a:t>
-            </a:r>
-            <a:endParaRPr lang="en-US" dirty="0"/>
-          </a:p>
-        </p:txBody>
-      </p:sp>
-      <p:sp>
-        <p:nvSpPr>
-          <p:cNvPr id="4" name="Datumsplatzhalter 3"/>
+              <a:rPr lang="de-AT" dirty="0" smtClean="0"/>
+              <a:t>Also: </a:t>
+            </a:r>
+            <a:r>
+              <a:rPr lang="de-AT" b="1" dirty="0" smtClean="0"/>
+              <a:t>Client certificates</a:t>
+            </a:r>
+          </a:p>
+        </p:txBody>
+      </p:sp>
+      <p:sp>
+        <p:nvSpPr>
+          <p:cNvPr id="4" name="Date Placeholder 3"/>
           <p:cNvSpPr>
             <a:spLocks noGrp="1"/>
           </p:cNvSpPr>
@@ -16771,7 +17732,7 @@
           <a:bodyPr/>
           <a:lstStyle/>
           <a:p>
-            <a:fld id="{73F9A2D8-44B8-467F-9223-0D7436D41992}" type="datetime1">
+            <a:fld id="{10403D0F-9BDF-4066-974A-D0959D480D21}" type="datetime1">
               <a:rPr lang="de-AT" smtClean="0"/>
               <a:t>13.02.2015</a:t>
             </a:fld>
@@ -16781,7 +17742,7 @@
       </p:sp>
       <p:sp>
         <p:nvSpPr>
-          <p:cNvPr id="5" name="Fußzeilenplatzhalter 4"/>
+          <p:cNvPr id="5" name="Footer Placeholder 4"/>
           <p:cNvSpPr>
             <a:spLocks noGrp="1"/>
           </p:cNvSpPr>
@@ -16795,7 +17756,7 @@
           <a:lstStyle/>
           <a:p>
             <a:r>
-              <a:rPr lang="en-US" dirty="0" smtClean="0"/>
+              <a:rPr lang="en-US" smtClean="0"/>
               <a:t>Ari Ayvazyan, Adrian Bergler, Java EE Security</a:t>
             </a:r>
             <a:endParaRPr lang="en-US" dirty="0"/>
@@ -16804,7 +17765,7 @@
       </p:sp>
       <p:sp>
         <p:nvSpPr>
-          <p:cNvPr id="6" name="Foliennummernplatzhalter 5"/>
+          <p:cNvPr id="6" name="Slide Number Placeholder 5"/>
           <p:cNvSpPr>
             <a:spLocks noGrp="1"/>
           </p:cNvSpPr>
@@ -16828,7 +17789,7 @@
     </p:spTree>
     <p:extLst>
       <p:ext uri="{BB962C8B-B14F-4D97-AF65-F5344CB8AC3E}">
-        <p14:creationId xmlns:p14="http://schemas.microsoft.com/office/powerpoint/2010/main" val="938604773"/>
+        <p14:creationId xmlns:p14="http://schemas.microsoft.com/office/powerpoint/2010/main" val="1927108772"/>
       </p:ext>
     </p:extLst>
   </p:cSld>
@@ -16874,14 +17835,12 @@
         </p:nvSpPr>
         <p:spPr/>
         <p:txBody>
-          <a:bodyPr>
-            <a:normAutofit/>
-          </a:bodyPr>
-          <a:lstStyle/>
-          <a:p>
-            <a:pPr lvl="0"/>
-            <a:r>
-              <a:rPr lang="en-US" sz="3600" i="0" kern="1200" noProof="0" dirty="0" smtClean="0">
+          <a:bodyPr/>
+          <a:lstStyle/>
+          <a:p>
+            <a:pPr rtl="0" eaLnBrk="1" latinLnBrk="0" hangingPunct="1"/>
+            <a:r>
+              <a:rPr lang="en-US" sz="3600" kern="1200" dirty="0" smtClean="0">
                 <a:solidFill>
                   <a:schemeClr val="tx1">
                     <a:lumMod val="85000"/>
@@ -16889,10 +17848,15 @@
                   </a:schemeClr>
                 </a:solidFill>
                 <a:effectLst/>
+                <a:latin typeface="+mj-lt"/>
+                <a:ea typeface="+mj-ea"/>
+                <a:cs typeface="+mj-cs"/>
               </a:rPr>
-              <a:t>Sources</a:t>
-            </a:r>
-            <a:endParaRPr lang="en-US" noProof="0" dirty="0"/>
+              <a:t>Frameworks … - Advantages</a:t>
+            </a:r>
+            <a:endParaRPr lang="de-AT" dirty="0" smtClean="0">
+              <a:effectLst/>
+            </a:endParaRPr>
           </a:p>
         </p:txBody>
       </p:sp>
@@ -16913,445 +17877,31 @@
           </a:bodyPr>
           <a:lstStyle/>
           <a:p>
-            <a:pPr lvl="0"/>
-            <a:r>
-              <a:rPr lang="de-AT" sz="800" b="1" dirty="0" err="1"/>
-              <a:t>JavaOne</a:t>
-            </a:r>
-            <a:r>
-              <a:rPr lang="de-AT" sz="800" b="1" dirty="0"/>
-              <a:t> 2014: </a:t>
-            </a:r>
-            <a:r>
-              <a:rPr lang="de-AT" sz="800" dirty="0"/>
-              <a:t>The </a:t>
-            </a:r>
-            <a:r>
-              <a:rPr lang="de-AT" sz="800" dirty="0" err="1"/>
-              <a:t>Anatomy</a:t>
-            </a:r>
-            <a:r>
-              <a:rPr lang="de-AT" sz="800" dirty="0"/>
-              <a:t> </a:t>
-            </a:r>
-            <a:r>
-              <a:rPr lang="de-AT" sz="800" dirty="0" err="1"/>
-              <a:t>of</a:t>
-            </a:r>
-            <a:r>
-              <a:rPr lang="de-AT" sz="800" dirty="0"/>
-              <a:t> a Secure Web </a:t>
-            </a:r>
-            <a:r>
-              <a:rPr lang="de-AT" sz="800" dirty="0" err="1"/>
-              <a:t>Application</a:t>
-            </a:r>
-            <a:r>
-              <a:rPr lang="de-AT" sz="800" dirty="0"/>
-              <a:t> </a:t>
-            </a:r>
-            <a:r>
-              <a:rPr lang="de-AT" sz="800" dirty="0" err="1"/>
-              <a:t>Using</a:t>
-            </a:r>
-            <a:r>
-              <a:rPr lang="de-AT" sz="800" dirty="0"/>
-              <a:t> Java,</a:t>
-            </a:r>
-            <a:br>
-              <a:rPr lang="de-AT" sz="800" dirty="0"/>
-            </a:br>
-            <a:r>
-              <a:rPr lang="de-AT" sz="800" dirty="0"/>
-              <a:t>Shawn </a:t>
-            </a:r>
-            <a:r>
-              <a:rPr lang="de-AT" sz="800" dirty="0" err="1"/>
-              <a:t>McKinney</a:t>
-            </a:r>
-            <a:r>
-              <a:rPr lang="de-AT" sz="800" dirty="0"/>
-              <a:t> &amp; John Field, September 29, 2014</a:t>
-            </a:r>
-            <a:br>
-              <a:rPr lang="de-AT" sz="800" dirty="0"/>
-            </a:br>
-            <a:r>
-              <a:rPr lang="de-AT" sz="800" dirty="0"/>
-              <a:t>San </a:t>
-            </a:r>
-            <a:r>
-              <a:rPr lang="de-AT" sz="800" dirty="0" smtClean="0"/>
-              <a:t>Francisco</a:t>
-            </a:r>
-            <a:endParaRPr lang="de-AT" sz="800" dirty="0"/>
-          </a:p>
-          <a:p>
-            <a:pPr lvl="0"/>
-            <a:r>
-              <a:rPr lang="de-AT" sz="800" b="1" dirty="0"/>
-              <a:t>Java Security: </a:t>
-            </a:r>
-            <a:r>
-              <a:rPr lang="de-AT" sz="800" dirty="0"/>
-              <a:t>Sicherheitslücken identifizieren und vermeiden,</a:t>
-            </a:r>
-            <a:br>
-              <a:rPr lang="de-AT" sz="800" dirty="0"/>
-            </a:br>
-            <a:r>
-              <a:rPr lang="de-AT" sz="800" dirty="0"/>
-              <a:t>Marc Schönefeld, 1. </a:t>
-            </a:r>
-            <a:r>
-              <a:rPr lang="de-AT" sz="800" dirty="0" err="1"/>
-              <a:t>edition</a:t>
-            </a:r>
-            <a:r>
-              <a:rPr lang="de-AT" sz="800" dirty="0"/>
-              <a:t> 2011</a:t>
-            </a:r>
-            <a:br>
-              <a:rPr lang="de-AT" sz="800" dirty="0"/>
-            </a:br>
-            <a:r>
-              <a:rPr lang="de-AT" sz="800" dirty="0"/>
-              <a:t>Publisher: </a:t>
-            </a:r>
-            <a:r>
-              <a:rPr lang="de-AT" sz="800" dirty="0" err="1"/>
-              <a:t>Hüthig</a:t>
-            </a:r>
-            <a:r>
-              <a:rPr lang="de-AT" sz="800" dirty="0"/>
-              <a:t> </a:t>
-            </a:r>
-            <a:r>
-              <a:rPr lang="de-AT" sz="800" dirty="0" err="1"/>
-              <a:t>Jehle</a:t>
-            </a:r>
-            <a:r>
-              <a:rPr lang="de-AT" sz="800" dirty="0"/>
-              <a:t> Rehm GmbH, Heidelberg.</a:t>
-            </a:r>
-            <a:br>
-              <a:rPr lang="de-AT" sz="800" dirty="0"/>
-            </a:br>
-            <a:r>
-              <a:rPr lang="de-AT" sz="800" dirty="0"/>
-              <a:t>ISBN/ISSN </a:t>
-            </a:r>
-            <a:r>
-              <a:rPr lang="de-AT" sz="800" dirty="0" smtClean="0"/>
-              <a:t>978-3-8266-9105-8</a:t>
-            </a:r>
-            <a:endParaRPr lang="de-AT" sz="800" dirty="0"/>
-          </a:p>
-          <a:p>
-            <a:pPr lvl="0"/>
-            <a:r>
-              <a:rPr lang="de-AT" sz="800" b="1" dirty="0"/>
-              <a:t>Enterprise Java Security:</a:t>
-            </a:r>
-            <a:r>
-              <a:rPr lang="de-AT" sz="800" dirty="0"/>
-              <a:t> Building Secure J2EE </a:t>
-            </a:r>
-            <a:r>
-              <a:rPr lang="de-AT" sz="800" dirty="0" err="1"/>
-              <a:t>Applications</a:t>
-            </a:r>
-            <a:r>
-              <a:rPr lang="de-AT" sz="800" dirty="0"/>
-              <a:t>,</a:t>
-            </a:r>
-            <a:br>
-              <a:rPr lang="de-AT" sz="800" dirty="0"/>
-            </a:br>
-            <a:r>
-              <a:rPr lang="de-AT" sz="800" dirty="0"/>
-              <a:t>Marco </a:t>
-            </a:r>
-            <a:r>
-              <a:rPr lang="de-AT" sz="800" dirty="0" err="1"/>
-              <a:t>Pistoia</a:t>
-            </a:r>
-            <a:r>
-              <a:rPr lang="de-AT" sz="800" dirty="0"/>
-              <a:t>, </a:t>
-            </a:r>
-            <a:r>
-              <a:rPr lang="de-AT" sz="800" dirty="0" err="1"/>
-              <a:t>Natara</a:t>
-            </a:r>
-            <a:r>
-              <a:rPr lang="de-AT" sz="800" dirty="0"/>
-              <a:t> j </a:t>
-            </a:r>
-            <a:r>
-              <a:rPr lang="de-AT" sz="800" dirty="0" err="1"/>
-              <a:t>Nagaratnam</a:t>
-            </a:r>
-            <a:r>
-              <a:rPr lang="de-AT" sz="800" dirty="0"/>
-              <a:t>, Larry </a:t>
-            </a:r>
-            <a:r>
-              <a:rPr lang="de-AT" sz="800" dirty="0" err="1"/>
-              <a:t>Koved</a:t>
-            </a:r>
-            <a:r>
-              <a:rPr lang="de-AT" sz="800" dirty="0"/>
-              <a:t>, Anthony </a:t>
-            </a:r>
-            <a:r>
-              <a:rPr lang="de-AT" sz="800" dirty="0" err="1"/>
-              <a:t>Nadalin</a:t>
-            </a:r>
-            <a:r>
-              <a:rPr lang="de-AT" sz="800" dirty="0"/>
-              <a:t>,</a:t>
-            </a:r>
-            <a:br>
-              <a:rPr lang="de-AT" sz="800" dirty="0"/>
-            </a:br>
-            <a:r>
-              <a:rPr lang="de-AT" sz="800" dirty="0"/>
-              <a:t>1. </a:t>
-            </a:r>
-            <a:r>
-              <a:rPr lang="de-AT" sz="800" dirty="0" err="1"/>
-              <a:t>edition</a:t>
-            </a:r>
-            <a:r>
-              <a:rPr lang="de-AT" sz="800" dirty="0"/>
-              <a:t> 2004</a:t>
-            </a:r>
-            <a:br>
-              <a:rPr lang="de-AT" sz="800" dirty="0"/>
-            </a:br>
-            <a:r>
-              <a:rPr lang="de-AT" sz="800" dirty="0"/>
-              <a:t>Publisher: Addison-Wesley Professional.</a:t>
-            </a:r>
-            <a:br>
-              <a:rPr lang="de-AT" sz="800" dirty="0"/>
-            </a:br>
-            <a:r>
-              <a:rPr lang="de-AT" sz="800" dirty="0"/>
-              <a:t>ISBN/ISSN: I SBN </a:t>
-            </a:r>
-            <a:r>
-              <a:rPr lang="de-AT" sz="800" dirty="0" smtClean="0"/>
-              <a:t>0-321-11889-8</a:t>
-            </a:r>
-            <a:endParaRPr lang="de-AT" sz="800" dirty="0"/>
-          </a:p>
-          <a:p>
-            <a:pPr lvl="0"/>
-            <a:r>
-              <a:rPr lang="de-AT" sz="800" b="1" dirty="0"/>
-              <a:t>Official </a:t>
-            </a:r>
-            <a:r>
-              <a:rPr lang="de-AT" sz="800" b="1" dirty="0" err="1"/>
-              <a:t>JavaEE</a:t>
-            </a:r>
-            <a:r>
-              <a:rPr lang="de-AT" sz="800" b="1" dirty="0"/>
-              <a:t> </a:t>
-            </a:r>
-            <a:r>
-              <a:rPr lang="de-AT" sz="800" b="1" dirty="0" err="1"/>
-              <a:t>Documentation</a:t>
-            </a:r>
-            <a:r>
-              <a:rPr lang="de-AT" sz="800" dirty="0"/>
-              <a:t>, Oracle,</a:t>
-            </a:r>
-            <a:br>
-              <a:rPr lang="de-AT" sz="800" dirty="0"/>
-            </a:br>
-            <a:r>
-              <a:rPr lang="de-AT" sz="800" dirty="0"/>
-              <a:t>29.09.2014 http://do cs.oracle.com/</a:t>
-            </a:r>
-            <a:r>
-              <a:rPr lang="de-AT" sz="800" dirty="0" err="1"/>
-              <a:t>javaee</a:t>
-            </a:r>
-            <a:r>
-              <a:rPr lang="de-AT" sz="800" dirty="0"/>
-              <a:t>/7/</a:t>
-            </a:r>
-            <a:r>
-              <a:rPr lang="de-AT" sz="800" dirty="0" err="1"/>
-              <a:t>tutorial</a:t>
-            </a:r>
-            <a:r>
-              <a:rPr lang="de-AT" sz="800" dirty="0"/>
-              <a:t>/do </a:t>
-            </a:r>
-            <a:r>
-              <a:rPr lang="de-AT" sz="800" dirty="0" smtClean="0"/>
-              <a:t>c/security-intro.htm</a:t>
-            </a:r>
-            <a:endParaRPr lang="de-AT" sz="800" dirty="0"/>
-          </a:p>
-          <a:p>
-            <a:pPr lvl="0"/>
-            <a:r>
-              <a:rPr lang="de-AT" sz="800" b="1" dirty="0"/>
-              <a:t>Java EE 6,</a:t>
-            </a:r>
-            <a:r>
-              <a:rPr lang="de-AT" sz="800" dirty="0"/>
-              <a:t/>
-            </a:r>
-            <a:br>
-              <a:rPr lang="de-AT" sz="800" dirty="0"/>
-            </a:br>
-            <a:r>
-              <a:rPr lang="de-AT" sz="800" dirty="0"/>
-              <a:t>Dirk Weil, 1. </a:t>
-            </a:r>
-            <a:r>
-              <a:rPr lang="de-AT" sz="800" dirty="0" err="1"/>
-              <a:t>edition</a:t>
-            </a:r>
-            <a:r>
-              <a:rPr lang="de-AT" sz="800" dirty="0"/>
-              <a:t> 2012</a:t>
-            </a:r>
-            <a:br>
-              <a:rPr lang="de-AT" sz="800" dirty="0"/>
-            </a:br>
-            <a:r>
-              <a:rPr lang="de-AT" sz="800" dirty="0"/>
-              <a:t>Publisher: </a:t>
-            </a:r>
-            <a:r>
-              <a:rPr lang="de-AT" sz="800" dirty="0" err="1"/>
-              <a:t>entwickler.press</a:t>
-            </a:r>
-            <a:r>
-              <a:rPr lang="de-AT" sz="800" dirty="0"/>
-              <a:t/>
-            </a:r>
-            <a:br>
-              <a:rPr lang="de-AT" sz="800" dirty="0"/>
-            </a:br>
-            <a:r>
-              <a:rPr lang="de-AT" sz="800" dirty="0"/>
-              <a:t>ISBN </a:t>
-            </a:r>
-            <a:r>
-              <a:rPr lang="de-AT" sz="800" dirty="0" smtClean="0"/>
-              <a:t>978-3-86802-077-9</a:t>
-            </a:r>
-            <a:endParaRPr lang="de-AT" sz="800" dirty="0"/>
-          </a:p>
-          <a:p>
-            <a:pPr lvl="0"/>
-            <a:r>
-              <a:rPr lang="de-AT" sz="800" b="1" dirty="0"/>
-              <a:t>Java EE 6 </a:t>
-            </a:r>
-            <a:r>
-              <a:rPr lang="de-AT" sz="800" b="1" dirty="0" err="1"/>
-              <a:t>Cookbook</a:t>
-            </a:r>
-            <a:r>
-              <a:rPr lang="de-AT" sz="800" dirty="0"/>
-              <a:t> </a:t>
-            </a:r>
-            <a:r>
-              <a:rPr lang="de-AT" sz="800" dirty="0" err="1"/>
-              <a:t>for</a:t>
-            </a:r>
-            <a:r>
-              <a:rPr lang="de-AT" sz="800" dirty="0"/>
-              <a:t> </a:t>
-            </a:r>
-            <a:r>
-              <a:rPr lang="de-AT" sz="800" dirty="0" err="1"/>
-              <a:t>Securing</a:t>
-            </a:r>
-            <a:r>
-              <a:rPr lang="de-AT" sz="800" dirty="0"/>
-              <a:t>, Tuning, </a:t>
-            </a:r>
-            <a:r>
-              <a:rPr lang="de-AT" sz="800" dirty="0" err="1"/>
-              <a:t>and</a:t>
-            </a:r>
-            <a:r>
-              <a:rPr lang="de-AT" sz="800" dirty="0"/>
-              <a:t> </a:t>
-            </a:r>
-            <a:r>
-              <a:rPr lang="de-AT" sz="800" dirty="0" err="1"/>
-              <a:t>Extending</a:t>
-            </a:r>
-            <a:r>
-              <a:rPr lang="de-AT" sz="800" dirty="0"/>
-              <a:t> Enterprise </a:t>
-            </a:r>
-            <a:r>
-              <a:rPr lang="de-AT" sz="800" dirty="0" err="1"/>
-              <a:t>Applications</a:t>
-            </a:r>
-            <a:r>
-              <a:rPr lang="de-AT" sz="800" dirty="0"/>
-              <a:t>, </a:t>
-            </a:r>
-            <a:br>
-              <a:rPr lang="de-AT" sz="800" dirty="0"/>
-            </a:br>
-            <a:r>
-              <a:rPr lang="de-AT" sz="800" dirty="0"/>
-              <a:t>Mick </a:t>
-            </a:r>
-            <a:r>
-              <a:rPr lang="de-AT" sz="800" dirty="0" err="1"/>
-              <a:t>Knutson</a:t>
-            </a:r>
-            <a:r>
-              <a:rPr lang="de-AT" sz="800" dirty="0"/>
-              <a:t>, </a:t>
-            </a:r>
-            <a:br>
-              <a:rPr lang="de-AT" sz="800" dirty="0"/>
-            </a:br>
-            <a:r>
-              <a:rPr lang="de-AT" sz="800" dirty="0"/>
-              <a:t>1. </a:t>
-            </a:r>
-            <a:r>
-              <a:rPr lang="de-AT" sz="800" dirty="0" err="1"/>
-              <a:t>edition</a:t>
-            </a:r>
-            <a:r>
-              <a:rPr lang="de-AT" sz="800" dirty="0"/>
-              <a:t> June 2012</a:t>
-            </a:r>
-            <a:br>
-              <a:rPr lang="de-AT" sz="800" dirty="0"/>
-            </a:br>
-            <a:r>
-              <a:rPr lang="de-AT" sz="800" dirty="0"/>
-              <a:t>Publisher: Addison-Wesley Professional.</a:t>
-            </a:r>
-            <a:br>
-              <a:rPr lang="de-AT" sz="800" dirty="0"/>
-            </a:br>
-            <a:r>
-              <a:rPr lang="de-AT" sz="800" dirty="0"/>
-              <a:t>ISBN/ISSN: I SBN </a:t>
-            </a:r>
-            <a:r>
-              <a:rPr lang="de-AT" sz="800" dirty="0" smtClean="0"/>
-              <a:t>9781849683166</a:t>
+            <a:r>
+              <a:rPr lang="en-US" dirty="0" smtClean="0"/>
+              <a:t>are tested</a:t>
+            </a:r>
+          </a:p>
+          <a:p>
+            <a:r>
+              <a:rPr lang="en-US" dirty="0" smtClean="0"/>
+              <a:t>are more secure due to public testing</a:t>
+            </a:r>
+          </a:p>
+          <a:p>
+            <a:r>
+              <a:rPr lang="en-US" dirty="0" smtClean="0"/>
+              <a:t>are supported</a:t>
+            </a:r>
+          </a:p>
+          <a:p>
+            <a:r>
+              <a:rPr lang="en-US" dirty="0"/>
+              <a:t>c</a:t>
+            </a:r>
+            <a:r>
+              <a:rPr lang="en-US" dirty="0" smtClean="0"/>
+              <a:t>an save time on long term</a:t>
             </a:r>
           </a:p>
         </p:txBody>
@@ -17371,7 +17921,7 @@
           <a:bodyPr/>
           <a:lstStyle/>
           <a:p>
-            <a:fld id="{680BB08F-6D3B-4E3E-8B05-C729AFCB21AF}" type="datetime1">
+            <a:fld id="{3F4C572F-BCA4-4487-8EBD-15EE8D7320C7}" type="datetime1">
               <a:rPr lang="de-AT" smtClean="0"/>
               <a:t>13.02.2015</a:t>
             </a:fld>
@@ -17428,7 +17978,7 @@
     </p:spTree>
     <p:extLst>
       <p:ext uri="{BB962C8B-B14F-4D97-AF65-F5344CB8AC3E}">
-        <p14:creationId xmlns:p14="http://schemas.microsoft.com/office/powerpoint/2010/main" val="801564242"/>
+        <p14:creationId xmlns:p14="http://schemas.microsoft.com/office/powerpoint/2010/main" val="260349493"/>
       </p:ext>
     </p:extLst>
   </p:cSld>
@@ -17477,6 +18027,1442 @@
           <a:bodyPr/>
           <a:lstStyle/>
           <a:p>
+            <a:pPr rtl="0" eaLnBrk="1" latinLnBrk="0" hangingPunct="1"/>
+            <a:r>
+              <a:rPr lang="en-US" sz="3600" kern="1200" dirty="0" smtClean="0">
+                <a:solidFill>
+                  <a:schemeClr val="tx1">
+                    <a:lumMod val="85000"/>
+                    <a:lumOff val="15000"/>
+                  </a:schemeClr>
+                </a:solidFill>
+                <a:effectLst/>
+                <a:latin typeface="+mj-lt"/>
+                <a:ea typeface="+mj-ea"/>
+                <a:cs typeface="+mj-cs"/>
+              </a:rPr>
+              <a:t>Frameworks … - Disadvantages</a:t>
+            </a:r>
+            <a:endParaRPr lang="de-AT" dirty="0" smtClean="0">
+              <a:effectLst/>
+            </a:endParaRPr>
+          </a:p>
+        </p:txBody>
+      </p:sp>
+      <p:sp>
+        <p:nvSpPr>
+          <p:cNvPr id="3" name="Inhaltsplatzhalter 2"/>
+          <p:cNvSpPr>
+            <a:spLocks noGrp="1"/>
+          </p:cNvSpPr>
+          <p:nvPr>
+            <p:ph idx="1"/>
+          </p:nvPr>
+        </p:nvSpPr>
+        <p:spPr/>
+        <p:txBody>
+          <a:bodyPr>
+            <a:normAutofit/>
+          </a:bodyPr>
+          <a:lstStyle/>
+          <a:p>
+            <a:r>
+              <a:rPr lang="en-US" dirty="0" smtClean="0"/>
+              <a:t>need to be learned</a:t>
+            </a:r>
+          </a:p>
+          <a:p>
+            <a:r>
+              <a:rPr lang="en-US" dirty="0" smtClean="0"/>
+              <a:t>can be limited in the possibilities</a:t>
+            </a:r>
+            <a:endParaRPr lang="en-US" dirty="0"/>
+          </a:p>
+          <a:p>
+            <a:r>
+              <a:rPr lang="en-US" dirty="0" smtClean="0"/>
+              <a:t>need to be trusted</a:t>
+            </a:r>
+          </a:p>
+        </p:txBody>
+      </p:sp>
+      <p:sp>
+        <p:nvSpPr>
+          <p:cNvPr id="4" name="Datumsplatzhalter 3"/>
+          <p:cNvSpPr>
+            <a:spLocks noGrp="1"/>
+          </p:cNvSpPr>
+          <p:nvPr>
+            <p:ph type="dt" sz="half" idx="10"/>
+          </p:nvPr>
+        </p:nvSpPr>
+        <p:spPr/>
+        <p:txBody>
+          <a:bodyPr/>
+          <a:lstStyle/>
+          <a:p>
+            <a:fld id="{3F4C572F-BCA4-4487-8EBD-15EE8D7320C7}" type="datetime1">
+              <a:rPr lang="de-AT" smtClean="0"/>
+              <a:t>13.02.2015</a:t>
+            </a:fld>
+            <a:endParaRPr lang="en-US" dirty="0"/>
+          </a:p>
+        </p:txBody>
+      </p:sp>
+      <p:sp>
+        <p:nvSpPr>
+          <p:cNvPr id="5" name="Fußzeilenplatzhalter 4"/>
+          <p:cNvSpPr>
+            <a:spLocks noGrp="1"/>
+          </p:cNvSpPr>
+          <p:nvPr>
+            <p:ph type="ftr" sz="quarter" idx="11"/>
+          </p:nvPr>
+        </p:nvSpPr>
+        <p:spPr/>
+        <p:txBody>
+          <a:bodyPr/>
+          <a:lstStyle/>
+          <a:p>
+            <a:r>
+              <a:rPr lang="en-US" dirty="0" smtClean="0"/>
+              <a:t>Ari Ayvazyan, Adrian Bergler, Java EE Security</a:t>
+            </a:r>
+            <a:endParaRPr lang="en-US" dirty="0"/>
+          </a:p>
+        </p:txBody>
+      </p:sp>
+      <p:sp>
+        <p:nvSpPr>
+          <p:cNvPr id="6" name="Foliennummernplatzhalter 5"/>
+          <p:cNvSpPr>
+            <a:spLocks noGrp="1"/>
+          </p:cNvSpPr>
+          <p:nvPr>
+            <p:ph type="sldNum" sz="quarter" idx="12"/>
+          </p:nvPr>
+        </p:nvSpPr>
+        <p:spPr/>
+        <p:txBody>
+          <a:bodyPr/>
+          <a:lstStyle/>
+          <a:p>
+            <a:fld id="{D57F1E4F-1CFF-5643-939E-02111984F565}" type="slidenum">
+              <a:rPr lang="en-US" smtClean="0"/>
+              <a:t>34</a:t>
+            </a:fld>
+            <a:endParaRPr lang="en-US" dirty="0"/>
+          </a:p>
+        </p:txBody>
+      </p:sp>
+    </p:spTree>
+    <p:extLst>
+      <p:ext uri="{BB962C8B-B14F-4D97-AF65-F5344CB8AC3E}">
+        <p14:creationId xmlns:p14="http://schemas.microsoft.com/office/powerpoint/2010/main" val="243032441"/>
+      </p:ext>
+    </p:extLst>
+  </p:cSld>
+  <p:clrMapOvr>
+    <a:masterClrMapping/>
+  </p:clrMapOvr>
+  <p:timing>
+    <p:tnLst>
+      <p:par>
+        <p:cTn id="1" dur="indefinite" restart="never" nodeType="tmRoot"/>
+      </p:par>
+    </p:tnLst>
+  </p:timing>
+</p:sld>
+</file>
+
+<file path=ppt/slides/slide35.xml><?xml version="1.0" encoding="utf-8"?>
+<p:sld xmlns:a="http://schemas.openxmlformats.org/drawingml/2006/main" xmlns:r="http://schemas.openxmlformats.org/officeDocument/2006/relationships" xmlns:p="http://schemas.openxmlformats.org/presentationml/2006/main">
+  <p:cSld>
+    <p:spTree>
+      <p:nvGrpSpPr>
+        <p:cNvPr id="1" name=""/>
+        <p:cNvGrpSpPr/>
+        <p:nvPr/>
+      </p:nvGrpSpPr>
+      <p:grpSpPr>
+        <a:xfrm>
+          <a:off x="0" y="0"/>
+          <a:ext cx="0" cy="0"/>
+          <a:chOff x="0" y="0"/>
+          <a:chExt cx="0" cy="0"/>
+        </a:xfrm>
+      </p:grpSpPr>
+      <p:sp>
+        <p:nvSpPr>
+          <p:cNvPr id="2" name="Titel 1"/>
+          <p:cNvSpPr>
+            <a:spLocks noGrp="1"/>
+          </p:cNvSpPr>
+          <p:nvPr>
+            <p:ph type="title"/>
+          </p:nvPr>
+        </p:nvSpPr>
+        <p:spPr/>
+        <p:txBody>
+          <a:bodyPr/>
+          <a:lstStyle/>
+          <a:p>
+            <a:pPr rtl="0" eaLnBrk="1" latinLnBrk="0" hangingPunct="1"/>
+            <a:r>
+              <a:rPr lang="en-US" sz="3600" kern="1200" dirty="0" smtClean="0">
+                <a:solidFill>
+                  <a:schemeClr val="tx1">
+                    <a:lumMod val="85000"/>
+                    <a:lumOff val="15000"/>
+                  </a:schemeClr>
+                </a:solidFill>
+                <a:effectLst/>
+                <a:latin typeface="+mj-lt"/>
+                <a:ea typeface="+mj-ea"/>
+                <a:cs typeface="+mj-cs"/>
+              </a:rPr>
+              <a:t>Frameworks</a:t>
+            </a:r>
+            <a:endParaRPr lang="de-AT" dirty="0" smtClean="0">
+              <a:effectLst/>
+            </a:endParaRPr>
+          </a:p>
+        </p:txBody>
+      </p:sp>
+      <p:sp>
+        <p:nvSpPr>
+          <p:cNvPr id="3" name="Inhaltsplatzhalter 2"/>
+          <p:cNvSpPr>
+            <a:spLocks noGrp="1"/>
+          </p:cNvSpPr>
+          <p:nvPr>
+            <p:ph idx="1"/>
+          </p:nvPr>
+        </p:nvSpPr>
+        <p:spPr/>
+        <p:txBody>
+          <a:bodyPr>
+            <a:normAutofit/>
+          </a:bodyPr>
+          <a:lstStyle/>
+          <a:p>
+            <a:pPr marL="342900" lvl="1" indent="-342900"/>
+            <a:r>
+              <a:rPr lang="en-US" sz="2400" dirty="0"/>
+              <a:t>Provide: Authentication, Authorization, </a:t>
+            </a:r>
+            <a:r>
+              <a:rPr lang="en-US" sz="2400" dirty="0" smtClean="0"/>
+              <a:t>Cryptography</a:t>
+            </a:r>
+          </a:p>
+          <a:p>
+            <a:r>
+              <a:rPr lang="en-US" dirty="0" smtClean="0"/>
+              <a:t>Apache Shiro</a:t>
+            </a:r>
+          </a:p>
+          <a:p>
+            <a:pPr lvl="1"/>
+            <a:r>
+              <a:rPr lang="en-US" dirty="0" smtClean="0"/>
+              <a:t>Simple Code Structure</a:t>
+            </a:r>
+          </a:p>
+          <a:p>
+            <a:pPr lvl="1"/>
+            <a:r>
+              <a:rPr lang="en-US" dirty="0" smtClean="0"/>
+              <a:t>Not bound to HTTP</a:t>
+            </a:r>
+          </a:p>
+          <a:p>
+            <a:r>
+              <a:rPr lang="en-US" dirty="0" smtClean="0"/>
+              <a:t>Spring Security</a:t>
+            </a:r>
+          </a:p>
+          <a:p>
+            <a:pPr lvl="1"/>
+            <a:r>
+              <a:rPr lang="en-US" dirty="0" smtClean="0"/>
+              <a:t>Very structured</a:t>
+            </a:r>
+          </a:p>
+          <a:p>
+            <a:r>
+              <a:rPr lang="en-US" dirty="0"/>
+              <a:t>JAAS </a:t>
+            </a:r>
+            <a:r>
+              <a:rPr lang="en-US" dirty="0" smtClean="0"/>
+              <a:t>- Java </a:t>
+            </a:r>
+            <a:r>
+              <a:rPr lang="en-US" dirty="0"/>
+              <a:t>Authentication and Authorization </a:t>
+            </a:r>
+            <a:r>
+              <a:rPr lang="en-US" dirty="0" smtClean="0"/>
+              <a:t>Service</a:t>
+            </a:r>
+          </a:p>
+          <a:p>
+            <a:pPr lvl="1"/>
+            <a:r>
+              <a:rPr lang="en-US" dirty="0" smtClean="0"/>
+              <a:t>Included in Java SE since Java 1.4 (</a:t>
+            </a:r>
+            <a:r>
+              <a:rPr lang="de-AT" dirty="0" err="1" smtClean="0"/>
+              <a:t>javax.security.auth</a:t>
+            </a:r>
+            <a:r>
+              <a:rPr lang="de-AT" dirty="0" smtClean="0"/>
+              <a:t>)</a:t>
+            </a:r>
+          </a:p>
+        </p:txBody>
+      </p:sp>
+      <p:sp>
+        <p:nvSpPr>
+          <p:cNvPr id="4" name="Datumsplatzhalter 3"/>
+          <p:cNvSpPr>
+            <a:spLocks noGrp="1"/>
+          </p:cNvSpPr>
+          <p:nvPr>
+            <p:ph type="dt" sz="half" idx="10"/>
+          </p:nvPr>
+        </p:nvSpPr>
+        <p:spPr/>
+        <p:txBody>
+          <a:bodyPr/>
+          <a:lstStyle/>
+          <a:p>
+            <a:fld id="{3F4C572F-BCA4-4487-8EBD-15EE8D7320C7}" type="datetime1">
+              <a:rPr lang="de-AT" smtClean="0"/>
+              <a:t>13.02.2015</a:t>
+            </a:fld>
+            <a:endParaRPr lang="en-US" dirty="0"/>
+          </a:p>
+        </p:txBody>
+      </p:sp>
+      <p:sp>
+        <p:nvSpPr>
+          <p:cNvPr id="5" name="Fußzeilenplatzhalter 4"/>
+          <p:cNvSpPr>
+            <a:spLocks noGrp="1"/>
+          </p:cNvSpPr>
+          <p:nvPr>
+            <p:ph type="ftr" sz="quarter" idx="11"/>
+          </p:nvPr>
+        </p:nvSpPr>
+        <p:spPr/>
+        <p:txBody>
+          <a:bodyPr/>
+          <a:lstStyle/>
+          <a:p>
+            <a:r>
+              <a:rPr lang="en-US" dirty="0" smtClean="0"/>
+              <a:t>Ari Ayvazyan, Adrian Bergler, Java EE Security</a:t>
+            </a:r>
+            <a:endParaRPr lang="en-US" dirty="0"/>
+          </a:p>
+        </p:txBody>
+      </p:sp>
+      <p:sp>
+        <p:nvSpPr>
+          <p:cNvPr id="6" name="Foliennummernplatzhalter 5"/>
+          <p:cNvSpPr>
+            <a:spLocks noGrp="1"/>
+          </p:cNvSpPr>
+          <p:nvPr>
+            <p:ph type="sldNum" sz="quarter" idx="12"/>
+          </p:nvPr>
+        </p:nvSpPr>
+        <p:spPr/>
+        <p:txBody>
+          <a:bodyPr/>
+          <a:lstStyle/>
+          <a:p>
+            <a:fld id="{D57F1E4F-1CFF-5643-939E-02111984F565}" type="slidenum">
+              <a:rPr lang="en-US" smtClean="0"/>
+              <a:t>35</a:t>
+            </a:fld>
+            <a:endParaRPr lang="en-US" dirty="0"/>
+          </a:p>
+        </p:txBody>
+      </p:sp>
+    </p:spTree>
+    <p:extLst>
+      <p:ext uri="{BB962C8B-B14F-4D97-AF65-F5344CB8AC3E}">
+        <p14:creationId xmlns:p14="http://schemas.microsoft.com/office/powerpoint/2010/main" val="2337426181"/>
+      </p:ext>
+    </p:extLst>
+  </p:cSld>
+  <p:clrMapOvr>
+    <a:masterClrMapping/>
+  </p:clrMapOvr>
+  <p:timing>
+    <p:tnLst>
+      <p:par>
+        <p:cTn id="1" dur="indefinite" restart="never" nodeType="tmRoot"/>
+      </p:par>
+    </p:tnLst>
+  </p:timing>
+</p:sld>
+</file>
+
+<file path=ppt/slides/slide36.xml><?xml version="1.0" encoding="utf-8"?>
+<p:sld xmlns:a="http://schemas.openxmlformats.org/drawingml/2006/main" xmlns:r="http://schemas.openxmlformats.org/officeDocument/2006/relationships" xmlns:p="http://schemas.openxmlformats.org/presentationml/2006/main">
+  <p:cSld>
+    <p:spTree>
+      <p:nvGrpSpPr>
+        <p:cNvPr id="1" name=""/>
+        <p:cNvGrpSpPr/>
+        <p:nvPr/>
+      </p:nvGrpSpPr>
+      <p:grpSpPr>
+        <a:xfrm>
+          <a:off x="0" y="0"/>
+          <a:ext cx="0" cy="0"/>
+          <a:chOff x="0" y="0"/>
+          <a:chExt cx="0" cy="0"/>
+        </a:xfrm>
+      </p:grpSpPr>
+      <p:sp>
+        <p:nvSpPr>
+          <p:cNvPr id="2" name="Titel 1"/>
+          <p:cNvSpPr>
+            <a:spLocks noGrp="1"/>
+          </p:cNvSpPr>
+          <p:nvPr>
+            <p:ph type="title"/>
+          </p:nvPr>
+        </p:nvSpPr>
+        <p:spPr/>
+        <p:txBody>
+          <a:bodyPr/>
+          <a:lstStyle/>
+          <a:p>
+            <a:pPr rtl="0" eaLnBrk="1" latinLnBrk="0" hangingPunct="1"/>
+            <a:r>
+              <a:rPr lang="en-US" sz="3600" kern="1200" dirty="0" err="1" smtClean="0">
+                <a:solidFill>
+                  <a:schemeClr val="tx1">
+                    <a:lumMod val="85000"/>
+                    <a:lumOff val="15000"/>
+                  </a:schemeClr>
+                </a:solidFill>
+                <a:effectLst/>
+                <a:latin typeface="+mj-lt"/>
+                <a:ea typeface="+mj-ea"/>
+                <a:cs typeface="+mj-cs"/>
+              </a:rPr>
+              <a:t>Shiro</a:t>
+            </a:r>
+            <a:r>
+              <a:rPr lang="en-US" sz="3600" kern="1200" dirty="0" smtClean="0">
+                <a:solidFill>
+                  <a:schemeClr val="tx1">
+                    <a:lumMod val="85000"/>
+                    <a:lumOff val="15000"/>
+                  </a:schemeClr>
+                </a:solidFill>
+                <a:effectLst/>
+                <a:latin typeface="+mj-lt"/>
+                <a:ea typeface="+mj-ea"/>
+                <a:cs typeface="+mj-cs"/>
+              </a:rPr>
+              <a:t> Example</a:t>
+            </a:r>
+            <a:endParaRPr lang="de-AT" dirty="0" smtClean="0">
+              <a:effectLst/>
+            </a:endParaRPr>
+          </a:p>
+        </p:txBody>
+      </p:sp>
+      <p:sp>
+        <p:nvSpPr>
+          <p:cNvPr id="3" name="Inhaltsplatzhalter 2"/>
+          <p:cNvSpPr>
+            <a:spLocks noGrp="1"/>
+          </p:cNvSpPr>
+          <p:nvPr>
+            <p:ph idx="1"/>
+          </p:nvPr>
+        </p:nvSpPr>
+        <p:spPr>
+          <a:xfrm>
+            <a:off x="2019300" y="2133600"/>
+            <a:ext cx="9485312" cy="3777622"/>
+          </a:xfrm>
+        </p:spPr>
+        <p:txBody>
+          <a:bodyPr>
+            <a:normAutofit/>
+          </a:bodyPr>
+          <a:lstStyle/>
+          <a:p>
+            <a:r>
+              <a:rPr lang="de-AT" b="1" dirty="0"/>
+              <a:t>https://github.com/</a:t>
+            </a:r>
+            <a:r>
+              <a:rPr lang="de-AT" b="1" dirty="0">
+                <a:solidFill>
+                  <a:schemeClr val="accent1">
+                    <a:lumMod val="60000"/>
+                    <a:lumOff val="40000"/>
+                  </a:schemeClr>
+                </a:solidFill>
+              </a:rPr>
+              <a:t>aayvazyan-tgm</a:t>
+            </a:r>
+            <a:r>
+              <a:rPr lang="de-AT" b="1" dirty="0">
+                <a:solidFill>
+                  <a:schemeClr val="tx1"/>
+                </a:solidFill>
+              </a:rPr>
+              <a:t>/</a:t>
+            </a:r>
+            <a:r>
+              <a:rPr lang="de-AT" b="1" dirty="0">
+                <a:solidFill>
+                  <a:schemeClr val="accent1">
+                    <a:lumMod val="60000"/>
+                    <a:lumOff val="40000"/>
+                  </a:schemeClr>
+                </a:solidFill>
+              </a:rPr>
+              <a:t>JavaEESecurityExample</a:t>
+            </a:r>
+          </a:p>
+          <a:p>
+            <a:endParaRPr lang="de-AT" dirty="0" smtClean="0"/>
+          </a:p>
+        </p:txBody>
+      </p:sp>
+      <p:sp>
+        <p:nvSpPr>
+          <p:cNvPr id="4" name="Datumsplatzhalter 3"/>
+          <p:cNvSpPr>
+            <a:spLocks noGrp="1"/>
+          </p:cNvSpPr>
+          <p:nvPr>
+            <p:ph type="dt" sz="half" idx="10"/>
+          </p:nvPr>
+        </p:nvSpPr>
+        <p:spPr/>
+        <p:txBody>
+          <a:bodyPr/>
+          <a:lstStyle/>
+          <a:p>
+            <a:fld id="{3F4C572F-BCA4-4487-8EBD-15EE8D7320C7}" type="datetime1">
+              <a:rPr lang="de-AT" smtClean="0"/>
+              <a:t>13.02.2015</a:t>
+            </a:fld>
+            <a:endParaRPr lang="en-US" dirty="0"/>
+          </a:p>
+        </p:txBody>
+      </p:sp>
+      <p:sp>
+        <p:nvSpPr>
+          <p:cNvPr id="5" name="Fußzeilenplatzhalter 4"/>
+          <p:cNvSpPr>
+            <a:spLocks noGrp="1"/>
+          </p:cNvSpPr>
+          <p:nvPr>
+            <p:ph type="ftr" sz="quarter" idx="11"/>
+          </p:nvPr>
+        </p:nvSpPr>
+        <p:spPr/>
+        <p:txBody>
+          <a:bodyPr/>
+          <a:lstStyle/>
+          <a:p>
+            <a:r>
+              <a:rPr lang="en-US" dirty="0" smtClean="0"/>
+              <a:t>Ari Ayvazyan, Adrian Bergler, Java EE Security</a:t>
+            </a:r>
+            <a:endParaRPr lang="en-US" dirty="0"/>
+          </a:p>
+        </p:txBody>
+      </p:sp>
+      <p:sp>
+        <p:nvSpPr>
+          <p:cNvPr id="6" name="Foliennummernplatzhalter 5"/>
+          <p:cNvSpPr>
+            <a:spLocks noGrp="1"/>
+          </p:cNvSpPr>
+          <p:nvPr>
+            <p:ph type="sldNum" sz="quarter" idx="12"/>
+          </p:nvPr>
+        </p:nvSpPr>
+        <p:spPr/>
+        <p:txBody>
+          <a:bodyPr/>
+          <a:lstStyle/>
+          <a:p>
+            <a:fld id="{D57F1E4F-1CFF-5643-939E-02111984F565}" type="slidenum">
+              <a:rPr lang="en-US" smtClean="0"/>
+              <a:t>36</a:t>
+            </a:fld>
+            <a:endParaRPr lang="en-US" dirty="0"/>
+          </a:p>
+        </p:txBody>
+      </p:sp>
+    </p:spTree>
+    <p:extLst>
+      <p:ext uri="{BB962C8B-B14F-4D97-AF65-F5344CB8AC3E}">
+        <p14:creationId xmlns:p14="http://schemas.microsoft.com/office/powerpoint/2010/main" val="1989554945"/>
+      </p:ext>
+    </p:extLst>
+  </p:cSld>
+  <p:clrMapOvr>
+    <a:masterClrMapping/>
+  </p:clrMapOvr>
+  <p:timing>
+    <p:tnLst>
+      <p:par>
+        <p:cTn id="1" dur="indefinite" restart="never" nodeType="tmRoot"/>
+      </p:par>
+    </p:tnLst>
+  </p:timing>
+</p:sld>
+</file>
+
+<file path=ppt/slides/slide37.xml><?xml version="1.0" encoding="utf-8"?>
+<p:sld xmlns:a="http://schemas.openxmlformats.org/drawingml/2006/main" xmlns:r="http://schemas.openxmlformats.org/officeDocument/2006/relationships" xmlns:p="http://schemas.openxmlformats.org/presentationml/2006/main">
+  <p:cSld>
+    <p:spTree>
+      <p:nvGrpSpPr>
+        <p:cNvPr id="1" name=""/>
+        <p:cNvGrpSpPr/>
+        <p:nvPr/>
+      </p:nvGrpSpPr>
+      <p:grpSpPr>
+        <a:xfrm>
+          <a:off x="0" y="0"/>
+          <a:ext cx="0" cy="0"/>
+          <a:chOff x="0" y="0"/>
+          <a:chExt cx="0" cy="0"/>
+        </a:xfrm>
+      </p:grpSpPr>
+      <p:sp>
+        <p:nvSpPr>
+          <p:cNvPr id="2" name="Titel 1"/>
+          <p:cNvSpPr>
+            <a:spLocks noGrp="1"/>
+          </p:cNvSpPr>
+          <p:nvPr>
+            <p:ph type="title"/>
+          </p:nvPr>
+        </p:nvSpPr>
+        <p:spPr/>
+        <p:txBody>
+          <a:bodyPr/>
+          <a:lstStyle/>
+          <a:p>
+            <a:r>
+              <a:rPr lang="en-US" sz="3600" kern="1200" dirty="0" smtClean="0">
+                <a:solidFill>
+                  <a:schemeClr val="tx1">
+                    <a:lumMod val="85000"/>
+                    <a:lumOff val="15000"/>
+                  </a:schemeClr>
+                </a:solidFill>
+                <a:effectLst/>
+                <a:latin typeface="+mj-lt"/>
+                <a:ea typeface="+mj-ea"/>
+                <a:cs typeface="+mj-cs"/>
+              </a:rPr>
+              <a:t>Output escaping</a:t>
+            </a:r>
+            <a:endParaRPr lang="de-AT" dirty="0"/>
+          </a:p>
+        </p:txBody>
+      </p:sp>
+      <p:sp>
+        <p:nvSpPr>
+          <p:cNvPr id="3" name="Inhaltsplatzhalter 2"/>
+          <p:cNvSpPr>
+            <a:spLocks noGrp="1"/>
+          </p:cNvSpPr>
+          <p:nvPr>
+            <p:ph idx="1"/>
+          </p:nvPr>
+        </p:nvSpPr>
+        <p:spPr/>
+        <p:txBody>
+          <a:bodyPr/>
+          <a:lstStyle/>
+          <a:p>
+            <a:r>
+              <a:rPr lang="en-US" dirty="0" smtClean="0"/>
+              <a:t>Escape user input</a:t>
+            </a:r>
+          </a:p>
+          <a:p>
+            <a:pPr lvl="1"/>
+            <a:r>
+              <a:rPr lang="en-US" dirty="0" smtClean="0"/>
+              <a:t>To prevent injections</a:t>
+            </a:r>
+          </a:p>
+          <a:p>
+            <a:r>
+              <a:rPr lang="en-US" dirty="0" smtClean="0"/>
+              <a:t>Escape the output</a:t>
+            </a:r>
+          </a:p>
+          <a:p>
+            <a:pPr lvl="1"/>
+            <a:r>
+              <a:rPr lang="en-US" dirty="0" smtClean="0"/>
+              <a:t>To add an extra layer of security (for the user)</a:t>
+            </a:r>
+          </a:p>
+          <a:p>
+            <a:r>
+              <a:rPr lang="en-US" dirty="0" smtClean="0"/>
+              <a:t>Do not show Stack traces</a:t>
+            </a:r>
+          </a:p>
+          <a:p>
+            <a:endParaRPr lang="en-US" dirty="0"/>
+          </a:p>
+          <a:p>
+            <a:r>
+              <a:rPr lang="en-US" dirty="0" smtClean="0"/>
+              <a:t>Use a Framework!</a:t>
+            </a:r>
+            <a:endParaRPr lang="en-US" dirty="0"/>
+          </a:p>
+        </p:txBody>
+      </p:sp>
+      <p:sp>
+        <p:nvSpPr>
+          <p:cNvPr id="4" name="Datumsplatzhalter 3"/>
+          <p:cNvSpPr>
+            <a:spLocks noGrp="1"/>
+          </p:cNvSpPr>
+          <p:nvPr>
+            <p:ph type="dt" sz="half" idx="10"/>
+          </p:nvPr>
+        </p:nvSpPr>
+        <p:spPr/>
+        <p:txBody>
+          <a:bodyPr/>
+          <a:lstStyle/>
+          <a:p>
+            <a:fld id="{73F9A2D8-44B8-467F-9223-0D7436D41992}" type="datetime1">
+              <a:rPr lang="de-AT" smtClean="0"/>
+              <a:t>13.02.2015</a:t>
+            </a:fld>
+            <a:endParaRPr lang="en-US" dirty="0"/>
+          </a:p>
+        </p:txBody>
+      </p:sp>
+      <p:sp>
+        <p:nvSpPr>
+          <p:cNvPr id="5" name="Fußzeilenplatzhalter 4"/>
+          <p:cNvSpPr>
+            <a:spLocks noGrp="1"/>
+          </p:cNvSpPr>
+          <p:nvPr>
+            <p:ph type="ftr" sz="quarter" idx="11"/>
+          </p:nvPr>
+        </p:nvSpPr>
+        <p:spPr/>
+        <p:txBody>
+          <a:bodyPr/>
+          <a:lstStyle/>
+          <a:p>
+            <a:r>
+              <a:rPr lang="en-US" dirty="0" smtClean="0"/>
+              <a:t>Ari Ayvazyan, Adrian Bergler, Java EE Security</a:t>
+            </a:r>
+            <a:endParaRPr lang="en-US" dirty="0"/>
+          </a:p>
+        </p:txBody>
+      </p:sp>
+      <p:sp>
+        <p:nvSpPr>
+          <p:cNvPr id="6" name="Foliennummernplatzhalter 5"/>
+          <p:cNvSpPr>
+            <a:spLocks noGrp="1"/>
+          </p:cNvSpPr>
+          <p:nvPr>
+            <p:ph type="sldNum" sz="quarter" idx="12"/>
+          </p:nvPr>
+        </p:nvSpPr>
+        <p:spPr/>
+        <p:txBody>
+          <a:bodyPr/>
+          <a:lstStyle/>
+          <a:p>
+            <a:fld id="{D57F1E4F-1CFF-5643-939E-02111984F565}" type="slidenum">
+              <a:rPr lang="en-US" smtClean="0"/>
+              <a:t>37</a:t>
+            </a:fld>
+            <a:endParaRPr lang="en-US" dirty="0"/>
+          </a:p>
+        </p:txBody>
+      </p:sp>
+    </p:spTree>
+    <p:extLst>
+      <p:ext uri="{BB962C8B-B14F-4D97-AF65-F5344CB8AC3E}">
+        <p14:creationId xmlns:p14="http://schemas.microsoft.com/office/powerpoint/2010/main" val="938604773"/>
+      </p:ext>
+    </p:extLst>
+  </p:cSld>
+  <p:clrMapOvr>
+    <a:masterClrMapping/>
+  </p:clrMapOvr>
+  <p:timing>
+    <p:tnLst>
+      <p:par>
+        <p:cTn id="1" dur="indefinite" restart="never" nodeType="tmRoot"/>
+      </p:par>
+    </p:tnLst>
+  </p:timing>
+</p:sld>
+</file>
+
+<file path=ppt/slides/slide38.xml><?xml version="1.0" encoding="utf-8"?>
+<p:sld xmlns:a="http://schemas.openxmlformats.org/drawingml/2006/main" xmlns:r="http://schemas.openxmlformats.org/officeDocument/2006/relationships" xmlns:p="http://schemas.openxmlformats.org/presentationml/2006/main">
+  <p:cSld>
+    <p:spTree>
+      <p:nvGrpSpPr>
+        <p:cNvPr id="1" name=""/>
+        <p:cNvGrpSpPr/>
+        <p:nvPr/>
+      </p:nvGrpSpPr>
+      <p:grpSpPr>
+        <a:xfrm>
+          <a:off x="0" y="0"/>
+          <a:ext cx="0" cy="0"/>
+          <a:chOff x="0" y="0"/>
+          <a:chExt cx="0" cy="0"/>
+        </a:xfrm>
+      </p:grpSpPr>
+      <p:sp>
+        <p:nvSpPr>
+          <p:cNvPr id="2" name="Titel 1"/>
+          <p:cNvSpPr>
+            <a:spLocks noGrp="1"/>
+          </p:cNvSpPr>
+          <p:nvPr>
+            <p:ph type="title"/>
+          </p:nvPr>
+        </p:nvSpPr>
+        <p:spPr/>
+        <p:txBody>
+          <a:bodyPr>
+            <a:normAutofit/>
+          </a:bodyPr>
+          <a:lstStyle/>
+          <a:p>
+            <a:pPr lvl="0"/>
+            <a:r>
+              <a:rPr lang="en-US" sz="3600" i="0" kern="1200" noProof="0" dirty="0" smtClean="0">
+                <a:solidFill>
+                  <a:schemeClr val="tx1">
+                    <a:lumMod val="85000"/>
+                    <a:lumOff val="15000"/>
+                  </a:schemeClr>
+                </a:solidFill>
+                <a:effectLst/>
+              </a:rPr>
+              <a:t>Sources</a:t>
+            </a:r>
+            <a:endParaRPr lang="en-US" noProof="0" dirty="0"/>
+          </a:p>
+        </p:txBody>
+      </p:sp>
+      <p:sp>
+        <p:nvSpPr>
+          <p:cNvPr id="3" name="Inhaltsplatzhalter 2"/>
+          <p:cNvSpPr>
+            <a:spLocks noGrp="1"/>
+          </p:cNvSpPr>
+          <p:nvPr>
+            <p:ph idx="1"/>
+          </p:nvPr>
+        </p:nvSpPr>
+        <p:spPr/>
+        <p:txBody>
+          <a:bodyPr>
+            <a:normAutofit/>
+          </a:bodyPr>
+          <a:lstStyle/>
+          <a:p>
+            <a:pPr lvl="0"/>
+            <a:r>
+              <a:rPr lang="de-AT" sz="800" b="1" dirty="0" err="1"/>
+              <a:t>JavaOne</a:t>
+            </a:r>
+            <a:r>
+              <a:rPr lang="de-AT" sz="800" b="1" dirty="0"/>
+              <a:t> 2014: </a:t>
+            </a:r>
+            <a:r>
+              <a:rPr lang="de-AT" sz="800" dirty="0"/>
+              <a:t>The </a:t>
+            </a:r>
+            <a:r>
+              <a:rPr lang="de-AT" sz="800" dirty="0" err="1"/>
+              <a:t>Anatomy</a:t>
+            </a:r>
+            <a:r>
+              <a:rPr lang="de-AT" sz="800" dirty="0"/>
+              <a:t> </a:t>
+            </a:r>
+            <a:r>
+              <a:rPr lang="de-AT" sz="800" dirty="0" err="1"/>
+              <a:t>of</a:t>
+            </a:r>
+            <a:r>
+              <a:rPr lang="de-AT" sz="800" dirty="0"/>
+              <a:t> a Secure Web </a:t>
+            </a:r>
+            <a:r>
+              <a:rPr lang="de-AT" sz="800" dirty="0" err="1"/>
+              <a:t>Application</a:t>
+            </a:r>
+            <a:r>
+              <a:rPr lang="de-AT" sz="800" dirty="0"/>
+              <a:t> </a:t>
+            </a:r>
+            <a:r>
+              <a:rPr lang="de-AT" sz="800" dirty="0" err="1"/>
+              <a:t>Using</a:t>
+            </a:r>
+            <a:r>
+              <a:rPr lang="de-AT" sz="800" dirty="0"/>
+              <a:t> Java,</a:t>
+            </a:r>
+            <a:br>
+              <a:rPr lang="de-AT" sz="800" dirty="0"/>
+            </a:br>
+            <a:r>
+              <a:rPr lang="de-AT" sz="800" dirty="0"/>
+              <a:t>Shawn </a:t>
+            </a:r>
+            <a:r>
+              <a:rPr lang="de-AT" sz="800" dirty="0" err="1"/>
+              <a:t>McKinney</a:t>
+            </a:r>
+            <a:r>
+              <a:rPr lang="de-AT" sz="800" dirty="0"/>
+              <a:t> &amp; John Field, September 29, 2014</a:t>
+            </a:r>
+            <a:br>
+              <a:rPr lang="de-AT" sz="800" dirty="0"/>
+            </a:br>
+            <a:r>
+              <a:rPr lang="de-AT" sz="800" dirty="0"/>
+              <a:t>San </a:t>
+            </a:r>
+            <a:r>
+              <a:rPr lang="de-AT" sz="800" dirty="0" smtClean="0"/>
+              <a:t>Francisco</a:t>
+            </a:r>
+            <a:endParaRPr lang="de-AT" sz="800" dirty="0"/>
+          </a:p>
+          <a:p>
+            <a:pPr lvl="0"/>
+            <a:r>
+              <a:rPr lang="de-AT" sz="800" b="1" dirty="0"/>
+              <a:t>Java Security: </a:t>
+            </a:r>
+            <a:r>
+              <a:rPr lang="de-AT" sz="800" dirty="0"/>
+              <a:t>Sicherheitslücken identifizieren und vermeiden,</a:t>
+            </a:r>
+            <a:br>
+              <a:rPr lang="de-AT" sz="800" dirty="0"/>
+            </a:br>
+            <a:r>
+              <a:rPr lang="de-AT" sz="800" dirty="0"/>
+              <a:t>Marc Schönefeld, 1. </a:t>
+            </a:r>
+            <a:r>
+              <a:rPr lang="de-AT" sz="800" dirty="0" err="1"/>
+              <a:t>edition</a:t>
+            </a:r>
+            <a:r>
+              <a:rPr lang="de-AT" sz="800" dirty="0"/>
+              <a:t> 2011</a:t>
+            </a:r>
+            <a:br>
+              <a:rPr lang="de-AT" sz="800" dirty="0"/>
+            </a:br>
+            <a:r>
+              <a:rPr lang="de-AT" sz="800" dirty="0"/>
+              <a:t>Publisher: </a:t>
+            </a:r>
+            <a:r>
+              <a:rPr lang="de-AT" sz="800" dirty="0" err="1"/>
+              <a:t>Hüthig</a:t>
+            </a:r>
+            <a:r>
+              <a:rPr lang="de-AT" sz="800" dirty="0"/>
+              <a:t> </a:t>
+            </a:r>
+            <a:r>
+              <a:rPr lang="de-AT" sz="800" dirty="0" err="1"/>
+              <a:t>Jehle</a:t>
+            </a:r>
+            <a:r>
+              <a:rPr lang="de-AT" sz="800" dirty="0"/>
+              <a:t> Rehm GmbH, Heidelberg.</a:t>
+            </a:r>
+            <a:br>
+              <a:rPr lang="de-AT" sz="800" dirty="0"/>
+            </a:br>
+            <a:r>
+              <a:rPr lang="de-AT" sz="800" dirty="0"/>
+              <a:t>ISBN/ISSN </a:t>
+            </a:r>
+            <a:r>
+              <a:rPr lang="de-AT" sz="800" dirty="0" smtClean="0"/>
+              <a:t>978-3-8266-9105-8</a:t>
+            </a:r>
+            <a:endParaRPr lang="de-AT" sz="800" dirty="0"/>
+          </a:p>
+          <a:p>
+            <a:pPr lvl="0"/>
+            <a:r>
+              <a:rPr lang="de-AT" sz="800" b="1" dirty="0"/>
+              <a:t>Enterprise Java Security:</a:t>
+            </a:r>
+            <a:r>
+              <a:rPr lang="de-AT" sz="800" dirty="0"/>
+              <a:t> Building Secure J2EE </a:t>
+            </a:r>
+            <a:r>
+              <a:rPr lang="de-AT" sz="800" dirty="0" err="1"/>
+              <a:t>Applications</a:t>
+            </a:r>
+            <a:r>
+              <a:rPr lang="de-AT" sz="800" dirty="0"/>
+              <a:t>,</a:t>
+            </a:r>
+            <a:br>
+              <a:rPr lang="de-AT" sz="800" dirty="0"/>
+            </a:br>
+            <a:r>
+              <a:rPr lang="de-AT" sz="800" dirty="0"/>
+              <a:t>Marco </a:t>
+            </a:r>
+            <a:r>
+              <a:rPr lang="de-AT" sz="800" dirty="0" err="1"/>
+              <a:t>Pistoia</a:t>
+            </a:r>
+            <a:r>
+              <a:rPr lang="de-AT" sz="800" dirty="0"/>
+              <a:t>, </a:t>
+            </a:r>
+            <a:r>
+              <a:rPr lang="de-AT" sz="800" dirty="0" err="1"/>
+              <a:t>Natara</a:t>
+            </a:r>
+            <a:r>
+              <a:rPr lang="de-AT" sz="800" dirty="0"/>
+              <a:t> j </a:t>
+            </a:r>
+            <a:r>
+              <a:rPr lang="de-AT" sz="800" dirty="0" err="1"/>
+              <a:t>Nagaratnam</a:t>
+            </a:r>
+            <a:r>
+              <a:rPr lang="de-AT" sz="800" dirty="0"/>
+              <a:t>, Larry </a:t>
+            </a:r>
+            <a:r>
+              <a:rPr lang="de-AT" sz="800" dirty="0" err="1"/>
+              <a:t>Koved</a:t>
+            </a:r>
+            <a:r>
+              <a:rPr lang="de-AT" sz="800" dirty="0"/>
+              <a:t>, Anthony </a:t>
+            </a:r>
+            <a:r>
+              <a:rPr lang="de-AT" sz="800" dirty="0" err="1"/>
+              <a:t>Nadalin</a:t>
+            </a:r>
+            <a:r>
+              <a:rPr lang="de-AT" sz="800" dirty="0"/>
+              <a:t>,</a:t>
+            </a:r>
+            <a:br>
+              <a:rPr lang="de-AT" sz="800" dirty="0"/>
+            </a:br>
+            <a:r>
+              <a:rPr lang="de-AT" sz="800" dirty="0"/>
+              <a:t>1. </a:t>
+            </a:r>
+            <a:r>
+              <a:rPr lang="de-AT" sz="800" dirty="0" err="1"/>
+              <a:t>edition</a:t>
+            </a:r>
+            <a:r>
+              <a:rPr lang="de-AT" sz="800" dirty="0"/>
+              <a:t> 2004</a:t>
+            </a:r>
+            <a:br>
+              <a:rPr lang="de-AT" sz="800" dirty="0"/>
+            </a:br>
+            <a:r>
+              <a:rPr lang="de-AT" sz="800" dirty="0"/>
+              <a:t>Publisher: Addison-Wesley Professional.</a:t>
+            </a:r>
+            <a:br>
+              <a:rPr lang="de-AT" sz="800" dirty="0"/>
+            </a:br>
+            <a:r>
+              <a:rPr lang="de-AT" sz="800" dirty="0"/>
+              <a:t>ISBN/ISSN: I SBN </a:t>
+            </a:r>
+            <a:r>
+              <a:rPr lang="de-AT" sz="800" dirty="0" smtClean="0"/>
+              <a:t>0-321-11889-8</a:t>
+            </a:r>
+            <a:endParaRPr lang="de-AT" sz="800" dirty="0"/>
+          </a:p>
+          <a:p>
+            <a:pPr lvl="0"/>
+            <a:r>
+              <a:rPr lang="de-AT" sz="800" b="1" dirty="0"/>
+              <a:t>Official </a:t>
+            </a:r>
+            <a:r>
+              <a:rPr lang="de-AT" sz="800" b="1" dirty="0" err="1"/>
+              <a:t>JavaEE</a:t>
+            </a:r>
+            <a:r>
+              <a:rPr lang="de-AT" sz="800" b="1" dirty="0"/>
+              <a:t> </a:t>
+            </a:r>
+            <a:r>
+              <a:rPr lang="de-AT" sz="800" b="1" dirty="0" err="1"/>
+              <a:t>Documentation</a:t>
+            </a:r>
+            <a:r>
+              <a:rPr lang="de-AT" sz="800" dirty="0"/>
+              <a:t>, Oracle,</a:t>
+            </a:r>
+            <a:br>
+              <a:rPr lang="de-AT" sz="800" dirty="0"/>
+            </a:br>
+            <a:r>
+              <a:rPr lang="de-AT" sz="800" dirty="0"/>
+              <a:t>29.09.2014 http://do cs.oracle.com/</a:t>
+            </a:r>
+            <a:r>
+              <a:rPr lang="de-AT" sz="800" dirty="0" err="1"/>
+              <a:t>javaee</a:t>
+            </a:r>
+            <a:r>
+              <a:rPr lang="de-AT" sz="800" dirty="0"/>
+              <a:t>/7/</a:t>
+            </a:r>
+            <a:r>
+              <a:rPr lang="de-AT" sz="800" dirty="0" err="1"/>
+              <a:t>tutorial</a:t>
+            </a:r>
+            <a:r>
+              <a:rPr lang="de-AT" sz="800" dirty="0"/>
+              <a:t>/do </a:t>
+            </a:r>
+            <a:r>
+              <a:rPr lang="de-AT" sz="800" dirty="0" smtClean="0"/>
+              <a:t>c/security-intro.htm</a:t>
+            </a:r>
+            <a:endParaRPr lang="de-AT" sz="800" dirty="0"/>
+          </a:p>
+          <a:p>
+            <a:pPr lvl="0"/>
+            <a:r>
+              <a:rPr lang="de-AT" sz="800" b="1" dirty="0"/>
+              <a:t>Java EE 6,</a:t>
+            </a:r>
+            <a:r>
+              <a:rPr lang="de-AT" sz="800" dirty="0"/>
+              <a:t/>
+            </a:r>
+            <a:br>
+              <a:rPr lang="de-AT" sz="800" dirty="0"/>
+            </a:br>
+            <a:r>
+              <a:rPr lang="de-AT" sz="800" dirty="0"/>
+              <a:t>Dirk Weil, 1. </a:t>
+            </a:r>
+            <a:r>
+              <a:rPr lang="de-AT" sz="800" dirty="0" err="1"/>
+              <a:t>edition</a:t>
+            </a:r>
+            <a:r>
+              <a:rPr lang="de-AT" sz="800" dirty="0"/>
+              <a:t> 2012</a:t>
+            </a:r>
+            <a:br>
+              <a:rPr lang="de-AT" sz="800" dirty="0"/>
+            </a:br>
+            <a:r>
+              <a:rPr lang="de-AT" sz="800" dirty="0"/>
+              <a:t>Publisher: </a:t>
+            </a:r>
+            <a:r>
+              <a:rPr lang="de-AT" sz="800" dirty="0" err="1"/>
+              <a:t>entwickler.press</a:t>
+            </a:r>
+            <a:r>
+              <a:rPr lang="de-AT" sz="800" dirty="0"/>
+              <a:t/>
+            </a:r>
+            <a:br>
+              <a:rPr lang="de-AT" sz="800" dirty="0"/>
+            </a:br>
+            <a:r>
+              <a:rPr lang="de-AT" sz="800" dirty="0"/>
+              <a:t>ISBN </a:t>
+            </a:r>
+            <a:r>
+              <a:rPr lang="de-AT" sz="800" dirty="0" smtClean="0"/>
+              <a:t>978-3-86802-077-9</a:t>
+            </a:r>
+            <a:endParaRPr lang="de-AT" sz="800" dirty="0"/>
+          </a:p>
+          <a:p>
+            <a:pPr lvl="0"/>
+            <a:r>
+              <a:rPr lang="de-AT" sz="800" b="1" dirty="0"/>
+              <a:t>Java EE 6 </a:t>
+            </a:r>
+            <a:r>
+              <a:rPr lang="de-AT" sz="800" b="1" dirty="0" err="1"/>
+              <a:t>Cookbook</a:t>
+            </a:r>
+            <a:r>
+              <a:rPr lang="de-AT" sz="800" dirty="0"/>
+              <a:t> </a:t>
+            </a:r>
+            <a:r>
+              <a:rPr lang="de-AT" sz="800" dirty="0" err="1"/>
+              <a:t>for</a:t>
+            </a:r>
+            <a:r>
+              <a:rPr lang="de-AT" sz="800" dirty="0"/>
+              <a:t> </a:t>
+            </a:r>
+            <a:r>
+              <a:rPr lang="de-AT" sz="800" dirty="0" err="1"/>
+              <a:t>Securing</a:t>
+            </a:r>
+            <a:r>
+              <a:rPr lang="de-AT" sz="800" dirty="0"/>
+              <a:t>, Tuning, </a:t>
+            </a:r>
+            <a:r>
+              <a:rPr lang="de-AT" sz="800" dirty="0" err="1"/>
+              <a:t>and</a:t>
+            </a:r>
+            <a:r>
+              <a:rPr lang="de-AT" sz="800" dirty="0"/>
+              <a:t> </a:t>
+            </a:r>
+            <a:r>
+              <a:rPr lang="de-AT" sz="800" dirty="0" err="1"/>
+              <a:t>Extending</a:t>
+            </a:r>
+            <a:r>
+              <a:rPr lang="de-AT" sz="800" dirty="0"/>
+              <a:t> Enterprise </a:t>
+            </a:r>
+            <a:r>
+              <a:rPr lang="de-AT" sz="800" dirty="0" err="1"/>
+              <a:t>Applications</a:t>
+            </a:r>
+            <a:r>
+              <a:rPr lang="de-AT" sz="800" dirty="0"/>
+              <a:t>, </a:t>
+            </a:r>
+            <a:br>
+              <a:rPr lang="de-AT" sz="800" dirty="0"/>
+            </a:br>
+            <a:r>
+              <a:rPr lang="de-AT" sz="800" dirty="0"/>
+              <a:t>Mick </a:t>
+            </a:r>
+            <a:r>
+              <a:rPr lang="de-AT" sz="800" dirty="0" err="1"/>
+              <a:t>Knutson</a:t>
+            </a:r>
+            <a:r>
+              <a:rPr lang="de-AT" sz="800" dirty="0"/>
+              <a:t>, </a:t>
+            </a:r>
+            <a:br>
+              <a:rPr lang="de-AT" sz="800" dirty="0"/>
+            </a:br>
+            <a:r>
+              <a:rPr lang="de-AT" sz="800" dirty="0"/>
+              <a:t>1. </a:t>
+            </a:r>
+            <a:r>
+              <a:rPr lang="de-AT" sz="800" dirty="0" err="1"/>
+              <a:t>edition</a:t>
+            </a:r>
+            <a:r>
+              <a:rPr lang="de-AT" sz="800" dirty="0"/>
+              <a:t> June 2012</a:t>
+            </a:r>
+            <a:br>
+              <a:rPr lang="de-AT" sz="800" dirty="0"/>
+            </a:br>
+            <a:r>
+              <a:rPr lang="de-AT" sz="800" dirty="0"/>
+              <a:t>Publisher: Addison-Wesley Professional.</a:t>
+            </a:r>
+            <a:br>
+              <a:rPr lang="de-AT" sz="800" dirty="0"/>
+            </a:br>
+            <a:r>
+              <a:rPr lang="de-AT" sz="800" dirty="0"/>
+              <a:t>ISBN/ISSN: I SBN </a:t>
+            </a:r>
+            <a:r>
+              <a:rPr lang="de-AT" sz="800" dirty="0" smtClean="0"/>
+              <a:t>9781849683166</a:t>
+            </a:r>
+          </a:p>
+        </p:txBody>
+      </p:sp>
+      <p:sp>
+        <p:nvSpPr>
+          <p:cNvPr id="4" name="Datumsplatzhalter 3"/>
+          <p:cNvSpPr>
+            <a:spLocks noGrp="1"/>
+          </p:cNvSpPr>
+          <p:nvPr>
+            <p:ph type="dt" sz="half" idx="10"/>
+          </p:nvPr>
+        </p:nvSpPr>
+        <p:spPr/>
+        <p:txBody>
+          <a:bodyPr/>
+          <a:lstStyle/>
+          <a:p>
+            <a:fld id="{680BB08F-6D3B-4E3E-8B05-C729AFCB21AF}" type="datetime1">
+              <a:rPr lang="de-AT" smtClean="0"/>
+              <a:t>13.02.2015</a:t>
+            </a:fld>
+            <a:endParaRPr lang="en-US" dirty="0"/>
+          </a:p>
+        </p:txBody>
+      </p:sp>
+      <p:sp>
+        <p:nvSpPr>
+          <p:cNvPr id="5" name="Fußzeilenplatzhalter 4"/>
+          <p:cNvSpPr>
+            <a:spLocks noGrp="1"/>
+          </p:cNvSpPr>
+          <p:nvPr>
+            <p:ph type="ftr" sz="quarter" idx="11"/>
+          </p:nvPr>
+        </p:nvSpPr>
+        <p:spPr/>
+        <p:txBody>
+          <a:bodyPr/>
+          <a:lstStyle/>
+          <a:p>
+            <a:r>
+              <a:rPr lang="en-US" dirty="0" smtClean="0"/>
+              <a:t>Ari Ayvazyan, Adrian Bergler, Java EE Security</a:t>
+            </a:r>
+            <a:endParaRPr lang="en-US" dirty="0"/>
+          </a:p>
+        </p:txBody>
+      </p:sp>
+      <p:sp>
+        <p:nvSpPr>
+          <p:cNvPr id="6" name="Foliennummernplatzhalter 5"/>
+          <p:cNvSpPr>
+            <a:spLocks noGrp="1"/>
+          </p:cNvSpPr>
+          <p:nvPr>
+            <p:ph type="sldNum" sz="quarter" idx="12"/>
+          </p:nvPr>
+        </p:nvSpPr>
+        <p:spPr/>
+        <p:txBody>
+          <a:bodyPr/>
+          <a:lstStyle/>
+          <a:p>
+            <a:fld id="{D57F1E4F-1CFF-5643-939E-02111984F565}" type="slidenum">
+              <a:rPr lang="en-US" smtClean="0"/>
+              <a:t>38</a:t>
+            </a:fld>
+            <a:endParaRPr lang="en-US" dirty="0"/>
+          </a:p>
+        </p:txBody>
+      </p:sp>
+    </p:spTree>
+    <p:extLst>
+      <p:ext uri="{BB962C8B-B14F-4D97-AF65-F5344CB8AC3E}">
+        <p14:creationId xmlns:p14="http://schemas.microsoft.com/office/powerpoint/2010/main" val="801564242"/>
+      </p:ext>
+    </p:extLst>
+  </p:cSld>
+  <p:clrMapOvr>
+    <a:masterClrMapping/>
+  </p:clrMapOvr>
+  <p:timing>
+    <p:tnLst>
+      <p:par>
+        <p:cTn id="1" dur="indefinite" restart="never" nodeType="tmRoot"/>
+      </p:par>
+    </p:tnLst>
+  </p:timing>
+</p:sld>
+</file>
+
+<file path=ppt/slides/slide39.xml><?xml version="1.0" encoding="utf-8"?>
+<p:sld xmlns:a="http://schemas.openxmlformats.org/drawingml/2006/main" xmlns:r="http://schemas.openxmlformats.org/officeDocument/2006/relationships" xmlns:p="http://schemas.openxmlformats.org/presentationml/2006/main">
+  <p:cSld>
+    <p:spTree>
+      <p:nvGrpSpPr>
+        <p:cNvPr id="1" name=""/>
+        <p:cNvGrpSpPr/>
+        <p:nvPr/>
+      </p:nvGrpSpPr>
+      <p:grpSpPr>
+        <a:xfrm>
+          <a:off x="0" y="0"/>
+          <a:ext cx="0" cy="0"/>
+          <a:chOff x="0" y="0"/>
+          <a:chExt cx="0" cy="0"/>
+        </a:xfrm>
+      </p:grpSpPr>
+      <p:sp>
+        <p:nvSpPr>
+          <p:cNvPr id="2" name="Titel 1"/>
+          <p:cNvSpPr>
+            <a:spLocks noGrp="1"/>
+          </p:cNvSpPr>
+          <p:nvPr>
+            <p:ph type="title"/>
+          </p:nvPr>
+        </p:nvSpPr>
+        <p:spPr/>
+        <p:txBody>
+          <a:bodyPr/>
+          <a:lstStyle/>
+          <a:p>
             <a:pPr lvl="0"/>
             <a:r>
               <a:rPr lang="de-AT" dirty="0" err="1" smtClean="0"/>
@@ -17579,7 +19565,7 @@
           <a:p>
             <a:fld id="{D57F1E4F-1CFF-5643-939E-02111984F565}" type="slidenum">
               <a:rPr lang="en-US" smtClean="0"/>
-              <a:t>34</a:t>
+              <a:t>39</a:t>
             </a:fld>
             <a:endParaRPr lang="en-US" dirty="0"/>
           </a:p>

--- a/doc/Java EE - Security.pptx
+++ b/doc/Java EE - Security.pptx
@@ -3910,7 +3910,7 @@
           <a:bodyPr/>
           <a:lstStyle/>
           <a:p>
-            <a:endParaRPr lang="de-AT"/>
+            <a:endParaRPr lang="de-AT" dirty="0"/>
           </a:p>
         </p:txBody>
       </p:sp>
@@ -3931,7 +3931,7 @@
           <a:p>
             <a:fld id="{560D6F24-109C-42D3-BF90-9BF72925201E}" type="slidenum">
               <a:rPr lang="de-AT" smtClean="0"/>
-              <a:t>7</a:t>
+              <a:t>2</a:t>
             </a:fld>
             <a:endParaRPr lang="de-AT"/>
           </a:p>
@@ -3940,7 +3940,7 @@
     </p:spTree>
     <p:extLst>
       <p:ext uri="{BB962C8B-B14F-4D97-AF65-F5344CB8AC3E}">
-        <p14:creationId xmlns:p14="http://schemas.microsoft.com/office/powerpoint/2010/main" val="1148679377"/>
+        <p14:creationId xmlns:p14="http://schemas.microsoft.com/office/powerpoint/2010/main" val="2474401395"/>
       </p:ext>
     </p:extLst>
   </p:cSld>
@@ -3969,7 +3969,7 @@
       </p:grpSpPr>
       <p:sp>
         <p:nvSpPr>
-          <p:cNvPr id="2" name="Folienbildplatzhalter 1"/>
+          <p:cNvPr id="2" name="Slide Image Placeholder 1"/>
           <p:cNvSpPr>
             <a:spLocks noGrp="1" noRot="1" noChangeAspect="1"/>
           </p:cNvSpPr>
@@ -3981,7 +3981,7 @@
       </p:sp>
       <p:sp>
         <p:nvSpPr>
-          <p:cNvPr id="3" name="Notizenplatzhalter 2"/>
+          <p:cNvPr id="3" name="Notes Placeholder 2"/>
           <p:cNvSpPr>
             <a:spLocks noGrp="1"/>
           </p:cNvSpPr>
@@ -4000,7 +4000,7 @@
       </p:sp>
       <p:sp>
         <p:nvSpPr>
-          <p:cNvPr id="4" name="Foliennummernplatzhalter 3"/>
+          <p:cNvPr id="4" name="Slide Number Placeholder 3"/>
           <p:cNvSpPr>
             <a:spLocks noGrp="1"/>
           </p:cNvSpPr>
@@ -4015,7 +4015,7 @@
           <a:p>
             <a:fld id="{560D6F24-109C-42D3-BF90-9BF72925201E}" type="slidenum">
               <a:rPr lang="de-AT" smtClean="0"/>
-              <a:t>8</a:t>
+              <a:t>7</a:t>
             </a:fld>
             <a:endParaRPr lang="de-AT"/>
           </a:p>
@@ -4024,7 +4024,7 @@
     </p:spTree>
     <p:extLst>
       <p:ext uri="{BB962C8B-B14F-4D97-AF65-F5344CB8AC3E}">
-        <p14:creationId xmlns:p14="http://schemas.microsoft.com/office/powerpoint/2010/main" val="2775822030"/>
+        <p14:creationId xmlns:p14="http://schemas.microsoft.com/office/powerpoint/2010/main" val="1148679377"/>
       </p:ext>
     </p:extLst>
   </p:cSld>
@@ -4053,7 +4053,7 @@
       </p:grpSpPr>
       <p:sp>
         <p:nvSpPr>
-          <p:cNvPr id="2" name="Slide Image Placeholder 1"/>
+          <p:cNvPr id="2" name="Folienbildplatzhalter 1"/>
           <p:cNvSpPr>
             <a:spLocks noGrp="1" noRot="1" noChangeAspect="1"/>
           </p:cNvSpPr>
@@ -4065,7 +4065,7 @@
       </p:sp>
       <p:sp>
         <p:nvSpPr>
-          <p:cNvPr id="3" name="Notes Placeholder 2"/>
+          <p:cNvPr id="3" name="Notizenplatzhalter 2"/>
           <p:cNvSpPr>
             <a:spLocks noGrp="1"/>
           </p:cNvSpPr>
@@ -4078,13 +4078,13 @@
           <a:bodyPr/>
           <a:lstStyle/>
           <a:p>
-            <a:endParaRPr lang="de-AT" dirty="0"/>
-          </a:p>
-        </p:txBody>
-      </p:sp>
-      <p:sp>
-        <p:nvSpPr>
-          <p:cNvPr id="4" name="Slide Number Placeholder 3"/>
+            <a:endParaRPr lang="de-AT"/>
+          </a:p>
+        </p:txBody>
+      </p:sp>
+      <p:sp>
+        <p:nvSpPr>
+          <p:cNvPr id="4" name="Foliennummernplatzhalter 3"/>
           <p:cNvSpPr>
             <a:spLocks noGrp="1"/>
           </p:cNvSpPr>
@@ -4099,7 +4099,7 @@
           <a:p>
             <a:fld id="{560D6F24-109C-42D3-BF90-9BF72925201E}" type="slidenum">
               <a:rPr lang="de-AT" smtClean="0"/>
-              <a:t>28</a:t>
+              <a:t>8</a:t>
             </a:fld>
             <a:endParaRPr lang="de-AT"/>
           </a:p>
@@ -4108,7 +4108,7 @@
     </p:spTree>
     <p:extLst>
       <p:ext uri="{BB962C8B-B14F-4D97-AF65-F5344CB8AC3E}">
-        <p14:creationId xmlns:p14="http://schemas.microsoft.com/office/powerpoint/2010/main" val="2991128578"/>
+        <p14:creationId xmlns:p14="http://schemas.microsoft.com/office/powerpoint/2010/main" val="2775822030"/>
       </p:ext>
     </p:extLst>
   </p:cSld>
@@ -4183,6 +4183,90 @@
           <a:p>
             <a:fld id="{560D6F24-109C-42D3-BF90-9BF72925201E}" type="slidenum">
               <a:rPr lang="de-AT" smtClean="0"/>
+              <a:t>28</a:t>
+            </a:fld>
+            <a:endParaRPr lang="de-AT"/>
+          </a:p>
+        </p:txBody>
+      </p:sp>
+    </p:spTree>
+    <p:extLst>
+      <p:ext uri="{BB962C8B-B14F-4D97-AF65-F5344CB8AC3E}">
+        <p14:creationId xmlns:p14="http://schemas.microsoft.com/office/powerpoint/2010/main" val="2991128578"/>
+      </p:ext>
+    </p:extLst>
+  </p:cSld>
+  <p:clrMapOvr>
+    <a:masterClrMapping/>
+  </p:clrMapOvr>
+</p:notes>
+</file>
+
+<file path=ppt/notesSlides/notesSlide6.xml><?xml version="1.0" encoding="utf-8"?>
+<p:notes xmlns:a="http://schemas.openxmlformats.org/drawingml/2006/main" xmlns:r="http://schemas.openxmlformats.org/officeDocument/2006/relationships" xmlns:p="http://schemas.openxmlformats.org/presentationml/2006/main">
+  <p:cSld>
+    <p:spTree>
+      <p:nvGrpSpPr>
+        <p:cNvPr id="1" name=""/>
+        <p:cNvGrpSpPr/>
+        <p:nvPr/>
+      </p:nvGrpSpPr>
+      <p:grpSpPr>
+        <a:xfrm>
+          <a:off x="0" y="0"/>
+          <a:ext cx="0" cy="0"/>
+          <a:chOff x="0" y="0"/>
+          <a:chExt cx="0" cy="0"/>
+        </a:xfrm>
+      </p:grpSpPr>
+      <p:sp>
+        <p:nvSpPr>
+          <p:cNvPr id="2" name="Slide Image Placeholder 1"/>
+          <p:cNvSpPr>
+            <a:spLocks noGrp="1" noRot="1" noChangeAspect="1"/>
+          </p:cNvSpPr>
+          <p:nvPr>
+            <p:ph type="sldImg"/>
+          </p:nvPr>
+        </p:nvSpPr>
+        <p:spPr/>
+      </p:sp>
+      <p:sp>
+        <p:nvSpPr>
+          <p:cNvPr id="3" name="Notes Placeholder 2"/>
+          <p:cNvSpPr>
+            <a:spLocks noGrp="1"/>
+          </p:cNvSpPr>
+          <p:nvPr>
+            <p:ph type="body" idx="1"/>
+          </p:nvPr>
+        </p:nvSpPr>
+        <p:spPr/>
+        <p:txBody>
+          <a:bodyPr/>
+          <a:lstStyle/>
+          <a:p>
+            <a:endParaRPr lang="de-AT" dirty="0"/>
+          </a:p>
+        </p:txBody>
+      </p:sp>
+      <p:sp>
+        <p:nvSpPr>
+          <p:cNvPr id="4" name="Slide Number Placeholder 3"/>
+          <p:cNvSpPr>
+            <a:spLocks noGrp="1"/>
+          </p:cNvSpPr>
+          <p:nvPr>
+            <p:ph type="sldNum" sz="quarter" idx="10"/>
+          </p:nvPr>
+        </p:nvSpPr>
+        <p:spPr/>
+        <p:txBody>
+          <a:bodyPr/>
+          <a:lstStyle/>
+          <a:p>
+            <a:fld id="{560D6F24-109C-42D3-BF90-9BF72925201E}" type="slidenum">
+              <a:rPr lang="de-AT" smtClean="0"/>
               <a:t>32</a:t>
             </a:fld>
             <a:endParaRPr lang="de-AT"/>
@@ -4202,7 +4286,7 @@
 </p:notes>
 </file>
 
-<file path=ppt/notesSlides/notesSlide6.xml><?xml version="1.0" encoding="utf-8"?>
+<file path=ppt/notesSlides/notesSlide7.xml><?xml version="1.0" encoding="utf-8"?>
 <p:notes xmlns:a="http://schemas.openxmlformats.org/drawingml/2006/main" xmlns:r="http://schemas.openxmlformats.org/officeDocument/2006/relationships" xmlns:p="http://schemas.openxmlformats.org/presentationml/2006/main">
   <p:cSld>
     <p:spTree>
@@ -14902,20 +14986,23 @@
         <p:spPr/>
         <p:txBody>
           <a:bodyPr>
-            <a:normAutofit fontScale="85000" lnSpcReduction="20000"/>
+            <a:normAutofit fontScale="92500" lnSpcReduction="20000"/>
           </a:bodyPr>
           <a:lstStyle/>
           <a:p>
             <a:r>
               <a:rPr lang="en-US" b="1" dirty="0" smtClean="0"/>
-              <a:t>Principles of Secure Systems</a:t>
-            </a:r>
-          </a:p>
-          <a:p>
+              <a:t>Introduction </a:t>
+            </a:r>
             <a:r>
               <a:rPr lang="en-US" b="1" dirty="0" smtClean="0"/>
-              <a:t>Introduction to Security Architecture</a:t>
-            </a:r>
+              <a:t>to </a:t>
+            </a:r>
+            <a:r>
+              <a:rPr lang="en-US" b="1" dirty="0" smtClean="0"/>
+              <a:t>Secure Systems &amp; Architecture</a:t>
+            </a:r>
+            <a:endParaRPr lang="en-US" b="1" dirty="0" smtClean="0"/>
           </a:p>
           <a:p>
             <a:r>
@@ -14931,43 +15018,52 @@
           </a:p>
           <a:p>
             <a:r>
+              <a:rPr lang="en-US" b="1" smtClean="0"/>
+              <a:t>Live </a:t>
+            </a:r>
+            <a:r>
+              <a:rPr lang="en-US" b="1" dirty="0" smtClean="0"/>
+              <a:t>example</a:t>
+            </a:r>
+          </a:p>
+          <a:p>
+            <a:r>
+              <a:rPr lang="en-US" b="1" dirty="0"/>
+              <a:t>Enterprise </a:t>
+            </a:r>
+            <a:r>
+              <a:rPr lang="en-US" b="1" dirty="0" smtClean="0"/>
+              <a:t>Beans</a:t>
+            </a:r>
+          </a:p>
+          <a:p>
+            <a:r>
               <a:rPr lang="en-US" dirty="0" smtClean="0"/>
-              <a:t>Realms, Roles, Principals, Groups</a:t>
-            </a:r>
-          </a:p>
-          <a:p>
-            <a:r>
-              <a:rPr lang="en-US" b="1" dirty="0" smtClean="0"/>
-              <a:t>Live example</a:t>
-            </a:r>
-          </a:p>
-          <a:p>
-            <a:r>
-              <a:rPr lang="en-US" dirty="0"/>
-              <a:t>Enterprise </a:t>
-            </a:r>
+              <a:t>Application Client</a:t>
+            </a:r>
+            <a:endParaRPr lang="en-US" dirty="0" smtClean="0"/>
+          </a:p>
+          <a:p>
             <a:r>
               <a:rPr lang="en-US" dirty="0" smtClean="0"/>
-              <a:t>Beans</a:t>
-            </a:r>
-            <a:endParaRPr lang="en-US" b="1" dirty="0" smtClean="0"/>
+              <a:t>Digital Certificates</a:t>
+            </a:r>
           </a:p>
           <a:p>
             <a:r>
               <a:rPr lang="en-US" dirty="0" smtClean="0"/>
               <a:t>Frameworks</a:t>
             </a:r>
-          </a:p>
-          <a:p>
-            <a:r>
-              <a:rPr lang="en-US" dirty="0" smtClean="0"/>
-              <a:t>Output escaping</a:t>
-            </a:r>
+            <a:endParaRPr lang="en-US" dirty="0" smtClean="0"/>
           </a:p>
           <a:p>
             <a:r>
               <a:rPr lang="en-US" b="1" dirty="0" smtClean="0"/>
-              <a:t>Summary &amp; Questions</a:t>
+              <a:t>Summary </a:t>
+            </a:r>
+            <a:r>
+              <a:rPr lang="en-US" b="1" dirty="0" smtClean="0"/>
+              <a:t>&amp; Questions</a:t>
             </a:r>
             <a:endParaRPr lang="en-US" b="1" dirty="0"/>
           </a:p>
@@ -16495,13 +16591,8 @@
           <a:p>
             <a:r>
               <a:rPr lang="de-AT" dirty="0" smtClean="0"/>
-              <a:t>Authentication methods are the same as </a:t>
-            </a:r>
-            <a:r>
-              <a:rPr lang="de-AT" dirty="0" smtClean="0"/>
-              <a:t>well:</a:t>
-            </a:r>
-            <a:endParaRPr lang="de-AT" dirty="0" smtClean="0"/>
+              <a:t>Authentication methods are the same as well:</a:t>
+            </a:r>
           </a:p>
           <a:p>
             <a:pPr lvl="1"/>
@@ -16848,11 +16939,7 @@
           <a:p>
             <a:r>
               <a:rPr lang="de-AT" dirty="0" smtClean="0"/>
-              <a:t>Digital </a:t>
-            </a:r>
-            <a:r>
-              <a:rPr lang="de-AT" dirty="0" smtClean="0"/>
-              <a:t>Certificates</a:t>
+              <a:t>Digital Certificates</a:t>
             </a:r>
             <a:endParaRPr lang="de-AT" dirty="0"/>
           </a:p>
@@ -16886,7 +16973,6 @@
               <a:rPr lang="de-AT" dirty="0" smtClean="0"/>
               <a:t>Sometimes the server‘s identity is important</a:t>
             </a:r>
-            <a:endParaRPr lang="de-AT" dirty="0" smtClean="0"/>
           </a:p>
           <a:p>
             <a:r>
@@ -19800,8 +19886,14 @@
           <a:p>
             <a:r>
               <a:rPr lang="de-AT" dirty="0" smtClean="0"/>
-              <a:t>State of system can‘t be modified by unauthorized</a:t>
-            </a:r>
+              <a:t>State of system </a:t>
+            </a:r>
+            <a:r>
+              <a:rPr lang="de-AT" dirty="0" smtClean="0"/>
+              <a:t>can only be „correctly“ modified</a:t>
+            </a:r>
+          </a:p>
+          <a:p>
             <a:endParaRPr lang="de-AT" dirty="0"/>
           </a:p>
         </p:txBody>
